--- a/vqo_noisy_nonlocality_quantum_networks.pptx
+++ b/vqo_noisy_nonlocality_quantum_networks.pptx
@@ -34010,6 +34010,67 @@
       </p:grpSpPr>
       <p:sp>
         <p:nvSpPr>
+          <p:cNvPr id="8" name="Rounded Rectangle 7">
+            <a:extLst>
+              <a:ext uri="{FF2B5EF4-FFF2-40B4-BE49-F238E27FC236}">
+                <a16:creationId xmlns:a16="http://schemas.microsoft.com/office/drawing/2014/main" id="{10356D17-9432-574D-A759-106B855B9024}"/>
+              </a:ext>
+            </a:extLst>
+          </p:cNvPr>
+          <p:cNvSpPr/>
+          <p:nvPr/>
+        </p:nvSpPr>
+        <p:spPr>
+          <a:xfrm>
+            <a:off x="6589615" y="1403924"/>
+            <a:ext cx="4894173" cy="4781723"/>
+          </a:xfrm>
+          <a:prstGeom prst="roundRect">
+            <a:avLst>
+              <a:gd name="adj" fmla="val 5001"/>
+            </a:avLst>
+          </a:prstGeom>
+          <a:noFill/>
+          <a:ln w="25400">
+            <a:solidFill>
+              <a:srgbClr val="4C64AF"/>
+            </a:solidFill>
+            <a:prstDash val="dash"/>
+          </a:ln>
+        </p:spPr>
+        <p:style>
+          <a:lnRef idx="2">
+            <a:schemeClr val="accent1">
+              <a:shade val="50000"/>
+            </a:schemeClr>
+          </a:lnRef>
+          <a:fillRef idx="1">
+            <a:schemeClr val="accent1"/>
+          </a:fillRef>
+          <a:effectRef idx="0">
+            <a:schemeClr val="accent1"/>
+          </a:effectRef>
+          <a:fontRef idx="minor">
+            <a:schemeClr val="lt1"/>
+          </a:fontRef>
+        </p:style>
+        <p:txBody>
+          <a:bodyPr rtlCol="0" anchor="t" anchorCtr="0"/>
+          <a:lstStyle/>
+          <a:p>
+            <a:r>
+              <a:rPr lang="en-US" sz="1600" b="1" dirty="0">
+                <a:solidFill>
+                  <a:schemeClr val="tx1"/>
+                </a:solidFill>
+              </a:rPr>
+              <a:t>2) Variational Quantum Optimization Loop</a:t>
+            </a:r>
+          </a:p>
+        </p:txBody>
+      </p:sp>
+      <p:sp>
+        <p:nvSpPr>
           <p:cNvPr id="42" name="Arc 41">
             <a:extLst>
               <a:ext uri="{FF2B5EF4-FFF2-40B4-BE49-F238E27FC236}">
@@ -34075,7 +34136,7 @@
         </p:nvSpPr>
         <p:spPr>
           <a:xfrm rot="16651677" flipV="1">
-            <a:off x="8617934" y="887352"/>
+            <a:off x="8873427" y="887352"/>
             <a:ext cx="1580510" cy="1895103"/>
           </a:xfrm>
           <a:prstGeom prst="arc">
@@ -35097,67 +35158,6 @@
           </p:sp>
         </mc:Fallback>
       </mc:AlternateContent>
-      <p:sp>
-        <p:nvSpPr>
-          <p:cNvPr id="8" name="Rounded Rectangle 7">
-            <a:extLst>
-              <a:ext uri="{FF2B5EF4-FFF2-40B4-BE49-F238E27FC236}">
-                <a16:creationId xmlns:a16="http://schemas.microsoft.com/office/drawing/2014/main" id="{10356D17-9432-574D-A759-106B855B9024}"/>
-              </a:ext>
-            </a:extLst>
-          </p:cNvPr>
-          <p:cNvSpPr/>
-          <p:nvPr/>
-        </p:nvSpPr>
-        <p:spPr>
-          <a:xfrm>
-            <a:off x="6589615" y="1403924"/>
-            <a:ext cx="4894173" cy="4781723"/>
-          </a:xfrm>
-          <a:prstGeom prst="roundRect">
-            <a:avLst>
-              <a:gd name="adj" fmla="val 5001"/>
-            </a:avLst>
-          </a:prstGeom>
-          <a:noFill/>
-          <a:ln w="25400">
-            <a:solidFill>
-              <a:srgbClr val="4C64AF"/>
-            </a:solidFill>
-            <a:prstDash val="dash"/>
-          </a:ln>
-        </p:spPr>
-        <p:style>
-          <a:lnRef idx="2">
-            <a:schemeClr val="accent1">
-              <a:shade val="50000"/>
-            </a:schemeClr>
-          </a:lnRef>
-          <a:fillRef idx="1">
-            <a:schemeClr val="accent1"/>
-          </a:fillRef>
-          <a:effectRef idx="0">
-            <a:schemeClr val="accent1"/>
-          </a:effectRef>
-          <a:fontRef idx="minor">
-            <a:schemeClr val="lt1"/>
-          </a:fontRef>
-        </p:style>
-        <p:txBody>
-          <a:bodyPr rtlCol="0" anchor="t" anchorCtr="0"/>
-          <a:lstStyle/>
-          <a:p>
-            <a:r>
-              <a:rPr lang="en-US" sz="1600" b="1" dirty="0">
-                <a:solidFill>
-                  <a:schemeClr val="tx1"/>
-                </a:solidFill>
-              </a:rPr>
-              <a:t>2) Hybrid Variational Optimization Loop</a:t>
-            </a:r>
-          </a:p>
-        </p:txBody>
-      </p:sp>
       <mc:AlternateContent xmlns:mc="http://schemas.openxmlformats.org/markup-compatibility/2006">
         <mc:Choice xmlns:a14="http://schemas.microsoft.com/office/drawing/2010/main" Requires="a14">
           <p:sp>
@@ -35341,7 +35341,7 @@
             </p:nvSpPr>
             <p:spPr>
               <a:xfrm>
-                <a:off x="6589615" y="883202"/>
+                <a:off x="6845108" y="883202"/>
                 <a:ext cx="2978447" cy="391327"/>
               </a:xfrm>
               <a:prstGeom prst="roundRect">
@@ -35456,7 +35456,7 @@
             </p:nvSpPr>
             <p:spPr>
               <a:xfrm>
-                <a:off x="6589615" y="883202"/>
+                <a:off x="6845108" y="883202"/>
                 <a:ext cx="2978447" cy="391327"/>
               </a:xfrm>
               <a:prstGeom prst="roundRect">
@@ -38188,13 +38188,13 @@
       </p:par>
     </p:tnLst>
     <p:bldLst>
+      <p:bldP spid="8" grpId="0" animBg="1"/>
       <p:bldP spid="42" grpId="0" animBg="1"/>
       <p:bldP spid="11" grpId="0" animBg="1"/>
       <p:bldP spid="5" grpId="0"/>
       <p:bldP spid="6" grpId="0" animBg="1"/>
       <p:bldP spid="18" grpId="0" animBg="1"/>
       <p:bldP spid="7" grpId="0" animBg="1"/>
-      <p:bldP spid="8" grpId="0" animBg="1"/>
       <p:bldP spid="9" grpId="0" animBg="1"/>
       <p:bldP spid="10" grpId="0" animBg="1"/>
       <p:bldP spid="12" grpId="0" animBg="1"/>

--- a/vqo_noisy_nonlocality_quantum_networks.pptx
+++ b/vqo_noisy_nonlocality_quantum_networks.pptx
@@ -14,8 +14,11 @@
     <p:sldId id="262" r:id="rId8"/>
     <p:sldId id="263" r:id="rId9"/>
     <p:sldId id="266" r:id="rId10"/>
-    <p:sldId id="264" r:id="rId11"/>
-    <p:sldId id="265" r:id="rId12"/>
+    <p:sldId id="267" r:id="rId11"/>
+    <p:sldId id="264" r:id="rId12"/>
+    <p:sldId id="268" r:id="rId13"/>
+    <p:sldId id="265" r:id="rId14"/>
+    <p:sldId id="269" r:id="rId15"/>
   </p:sldIdLst>
   <p:sldSz cx="12192000" cy="6858000"/>
   <p:notesSz cx="6858000" cy="9144000"/>
@@ -269,7 +272,7 @@
           <a:p>
             <a:fld id="{05E911D8-8C42-E348-B619-A2C0A8C1C303}" type="datetimeFigureOut">
               <a:rPr lang="en-US" smtClean="0"/>
-              <a:t>4/17/22</a:t>
+              <a:t>4/18/22</a:t>
             </a:fld>
             <a:endParaRPr lang="en-US"/>
           </a:p>
@@ -467,7 +470,7 @@
           <a:p>
             <a:fld id="{05E911D8-8C42-E348-B619-A2C0A8C1C303}" type="datetimeFigureOut">
               <a:rPr lang="en-US" smtClean="0"/>
-              <a:t>4/17/22</a:t>
+              <a:t>4/18/22</a:t>
             </a:fld>
             <a:endParaRPr lang="en-US"/>
           </a:p>
@@ -675,7 +678,7 @@
           <a:p>
             <a:fld id="{05E911D8-8C42-E348-B619-A2C0A8C1C303}" type="datetimeFigureOut">
               <a:rPr lang="en-US" smtClean="0"/>
-              <a:t>4/17/22</a:t>
+              <a:t>4/18/22</a:t>
             </a:fld>
             <a:endParaRPr lang="en-US"/>
           </a:p>
@@ -873,7 +876,7 @@
           <a:p>
             <a:fld id="{05E911D8-8C42-E348-B619-A2C0A8C1C303}" type="datetimeFigureOut">
               <a:rPr lang="en-US" smtClean="0"/>
-              <a:t>4/17/22</a:t>
+              <a:t>4/18/22</a:t>
             </a:fld>
             <a:endParaRPr lang="en-US"/>
           </a:p>
@@ -1148,7 +1151,7 @@
           <a:p>
             <a:fld id="{05E911D8-8C42-E348-B619-A2C0A8C1C303}" type="datetimeFigureOut">
               <a:rPr lang="en-US" smtClean="0"/>
-              <a:t>4/17/22</a:t>
+              <a:t>4/18/22</a:t>
             </a:fld>
             <a:endParaRPr lang="en-US"/>
           </a:p>
@@ -1413,7 +1416,7 @@
           <a:p>
             <a:fld id="{05E911D8-8C42-E348-B619-A2C0A8C1C303}" type="datetimeFigureOut">
               <a:rPr lang="en-US" smtClean="0"/>
-              <a:t>4/17/22</a:t>
+              <a:t>4/18/22</a:t>
             </a:fld>
             <a:endParaRPr lang="en-US"/>
           </a:p>
@@ -1825,7 +1828,7 @@
           <a:p>
             <a:fld id="{05E911D8-8C42-E348-B619-A2C0A8C1C303}" type="datetimeFigureOut">
               <a:rPr lang="en-US" smtClean="0"/>
-              <a:t>4/17/22</a:t>
+              <a:t>4/18/22</a:t>
             </a:fld>
             <a:endParaRPr lang="en-US"/>
           </a:p>
@@ -1966,7 +1969,7 @@
           <a:p>
             <a:fld id="{05E911D8-8C42-E348-B619-A2C0A8C1C303}" type="datetimeFigureOut">
               <a:rPr lang="en-US" smtClean="0"/>
-              <a:t>4/17/22</a:t>
+              <a:t>4/18/22</a:t>
             </a:fld>
             <a:endParaRPr lang="en-US"/>
           </a:p>
@@ -2079,7 +2082,7 @@
           <a:p>
             <a:fld id="{05E911D8-8C42-E348-B619-A2C0A8C1C303}" type="datetimeFigureOut">
               <a:rPr lang="en-US" smtClean="0"/>
-              <a:t>4/17/22</a:t>
+              <a:t>4/18/22</a:t>
             </a:fld>
             <a:endParaRPr lang="en-US"/>
           </a:p>
@@ -2390,7 +2393,7 @@
           <a:p>
             <a:fld id="{05E911D8-8C42-E348-B619-A2C0A8C1C303}" type="datetimeFigureOut">
               <a:rPr lang="en-US" smtClean="0"/>
-              <a:t>4/17/22</a:t>
+              <a:t>4/18/22</a:t>
             </a:fld>
             <a:endParaRPr lang="en-US"/>
           </a:p>
@@ -2678,7 +2681,7 @@
           <a:p>
             <a:fld id="{05E911D8-8C42-E348-B619-A2C0A8C1C303}" type="datetimeFigureOut">
               <a:rPr lang="en-US" smtClean="0"/>
-              <a:t>4/17/22</a:t>
+              <a:t>4/18/22</a:t>
             </a:fld>
             <a:endParaRPr lang="en-US"/>
           </a:p>
@@ -2919,7 +2922,7 @@
           <a:p>
             <a:fld id="{05E911D8-8C42-E348-B619-A2C0A8C1C303}" type="datetimeFigureOut">
               <a:rPr lang="en-US" smtClean="0"/>
-              <a:t>4/17/22</a:t>
+              <a:t>4/18/22</a:t>
             </a:fld>
             <a:endParaRPr lang="en-US"/>
           </a:p>
@@ -3398,6 +3401,188 @@
       </p:grpSpPr>
       <p:sp>
         <p:nvSpPr>
+          <p:cNvPr id="2" name="Title 1">
+            <a:extLst>
+              <a:ext uri="{FF2B5EF4-FFF2-40B4-BE49-F238E27FC236}">
+                <a16:creationId xmlns:a16="http://schemas.microsoft.com/office/drawing/2014/main" id="{6DC53A36-2F77-AB4D-83B3-DD9A2F7A936F}"/>
+              </a:ext>
+            </a:extLst>
+          </p:cNvPr>
+          <p:cNvSpPr>
+            <a:spLocks noGrp="1"/>
+          </p:cNvSpPr>
+          <p:nvPr>
+            <p:ph type="title"/>
+          </p:nvPr>
+        </p:nvSpPr>
+        <p:spPr>
+          <a:xfrm>
+            <a:off x="838200" y="365125"/>
+            <a:ext cx="2308412" cy="1325563"/>
+          </a:xfrm>
+        </p:spPr>
+        <p:txBody>
+          <a:bodyPr>
+            <a:normAutofit fontScale="90000"/>
+          </a:bodyPr>
+          <a:lstStyle/>
+          <a:p>
+            <a:r>
+              <a:rPr lang="en-US" dirty="0"/>
+              <a:t>Unital noise plots</a:t>
+            </a:r>
+          </a:p>
+        </p:txBody>
+      </p:sp>
+      <p:pic>
+        <p:nvPicPr>
+          <p:cNvPr id="7" name="Picture 6" descr="Chart&#10;&#10;Description automatically generated">
+            <a:extLst>
+              <a:ext uri="{FF2B5EF4-FFF2-40B4-BE49-F238E27FC236}">
+                <a16:creationId xmlns:a16="http://schemas.microsoft.com/office/drawing/2014/main" id="{4A5C0397-9666-BA4A-A658-8D91E81BD02B}"/>
+              </a:ext>
+            </a:extLst>
+          </p:cNvPr>
+          <p:cNvPicPr>
+            <a:picLocks noChangeAspect="1"/>
+          </p:cNvPicPr>
+          <p:nvPr/>
+        </p:nvPicPr>
+        <p:blipFill rotWithShape="1">
+          <a:blip r:embed="rId2"/>
+          <a:srcRect b="33481"/>
+          <a:stretch/>
+        </p:blipFill>
+        <p:spPr>
+          <a:xfrm>
+            <a:off x="4285128" y="4363654"/>
+            <a:ext cx="4917141" cy="1962519"/>
+          </a:xfrm>
+          <a:prstGeom prst="rect">
+            <a:avLst/>
+          </a:prstGeom>
+        </p:spPr>
+      </p:pic>
+      <p:pic>
+        <p:nvPicPr>
+          <p:cNvPr id="9" name="Picture 8" descr="A picture containing diagram&#10;&#10;Description automatically generated">
+            <a:extLst>
+              <a:ext uri="{FF2B5EF4-FFF2-40B4-BE49-F238E27FC236}">
+                <a16:creationId xmlns:a16="http://schemas.microsoft.com/office/drawing/2014/main" id="{B0CE4289-55FC-054E-8413-19ED3442A48B}"/>
+              </a:ext>
+            </a:extLst>
+          </p:cNvPr>
+          <p:cNvPicPr>
+            <a:picLocks noChangeAspect="1"/>
+          </p:cNvPicPr>
+          <p:nvPr/>
+        </p:nvPicPr>
+        <p:blipFill rotWithShape="1">
+          <a:blip r:embed="rId3"/>
+          <a:srcRect b="33481"/>
+          <a:stretch/>
+        </p:blipFill>
+        <p:spPr>
+          <a:xfrm>
+            <a:off x="4288393" y="228676"/>
+            <a:ext cx="4913876" cy="1961216"/>
+          </a:xfrm>
+          <a:prstGeom prst="rect">
+            <a:avLst/>
+          </a:prstGeom>
+        </p:spPr>
+      </p:pic>
+      <p:pic>
+        <p:nvPicPr>
+          <p:cNvPr id="11" name="Picture 10" descr="Chart&#10;&#10;Description automatically generated">
+            <a:extLst>
+              <a:ext uri="{FF2B5EF4-FFF2-40B4-BE49-F238E27FC236}">
+                <a16:creationId xmlns:a16="http://schemas.microsoft.com/office/drawing/2014/main" id="{44C697F3-B417-5E43-B89C-40015B16153B}"/>
+              </a:ext>
+            </a:extLst>
+          </p:cNvPr>
+          <p:cNvPicPr>
+            <a:picLocks noChangeAspect="1"/>
+          </p:cNvPicPr>
+          <p:nvPr/>
+        </p:nvPicPr>
+        <p:blipFill>
+          <a:blip r:embed="rId4"/>
+          <a:stretch>
+            <a:fillRect/>
+          </a:stretch>
+        </p:blipFill>
+        <p:spPr>
+          <a:xfrm>
+            <a:off x="4285128" y="6432446"/>
+            <a:ext cx="4917141" cy="2950284"/>
+          </a:xfrm>
+          <a:prstGeom prst="rect">
+            <a:avLst/>
+          </a:prstGeom>
+        </p:spPr>
+      </p:pic>
+      <p:pic>
+        <p:nvPicPr>
+          <p:cNvPr id="13" name="Picture 12" descr="Chart&#10;&#10;Description automatically generated">
+            <a:extLst>
+              <a:ext uri="{FF2B5EF4-FFF2-40B4-BE49-F238E27FC236}">
+                <a16:creationId xmlns:a16="http://schemas.microsoft.com/office/drawing/2014/main" id="{6F196CFD-9B69-F749-8D8F-FA3CC7040B50}"/>
+              </a:ext>
+            </a:extLst>
+          </p:cNvPr>
+          <p:cNvPicPr>
+            <a:picLocks noChangeAspect="1"/>
+          </p:cNvPicPr>
+          <p:nvPr/>
+        </p:nvPicPr>
+        <p:blipFill rotWithShape="1">
+          <a:blip r:embed="rId5"/>
+          <a:srcRect b="33525"/>
+          <a:stretch/>
+        </p:blipFill>
+        <p:spPr>
+          <a:xfrm>
+            <a:off x="4285128" y="2296165"/>
+            <a:ext cx="4917142" cy="1961216"/>
+          </a:xfrm>
+          <a:prstGeom prst="rect">
+            <a:avLst/>
+          </a:prstGeom>
+        </p:spPr>
+      </p:pic>
+    </p:spTree>
+    <p:extLst>
+      <p:ext uri="{BB962C8B-B14F-4D97-AF65-F5344CB8AC3E}">
+        <p14:creationId xmlns:p14="http://schemas.microsoft.com/office/powerpoint/2010/main" val="3157803833"/>
+      </p:ext>
+    </p:extLst>
+  </p:cSld>
+  <p:clrMapOvr>
+    <a:masterClrMapping/>
+  </p:clrMapOvr>
+</p:sld>
+</file>
+
+<file path=ppt/slides/slide11.xml><?xml version="1.0" encoding="utf-8"?>
+<p:sld xmlns:a="http://schemas.openxmlformats.org/drawingml/2006/main" xmlns:r="http://schemas.openxmlformats.org/officeDocument/2006/relationships" xmlns:p="http://schemas.openxmlformats.org/presentationml/2006/main">
+  <p:cSld>
+    <p:spTree>
+      <p:nvGrpSpPr>
+        <p:cNvPr id="1" name=""/>
+        <p:cNvGrpSpPr/>
+        <p:nvPr/>
+      </p:nvGrpSpPr>
+      <p:grpSpPr>
+        <a:xfrm>
+          <a:off x="0" y="0"/>
+          <a:ext cx="0" cy="0"/>
+          <a:chOff x="0" y="0"/>
+          <a:chExt cx="0" cy="0"/>
+        </a:xfrm>
+      </p:grpSpPr>
+      <p:sp>
+        <p:nvSpPr>
           <p:cNvPr id="6" name="Rounded Rectangle 5">
             <a:extLst>
               <a:ext uri="{FF2B5EF4-FFF2-40B4-BE49-F238E27FC236}">
@@ -3575,8 +3760,8 @@
           </a:fontRef>
         </p:style>
       </p:cxnSp>
-      <mc:AlternateContent xmlns:mc="http://schemas.openxmlformats.org/markup-compatibility/2006">
-        <mc:Choice xmlns:a14="http://schemas.microsoft.com/office/drawing/2010/main" Requires="a14">
+      <mc:AlternateContent xmlns:mc="http://schemas.openxmlformats.org/markup-compatibility/2006" xmlns:a14="http://schemas.microsoft.com/office/drawing/2010/main">
+        <mc:Choice Requires="a14">
           <p:sp>
             <p:nvSpPr>
               <p:cNvPr id="7" name="TextBox 6">
@@ -3660,7 +3845,7 @@
             </p:txBody>
           </p:sp>
         </mc:Choice>
-        <mc:Fallback>
+        <mc:Fallback xmlns="">
           <p:sp>
             <p:nvSpPr>
               <p:cNvPr id="7" name="TextBox 6">
@@ -3705,8 +3890,8 @@
           </p:sp>
         </mc:Fallback>
       </mc:AlternateContent>
-      <mc:AlternateContent xmlns:mc="http://schemas.openxmlformats.org/markup-compatibility/2006">
-        <mc:Choice xmlns:a14="http://schemas.microsoft.com/office/drawing/2010/main" Requires="a14">
+      <mc:AlternateContent xmlns:mc="http://schemas.openxmlformats.org/markup-compatibility/2006" xmlns:a14="http://schemas.microsoft.com/office/drawing/2010/main">
+        <mc:Choice Requires="a14">
           <p:sp>
             <p:nvSpPr>
               <p:cNvPr id="8" name="TextBox 7">
@@ -3756,7 +3941,7 @@
             </p:txBody>
           </p:sp>
         </mc:Choice>
-        <mc:Fallback>
+        <mc:Fallback xmlns="">
           <p:sp>
             <p:nvSpPr>
               <p:cNvPr id="8" name="TextBox 7">
@@ -3801,8 +3986,8 @@
           </p:sp>
         </mc:Fallback>
       </mc:AlternateContent>
-      <mc:AlternateContent xmlns:mc="http://schemas.openxmlformats.org/markup-compatibility/2006">
-        <mc:Choice xmlns:a14="http://schemas.microsoft.com/office/drawing/2010/main" Requires="a14">
+      <mc:AlternateContent xmlns:mc="http://schemas.openxmlformats.org/markup-compatibility/2006" xmlns:a14="http://schemas.microsoft.com/office/drawing/2010/main">
+        <mc:Choice Requires="a14">
           <p:sp>
             <p:nvSpPr>
               <p:cNvPr id="9" name="Rounded Rectangle 8">
@@ -3943,7 +4128,7 @@
             </p:txBody>
           </p:sp>
         </mc:Choice>
-        <mc:Fallback>
+        <mc:Fallback xmlns="">
           <p:sp>
             <p:nvSpPr>
               <p:cNvPr id="9" name="Rounded Rectangle 8">
@@ -3995,8 +4180,8 @@
           </p:sp>
         </mc:Fallback>
       </mc:AlternateContent>
-      <mc:AlternateContent xmlns:mc="http://schemas.openxmlformats.org/markup-compatibility/2006">
-        <mc:Choice xmlns:a14="http://schemas.microsoft.com/office/drawing/2010/main" Requires="a14">
+      <mc:AlternateContent xmlns:mc="http://schemas.openxmlformats.org/markup-compatibility/2006" xmlns:a14="http://schemas.microsoft.com/office/drawing/2010/main">
+        <mc:Choice Requires="a14">
           <p:sp>
             <p:nvSpPr>
               <p:cNvPr id="11" name="TextBox 10">
@@ -4068,7 +4253,7 @@
             </p:txBody>
           </p:sp>
         </mc:Choice>
-        <mc:Fallback>
+        <mc:Fallback xmlns="">
           <p:sp>
             <p:nvSpPr>
               <p:cNvPr id="11" name="TextBox 10">
@@ -4709,8 +4894,8 @@
           </a:fontRef>
         </p:style>
       </p:cxnSp>
-      <mc:AlternateContent xmlns:mc="http://schemas.openxmlformats.org/markup-compatibility/2006">
-        <mc:Choice xmlns:a14="http://schemas.microsoft.com/office/drawing/2010/main" Requires="a14">
+      <mc:AlternateContent xmlns:mc="http://schemas.openxmlformats.org/markup-compatibility/2006" xmlns:a14="http://schemas.microsoft.com/office/drawing/2010/main">
+        <mc:Choice Requires="a14">
           <p:sp>
             <p:nvSpPr>
               <p:cNvPr id="37" name="TextBox 36">
@@ -4794,7 +4979,7 @@
             </p:txBody>
           </p:sp>
         </mc:Choice>
-        <mc:Fallback>
+        <mc:Fallback xmlns="">
           <p:sp>
             <p:nvSpPr>
               <p:cNvPr id="37" name="TextBox 36">
@@ -4839,8 +5024,8 @@
           </p:sp>
         </mc:Fallback>
       </mc:AlternateContent>
-      <mc:AlternateContent xmlns:mc="http://schemas.openxmlformats.org/markup-compatibility/2006">
-        <mc:Choice xmlns:a14="http://schemas.microsoft.com/office/drawing/2010/main" Requires="a14">
+      <mc:AlternateContent xmlns:mc="http://schemas.openxmlformats.org/markup-compatibility/2006" xmlns:a14="http://schemas.microsoft.com/office/drawing/2010/main">
+        <mc:Choice Requires="a14">
           <p:sp>
             <p:nvSpPr>
               <p:cNvPr id="38" name="TextBox 37">
@@ -4890,7 +5075,7 @@
             </p:txBody>
           </p:sp>
         </mc:Choice>
-        <mc:Fallback>
+        <mc:Fallback xmlns="">
           <p:sp>
             <p:nvSpPr>
               <p:cNvPr id="38" name="TextBox 37">
@@ -4935,8 +5120,8 @@
           </p:sp>
         </mc:Fallback>
       </mc:AlternateContent>
-      <mc:AlternateContent xmlns:mc="http://schemas.openxmlformats.org/markup-compatibility/2006">
-        <mc:Choice xmlns:a14="http://schemas.microsoft.com/office/drawing/2010/main" Requires="a14">
+      <mc:AlternateContent xmlns:mc="http://schemas.openxmlformats.org/markup-compatibility/2006" xmlns:a14="http://schemas.microsoft.com/office/drawing/2010/main">
+        <mc:Choice Requires="a14">
           <p:sp>
             <p:nvSpPr>
               <p:cNvPr id="39" name="Rounded Rectangle 38">
@@ -5077,7 +5262,7 @@
             </p:txBody>
           </p:sp>
         </mc:Choice>
-        <mc:Fallback>
+        <mc:Fallback xmlns="">
           <p:sp>
             <p:nvSpPr>
               <p:cNvPr id="39" name="Rounded Rectangle 38">
@@ -5129,8 +5314,8 @@
           </p:sp>
         </mc:Fallback>
       </mc:AlternateContent>
-      <mc:AlternateContent xmlns:mc="http://schemas.openxmlformats.org/markup-compatibility/2006">
-        <mc:Choice xmlns:a14="http://schemas.microsoft.com/office/drawing/2010/main" Requires="a14">
+      <mc:AlternateContent xmlns:mc="http://schemas.openxmlformats.org/markup-compatibility/2006" xmlns:a14="http://schemas.microsoft.com/office/drawing/2010/main">
+        <mc:Choice Requires="a14">
           <p:sp>
             <p:nvSpPr>
               <p:cNvPr id="40" name="TextBox 39">
@@ -5202,7 +5387,7 @@
             </p:txBody>
           </p:sp>
         </mc:Choice>
-        <mc:Fallback>
+        <mc:Fallback xmlns="">
           <p:sp>
             <p:nvSpPr>
               <p:cNvPr id="40" name="TextBox 39">
@@ -5632,7 +5817,7 @@
 </p:sld>
 </file>
 
-<file path=ppt/slides/slide11.xml><?xml version="1.0" encoding="utf-8"?>
+<file path=ppt/slides/slide12.xml><?xml version="1.0" encoding="utf-8"?>
 <p:sld xmlns:a="http://schemas.openxmlformats.org/drawingml/2006/main" xmlns:r="http://schemas.openxmlformats.org/officeDocument/2006/relationships" xmlns:p="http://schemas.openxmlformats.org/presentationml/2006/main">
   <p:cSld>
     <p:spTree>
@@ -5649,8 +5834,162 @@
           <a:chExt cx="0" cy="0"/>
         </a:xfrm>
       </p:grpSpPr>
-      <mc:AlternateContent xmlns:mc="http://schemas.openxmlformats.org/markup-compatibility/2006">
-        <mc:Choice xmlns:a14="http://schemas.microsoft.com/office/drawing/2010/main" Requires="a14">
+      <p:sp>
+        <p:nvSpPr>
+          <p:cNvPr id="2" name="Title 1">
+            <a:extLst>
+              <a:ext uri="{FF2B5EF4-FFF2-40B4-BE49-F238E27FC236}">
+                <a16:creationId xmlns:a16="http://schemas.microsoft.com/office/drawing/2014/main" id="{65B66325-A1F0-F844-9F79-E0613E6ED33B}"/>
+              </a:ext>
+            </a:extLst>
+          </p:cNvPr>
+          <p:cNvSpPr>
+            <a:spLocks noGrp="1"/>
+          </p:cNvSpPr>
+          <p:nvPr>
+            <p:ph type="title"/>
+          </p:nvPr>
+        </p:nvSpPr>
+        <p:spPr>
+          <a:xfrm>
+            <a:off x="838200" y="365125"/>
+            <a:ext cx="2348753" cy="1325563"/>
+          </a:xfrm>
+        </p:spPr>
+        <p:txBody>
+          <a:bodyPr>
+            <a:normAutofit fontScale="90000"/>
+          </a:bodyPr>
+          <a:lstStyle/>
+          <a:p>
+            <a:r>
+              <a:rPr lang="en-US" dirty="0"/>
+              <a:t>Nonunital noise plots</a:t>
+            </a:r>
+          </a:p>
+        </p:txBody>
+      </p:sp>
+      <p:pic>
+        <p:nvPicPr>
+          <p:cNvPr id="5" name="Picture 4" descr="Chart&#10;&#10;Description automatically generated">
+            <a:extLst>
+              <a:ext uri="{FF2B5EF4-FFF2-40B4-BE49-F238E27FC236}">
+                <a16:creationId xmlns:a16="http://schemas.microsoft.com/office/drawing/2014/main" id="{FACD6667-AA88-1A40-943D-60385B30C06F}"/>
+              </a:ext>
+            </a:extLst>
+          </p:cNvPr>
+          <p:cNvPicPr>
+            <a:picLocks noChangeAspect="1"/>
+          </p:cNvPicPr>
+          <p:nvPr/>
+        </p:nvPicPr>
+        <p:blipFill rotWithShape="1">
+          <a:blip r:embed="rId2"/>
+          <a:srcRect b="16210"/>
+          <a:stretch/>
+        </p:blipFill>
+        <p:spPr>
+          <a:xfrm>
+            <a:off x="5271247" y="0"/>
+            <a:ext cx="4092388" cy="3429000"/>
+          </a:xfrm>
+          <a:prstGeom prst="rect">
+            <a:avLst/>
+          </a:prstGeom>
+        </p:spPr>
+      </p:pic>
+      <p:pic>
+        <p:nvPicPr>
+          <p:cNvPr id="7" name="Picture 6" descr="Chart&#10;&#10;Description automatically generated">
+            <a:extLst>
+              <a:ext uri="{FF2B5EF4-FFF2-40B4-BE49-F238E27FC236}">
+                <a16:creationId xmlns:a16="http://schemas.microsoft.com/office/drawing/2014/main" id="{DC2D73C0-554E-FE45-9C94-CFD4D1A625A6}"/>
+              </a:ext>
+            </a:extLst>
+          </p:cNvPr>
+          <p:cNvPicPr>
+            <a:picLocks noChangeAspect="1"/>
+          </p:cNvPicPr>
+          <p:nvPr/>
+        </p:nvPicPr>
+        <p:blipFill>
+          <a:blip r:embed="rId3"/>
+          <a:stretch>
+            <a:fillRect/>
+          </a:stretch>
+        </p:blipFill>
+        <p:spPr>
+          <a:xfrm>
+            <a:off x="5271247" y="3429000"/>
+            <a:ext cx="4092388" cy="4092388"/>
+          </a:xfrm>
+          <a:prstGeom prst="rect">
+            <a:avLst/>
+          </a:prstGeom>
+        </p:spPr>
+      </p:pic>
+      <p:pic>
+        <p:nvPicPr>
+          <p:cNvPr id="9" name="Picture 8" descr="Chart, line chart&#10;&#10;Description automatically generated">
+            <a:extLst>
+              <a:ext uri="{FF2B5EF4-FFF2-40B4-BE49-F238E27FC236}">
+                <a16:creationId xmlns:a16="http://schemas.microsoft.com/office/drawing/2014/main" id="{634F9480-2DDB-AA42-B31A-9398E4BBE7AA}"/>
+              </a:ext>
+            </a:extLst>
+          </p:cNvPr>
+          <p:cNvPicPr>
+            <a:picLocks noChangeAspect="1"/>
+          </p:cNvPicPr>
+          <p:nvPr/>
+        </p:nvPicPr>
+        <p:blipFill>
+          <a:blip r:embed="rId4"/>
+          <a:stretch>
+            <a:fillRect/>
+          </a:stretch>
+        </p:blipFill>
+        <p:spPr>
+          <a:xfrm>
+            <a:off x="537881" y="3149301"/>
+            <a:ext cx="4096871" cy="2458123"/>
+          </a:xfrm>
+          <a:prstGeom prst="rect">
+            <a:avLst/>
+          </a:prstGeom>
+        </p:spPr>
+      </p:pic>
+    </p:spTree>
+    <p:extLst>
+      <p:ext uri="{BB962C8B-B14F-4D97-AF65-F5344CB8AC3E}">
+        <p14:creationId xmlns:p14="http://schemas.microsoft.com/office/powerpoint/2010/main" val="3464537955"/>
+      </p:ext>
+    </p:extLst>
+  </p:cSld>
+  <p:clrMapOvr>
+    <a:masterClrMapping/>
+  </p:clrMapOvr>
+</p:sld>
+</file>
+
+<file path=ppt/slides/slide13.xml><?xml version="1.0" encoding="utf-8"?>
+<p:sld xmlns:a="http://schemas.openxmlformats.org/drawingml/2006/main" xmlns:r="http://schemas.openxmlformats.org/officeDocument/2006/relationships" xmlns:p="http://schemas.openxmlformats.org/presentationml/2006/main">
+  <p:cSld>
+    <p:spTree>
+      <p:nvGrpSpPr>
+        <p:cNvPr id="1" name=""/>
+        <p:cNvGrpSpPr/>
+        <p:nvPr/>
+      </p:nvGrpSpPr>
+      <p:grpSpPr>
+        <a:xfrm>
+          <a:off x="0" y="0"/>
+          <a:ext cx="0" cy="0"/>
+          <a:chOff x="0" y="0"/>
+          <a:chExt cx="0" cy="0"/>
+        </a:xfrm>
+      </p:grpSpPr>
+      <mc:AlternateContent xmlns:mc="http://schemas.openxmlformats.org/markup-compatibility/2006" xmlns:a14="http://schemas.microsoft.com/office/drawing/2010/main">
+        <mc:Choice Requires="a14">
           <p:sp>
             <p:nvSpPr>
               <p:cNvPr id="67" name="Rounded Rectangle 66">
@@ -5757,7 +6096,7 @@
             </p:txBody>
           </p:sp>
         </mc:Choice>
-        <mc:Fallback>
+        <mc:Fallback xmlns="">
           <p:sp>
             <p:nvSpPr>
               <p:cNvPr id="67" name="Rounded Rectangle 66">
@@ -5811,8 +6150,8 @@
           </p:sp>
         </mc:Fallback>
       </mc:AlternateContent>
-      <mc:AlternateContent xmlns:mc="http://schemas.openxmlformats.org/markup-compatibility/2006">
-        <mc:Choice xmlns:a14="http://schemas.microsoft.com/office/drawing/2010/main" Requires="a14">
+      <mc:AlternateContent xmlns:mc="http://schemas.openxmlformats.org/markup-compatibility/2006" xmlns:a14="http://schemas.microsoft.com/office/drawing/2010/main">
+        <mc:Choice Requires="a14">
           <p:sp>
             <p:nvSpPr>
               <p:cNvPr id="65" name="Rounded Rectangle 64">
@@ -5919,7 +6258,7 @@
             </p:txBody>
           </p:sp>
         </mc:Choice>
-        <mc:Fallback>
+        <mc:Fallback xmlns="">
           <p:sp>
             <p:nvSpPr>
               <p:cNvPr id="65" name="Rounded Rectangle 64">
@@ -5973,8 +6312,8 @@
           </p:sp>
         </mc:Fallback>
       </mc:AlternateContent>
-      <mc:AlternateContent xmlns:mc="http://schemas.openxmlformats.org/markup-compatibility/2006">
-        <mc:Choice xmlns:a14="http://schemas.microsoft.com/office/drawing/2010/main" Requires="a14">
+      <mc:AlternateContent xmlns:mc="http://schemas.openxmlformats.org/markup-compatibility/2006" xmlns:a14="http://schemas.microsoft.com/office/drawing/2010/main">
+        <mc:Choice Requires="a14">
           <p:sp>
             <p:nvSpPr>
               <p:cNvPr id="21" name="Rounded Rectangle 20">
@@ -6084,7 +6423,7 @@
             </p:txBody>
           </p:sp>
         </mc:Choice>
-        <mc:Fallback>
+        <mc:Fallback xmlns="">
           <p:sp>
             <p:nvSpPr>
               <p:cNvPr id="21" name="Rounded Rectangle 20">
@@ -6340,8 +6679,8 @@
           </a:p>
         </p:txBody>
       </p:sp>
-      <mc:AlternateContent xmlns:mc="http://schemas.openxmlformats.org/markup-compatibility/2006">
-        <mc:Choice xmlns:a14="http://schemas.microsoft.com/office/drawing/2010/main" Requires="a14">
+      <mc:AlternateContent xmlns:mc="http://schemas.openxmlformats.org/markup-compatibility/2006" xmlns:a14="http://schemas.microsoft.com/office/drawing/2010/main">
+        <mc:Choice Requires="a14">
           <p:sp>
             <p:nvSpPr>
               <p:cNvPr id="12" name="TextBox 11">
@@ -6410,7 +6749,7 @@
             </p:txBody>
           </p:sp>
         </mc:Choice>
-        <mc:Fallback>
+        <mc:Fallback xmlns="">
           <p:sp>
             <p:nvSpPr>
               <p:cNvPr id="12" name="TextBox 11">
@@ -6501,8 +6840,8 @@
           </a:fontRef>
         </p:style>
       </p:cxnSp>
-      <mc:AlternateContent xmlns:mc="http://schemas.openxmlformats.org/markup-compatibility/2006">
-        <mc:Choice xmlns:a14="http://schemas.microsoft.com/office/drawing/2010/main" Requires="a14">
+      <mc:AlternateContent xmlns:mc="http://schemas.openxmlformats.org/markup-compatibility/2006" xmlns:a14="http://schemas.microsoft.com/office/drawing/2010/main">
+        <mc:Choice Requires="a14">
           <p:sp>
             <p:nvSpPr>
               <p:cNvPr id="18" name="TextBox 17">
@@ -6571,7 +6910,7 @@
             </p:txBody>
           </p:sp>
         </mc:Choice>
-        <mc:Fallback>
+        <mc:Fallback xmlns="">
           <p:sp>
             <p:nvSpPr>
               <p:cNvPr id="18" name="TextBox 17">
@@ -6616,8 +6955,8 @@
           </p:sp>
         </mc:Fallback>
       </mc:AlternateContent>
-      <mc:AlternateContent xmlns:mc="http://schemas.openxmlformats.org/markup-compatibility/2006">
-        <mc:Choice xmlns:a14="http://schemas.microsoft.com/office/drawing/2010/main" Requires="a14">
+      <mc:AlternateContent xmlns:mc="http://schemas.openxmlformats.org/markup-compatibility/2006" xmlns:a14="http://schemas.microsoft.com/office/drawing/2010/main">
+        <mc:Choice Requires="a14">
           <p:sp>
             <p:nvSpPr>
               <p:cNvPr id="20" name="TextBox 19">
@@ -6667,7 +7006,7 @@
             </p:txBody>
           </p:sp>
         </mc:Choice>
-        <mc:Fallback>
+        <mc:Fallback xmlns="">
           <p:sp>
             <p:nvSpPr>
               <p:cNvPr id="20" name="TextBox 19">
@@ -6758,8 +7097,8 @@
           </a:fontRef>
         </p:style>
       </p:cxnSp>
-      <mc:AlternateContent xmlns:mc="http://schemas.openxmlformats.org/markup-compatibility/2006">
-        <mc:Choice xmlns:a14="http://schemas.microsoft.com/office/drawing/2010/main" Requires="a14">
+      <mc:AlternateContent xmlns:mc="http://schemas.openxmlformats.org/markup-compatibility/2006" xmlns:a14="http://schemas.microsoft.com/office/drawing/2010/main">
+        <mc:Choice Requires="a14">
           <p:sp>
             <p:nvSpPr>
               <p:cNvPr id="22" name="TextBox 21">
@@ -6809,7 +7148,7 @@
             </p:txBody>
           </p:sp>
         </mc:Choice>
-        <mc:Fallback>
+        <mc:Fallback xmlns="">
           <p:sp>
             <p:nvSpPr>
               <p:cNvPr id="22" name="TextBox 21">
@@ -6854,8 +7193,8 @@
           </p:sp>
         </mc:Fallback>
       </mc:AlternateContent>
-      <mc:AlternateContent xmlns:mc="http://schemas.openxmlformats.org/markup-compatibility/2006">
-        <mc:Choice xmlns:a14="http://schemas.microsoft.com/office/drawing/2010/main" Requires="a14">
+      <mc:AlternateContent xmlns:mc="http://schemas.openxmlformats.org/markup-compatibility/2006" xmlns:a14="http://schemas.microsoft.com/office/drawing/2010/main">
+        <mc:Choice Requires="a14">
           <p:sp>
             <p:nvSpPr>
               <p:cNvPr id="23" name="Rounded Rectangle 22">
@@ -7040,7 +7379,7 @@
             </p:txBody>
           </p:sp>
         </mc:Choice>
-        <mc:Fallback>
+        <mc:Fallback xmlns="">
           <p:sp>
             <p:nvSpPr>
               <p:cNvPr id="23" name="Rounded Rectangle 22">
@@ -7092,8 +7431,8 @@
           </p:sp>
         </mc:Fallback>
       </mc:AlternateContent>
-      <mc:AlternateContent xmlns:mc="http://schemas.openxmlformats.org/markup-compatibility/2006">
-        <mc:Choice xmlns:a14="http://schemas.microsoft.com/office/drawing/2010/main" Requires="a14">
+      <mc:AlternateContent xmlns:mc="http://schemas.openxmlformats.org/markup-compatibility/2006" xmlns:a14="http://schemas.microsoft.com/office/drawing/2010/main">
+        <mc:Choice Requires="a14">
           <p:sp>
             <p:nvSpPr>
               <p:cNvPr id="24" name="TextBox 23">
@@ -7143,7 +7482,7 @@
             </p:txBody>
           </p:sp>
         </mc:Choice>
-        <mc:Fallback>
+        <mc:Fallback xmlns="">
           <p:sp>
             <p:nvSpPr>
               <p:cNvPr id="24" name="TextBox 23">
@@ -7623,8 +7962,8 @@
           </a:p>
         </p:txBody>
       </p:sp>
-      <mc:AlternateContent xmlns:mc="http://schemas.openxmlformats.org/markup-compatibility/2006">
-        <mc:Choice xmlns:a14="http://schemas.microsoft.com/office/drawing/2010/main" Requires="a14">
+      <mc:AlternateContent xmlns:mc="http://schemas.openxmlformats.org/markup-compatibility/2006" xmlns:a14="http://schemas.microsoft.com/office/drawing/2010/main">
+        <mc:Choice Requires="a14">
           <p:sp>
             <p:nvSpPr>
               <p:cNvPr id="48" name="Rectangle 47">
@@ -7673,7 +8012,7 @@
             </p:txBody>
           </p:sp>
         </mc:Choice>
-        <mc:Fallback>
+        <mc:Fallback xmlns="">
           <p:sp>
             <p:nvSpPr>
               <p:cNvPr id="48" name="Rectangle 47">
@@ -7718,8 +8057,8 @@
           </p:sp>
         </mc:Fallback>
       </mc:AlternateContent>
-      <mc:AlternateContent xmlns:mc="http://schemas.openxmlformats.org/markup-compatibility/2006">
-        <mc:Choice xmlns:a14="http://schemas.microsoft.com/office/drawing/2010/main" Requires="a14">
+      <mc:AlternateContent xmlns:mc="http://schemas.openxmlformats.org/markup-compatibility/2006" xmlns:a14="http://schemas.microsoft.com/office/drawing/2010/main">
+        <mc:Choice Requires="a14">
           <p:sp>
             <p:nvSpPr>
               <p:cNvPr id="49" name="Rounded Rectangle 48">
@@ -7804,7 +8143,7 @@
             </p:txBody>
           </p:sp>
         </mc:Choice>
-        <mc:Fallback>
+        <mc:Fallback xmlns="">
           <p:sp>
             <p:nvSpPr>
               <p:cNvPr id="49" name="Rounded Rectangle 48">
@@ -8057,8 +8396,8 @@
           </a:p>
         </p:txBody>
       </p:sp>
-      <mc:AlternateContent xmlns:mc="http://schemas.openxmlformats.org/markup-compatibility/2006">
-        <mc:Choice xmlns:a14="http://schemas.microsoft.com/office/drawing/2010/main" Requires="a14">
+      <mc:AlternateContent xmlns:mc="http://schemas.openxmlformats.org/markup-compatibility/2006" xmlns:a14="http://schemas.microsoft.com/office/drawing/2010/main">
+        <mc:Choice Requires="a14">
           <p:sp>
             <p:nvSpPr>
               <p:cNvPr id="68" name="Rounded Rectangle 67">
@@ -8229,7 +8568,7 @@
             </p:txBody>
           </p:sp>
         </mc:Choice>
-        <mc:Fallback>
+        <mc:Fallback xmlns="">
           <p:sp>
             <p:nvSpPr>
               <p:cNvPr id="68" name="Rounded Rectangle 67">
@@ -8281,8 +8620,8 @@
           </p:sp>
         </mc:Fallback>
       </mc:AlternateContent>
-      <mc:AlternateContent xmlns:mc="http://schemas.openxmlformats.org/markup-compatibility/2006">
-        <mc:Choice xmlns:a14="http://schemas.microsoft.com/office/drawing/2010/main" Requires="a14">
+      <mc:AlternateContent xmlns:mc="http://schemas.openxmlformats.org/markup-compatibility/2006" xmlns:a14="http://schemas.microsoft.com/office/drawing/2010/main">
+        <mc:Choice Requires="a14">
           <p:sp>
             <p:nvSpPr>
               <p:cNvPr id="73" name="Rounded Rectangle 72">
@@ -8389,7 +8728,7 @@
             </p:txBody>
           </p:sp>
         </mc:Choice>
-        <mc:Fallback>
+        <mc:Fallback xmlns="">
           <p:sp>
             <p:nvSpPr>
               <p:cNvPr id="73" name="Rounded Rectangle 72">
@@ -8443,8 +8782,8 @@
           </p:sp>
         </mc:Fallback>
       </mc:AlternateContent>
-      <mc:AlternateContent xmlns:mc="http://schemas.openxmlformats.org/markup-compatibility/2006">
-        <mc:Choice xmlns:a14="http://schemas.microsoft.com/office/drawing/2010/main" Requires="a14">
+      <mc:AlternateContent xmlns:mc="http://schemas.openxmlformats.org/markup-compatibility/2006" xmlns:a14="http://schemas.microsoft.com/office/drawing/2010/main">
+        <mc:Choice Requires="a14">
           <p:sp>
             <p:nvSpPr>
               <p:cNvPr id="74" name="Rounded Rectangle 73">
@@ -8554,7 +8893,7 @@
             </p:txBody>
           </p:sp>
         </mc:Choice>
-        <mc:Fallback>
+        <mc:Fallback xmlns="">
           <p:sp>
             <p:nvSpPr>
               <p:cNvPr id="74" name="Rounded Rectangle 73">
@@ -8608,8 +8947,8 @@
           </p:sp>
         </mc:Fallback>
       </mc:AlternateContent>
-      <mc:AlternateContent xmlns:mc="http://schemas.openxmlformats.org/markup-compatibility/2006">
-        <mc:Choice xmlns:a14="http://schemas.microsoft.com/office/drawing/2010/main" Requires="a14">
+      <mc:AlternateContent xmlns:mc="http://schemas.openxmlformats.org/markup-compatibility/2006" xmlns:a14="http://schemas.microsoft.com/office/drawing/2010/main">
+        <mc:Choice Requires="a14">
           <p:sp>
             <p:nvSpPr>
               <p:cNvPr id="78" name="TextBox 77">
@@ -8659,7 +8998,7 @@
             </p:txBody>
           </p:sp>
         </mc:Choice>
-        <mc:Fallback>
+        <mc:Fallback xmlns="">
           <p:sp>
             <p:nvSpPr>
               <p:cNvPr id="78" name="TextBox 77">
@@ -8796,8 +9135,8 @@
           </a:fontRef>
         </p:style>
       </p:cxnSp>
-      <mc:AlternateContent xmlns:mc="http://schemas.openxmlformats.org/markup-compatibility/2006">
-        <mc:Choice xmlns:a14="http://schemas.microsoft.com/office/drawing/2010/main" Requires="a14">
+      <mc:AlternateContent xmlns:mc="http://schemas.openxmlformats.org/markup-compatibility/2006" xmlns:a14="http://schemas.microsoft.com/office/drawing/2010/main">
+        <mc:Choice Requires="a14">
           <p:sp>
             <p:nvSpPr>
               <p:cNvPr id="79" name="TextBox 78">
@@ -8847,7 +9186,7 @@
             </p:txBody>
           </p:sp>
         </mc:Choice>
-        <mc:Fallback>
+        <mc:Fallback xmlns="">
           <p:sp>
             <p:nvSpPr>
               <p:cNvPr id="79" name="TextBox 78">
@@ -8892,8 +9231,8 @@
           </p:sp>
         </mc:Fallback>
       </mc:AlternateContent>
-      <mc:AlternateContent xmlns:mc="http://schemas.openxmlformats.org/markup-compatibility/2006">
-        <mc:Choice xmlns:a14="http://schemas.microsoft.com/office/drawing/2010/main" Requires="a14">
+      <mc:AlternateContent xmlns:mc="http://schemas.openxmlformats.org/markup-compatibility/2006" xmlns:a14="http://schemas.microsoft.com/office/drawing/2010/main">
+        <mc:Choice Requires="a14">
           <p:sp>
             <p:nvSpPr>
               <p:cNvPr id="80" name="Rounded Rectangle 79">
@@ -9064,7 +9403,7 @@
             </p:txBody>
           </p:sp>
         </mc:Choice>
-        <mc:Fallback>
+        <mc:Fallback xmlns="">
           <p:sp>
             <p:nvSpPr>
               <p:cNvPr id="80" name="Rounded Rectangle 79">
@@ -9548,8 +9887,8 @@
           </p:style>
         </p:cxnSp>
       </p:grpSp>
-      <mc:AlternateContent xmlns:mc="http://schemas.openxmlformats.org/markup-compatibility/2006">
-        <mc:Choice xmlns:a14="http://schemas.microsoft.com/office/drawing/2010/main" Requires="a14">
+      <mc:AlternateContent xmlns:mc="http://schemas.openxmlformats.org/markup-compatibility/2006" xmlns:a14="http://schemas.microsoft.com/office/drawing/2010/main">
+        <mc:Choice Requires="a14">
           <p:sp>
             <p:nvSpPr>
               <p:cNvPr id="90" name="Rounded Rectangle 89">
@@ -9634,7 +9973,7 @@
             </p:txBody>
           </p:sp>
         </mc:Choice>
-        <mc:Fallback>
+        <mc:Fallback xmlns="">
           <p:sp>
             <p:nvSpPr>
               <p:cNvPr id="90" name="Rounded Rectangle 89">
@@ -9841,8 +10180,8 @@
           </a:p>
         </p:txBody>
       </p:sp>
-      <mc:AlternateContent xmlns:mc="http://schemas.openxmlformats.org/markup-compatibility/2006">
-        <mc:Choice xmlns:a14="http://schemas.microsoft.com/office/drawing/2010/main" Requires="a14">
+      <mc:AlternateContent xmlns:mc="http://schemas.openxmlformats.org/markup-compatibility/2006" xmlns:a14="http://schemas.microsoft.com/office/drawing/2010/main">
+        <mc:Choice Requires="a14">
           <p:sp>
             <p:nvSpPr>
               <p:cNvPr id="94" name="Rounded Rectangle 93">
@@ -10027,7 +10366,7 @@
             </p:txBody>
           </p:sp>
         </mc:Choice>
-        <mc:Fallback>
+        <mc:Fallback xmlns="">
           <p:sp>
             <p:nvSpPr>
               <p:cNvPr id="94" name="Rounded Rectangle 93">
@@ -10185,6 +10524,2302 @@
 </p:sld>
 </file>
 
+<file path=ppt/slides/slide14.xml><?xml version="1.0" encoding="utf-8"?>
+<p:sld xmlns:a="http://schemas.openxmlformats.org/drawingml/2006/main" xmlns:r="http://schemas.openxmlformats.org/officeDocument/2006/relationships" xmlns:p="http://schemas.openxmlformats.org/presentationml/2006/main">
+  <p:cSld>
+    <p:spTree>
+      <p:nvGrpSpPr>
+        <p:cNvPr id="1" name=""/>
+        <p:cNvGrpSpPr/>
+        <p:nvPr/>
+      </p:nvGrpSpPr>
+      <p:grpSpPr>
+        <a:xfrm>
+          <a:off x="0" y="0"/>
+          <a:ext cx="0" cy="0"/>
+          <a:chOff x="0" y="0"/>
+          <a:chExt cx="0" cy="0"/>
+        </a:xfrm>
+      </p:grpSpPr>
+      <p:pic>
+        <p:nvPicPr>
+          <p:cNvPr id="5" name="Picture 4" descr="Graphical user interface, application&#10;&#10;Description automatically generated">
+            <a:extLst>
+              <a:ext uri="{FF2B5EF4-FFF2-40B4-BE49-F238E27FC236}">
+                <a16:creationId xmlns:a16="http://schemas.microsoft.com/office/drawing/2014/main" id="{A292B8F3-FC8C-C548-A0EE-F8B36269BA8C}"/>
+              </a:ext>
+            </a:extLst>
+          </p:cNvPr>
+          <p:cNvPicPr>
+            <a:picLocks noChangeAspect="1"/>
+          </p:cNvPicPr>
+          <p:nvPr/>
+        </p:nvPicPr>
+        <p:blipFill>
+          <a:blip r:embed="rId2"/>
+          <a:stretch>
+            <a:fillRect/>
+          </a:stretch>
+        </p:blipFill>
+        <p:spPr>
+          <a:xfrm>
+            <a:off x="952500" y="0"/>
+            <a:ext cx="10287000" cy="6858000"/>
+          </a:xfrm>
+          <a:prstGeom prst="rect">
+            <a:avLst/>
+          </a:prstGeom>
+        </p:spPr>
+      </p:pic>
+      <p:grpSp>
+        <p:nvGrpSpPr>
+          <p:cNvPr id="6" name="Group 5">
+            <a:extLst>
+              <a:ext uri="{FF2B5EF4-FFF2-40B4-BE49-F238E27FC236}">
+                <a16:creationId xmlns:a16="http://schemas.microsoft.com/office/drawing/2014/main" id="{A72E4629-DA5D-1C49-B060-FAA169FDC0AF}"/>
+              </a:ext>
+            </a:extLst>
+          </p:cNvPr>
+          <p:cNvGrpSpPr/>
+          <p:nvPr/>
+        </p:nvGrpSpPr>
+        <p:grpSpPr>
+          <a:xfrm>
+            <a:off x="2663134" y="4816568"/>
+            <a:ext cx="3105440" cy="404257"/>
+            <a:chOff x="6826985" y="5083482"/>
+            <a:chExt cx="2421079" cy="315169"/>
+          </a:xfrm>
+        </p:grpSpPr>
+        <p:sp>
+          <p:nvSpPr>
+            <p:cNvPr id="7" name="Oval 6">
+              <a:extLst>
+                <a:ext uri="{FF2B5EF4-FFF2-40B4-BE49-F238E27FC236}">
+                  <a16:creationId xmlns:a16="http://schemas.microsoft.com/office/drawing/2014/main" id="{65DD8CF1-4A43-2448-9C3E-BA5F5DADE214}"/>
+                </a:ext>
+              </a:extLst>
+            </p:cNvPr>
+            <p:cNvSpPr/>
+            <p:nvPr/>
+          </p:nvSpPr>
+          <p:spPr>
+            <a:xfrm>
+              <a:off x="7179748" y="5086052"/>
+              <a:ext cx="241580" cy="142723"/>
+            </a:xfrm>
+            <a:prstGeom prst="ellipse">
+              <a:avLst/>
+            </a:prstGeom>
+            <a:solidFill>
+              <a:schemeClr val="accent6">
+                <a:lumMod val="40000"/>
+                <a:lumOff val="60000"/>
+              </a:schemeClr>
+            </a:solidFill>
+            <a:ln>
+              <a:solidFill>
+                <a:schemeClr val="accent6"/>
+              </a:solidFill>
+            </a:ln>
+          </p:spPr>
+          <p:style>
+            <a:lnRef idx="2">
+              <a:schemeClr val="accent1">
+                <a:shade val="50000"/>
+              </a:schemeClr>
+            </a:lnRef>
+            <a:fillRef idx="1">
+              <a:schemeClr val="accent1"/>
+            </a:fillRef>
+            <a:effectRef idx="0">
+              <a:schemeClr val="accent1"/>
+            </a:effectRef>
+            <a:fontRef idx="minor">
+              <a:schemeClr val="lt1"/>
+            </a:fontRef>
+          </p:style>
+          <p:txBody>
+            <a:bodyPr rtlCol="0" anchor="ctr"/>
+            <a:lstStyle/>
+            <a:p>
+              <a:pPr algn="ctr"/>
+              <a:endParaRPr lang="en-US" sz="2880" dirty="0"/>
+            </a:p>
+          </p:txBody>
+        </p:sp>
+        <p:sp>
+          <p:nvSpPr>
+            <p:cNvPr id="8" name="Rounded Rectangle 7">
+              <a:extLst>
+                <a:ext uri="{FF2B5EF4-FFF2-40B4-BE49-F238E27FC236}">
+                  <a16:creationId xmlns:a16="http://schemas.microsoft.com/office/drawing/2014/main" id="{05A30808-F6B0-8744-9F10-7303F3E986CF}"/>
+                </a:ext>
+              </a:extLst>
+            </p:cNvPr>
+            <p:cNvSpPr/>
+            <p:nvPr/>
+          </p:nvSpPr>
+          <p:spPr>
+            <a:xfrm>
+              <a:off x="6826985" y="5232890"/>
+              <a:ext cx="210698" cy="142723"/>
+            </a:xfrm>
+            <a:prstGeom prst="roundRect">
+              <a:avLst/>
+            </a:prstGeom>
+            <a:solidFill>
+              <a:schemeClr val="accent1">
+                <a:lumMod val="40000"/>
+                <a:lumOff val="60000"/>
+              </a:schemeClr>
+            </a:solidFill>
+            <a:ln>
+              <a:solidFill>
+                <a:schemeClr val="accent1"/>
+              </a:solidFill>
+            </a:ln>
+          </p:spPr>
+          <p:style>
+            <a:lnRef idx="2">
+              <a:schemeClr val="accent1">
+                <a:shade val="50000"/>
+              </a:schemeClr>
+            </a:lnRef>
+            <a:fillRef idx="1">
+              <a:schemeClr val="accent1"/>
+            </a:fillRef>
+            <a:effectRef idx="0">
+              <a:schemeClr val="accent1"/>
+            </a:effectRef>
+            <a:fontRef idx="minor">
+              <a:schemeClr val="lt1"/>
+            </a:fontRef>
+          </p:style>
+          <p:txBody>
+            <a:bodyPr rtlCol="0" anchor="ctr"/>
+            <a:lstStyle/>
+            <a:p>
+              <a:pPr algn="ctr"/>
+              <a:endParaRPr lang="en-US" sz="2880" dirty="0">
+                <a:solidFill>
+                  <a:schemeClr val="tx1"/>
+                </a:solidFill>
+              </a:endParaRPr>
+            </a:p>
+          </p:txBody>
+        </p:sp>
+        <p:cxnSp>
+          <p:nvCxnSpPr>
+            <p:cNvPr id="9" name="Straight Arrow Connector 8">
+              <a:extLst>
+                <a:ext uri="{FF2B5EF4-FFF2-40B4-BE49-F238E27FC236}">
+                  <a16:creationId xmlns:a16="http://schemas.microsoft.com/office/drawing/2014/main" id="{0CA61803-4279-9F46-8732-19AE8AB4E9DD}"/>
+                </a:ext>
+              </a:extLst>
+            </p:cNvPr>
+            <p:cNvCxnSpPr>
+              <a:cxnSpLocks/>
+              <a:stCxn id="7" idx="3"/>
+              <a:endCxn id="8" idx="3"/>
+            </p:cNvCxnSpPr>
+            <p:nvPr/>
+          </p:nvCxnSpPr>
+          <p:spPr>
+            <a:xfrm flipH="1">
+              <a:off x="7037683" y="5207874"/>
+              <a:ext cx="177443" cy="96378"/>
+            </a:xfrm>
+            <a:prstGeom prst="straightConnector1">
+              <a:avLst/>
+            </a:prstGeom>
+            <a:ln w="25400">
+              <a:solidFill>
+                <a:schemeClr val="tx1"/>
+              </a:solidFill>
+              <a:headEnd w="sm" len="sm"/>
+              <a:tailEnd type="triangle" w="med" len="med"/>
+            </a:ln>
+          </p:spPr>
+          <p:style>
+            <a:lnRef idx="1">
+              <a:schemeClr val="accent1"/>
+            </a:lnRef>
+            <a:fillRef idx="0">
+              <a:schemeClr val="accent1"/>
+            </a:fillRef>
+            <a:effectRef idx="0">
+              <a:schemeClr val="accent1"/>
+            </a:effectRef>
+            <a:fontRef idx="minor">
+              <a:schemeClr val="tx1"/>
+            </a:fontRef>
+          </p:style>
+        </p:cxnSp>
+        <p:sp>
+          <p:nvSpPr>
+            <p:cNvPr id="10" name="Rounded Rectangle 9">
+              <a:extLst>
+                <a:ext uri="{FF2B5EF4-FFF2-40B4-BE49-F238E27FC236}">
+                  <a16:creationId xmlns:a16="http://schemas.microsoft.com/office/drawing/2014/main" id="{26BF05F6-FAE3-4044-8ED9-94BC9BAD7FD6}"/>
+                </a:ext>
+              </a:extLst>
+            </p:cNvPr>
+            <p:cNvSpPr/>
+            <p:nvPr/>
+          </p:nvSpPr>
+          <p:spPr>
+            <a:xfrm>
+              <a:off x="7582434" y="5237094"/>
+              <a:ext cx="210698" cy="142723"/>
+            </a:xfrm>
+            <a:prstGeom prst="roundRect">
+              <a:avLst/>
+            </a:prstGeom>
+            <a:solidFill>
+              <a:schemeClr val="accent1">
+                <a:lumMod val="40000"/>
+                <a:lumOff val="60000"/>
+              </a:schemeClr>
+            </a:solidFill>
+            <a:ln>
+              <a:solidFill>
+                <a:schemeClr val="accent1"/>
+              </a:solidFill>
+            </a:ln>
+          </p:spPr>
+          <p:style>
+            <a:lnRef idx="2">
+              <a:schemeClr val="accent1">
+                <a:shade val="50000"/>
+              </a:schemeClr>
+            </a:lnRef>
+            <a:fillRef idx="1">
+              <a:schemeClr val="accent1"/>
+            </a:fillRef>
+            <a:effectRef idx="0">
+              <a:schemeClr val="accent1"/>
+            </a:effectRef>
+            <a:fontRef idx="minor">
+              <a:schemeClr val="lt1"/>
+            </a:fontRef>
+          </p:style>
+          <p:txBody>
+            <a:bodyPr rtlCol="0" anchor="ctr"/>
+            <a:lstStyle/>
+            <a:p>
+              <a:pPr algn="ctr"/>
+              <a:endParaRPr lang="en-US" sz="2880" dirty="0">
+                <a:solidFill>
+                  <a:schemeClr val="tx1"/>
+                </a:solidFill>
+              </a:endParaRPr>
+            </a:p>
+          </p:txBody>
+        </p:sp>
+        <p:sp>
+          <p:nvSpPr>
+            <p:cNvPr id="11" name="Rounded Rectangle 10">
+              <a:extLst>
+                <a:ext uri="{FF2B5EF4-FFF2-40B4-BE49-F238E27FC236}">
+                  <a16:creationId xmlns:a16="http://schemas.microsoft.com/office/drawing/2014/main" id="{EE86E29A-68C2-CE4B-BEBF-B7826A7F426E}"/>
+                </a:ext>
+              </a:extLst>
+            </p:cNvPr>
+            <p:cNvSpPr/>
+            <p:nvPr/>
+          </p:nvSpPr>
+          <p:spPr>
+            <a:xfrm>
+              <a:off x="8330944" y="5242315"/>
+              <a:ext cx="210698" cy="142723"/>
+            </a:xfrm>
+            <a:prstGeom prst="roundRect">
+              <a:avLst/>
+            </a:prstGeom>
+            <a:solidFill>
+              <a:schemeClr val="accent1">
+                <a:lumMod val="40000"/>
+                <a:lumOff val="60000"/>
+              </a:schemeClr>
+            </a:solidFill>
+            <a:ln>
+              <a:solidFill>
+                <a:schemeClr val="accent1"/>
+              </a:solidFill>
+            </a:ln>
+          </p:spPr>
+          <p:style>
+            <a:lnRef idx="2">
+              <a:schemeClr val="accent1">
+                <a:shade val="50000"/>
+              </a:schemeClr>
+            </a:lnRef>
+            <a:fillRef idx="1">
+              <a:schemeClr val="accent1"/>
+            </a:fillRef>
+            <a:effectRef idx="0">
+              <a:schemeClr val="accent1"/>
+            </a:effectRef>
+            <a:fontRef idx="minor">
+              <a:schemeClr val="lt1"/>
+            </a:fontRef>
+          </p:style>
+          <p:txBody>
+            <a:bodyPr rtlCol="0" anchor="ctr"/>
+            <a:lstStyle/>
+            <a:p>
+              <a:pPr algn="ctr"/>
+              <a:endParaRPr lang="en-US" sz="2880" dirty="0">
+                <a:solidFill>
+                  <a:schemeClr val="tx1"/>
+                </a:solidFill>
+              </a:endParaRPr>
+            </a:p>
+          </p:txBody>
+        </p:sp>
+        <p:cxnSp>
+          <p:nvCxnSpPr>
+            <p:cNvPr id="12" name="Straight Arrow Connector 11">
+              <a:extLst>
+                <a:ext uri="{FF2B5EF4-FFF2-40B4-BE49-F238E27FC236}">
+                  <a16:creationId xmlns:a16="http://schemas.microsoft.com/office/drawing/2014/main" id="{0260CFC2-D768-B947-AE02-B7EBA0ACA059}"/>
+                </a:ext>
+              </a:extLst>
+            </p:cNvPr>
+            <p:cNvCxnSpPr>
+              <a:cxnSpLocks/>
+              <a:stCxn id="7" idx="5"/>
+              <a:endCxn id="10" idx="1"/>
+            </p:cNvCxnSpPr>
+            <p:nvPr/>
+          </p:nvCxnSpPr>
+          <p:spPr>
+            <a:xfrm>
+              <a:off x="7385950" y="5207874"/>
+              <a:ext cx="196484" cy="100582"/>
+            </a:xfrm>
+            <a:prstGeom prst="straightConnector1">
+              <a:avLst/>
+            </a:prstGeom>
+            <a:ln w="25400">
+              <a:solidFill>
+                <a:schemeClr val="tx1"/>
+              </a:solidFill>
+              <a:headEnd w="sm" len="sm"/>
+              <a:tailEnd type="triangle" w="med" len="med"/>
+            </a:ln>
+          </p:spPr>
+          <p:style>
+            <a:lnRef idx="1">
+              <a:schemeClr val="accent1"/>
+            </a:lnRef>
+            <a:fillRef idx="0">
+              <a:schemeClr val="accent1"/>
+            </a:fillRef>
+            <a:effectRef idx="0">
+              <a:schemeClr val="accent1"/>
+            </a:effectRef>
+            <a:fontRef idx="minor">
+              <a:schemeClr val="tx1"/>
+            </a:fontRef>
+          </p:style>
+        </p:cxnSp>
+        <p:sp>
+          <p:nvSpPr>
+            <p:cNvPr id="13" name="Oval 12">
+              <a:extLst>
+                <a:ext uri="{FF2B5EF4-FFF2-40B4-BE49-F238E27FC236}">
+                  <a16:creationId xmlns:a16="http://schemas.microsoft.com/office/drawing/2014/main" id="{6038EA78-6C6D-BB42-AFDF-64E219E5A9E4}"/>
+                </a:ext>
+              </a:extLst>
+            </p:cNvPr>
+            <p:cNvSpPr/>
+            <p:nvPr/>
+          </p:nvSpPr>
+          <p:spPr>
+            <a:xfrm>
+              <a:off x="7936528" y="5083482"/>
+              <a:ext cx="241580" cy="142723"/>
+            </a:xfrm>
+            <a:prstGeom prst="ellipse">
+              <a:avLst/>
+            </a:prstGeom>
+            <a:solidFill>
+              <a:schemeClr val="accent6">
+                <a:lumMod val="40000"/>
+                <a:lumOff val="60000"/>
+              </a:schemeClr>
+            </a:solidFill>
+            <a:ln>
+              <a:solidFill>
+                <a:schemeClr val="accent6"/>
+              </a:solidFill>
+            </a:ln>
+          </p:spPr>
+          <p:style>
+            <a:lnRef idx="2">
+              <a:schemeClr val="accent1">
+                <a:shade val="50000"/>
+              </a:schemeClr>
+            </a:lnRef>
+            <a:fillRef idx="1">
+              <a:schemeClr val="accent1"/>
+            </a:fillRef>
+            <a:effectRef idx="0">
+              <a:schemeClr val="accent1"/>
+            </a:effectRef>
+            <a:fontRef idx="minor">
+              <a:schemeClr val="lt1"/>
+            </a:fontRef>
+          </p:style>
+          <p:txBody>
+            <a:bodyPr rtlCol="0" anchor="ctr"/>
+            <a:lstStyle/>
+            <a:p>
+              <a:pPr algn="ctr"/>
+              <a:endParaRPr lang="en-US" sz="2880" dirty="0"/>
+            </a:p>
+          </p:txBody>
+        </p:sp>
+        <p:cxnSp>
+          <p:nvCxnSpPr>
+            <p:cNvPr id="14" name="Straight Arrow Connector 13">
+              <a:extLst>
+                <a:ext uri="{FF2B5EF4-FFF2-40B4-BE49-F238E27FC236}">
+                  <a16:creationId xmlns:a16="http://schemas.microsoft.com/office/drawing/2014/main" id="{04F5C622-6DC3-124C-9092-E02CA7CC5B5F}"/>
+                </a:ext>
+              </a:extLst>
+            </p:cNvPr>
+            <p:cNvCxnSpPr>
+              <a:cxnSpLocks/>
+              <a:stCxn id="13" idx="5"/>
+              <a:endCxn id="11" idx="1"/>
+            </p:cNvCxnSpPr>
+            <p:nvPr/>
+          </p:nvCxnSpPr>
+          <p:spPr>
+            <a:xfrm>
+              <a:off x="8142730" y="5205304"/>
+              <a:ext cx="188215" cy="108373"/>
+            </a:xfrm>
+            <a:prstGeom prst="straightConnector1">
+              <a:avLst/>
+            </a:prstGeom>
+            <a:ln w="25400">
+              <a:solidFill>
+                <a:schemeClr val="tx1"/>
+              </a:solidFill>
+              <a:headEnd w="sm" len="sm"/>
+              <a:tailEnd type="triangle" w="med" len="med"/>
+            </a:ln>
+          </p:spPr>
+          <p:style>
+            <a:lnRef idx="1">
+              <a:schemeClr val="accent1"/>
+            </a:lnRef>
+            <a:fillRef idx="0">
+              <a:schemeClr val="accent1"/>
+            </a:fillRef>
+            <a:effectRef idx="0">
+              <a:schemeClr val="accent1"/>
+            </a:effectRef>
+            <a:fontRef idx="minor">
+              <a:schemeClr val="tx1"/>
+            </a:fontRef>
+          </p:style>
+        </p:cxnSp>
+        <p:cxnSp>
+          <p:nvCxnSpPr>
+            <p:cNvPr id="15" name="Straight Arrow Connector 14">
+              <a:extLst>
+                <a:ext uri="{FF2B5EF4-FFF2-40B4-BE49-F238E27FC236}">
+                  <a16:creationId xmlns:a16="http://schemas.microsoft.com/office/drawing/2014/main" id="{50A17A53-B2E3-BC41-A587-C1BDE6576E52}"/>
+                </a:ext>
+              </a:extLst>
+            </p:cNvPr>
+            <p:cNvCxnSpPr>
+              <a:cxnSpLocks/>
+              <a:stCxn id="13" idx="3"/>
+              <a:endCxn id="10" idx="3"/>
+            </p:cNvCxnSpPr>
+            <p:nvPr/>
+          </p:nvCxnSpPr>
+          <p:spPr>
+            <a:xfrm flipH="1">
+              <a:off x="7793132" y="5205304"/>
+              <a:ext cx="178774" cy="103151"/>
+            </a:xfrm>
+            <a:prstGeom prst="straightConnector1">
+              <a:avLst/>
+            </a:prstGeom>
+            <a:ln w="25400">
+              <a:solidFill>
+                <a:schemeClr val="tx1"/>
+              </a:solidFill>
+              <a:headEnd w="sm" len="sm"/>
+              <a:tailEnd type="triangle" w="med" len="med"/>
+            </a:ln>
+          </p:spPr>
+          <p:style>
+            <a:lnRef idx="1">
+              <a:schemeClr val="accent1"/>
+            </a:lnRef>
+            <a:fillRef idx="0">
+              <a:schemeClr val="accent1"/>
+            </a:fillRef>
+            <a:effectRef idx="0">
+              <a:schemeClr val="accent1"/>
+            </a:effectRef>
+            <a:fontRef idx="minor">
+              <a:schemeClr val="tx1"/>
+            </a:fontRef>
+          </p:style>
+        </p:cxnSp>
+        <p:sp>
+          <p:nvSpPr>
+            <p:cNvPr id="16" name="Rounded Rectangle 15">
+              <a:extLst>
+                <a:ext uri="{FF2B5EF4-FFF2-40B4-BE49-F238E27FC236}">
+                  <a16:creationId xmlns:a16="http://schemas.microsoft.com/office/drawing/2014/main" id="{5C8E16DA-8BE1-0F40-A47A-F67999270712}"/>
+                </a:ext>
+              </a:extLst>
+            </p:cNvPr>
+            <p:cNvSpPr/>
+            <p:nvPr/>
+          </p:nvSpPr>
+          <p:spPr>
+            <a:xfrm>
+              <a:off x="9037366" y="5255928"/>
+              <a:ext cx="210698" cy="142723"/>
+            </a:xfrm>
+            <a:prstGeom prst="roundRect">
+              <a:avLst/>
+            </a:prstGeom>
+            <a:solidFill>
+              <a:schemeClr val="accent1">
+                <a:lumMod val="40000"/>
+                <a:lumOff val="60000"/>
+              </a:schemeClr>
+            </a:solidFill>
+            <a:ln>
+              <a:solidFill>
+                <a:schemeClr val="accent1"/>
+              </a:solidFill>
+            </a:ln>
+          </p:spPr>
+          <p:style>
+            <a:lnRef idx="2">
+              <a:schemeClr val="accent1">
+                <a:shade val="50000"/>
+              </a:schemeClr>
+            </a:lnRef>
+            <a:fillRef idx="1">
+              <a:schemeClr val="accent1"/>
+            </a:fillRef>
+            <a:effectRef idx="0">
+              <a:schemeClr val="accent1"/>
+            </a:effectRef>
+            <a:fontRef idx="minor">
+              <a:schemeClr val="lt1"/>
+            </a:fontRef>
+          </p:style>
+          <p:txBody>
+            <a:bodyPr rtlCol="0" anchor="ctr"/>
+            <a:lstStyle/>
+            <a:p>
+              <a:pPr algn="ctr"/>
+              <a:endParaRPr lang="en-US" sz="2880" dirty="0">
+                <a:solidFill>
+                  <a:schemeClr val="tx1"/>
+                </a:solidFill>
+              </a:endParaRPr>
+            </a:p>
+          </p:txBody>
+        </p:sp>
+        <p:sp>
+          <p:nvSpPr>
+            <p:cNvPr id="17" name="Oval 16">
+              <a:extLst>
+                <a:ext uri="{FF2B5EF4-FFF2-40B4-BE49-F238E27FC236}">
+                  <a16:creationId xmlns:a16="http://schemas.microsoft.com/office/drawing/2014/main" id="{113D3A97-4800-E249-BE2A-51205EBAB307}"/>
+                </a:ext>
+              </a:extLst>
+            </p:cNvPr>
+            <p:cNvSpPr/>
+            <p:nvPr/>
+          </p:nvSpPr>
+          <p:spPr>
+            <a:xfrm>
+              <a:off x="8673942" y="5083482"/>
+              <a:ext cx="241580" cy="142723"/>
+            </a:xfrm>
+            <a:prstGeom prst="ellipse">
+              <a:avLst/>
+            </a:prstGeom>
+            <a:solidFill>
+              <a:schemeClr val="accent6">
+                <a:lumMod val="40000"/>
+                <a:lumOff val="60000"/>
+              </a:schemeClr>
+            </a:solidFill>
+            <a:ln>
+              <a:solidFill>
+                <a:schemeClr val="accent6"/>
+              </a:solidFill>
+            </a:ln>
+          </p:spPr>
+          <p:style>
+            <a:lnRef idx="2">
+              <a:schemeClr val="accent1">
+                <a:shade val="50000"/>
+              </a:schemeClr>
+            </a:lnRef>
+            <a:fillRef idx="1">
+              <a:schemeClr val="accent1"/>
+            </a:fillRef>
+            <a:effectRef idx="0">
+              <a:schemeClr val="accent1"/>
+            </a:effectRef>
+            <a:fontRef idx="minor">
+              <a:schemeClr val="lt1"/>
+            </a:fontRef>
+          </p:style>
+          <p:txBody>
+            <a:bodyPr rtlCol="0" anchor="ctr"/>
+            <a:lstStyle/>
+            <a:p>
+              <a:pPr algn="ctr"/>
+              <a:endParaRPr lang="en-US" sz="2880" dirty="0"/>
+            </a:p>
+          </p:txBody>
+        </p:sp>
+        <p:cxnSp>
+          <p:nvCxnSpPr>
+            <p:cNvPr id="18" name="Straight Arrow Connector 17">
+              <a:extLst>
+                <a:ext uri="{FF2B5EF4-FFF2-40B4-BE49-F238E27FC236}">
+                  <a16:creationId xmlns:a16="http://schemas.microsoft.com/office/drawing/2014/main" id="{CED96C98-C6F1-264E-9FAE-A1CB88D8A99C}"/>
+                </a:ext>
+              </a:extLst>
+            </p:cNvPr>
+            <p:cNvCxnSpPr>
+              <a:cxnSpLocks/>
+              <a:stCxn id="17" idx="3"/>
+              <a:endCxn id="11" idx="3"/>
+            </p:cNvCxnSpPr>
+            <p:nvPr/>
+          </p:nvCxnSpPr>
+          <p:spPr>
+            <a:xfrm flipH="1">
+              <a:off x="8541643" y="5205304"/>
+              <a:ext cx="167678" cy="108373"/>
+            </a:xfrm>
+            <a:prstGeom prst="straightConnector1">
+              <a:avLst/>
+            </a:prstGeom>
+            <a:ln w="25400">
+              <a:solidFill>
+                <a:schemeClr val="tx1"/>
+              </a:solidFill>
+              <a:headEnd w="sm" len="sm"/>
+              <a:tailEnd type="triangle" w="med" len="med"/>
+            </a:ln>
+          </p:spPr>
+          <p:style>
+            <a:lnRef idx="1">
+              <a:schemeClr val="accent1"/>
+            </a:lnRef>
+            <a:fillRef idx="0">
+              <a:schemeClr val="accent1"/>
+            </a:fillRef>
+            <a:effectRef idx="0">
+              <a:schemeClr val="accent1"/>
+            </a:effectRef>
+            <a:fontRef idx="minor">
+              <a:schemeClr val="tx1"/>
+            </a:fontRef>
+          </p:style>
+        </p:cxnSp>
+        <p:cxnSp>
+          <p:nvCxnSpPr>
+            <p:cNvPr id="19" name="Straight Arrow Connector 18">
+              <a:extLst>
+                <a:ext uri="{FF2B5EF4-FFF2-40B4-BE49-F238E27FC236}">
+                  <a16:creationId xmlns:a16="http://schemas.microsoft.com/office/drawing/2014/main" id="{ED0E5CF6-BD7B-CE48-8361-52547B352792}"/>
+                </a:ext>
+              </a:extLst>
+            </p:cNvPr>
+            <p:cNvCxnSpPr>
+              <a:cxnSpLocks/>
+              <a:stCxn id="17" idx="5"/>
+              <a:endCxn id="16" idx="1"/>
+            </p:cNvCxnSpPr>
+            <p:nvPr/>
+          </p:nvCxnSpPr>
+          <p:spPr>
+            <a:xfrm>
+              <a:off x="8880143" y="5205304"/>
+              <a:ext cx="157222" cy="121986"/>
+            </a:xfrm>
+            <a:prstGeom prst="straightConnector1">
+              <a:avLst/>
+            </a:prstGeom>
+            <a:ln w="25400">
+              <a:solidFill>
+                <a:schemeClr val="tx1"/>
+              </a:solidFill>
+              <a:headEnd w="sm" len="sm"/>
+              <a:tailEnd type="triangle" w="med" len="med"/>
+            </a:ln>
+          </p:spPr>
+          <p:style>
+            <a:lnRef idx="1">
+              <a:schemeClr val="accent1"/>
+            </a:lnRef>
+            <a:fillRef idx="0">
+              <a:schemeClr val="accent1"/>
+            </a:fillRef>
+            <a:effectRef idx="0">
+              <a:schemeClr val="accent1"/>
+            </a:effectRef>
+            <a:fontRef idx="minor">
+              <a:schemeClr val="tx1"/>
+            </a:fontRef>
+          </p:style>
+        </p:cxnSp>
+      </p:grpSp>
+      <p:grpSp>
+        <p:nvGrpSpPr>
+          <p:cNvPr id="50" name="Group 49">
+            <a:extLst>
+              <a:ext uri="{FF2B5EF4-FFF2-40B4-BE49-F238E27FC236}">
+                <a16:creationId xmlns:a16="http://schemas.microsoft.com/office/drawing/2014/main" id="{DD00B069-3C83-7A42-BDB5-74A165D4B1FF}"/>
+              </a:ext>
+            </a:extLst>
+          </p:cNvPr>
+          <p:cNvGrpSpPr/>
+          <p:nvPr/>
+        </p:nvGrpSpPr>
+        <p:grpSpPr>
+          <a:xfrm>
+            <a:off x="4059304" y="1765933"/>
+            <a:ext cx="1614626" cy="469923"/>
+            <a:chOff x="4130429" y="1906245"/>
+            <a:chExt cx="1011742" cy="294459"/>
+          </a:xfrm>
+        </p:grpSpPr>
+        <p:sp>
+          <p:nvSpPr>
+            <p:cNvPr id="20" name="Oval 19">
+              <a:extLst>
+                <a:ext uri="{FF2B5EF4-FFF2-40B4-BE49-F238E27FC236}">
+                  <a16:creationId xmlns:a16="http://schemas.microsoft.com/office/drawing/2014/main" id="{0F18C97A-E48F-F142-BA6C-1524ADEC362B}"/>
+                </a:ext>
+              </a:extLst>
+            </p:cNvPr>
+            <p:cNvSpPr/>
+            <p:nvPr/>
+          </p:nvSpPr>
+          <p:spPr>
+            <a:xfrm>
+              <a:off x="4523564" y="1906245"/>
+              <a:ext cx="241580" cy="142723"/>
+            </a:xfrm>
+            <a:prstGeom prst="ellipse">
+              <a:avLst/>
+            </a:prstGeom>
+            <a:solidFill>
+              <a:schemeClr val="accent6">
+                <a:lumMod val="40000"/>
+                <a:lumOff val="60000"/>
+              </a:schemeClr>
+            </a:solidFill>
+            <a:ln>
+              <a:solidFill>
+                <a:schemeClr val="accent6"/>
+              </a:solidFill>
+            </a:ln>
+          </p:spPr>
+          <p:style>
+            <a:lnRef idx="2">
+              <a:schemeClr val="accent1">
+                <a:shade val="50000"/>
+              </a:schemeClr>
+            </a:lnRef>
+            <a:fillRef idx="1">
+              <a:schemeClr val="accent1"/>
+            </a:fillRef>
+            <a:effectRef idx="0">
+              <a:schemeClr val="accent1"/>
+            </a:effectRef>
+            <a:fontRef idx="minor">
+              <a:schemeClr val="lt1"/>
+            </a:fontRef>
+          </p:style>
+          <p:txBody>
+            <a:bodyPr rtlCol="0" anchor="ctr"/>
+            <a:lstStyle/>
+            <a:p>
+              <a:pPr algn="ctr"/>
+              <a:endParaRPr lang="en-US" sz="2880" dirty="0"/>
+            </a:p>
+          </p:txBody>
+        </p:sp>
+        <p:sp>
+          <p:nvSpPr>
+            <p:cNvPr id="21" name="Rounded Rectangle 20">
+              <a:extLst>
+                <a:ext uri="{FF2B5EF4-FFF2-40B4-BE49-F238E27FC236}">
+                  <a16:creationId xmlns:a16="http://schemas.microsoft.com/office/drawing/2014/main" id="{5217E822-4DFE-3843-9382-D848F70B27CA}"/>
+                </a:ext>
+              </a:extLst>
+            </p:cNvPr>
+            <p:cNvSpPr/>
+            <p:nvPr/>
+          </p:nvSpPr>
+          <p:spPr>
+            <a:xfrm>
+              <a:off x="4130429" y="2057981"/>
+              <a:ext cx="210698" cy="142723"/>
+            </a:xfrm>
+            <a:prstGeom prst="roundRect">
+              <a:avLst/>
+            </a:prstGeom>
+            <a:solidFill>
+              <a:schemeClr val="accent1">
+                <a:lumMod val="40000"/>
+                <a:lumOff val="60000"/>
+              </a:schemeClr>
+            </a:solidFill>
+            <a:ln>
+              <a:solidFill>
+                <a:schemeClr val="accent1"/>
+              </a:solidFill>
+            </a:ln>
+          </p:spPr>
+          <p:style>
+            <a:lnRef idx="2">
+              <a:schemeClr val="accent1">
+                <a:shade val="50000"/>
+              </a:schemeClr>
+            </a:lnRef>
+            <a:fillRef idx="1">
+              <a:schemeClr val="accent1"/>
+            </a:fillRef>
+            <a:effectRef idx="0">
+              <a:schemeClr val="accent1"/>
+            </a:effectRef>
+            <a:fontRef idx="minor">
+              <a:schemeClr val="lt1"/>
+            </a:fontRef>
+          </p:style>
+          <p:txBody>
+            <a:bodyPr rtlCol="0" anchor="ctr"/>
+            <a:lstStyle/>
+            <a:p>
+              <a:pPr algn="ctr"/>
+              <a:endParaRPr lang="en-US" sz="2880" dirty="0">
+                <a:solidFill>
+                  <a:schemeClr val="tx1"/>
+                </a:solidFill>
+              </a:endParaRPr>
+            </a:p>
+          </p:txBody>
+        </p:sp>
+        <p:sp>
+          <p:nvSpPr>
+            <p:cNvPr id="22" name="Rounded Rectangle 21">
+              <a:extLst>
+                <a:ext uri="{FF2B5EF4-FFF2-40B4-BE49-F238E27FC236}">
+                  <a16:creationId xmlns:a16="http://schemas.microsoft.com/office/drawing/2014/main" id="{4F24B29A-3E02-3047-8A15-65393DA43AA3}"/>
+                </a:ext>
+              </a:extLst>
+            </p:cNvPr>
+            <p:cNvSpPr/>
+            <p:nvPr/>
+          </p:nvSpPr>
+          <p:spPr>
+            <a:xfrm>
+              <a:off x="4931473" y="2057981"/>
+              <a:ext cx="210698" cy="142723"/>
+            </a:xfrm>
+            <a:prstGeom prst="roundRect">
+              <a:avLst/>
+            </a:prstGeom>
+            <a:solidFill>
+              <a:schemeClr val="accent1">
+                <a:lumMod val="40000"/>
+                <a:lumOff val="60000"/>
+              </a:schemeClr>
+            </a:solidFill>
+            <a:ln>
+              <a:solidFill>
+                <a:schemeClr val="accent1"/>
+              </a:solidFill>
+            </a:ln>
+          </p:spPr>
+          <p:style>
+            <a:lnRef idx="2">
+              <a:schemeClr val="accent1">
+                <a:shade val="50000"/>
+              </a:schemeClr>
+            </a:lnRef>
+            <a:fillRef idx="1">
+              <a:schemeClr val="accent1"/>
+            </a:fillRef>
+            <a:effectRef idx="0">
+              <a:schemeClr val="accent1"/>
+            </a:effectRef>
+            <a:fontRef idx="minor">
+              <a:schemeClr val="lt1"/>
+            </a:fontRef>
+          </p:style>
+          <p:txBody>
+            <a:bodyPr rtlCol="0" anchor="ctr"/>
+            <a:lstStyle/>
+            <a:p>
+              <a:pPr algn="ctr"/>
+              <a:endParaRPr lang="en-US" sz="2880" dirty="0">
+                <a:solidFill>
+                  <a:schemeClr val="tx1"/>
+                </a:solidFill>
+              </a:endParaRPr>
+            </a:p>
+          </p:txBody>
+        </p:sp>
+        <p:cxnSp>
+          <p:nvCxnSpPr>
+            <p:cNvPr id="23" name="Straight Arrow Connector 22">
+              <a:extLst>
+                <a:ext uri="{FF2B5EF4-FFF2-40B4-BE49-F238E27FC236}">
+                  <a16:creationId xmlns:a16="http://schemas.microsoft.com/office/drawing/2014/main" id="{83F88D83-8623-EE4B-8707-476137FF7E84}"/>
+                </a:ext>
+              </a:extLst>
+            </p:cNvPr>
+            <p:cNvCxnSpPr>
+              <a:cxnSpLocks/>
+              <a:stCxn id="20" idx="3"/>
+              <a:endCxn id="21" idx="3"/>
+            </p:cNvCxnSpPr>
+            <p:nvPr/>
+          </p:nvCxnSpPr>
+          <p:spPr>
+            <a:xfrm flipH="1">
+              <a:off x="4341127" y="2028067"/>
+              <a:ext cx="217816" cy="101276"/>
+            </a:xfrm>
+            <a:prstGeom prst="straightConnector1">
+              <a:avLst/>
+            </a:prstGeom>
+            <a:ln w="25400">
+              <a:solidFill>
+                <a:schemeClr val="tx1"/>
+              </a:solidFill>
+              <a:headEnd w="sm" len="sm"/>
+              <a:tailEnd type="triangle" w="med" len="med"/>
+            </a:ln>
+          </p:spPr>
+          <p:style>
+            <a:lnRef idx="1">
+              <a:schemeClr val="accent1"/>
+            </a:lnRef>
+            <a:fillRef idx="0">
+              <a:schemeClr val="accent1"/>
+            </a:fillRef>
+            <a:effectRef idx="0">
+              <a:schemeClr val="accent1"/>
+            </a:effectRef>
+            <a:fontRef idx="minor">
+              <a:schemeClr val="tx1"/>
+            </a:fontRef>
+          </p:style>
+        </p:cxnSp>
+        <p:cxnSp>
+          <p:nvCxnSpPr>
+            <p:cNvPr id="24" name="Straight Arrow Connector 23">
+              <a:extLst>
+                <a:ext uri="{FF2B5EF4-FFF2-40B4-BE49-F238E27FC236}">
+                  <a16:creationId xmlns:a16="http://schemas.microsoft.com/office/drawing/2014/main" id="{E5CF4BB7-DE0F-584F-945F-D67C2C967D90}"/>
+                </a:ext>
+              </a:extLst>
+            </p:cNvPr>
+            <p:cNvCxnSpPr>
+              <a:cxnSpLocks/>
+              <a:stCxn id="20" idx="5"/>
+              <a:endCxn id="22" idx="1"/>
+            </p:cNvCxnSpPr>
+            <p:nvPr/>
+          </p:nvCxnSpPr>
+          <p:spPr>
+            <a:xfrm>
+              <a:off x="4729766" y="2028067"/>
+              <a:ext cx="201707" cy="101276"/>
+            </a:xfrm>
+            <a:prstGeom prst="straightConnector1">
+              <a:avLst/>
+            </a:prstGeom>
+            <a:ln w="25400">
+              <a:solidFill>
+                <a:schemeClr val="tx1"/>
+              </a:solidFill>
+              <a:headEnd w="sm" len="sm"/>
+              <a:tailEnd type="triangle" w="med" len="med"/>
+            </a:ln>
+          </p:spPr>
+          <p:style>
+            <a:lnRef idx="1">
+              <a:schemeClr val="accent1"/>
+            </a:lnRef>
+            <a:fillRef idx="0">
+              <a:schemeClr val="accent1"/>
+            </a:fillRef>
+            <a:effectRef idx="0">
+              <a:schemeClr val="accent1"/>
+            </a:effectRef>
+            <a:fontRef idx="minor">
+              <a:schemeClr val="tx1"/>
+            </a:fontRef>
+          </p:style>
+        </p:cxnSp>
+      </p:grpSp>
+      <p:grpSp>
+        <p:nvGrpSpPr>
+          <p:cNvPr id="25" name="Group 24">
+            <a:extLst>
+              <a:ext uri="{FF2B5EF4-FFF2-40B4-BE49-F238E27FC236}">
+                <a16:creationId xmlns:a16="http://schemas.microsoft.com/office/drawing/2014/main" id="{C076A8A7-E143-6545-9BC5-8C4B9D42B6A9}"/>
+              </a:ext>
+            </a:extLst>
+          </p:cNvPr>
+          <p:cNvGrpSpPr/>
+          <p:nvPr/>
+        </p:nvGrpSpPr>
+        <p:grpSpPr>
+          <a:xfrm>
+            <a:off x="8381976" y="4596799"/>
+            <a:ext cx="2599119" cy="747366"/>
+            <a:chOff x="2452776" y="1648330"/>
+            <a:chExt cx="1932096" cy="555566"/>
+          </a:xfrm>
+        </p:grpSpPr>
+        <p:sp>
+          <p:nvSpPr>
+            <p:cNvPr id="26" name="Oval 25">
+              <a:extLst>
+                <a:ext uri="{FF2B5EF4-FFF2-40B4-BE49-F238E27FC236}">
+                  <a16:creationId xmlns:a16="http://schemas.microsoft.com/office/drawing/2014/main" id="{B8F9D811-3BC4-9B4B-B3E2-EF2411310B64}"/>
+                </a:ext>
+              </a:extLst>
+            </p:cNvPr>
+            <p:cNvSpPr/>
+            <p:nvPr/>
+          </p:nvSpPr>
+          <p:spPr>
+            <a:xfrm>
+              <a:off x="2815935" y="1899672"/>
+              <a:ext cx="241580" cy="142723"/>
+            </a:xfrm>
+            <a:prstGeom prst="ellipse">
+              <a:avLst/>
+            </a:prstGeom>
+            <a:solidFill>
+              <a:schemeClr val="accent6">
+                <a:lumMod val="40000"/>
+                <a:lumOff val="60000"/>
+              </a:schemeClr>
+            </a:solidFill>
+            <a:ln>
+              <a:solidFill>
+                <a:schemeClr val="accent6"/>
+              </a:solidFill>
+            </a:ln>
+          </p:spPr>
+          <p:style>
+            <a:lnRef idx="2">
+              <a:schemeClr val="accent1">
+                <a:shade val="50000"/>
+              </a:schemeClr>
+            </a:lnRef>
+            <a:fillRef idx="1">
+              <a:schemeClr val="accent1"/>
+            </a:fillRef>
+            <a:effectRef idx="0">
+              <a:schemeClr val="accent1"/>
+            </a:effectRef>
+            <a:fontRef idx="minor">
+              <a:schemeClr val="lt1"/>
+            </a:fontRef>
+          </p:style>
+          <p:txBody>
+            <a:bodyPr rtlCol="0" anchor="ctr"/>
+            <a:lstStyle/>
+            <a:p>
+              <a:pPr algn="ctr"/>
+              <a:endParaRPr lang="en-US" sz="2880" dirty="0"/>
+            </a:p>
+          </p:txBody>
+        </p:sp>
+        <p:sp>
+          <p:nvSpPr>
+            <p:cNvPr id="27" name="Rounded Rectangle 26">
+              <a:extLst>
+                <a:ext uri="{FF2B5EF4-FFF2-40B4-BE49-F238E27FC236}">
+                  <a16:creationId xmlns:a16="http://schemas.microsoft.com/office/drawing/2014/main" id="{22A1D94C-34E6-D341-B821-F56E933966A4}"/>
+                </a:ext>
+              </a:extLst>
+            </p:cNvPr>
+            <p:cNvSpPr/>
+            <p:nvPr/>
+          </p:nvSpPr>
+          <p:spPr>
+            <a:xfrm>
+              <a:off x="2452776" y="2052041"/>
+              <a:ext cx="210698" cy="142723"/>
+            </a:xfrm>
+            <a:prstGeom prst="roundRect">
+              <a:avLst/>
+            </a:prstGeom>
+            <a:solidFill>
+              <a:schemeClr val="accent1">
+                <a:lumMod val="40000"/>
+                <a:lumOff val="60000"/>
+              </a:schemeClr>
+            </a:solidFill>
+            <a:ln>
+              <a:solidFill>
+                <a:schemeClr val="accent1"/>
+              </a:solidFill>
+            </a:ln>
+          </p:spPr>
+          <p:style>
+            <a:lnRef idx="2">
+              <a:schemeClr val="accent1">
+                <a:shade val="50000"/>
+              </a:schemeClr>
+            </a:lnRef>
+            <a:fillRef idx="1">
+              <a:schemeClr val="accent1"/>
+            </a:fillRef>
+            <a:effectRef idx="0">
+              <a:schemeClr val="accent1"/>
+            </a:effectRef>
+            <a:fontRef idx="minor">
+              <a:schemeClr val="lt1"/>
+            </a:fontRef>
+          </p:style>
+          <p:txBody>
+            <a:bodyPr rtlCol="0" anchor="ctr"/>
+            <a:lstStyle/>
+            <a:p>
+              <a:pPr algn="ctr"/>
+              <a:endParaRPr lang="en-US" sz="2880" dirty="0">
+                <a:solidFill>
+                  <a:schemeClr val="tx1"/>
+                </a:solidFill>
+              </a:endParaRPr>
+            </a:p>
+          </p:txBody>
+        </p:sp>
+        <p:cxnSp>
+          <p:nvCxnSpPr>
+            <p:cNvPr id="28" name="Straight Arrow Connector 27">
+              <a:extLst>
+                <a:ext uri="{FF2B5EF4-FFF2-40B4-BE49-F238E27FC236}">
+                  <a16:creationId xmlns:a16="http://schemas.microsoft.com/office/drawing/2014/main" id="{EBF24D32-B132-AA45-9545-DE5A639C4613}"/>
+                </a:ext>
+              </a:extLst>
+            </p:cNvPr>
+            <p:cNvCxnSpPr>
+              <a:cxnSpLocks/>
+              <a:stCxn id="26" idx="3"/>
+              <a:endCxn id="27" idx="3"/>
+            </p:cNvCxnSpPr>
+            <p:nvPr/>
+          </p:nvCxnSpPr>
+          <p:spPr>
+            <a:xfrm flipH="1">
+              <a:off x="2663474" y="2021494"/>
+              <a:ext cx="187839" cy="101909"/>
+            </a:xfrm>
+            <a:prstGeom prst="straightConnector1">
+              <a:avLst/>
+            </a:prstGeom>
+            <a:ln w="25400">
+              <a:solidFill>
+                <a:schemeClr val="tx1"/>
+              </a:solidFill>
+              <a:headEnd w="sm" len="sm"/>
+              <a:tailEnd type="triangle" w="med" len="med"/>
+            </a:ln>
+          </p:spPr>
+          <p:style>
+            <a:lnRef idx="1">
+              <a:schemeClr val="accent1"/>
+            </a:lnRef>
+            <a:fillRef idx="0">
+              <a:schemeClr val="accent1"/>
+            </a:fillRef>
+            <a:effectRef idx="0">
+              <a:schemeClr val="accent1"/>
+            </a:effectRef>
+            <a:fontRef idx="minor">
+              <a:schemeClr val="tx1"/>
+            </a:fontRef>
+          </p:style>
+        </p:cxnSp>
+        <p:sp>
+          <p:nvSpPr>
+            <p:cNvPr id="29" name="Rounded Rectangle 28">
+              <a:extLst>
+                <a:ext uri="{FF2B5EF4-FFF2-40B4-BE49-F238E27FC236}">
+                  <a16:creationId xmlns:a16="http://schemas.microsoft.com/office/drawing/2014/main" id="{5A777512-278A-794F-BFB1-3CF7B0D9DA1C}"/>
+                </a:ext>
+              </a:extLst>
+            </p:cNvPr>
+            <p:cNvSpPr/>
+            <p:nvPr/>
+          </p:nvSpPr>
+          <p:spPr>
+            <a:xfrm>
+              <a:off x="3249626" y="2057515"/>
+              <a:ext cx="210698" cy="142723"/>
+            </a:xfrm>
+            <a:prstGeom prst="roundRect">
+              <a:avLst/>
+            </a:prstGeom>
+            <a:solidFill>
+              <a:schemeClr val="accent1">
+                <a:lumMod val="40000"/>
+                <a:lumOff val="60000"/>
+              </a:schemeClr>
+            </a:solidFill>
+            <a:ln>
+              <a:solidFill>
+                <a:schemeClr val="accent1"/>
+              </a:solidFill>
+            </a:ln>
+          </p:spPr>
+          <p:style>
+            <a:lnRef idx="2">
+              <a:schemeClr val="accent1">
+                <a:shade val="50000"/>
+              </a:schemeClr>
+            </a:lnRef>
+            <a:fillRef idx="1">
+              <a:schemeClr val="accent1"/>
+            </a:fillRef>
+            <a:effectRef idx="0">
+              <a:schemeClr val="accent1"/>
+            </a:effectRef>
+            <a:fontRef idx="minor">
+              <a:schemeClr val="lt1"/>
+            </a:fontRef>
+          </p:style>
+          <p:txBody>
+            <a:bodyPr rtlCol="0" anchor="ctr"/>
+            <a:lstStyle/>
+            <a:p>
+              <a:pPr algn="ctr"/>
+              <a:endParaRPr lang="en-US" sz="2880" dirty="0">
+                <a:solidFill>
+                  <a:schemeClr val="tx1"/>
+                </a:solidFill>
+              </a:endParaRPr>
+            </a:p>
+          </p:txBody>
+        </p:sp>
+        <p:sp>
+          <p:nvSpPr>
+            <p:cNvPr id="30" name="Rounded Rectangle 29">
+              <a:extLst>
+                <a:ext uri="{FF2B5EF4-FFF2-40B4-BE49-F238E27FC236}">
+                  <a16:creationId xmlns:a16="http://schemas.microsoft.com/office/drawing/2014/main" id="{87F431BC-84C4-7D44-AF2D-7C92FA09D436}"/>
+                </a:ext>
+              </a:extLst>
+            </p:cNvPr>
+            <p:cNvSpPr/>
+            <p:nvPr/>
+          </p:nvSpPr>
+          <p:spPr>
+            <a:xfrm>
+              <a:off x="4166100" y="1664207"/>
+              <a:ext cx="210698" cy="142723"/>
+            </a:xfrm>
+            <a:prstGeom prst="roundRect">
+              <a:avLst/>
+            </a:prstGeom>
+            <a:solidFill>
+              <a:schemeClr val="accent1">
+                <a:lumMod val="40000"/>
+                <a:lumOff val="60000"/>
+              </a:schemeClr>
+            </a:solidFill>
+            <a:ln>
+              <a:solidFill>
+                <a:schemeClr val="accent1"/>
+              </a:solidFill>
+            </a:ln>
+          </p:spPr>
+          <p:style>
+            <a:lnRef idx="2">
+              <a:schemeClr val="accent1">
+                <a:shade val="50000"/>
+              </a:schemeClr>
+            </a:lnRef>
+            <a:fillRef idx="1">
+              <a:schemeClr val="accent1"/>
+            </a:fillRef>
+            <a:effectRef idx="0">
+              <a:schemeClr val="accent1"/>
+            </a:effectRef>
+            <a:fontRef idx="minor">
+              <a:schemeClr val="lt1"/>
+            </a:fontRef>
+          </p:style>
+          <p:txBody>
+            <a:bodyPr rtlCol="0" anchor="ctr"/>
+            <a:lstStyle/>
+            <a:p>
+              <a:pPr algn="ctr"/>
+              <a:endParaRPr lang="en-US" sz="2880" dirty="0">
+                <a:solidFill>
+                  <a:schemeClr val="tx1"/>
+                </a:solidFill>
+              </a:endParaRPr>
+            </a:p>
+          </p:txBody>
+        </p:sp>
+        <p:sp>
+          <p:nvSpPr>
+            <p:cNvPr id="31" name="Rounded Rectangle 30">
+              <a:extLst>
+                <a:ext uri="{FF2B5EF4-FFF2-40B4-BE49-F238E27FC236}">
+                  <a16:creationId xmlns:a16="http://schemas.microsoft.com/office/drawing/2014/main" id="{3276FD64-2B4B-6C45-BE28-16898F8E6F32}"/>
+                </a:ext>
+              </a:extLst>
+            </p:cNvPr>
+            <p:cNvSpPr/>
+            <p:nvPr/>
+          </p:nvSpPr>
+          <p:spPr>
+            <a:xfrm>
+              <a:off x="4174174" y="2061173"/>
+              <a:ext cx="210698" cy="142723"/>
+            </a:xfrm>
+            <a:prstGeom prst="roundRect">
+              <a:avLst/>
+            </a:prstGeom>
+            <a:solidFill>
+              <a:schemeClr val="accent1">
+                <a:lumMod val="40000"/>
+                <a:lumOff val="60000"/>
+              </a:schemeClr>
+            </a:solidFill>
+            <a:ln>
+              <a:solidFill>
+                <a:schemeClr val="accent1"/>
+              </a:solidFill>
+            </a:ln>
+          </p:spPr>
+          <p:style>
+            <a:lnRef idx="2">
+              <a:schemeClr val="accent1">
+                <a:shade val="50000"/>
+              </a:schemeClr>
+            </a:lnRef>
+            <a:fillRef idx="1">
+              <a:schemeClr val="accent1"/>
+            </a:fillRef>
+            <a:effectRef idx="0">
+              <a:schemeClr val="accent1"/>
+            </a:effectRef>
+            <a:fontRef idx="minor">
+              <a:schemeClr val="lt1"/>
+            </a:fontRef>
+          </p:style>
+          <p:txBody>
+            <a:bodyPr rtlCol="0" anchor="ctr"/>
+            <a:lstStyle/>
+            <a:p>
+              <a:pPr algn="ctr"/>
+              <a:endParaRPr lang="en-US" sz="2880" dirty="0">
+                <a:solidFill>
+                  <a:schemeClr val="tx1"/>
+                </a:solidFill>
+              </a:endParaRPr>
+            </a:p>
+          </p:txBody>
+        </p:sp>
+        <p:cxnSp>
+          <p:nvCxnSpPr>
+            <p:cNvPr id="32" name="Straight Arrow Connector 31">
+              <a:extLst>
+                <a:ext uri="{FF2B5EF4-FFF2-40B4-BE49-F238E27FC236}">
+                  <a16:creationId xmlns:a16="http://schemas.microsoft.com/office/drawing/2014/main" id="{F6900839-7BB1-E04C-A47A-59395453C0B0}"/>
+                </a:ext>
+              </a:extLst>
+            </p:cNvPr>
+            <p:cNvCxnSpPr>
+              <a:cxnSpLocks/>
+              <a:stCxn id="26" idx="5"/>
+              <a:endCxn id="29" idx="1"/>
+            </p:cNvCxnSpPr>
+            <p:nvPr/>
+          </p:nvCxnSpPr>
+          <p:spPr>
+            <a:xfrm>
+              <a:off x="3022136" y="2021494"/>
+              <a:ext cx="227490" cy="107382"/>
+            </a:xfrm>
+            <a:prstGeom prst="straightConnector1">
+              <a:avLst/>
+            </a:prstGeom>
+            <a:ln w="25400">
+              <a:solidFill>
+                <a:schemeClr val="tx1"/>
+              </a:solidFill>
+              <a:headEnd w="sm" len="sm"/>
+              <a:tailEnd type="triangle" w="med" len="med"/>
+            </a:ln>
+          </p:spPr>
+          <p:style>
+            <a:lnRef idx="1">
+              <a:schemeClr val="accent1"/>
+            </a:lnRef>
+            <a:fillRef idx="0">
+              <a:schemeClr val="accent1"/>
+            </a:fillRef>
+            <a:effectRef idx="0">
+              <a:schemeClr val="accent1"/>
+            </a:effectRef>
+            <a:fontRef idx="minor">
+              <a:schemeClr val="tx1"/>
+            </a:fontRef>
+          </p:style>
+        </p:cxnSp>
+        <p:sp>
+          <p:nvSpPr>
+            <p:cNvPr id="33" name="Oval 32">
+              <a:extLst>
+                <a:ext uri="{FF2B5EF4-FFF2-40B4-BE49-F238E27FC236}">
+                  <a16:creationId xmlns:a16="http://schemas.microsoft.com/office/drawing/2014/main" id="{37A598AC-4D1F-144E-9C76-4B09797B42BB}"/>
+                </a:ext>
+              </a:extLst>
+            </p:cNvPr>
+            <p:cNvSpPr/>
+            <p:nvPr/>
+          </p:nvSpPr>
+          <p:spPr>
+            <a:xfrm>
+              <a:off x="3635861" y="1648330"/>
+              <a:ext cx="241580" cy="142723"/>
+            </a:xfrm>
+            <a:prstGeom prst="ellipse">
+              <a:avLst/>
+            </a:prstGeom>
+            <a:solidFill>
+              <a:schemeClr val="accent6">
+                <a:lumMod val="40000"/>
+                <a:lumOff val="60000"/>
+              </a:schemeClr>
+            </a:solidFill>
+            <a:ln>
+              <a:solidFill>
+                <a:schemeClr val="accent6"/>
+              </a:solidFill>
+            </a:ln>
+          </p:spPr>
+          <p:style>
+            <a:lnRef idx="2">
+              <a:schemeClr val="accent1">
+                <a:shade val="50000"/>
+              </a:schemeClr>
+            </a:lnRef>
+            <a:fillRef idx="1">
+              <a:schemeClr val="accent1"/>
+            </a:fillRef>
+            <a:effectRef idx="0">
+              <a:schemeClr val="accent1"/>
+            </a:effectRef>
+            <a:fontRef idx="minor">
+              <a:schemeClr val="lt1"/>
+            </a:fontRef>
+          </p:style>
+          <p:txBody>
+            <a:bodyPr rtlCol="0" anchor="ctr"/>
+            <a:lstStyle/>
+            <a:p>
+              <a:pPr algn="ctr"/>
+              <a:endParaRPr lang="en-US" sz="2880" dirty="0"/>
+            </a:p>
+          </p:txBody>
+        </p:sp>
+        <p:cxnSp>
+          <p:nvCxnSpPr>
+            <p:cNvPr id="34" name="Straight Arrow Connector 33">
+              <a:extLst>
+                <a:ext uri="{FF2B5EF4-FFF2-40B4-BE49-F238E27FC236}">
+                  <a16:creationId xmlns:a16="http://schemas.microsoft.com/office/drawing/2014/main" id="{8A6E567F-998D-F540-84A8-4D63579B36B9}"/>
+                </a:ext>
+              </a:extLst>
+            </p:cNvPr>
+            <p:cNvCxnSpPr>
+              <a:cxnSpLocks/>
+              <a:stCxn id="33" idx="3"/>
+              <a:endCxn id="29" idx="0"/>
+            </p:cNvCxnSpPr>
+            <p:nvPr/>
+          </p:nvCxnSpPr>
+          <p:spPr>
+            <a:xfrm flipH="1">
+              <a:off x="3354976" y="1770153"/>
+              <a:ext cx="316264" cy="287365"/>
+            </a:xfrm>
+            <a:prstGeom prst="straightConnector1">
+              <a:avLst/>
+            </a:prstGeom>
+            <a:ln w="25400">
+              <a:solidFill>
+                <a:schemeClr val="tx1"/>
+              </a:solidFill>
+              <a:headEnd w="sm" len="sm"/>
+              <a:tailEnd type="triangle" w="med" len="med"/>
+            </a:ln>
+          </p:spPr>
+          <p:style>
+            <a:lnRef idx="1">
+              <a:schemeClr val="accent1"/>
+            </a:lnRef>
+            <a:fillRef idx="0">
+              <a:schemeClr val="accent1"/>
+            </a:fillRef>
+            <a:effectRef idx="0">
+              <a:schemeClr val="accent1"/>
+            </a:effectRef>
+            <a:fontRef idx="minor">
+              <a:schemeClr val="tx1"/>
+            </a:fontRef>
+          </p:style>
+        </p:cxnSp>
+        <p:cxnSp>
+          <p:nvCxnSpPr>
+            <p:cNvPr id="35" name="Straight Arrow Connector 34">
+              <a:extLst>
+                <a:ext uri="{FF2B5EF4-FFF2-40B4-BE49-F238E27FC236}">
+                  <a16:creationId xmlns:a16="http://schemas.microsoft.com/office/drawing/2014/main" id="{053971BD-49BF-494E-B396-FF44ABC9EB77}"/>
+                </a:ext>
+              </a:extLst>
+            </p:cNvPr>
+            <p:cNvCxnSpPr>
+              <a:cxnSpLocks/>
+              <a:stCxn id="33" idx="6"/>
+              <a:endCxn id="30" idx="1"/>
+            </p:cNvCxnSpPr>
+            <p:nvPr/>
+          </p:nvCxnSpPr>
+          <p:spPr>
+            <a:xfrm>
+              <a:off x="3877440" y="1719693"/>
+              <a:ext cx="288660" cy="15876"/>
+            </a:xfrm>
+            <a:prstGeom prst="straightConnector1">
+              <a:avLst/>
+            </a:prstGeom>
+            <a:ln w="25400">
+              <a:solidFill>
+                <a:schemeClr val="tx1"/>
+              </a:solidFill>
+              <a:headEnd w="sm" len="sm"/>
+              <a:tailEnd type="triangle" w="med" len="med"/>
+            </a:ln>
+          </p:spPr>
+          <p:style>
+            <a:lnRef idx="1">
+              <a:schemeClr val="accent1"/>
+            </a:lnRef>
+            <a:fillRef idx="0">
+              <a:schemeClr val="accent1"/>
+            </a:fillRef>
+            <a:effectRef idx="0">
+              <a:schemeClr val="accent1"/>
+            </a:effectRef>
+            <a:fontRef idx="minor">
+              <a:schemeClr val="tx1"/>
+            </a:fontRef>
+          </p:style>
+        </p:cxnSp>
+        <p:cxnSp>
+          <p:nvCxnSpPr>
+            <p:cNvPr id="37" name="Straight Arrow Connector 36">
+              <a:extLst>
+                <a:ext uri="{FF2B5EF4-FFF2-40B4-BE49-F238E27FC236}">
+                  <a16:creationId xmlns:a16="http://schemas.microsoft.com/office/drawing/2014/main" id="{913E901D-B2FE-8849-AE91-9C29CE9873D0}"/>
+                </a:ext>
+              </a:extLst>
+            </p:cNvPr>
+            <p:cNvCxnSpPr>
+              <a:cxnSpLocks/>
+              <a:stCxn id="36" idx="5"/>
+              <a:endCxn id="31" idx="1"/>
+            </p:cNvCxnSpPr>
+            <p:nvPr/>
+          </p:nvCxnSpPr>
+          <p:spPr>
+            <a:xfrm>
+              <a:off x="3920679" y="2055542"/>
+              <a:ext cx="253495" cy="76993"/>
+            </a:xfrm>
+            <a:prstGeom prst="straightConnector1">
+              <a:avLst/>
+            </a:prstGeom>
+            <a:ln w="25400">
+              <a:solidFill>
+                <a:schemeClr val="tx1"/>
+              </a:solidFill>
+              <a:headEnd w="sm" len="sm"/>
+              <a:tailEnd type="triangle" w="med" len="med"/>
+            </a:ln>
+          </p:spPr>
+          <p:style>
+            <a:lnRef idx="1">
+              <a:schemeClr val="accent1"/>
+            </a:lnRef>
+            <a:fillRef idx="0">
+              <a:schemeClr val="accent1"/>
+            </a:fillRef>
+            <a:effectRef idx="0">
+              <a:schemeClr val="accent1"/>
+            </a:effectRef>
+            <a:fontRef idx="minor">
+              <a:schemeClr val="tx1"/>
+            </a:fontRef>
+          </p:style>
+        </p:cxnSp>
+        <p:cxnSp>
+          <p:nvCxnSpPr>
+            <p:cNvPr id="38" name="Straight Arrow Connector 37">
+              <a:extLst>
+                <a:ext uri="{FF2B5EF4-FFF2-40B4-BE49-F238E27FC236}">
+                  <a16:creationId xmlns:a16="http://schemas.microsoft.com/office/drawing/2014/main" id="{706A4EAB-262F-5149-8681-7FAE5DA640F6}"/>
+                </a:ext>
+              </a:extLst>
+            </p:cNvPr>
+            <p:cNvCxnSpPr>
+              <a:cxnSpLocks/>
+              <a:stCxn id="36" idx="3"/>
+              <a:endCxn id="29" idx="3"/>
+            </p:cNvCxnSpPr>
+            <p:nvPr/>
+          </p:nvCxnSpPr>
+          <p:spPr>
+            <a:xfrm flipH="1">
+              <a:off x="3460324" y="2055542"/>
+              <a:ext cx="289531" cy="73334"/>
+            </a:xfrm>
+            <a:prstGeom prst="straightConnector1">
+              <a:avLst/>
+            </a:prstGeom>
+            <a:ln w="25400">
+              <a:solidFill>
+                <a:schemeClr val="tx1"/>
+              </a:solidFill>
+              <a:headEnd w="sm" len="sm"/>
+              <a:tailEnd type="triangle" w="med" len="med"/>
+            </a:ln>
+          </p:spPr>
+          <p:style>
+            <a:lnRef idx="1">
+              <a:schemeClr val="accent1"/>
+            </a:lnRef>
+            <a:fillRef idx="0">
+              <a:schemeClr val="accent1"/>
+            </a:fillRef>
+            <a:effectRef idx="0">
+              <a:schemeClr val="accent1"/>
+            </a:effectRef>
+            <a:fontRef idx="minor">
+              <a:schemeClr val="tx1"/>
+            </a:fontRef>
+          </p:style>
+        </p:cxnSp>
+        <p:sp>
+          <p:nvSpPr>
+            <p:cNvPr id="36" name="Oval 35">
+              <a:extLst>
+                <a:ext uri="{FF2B5EF4-FFF2-40B4-BE49-F238E27FC236}">
+                  <a16:creationId xmlns:a16="http://schemas.microsoft.com/office/drawing/2014/main" id="{082F8DA9-59C9-8642-99D1-B2A2A4395912}"/>
+                </a:ext>
+              </a:extLst>
+            </p:cNvPr>
+            <p:cNvSpPr/>
+            <p:nvPr/>
+          </p:nvSpPr>
+          <p:spPr>
+            <a:xfrm>
+              <a:off x="3714477" y="1933720"/>
+              <a:ext cx="241580" cy="142723"/>
+            </a:xfrm>
+            <a:prstGeom prst="ellipse">
+              <a:avLst/>
+            </a:prstGeom>
+            <a:solidFill>
+              <a:schemeClr val="accent6">
+                <a:lumMod val="40000"/>
+                <a:lumOff val="60000"/>
+              </a:schemeClr>
+            </a:solidFill>
+            <a:ln>
+              <a:solidFill>
+                <a:schemeClr val="accent6"/>
+              </a:solidFill>
+            </a:ln>
+          </p:spPr>
+          <p:style>
+            <a:lnRef idx="2">
+              <a:schemeClr val="accent1">
+                <a:shade val="50000"/>
+              </a:schemeClr>
+            </a:lnRef>
+            <a:fillRef idx="1">
+              <a:schemeClr val="accent1"/>
+            </a:fillRef>
+            <a:effectRef idx="0">
+              <a:schemeClr val="accent1"/>
+            </a:effectRef>
+            <a:fontRef idx="minor">
+              <a:schemeClr val="lt1"/>
+            </a:fontRef>
+          </p:style>
+          <p:txBody>
+            <a:bodyPr rtlCol="0" anchor="ctr"/>
+            <a:lstStyle/>
+            <a:p>
+              <a:pPr algn="ctr"/>
+              <a:endParaRPr lang="en-US" sz="2880" dirty="0"/>
+            </a:p>
+          </p:txBody>
+        </p:sp>
+      </p:grpSp>
+      <p:grpSp>
+        <p:nvGrpSpPr>
+          <p:cNvPr id="39" name="Group 38">
+            <a:extLst>
+              <a:ext uri="{FF2B5EF4-FFF2-40B4-BE49-F238E27FC236}">
+                <a16:creationId xmlns:a16="http://schemas.microsoft.com/office/drawing/2014/main" id="{67940297-23A2-3C4D-B6E3-7BDA65C3DE4F}"/>
+              </a:ext>
+            </a:extLst>
+          </p:cNvPr>
+          <p:cNvGrpSpPr/>
+          <p:nvPr/>
+        </p:nvGrpSpPr>
+        <p:grpSpPr>
+          <a:xfrm>
+            <a:off x="8132697" y="1923087"/>
+            <a:ext cx="2625978" cy="467707"/>
+            <a:chOff x="6807182" y="5072590"/>
+            <a:chExt cx="1754263" cy="312448"/>
+          </a:xfrm>
+        </p:grpSpPr>
+        <p:sp>
+          <p:nvSpPr>
+            <p:cNvPr id="40" name="Oval 39">
+              <a:extLst>
+                <a:ext uri="{FF2B5EF4-FFF2-40B4-BE49-F238E27FC236}">
+                  <a16:creationId xmlns:a16="http://schemas.microsoft.com/office/drawing/2014/main" id="{77D37E86-403B-484B-A1F9-EC80186A7A6C}"/>
+                </a:ext>
+              </a:extLst>
+            </p:cNvPr>
+            <p:cNvSpPr/>
+            <p:nvPr/>
+          </p:nvSpPr>
+          <p:spPr>
+            <a:xfrm>
+              <a:off x="7174757" y="5072590"/>
+              <a:ext cx="241580" cy="142723"/>
+            </a:xfrm>
+            <a:prstGeom prst="ellipse">
+              <a:avLst/>
+            </a:prstGeom>
+            <a:solidFill>
+              <a:schemeClr val="accent6">
+                <a:lumMod val="40000"/>
+                <a:lumOff val="60000"/>
+              </a:schemeClr>
+            </a:solidFill>
+            <a:ln>
+              <a:solidFill>
+                <a:schemeClr val="accent6"/>
+              </a:solidFill>
+            </a:ln>
+          </p:spPr>
+          <p:style>
+            <a:lnRef idx="2">
+              <a:schemeClr val="accent1">
+                <a:shade val="50000"/>
+              </a:schemeClr>
+            </a:lnRef>
+            <a:fillRef idx="1">
+              <a:schemeClr val="accent1"/>
+            </a:fillRef>
+            <a:effectRef idx="0">
+              <a:schemeClr val="accent1"/>
+            </a:effectRef>
+            <a:fontRef idx="minor">
+              <a:schemeClr val="lt1"/>
+            </a:fontRef>
+          </p:style>
+          <p:txBody>
+            <a:bodyPr rtlCol="0" anchor="ctr"/>
+            <a:lstStyle/>
+            <a:p>
+              <a:pPr algn="ctr"/>
+              <a:endParaRPr lang="en-US" sz="2880" dirty="0"/>
+            </a:p>
+          </p:txBody>
+        </p:sp>
+        <p:sp>
+          <p:nvSpPr>
+            <p:cNvPr id="41" name="Rounded Rectangle 40">
+              <a:extLst>
+                <a:ext uri="{FF2B5EF4-FFF2-40B4-BE49-F238E27FC236}">
+                  <a16:creationId xmlns:a16="http://schemas.microsoft.com/office/drawing/2014/main" id="{207E8B9F-D79D-D243-880B-E54615E935D2}"/>
+                </a:ext>
+              </a:extLst>
+            </p:cNvPr>
+            <p:cNvSpPr/>
+            <p:nvPr/>
+          </p:nvSpPr>
+          <p:spPr>
+            <a:xfrm>
+              <a:off x="6807182" y="5232890"/>
+              <a:ext cx="210698" cy="142723"/>
+            </a:xfrm>
+            <a:prstGeom prst="roundRect">
+              <a:avLst/>
+            </a:prstGeom>
+            <a:solidFill>
+              <a:schemeClr val="accent1">
+                <a:lumMod val="40000"/>
+                <a:lumOff val="60000"/>
+              </a:schemeClr>
+            </a:solidFill>
+            <a:ln>
+              <a:solidFill>
+                <a:schemeClr val="accent1"/>
+              </a:solidFill>
+            </a:ln>
+          </p:spPr>
+          <p:style>
+            <a:lnRef idx="2">
+              <a:schemeClr val="accent1">
+                <a:shade val="50000"/>
+              </a:schemeClr>
+            </a:lnRef>
+            <a:fillRef idx="1">
+              <a:schemeClr val="accent1"/>
+            </a:fillRef>
+            <a:effectRef idx="0">
+              <a:schemeClr val="accent1"/>
+            </a:effectRef>
+            <a:fontRef idx="minor">
+              <a:schemeClr val="lt1"/>
+            </a:fontRef>
+          </p:style>
+          <p:txBody>
+            <a:bodyPr rtlCol="0" anchor="ctr"/>
+            <a:lstStyle/>
+            <a:p>
+              <a:pPr algn="ctr"/>
+              <a:endParaRPr lang="en-US" sz="2880" dirty="0">
+                <a:solidFill>
+                  <a:schemeClr val="tx1"/>
+                </a:solidFill>
+              </a:endParaRPr>
+            </a:p>
+          </p:txBody>
+        </p:sp>
+        <p:cxnSp>
+          <p:nvCxnSpPr>
+            <p:cNvPr id="42" name="Straight Arrow Connector 41">
+              <a:extLst>
+                <a:ext uri="{FF2B5EF4-FFF2-40B4-BE49-F238E27FC236}">
+                  <a16:creationId xmlns:a16="http://schemas.microsoft.com/office/drawing/2014/main" id="{72FA57B4-4F3D-4D45-AE2A-9B16C9172931}"/>
+                </a:ext>
+              </a:extLst>
+            </p:cNvPr>
+            <p:cNvCxnSpPr>
+              <a:cxnSpLocks/>
+              <a:stCxn id="40" idx="3"/>
+              <a:endCxn id="41" idx="3"/>
+            </p:cNvCxnSpPr>
+            <p:nvPr/>
+          </p:nvCxnSpPr>
+          <p:spPr>
+            <a:xfrm flipH="1">
+              <a:off x="7017880" y="5194412"/>
+              <a:ext cx="192255" cy="109840"/>
+            </a:xfrm>
+            <a:prstGeom prst="straightConnector1">
+              <a:avLst/>
+            </a:prstGeom>
+            <a:ln w="25400">
+              <a:solidFill>
+                <a:schemeClr val="tx1"/>
+              </a:solidFill>
+              <a:headEnd w="sm" len="sm"/>
+              <a:tailEnd type="triangle" w="med" len="med"/>
+            </a:ln>
+          </p:spPr>
+          <p:style>
+            <a:lnRef idx="1">
+              <a:schemeClr val="accent1"/>
+            </a:lnRef>
+            <a:fillRef idx="0">
+              <a:schemeClr val="accent1"/>
+            </a:fillRef>
+            <a:effectRef idx="0">
+              <a:schemeClr val="accent1"/>
+            </a:effectRef>
+            <a:fontRef idx="minor">
+              <a:schemeClr val="tx1"/>
+            </a:fontRef>
+          </p:style>
+        </p:cxnSp>
+        <p:sp>
+          <p:nvSpPr>
+            <p:cNvPr id="43" name="Rounded Rectangle 42">
+              <a:extLst>
+                <a:ext uri="{FF2B5EF4-FFF2-40B4-BE49-F238E27FC236}">
+                  <a16:creationId xmlns:a16="http://schemas.microsoft.com/office/drawing/2014/main" id="{D7DB13DF-55DC-FA4A-964A-A819EE6FAD1F}"/>
+                </a:ext>
+              </a:extLst>
+            </p:cNvPr>
+            <p:cNvSpPr/>
+            <p:nvPr/>
+          </p:nvSpPr>
+          <p:spPr>
+            <a:xfrm>
+              <a:off x="7575833" y="5237094"/>
+              <a:ext cx="210698" cy="142723"/>
+            </a:xfrm>
+            <a:prstGeom prst="roundRect">
+              <a:avLst/>
+            </a:prstGeom>
+            <a:solidFill>
+              <a:schemeClr val="accent1">
+                <a:lumMod val="40000"/>
+                <a:lumOff val="60000"/>
+              </a:schemeClr>
+            </a:solidFill>
+            <a:ln>
+              <a:solidFill>
+                <a:schemeClr val="accent1"/>
+              </a:solidFill>
+            </a:ln>
+          </p:spPr>
+          <p:style>
+            <a:lnRef idx="2">
+              <a:schemeClr val="accent1">
+                <a:shade val="50000"/>
+              </a:schemeClr>
+            </a:lnRef>
+            <a:fillRef idx="1">
+              <a:schemeClr val="accent1"/>
+            </a:fillRef>
+            <a:effectRef idx="0">
+              <a:schemeClr val="accent1"/>
+            </a:effectRef>
+            <a:fontRef idx="minor">
+              <a:schemeClr val="lt1"/>
+            </a:fontRef>
+          </p:style>
+          <p:txBody>
+            <a:bodyPr rtlCol="0" anchor="ctr"/>
+            <a:lstStyle/>
+            <a:p>
+              <a:pPr algn="ctr"/>
+              <a:endParaRPr lang="en-US" sz="2880" dirty="0">
+                <a:solidFill>
+                  <a:schemeClr val="tx1"/>
+                </a:solidFill>
+              </a:endParaRPr>
+            </a:p>
+          </p:txBody>
+        </p:sp>
+        <p:sp>
+          <p:nvSpPr>
+            <p:cNvPr id="44" name="Rounded Rectangle 43">
+              <a:extLst>
+                <a:ext uri="{FF2B5EF4-FFF2-40B4-BE49-F238E27FC236}">
+                  <a16:creationId xmlns:a16="http://schemas.microsoft.com/office/drawing/2014/main" id="{B1C63C3F-5844-9044-99B6-EF1D03136EB1}"/>
+                </a:ext>
+              </a:extLst>
+            </p:cNvPr>
+            <p:cNvSpPr/>
+            <p:nvPr/>
+          </p:nvSpPr>
+          <p:spPr>
+            <a:xfrm>
+              <a:off x="8350747" y="5242315"/>
+              <a:ext cx="210698" cy="142723"/>
+            </a:xfrm>
+            <a:prstGeom prst="roundRect">
+              <a:avLst/>
+            </a:prstGeom>
+            <a:solidFill>
+              <a:schemeClr val="accent1">
+                <a:lumMod val="40000"/>
+                <a:lumOff val="60000"/>
+              </a:schemeClr>
+            </a:solidFill>
+            <a:ln>
+              <a:solidFill>
+                <a:schemeClr val="accent1"/>
+              </a:solidFill>
+            </a:ln>
+          </p:spPr>
+          <p:style>
+            <a:lnRef idx="2">
+              <a:schemeClr val="accent1">
+                <a:shade val="50000"/>
+              </a:schemeClr>
+            </a:lnRef>
+            <a:fillRef idx="1">
+              <a:schemeClr val="accent1"/>
+            </a:fillRef>
+            <a:effectRef idx="0">
+              <a:schemeClr val="accent1"/>
+            </a:effectRef>
+            <a:fontRef idx="minor">
+              <a:schemeClr val="lt1"/>
+            </a:fontRef>
+          </p:style>
+          <p:txBody>
+            <a:bodyPr rtlCol="0" anchor="ctr"/>
+            <a:lstStyle/>
+            <a:p>
+              <a:pPr algn="ctr"/>
+              <a:endParaRPr lang="en-US" sz="2880" dirty="0">
+                <a:solidFill>
+                  <a:schemeClr val="tx1"/>
+                </a:solidFill>
+              </a:endParaRPr>
+            </a:p>
+          </p:txBody>
+        </p:sp>
+        <p:cxnSp>
+          <p:nvCxnSpPr>
+            <p:cNvPr id="45" name="Straight Arrow Connector 44">
+              <a:extLst>
+                <a:ext uri="{FF2B5EF4-FFF2-40B4-BE49-F238E27FC236}">
+                  <a16:creationId xmlns:a16="http://schemas.microsoft.com/office/drawing/2014/main" id="{8D5B61FB-6ACD-F740-8EBD-726C908F7FA7}"/>
+                </a:ext>
+              </a:extLst>
+            </p:cNvPr>
+            <p:cNvCxnSpPr>
+              <a:cxnSpLocks/>
+              <a:stCxn id="40" idx="5"/>
+              <a:endCxn id="43" idx="1"/>
+            </p:cNvCxnSpPr>
+            <p:nvPr/>
+          </p:nvCxnSpPr>
+          <p:spPr>
+            <a:xfrm>
+              <a:off x="7380958" y="5194412"/>
+              <a:ext cx="194875" cy="114044"/>
+            </a:xfrm>
+            <a:prstGeom prst="straightConnector1">
+              <a:avLst/>
+            </a:prstGeom>
+            <a:ln w="25400">
+              <a:solidFill>
+                <a:schemeClr val="tx1"/>
+              </a:solidFill>
+              <a:headEnd w="sm" len="sm"/>
+              <a:tailEnd type="triangle" w="med" len="med"/>
+            </a:ln>
+          </p:spPr>
+          <p:style>
+            <a:lnRef idx="1">
+              <a:schemeClr val="accent1"/>
+            </a:lnRef>
+            <a:fillRef idx="0">
+              <a:schemeClr val="accent1"/>
+            </a:fillRef>
+            <a:effectRef idx="0">
+              <a:schemeClr val="accent1"/>
+            </a:effectRef>
+            <a:fontRef idx="minor">
+              <a:schemeClr val="tx1"/>
+            </a:fontRef>
+          </p:style>
+        </p:cxnSp>
+        <p:sp>
+          <p:nvSpPr>
+            <p:cNvPr id="46" name="Oval 45">
+              <a:extLst>
+                <a:ext uri="{FF2B5EF4-FFF2-40B4-BE49-F238E27FC236}">
+                  <a16:creationId xmlns:a16="http://schemas.microsoft.com/office/drawing/2014/main" id="{9A7CC5B7-E8F9-7749-A12B-49328E6EE026}"/>
+                </a:ext>
+              </a:extLst>
+            </p:cNvPr>
+            <p:cNvSpPr/>
+            <p:nvPr/>
+          </p:nvSpPr>
+          <p:spPr>
+            <a:xfrm>
+              <a:off x="7944115" y="5072590"/>
+              <a:ext cx="241580" cy="142723"/>
+            </a:xfrm>
+            <a:prstGeom prst="ellipse">
+              <a:avLst/>
+            </a:prstGeom>
+            <a:solidFill>
+              <a:schemeClr val="accent6">
+                <a:lumMod val="40000"/>
+                <a:lumOff val="60000"/>
+              </a:schemeClr>
+            </a:solidFill>
+            <a:ln>
+              <a:solidFill>
+                <a:schemeClr val="accent6"/>
+              </a:solidFill>
+            </a:ln>
+          </p:spPr>
+          <p:style>
+            <a:lnRef idx="2">
+              <a:schemeClr val="accent1">
+                <a:shade val="50000"/>
+              </a:schemeClr>
+            </a:lnRef>
+            <a:fillRef idx="1">
+              <a:schemeClr val="accent1"/>
+            </a:fillRef>
+            <a:effectRef idx="0">
+              <a:schemeClr val="accent1"/>
+            </a:effectRef>
+            <a:fontRef idx="minor">
+              <a:schemeClr val="lt1"/>
+            </a:fontRef>
+          </p:style>
+          <p:txBody>
+            <a:bodyPr rtlCol="0" anchor="ctr"/>
+            <a:lstStyle/>
+            <a:p>
+              <a:pPr algn="ctr"/>
+              <a:endParaRPr lang="en-US" sz="2880" dirty="0"/>
+            </a:p>
+          </p:txBody>
+        </p:sp>
+        <p:cxnSp>
+          <p:nvCxnSpPr>
+            <p:cNvPr id="47" name="Straight Arrow Connector 46">
+              <a:extLst>
+                <a:ext uri="{FF2B5EF4-FFF2-40B4-BE49-F238E27FC236}">
+                  <a16:creationId xmlns:a16="http://schemas.microsoft.com/office/drawing/2014/main" id="{56E7F5F9-74F5-4140-AA5D-7FDC0763EF35}"/>
+                </a:ext>
+              </a:extLst>
+            </p:cNvPr>
+            <p:cNvCxnSpPr>
+              <a:cxnSpLocks/>
+              <a:stCxn id="46" idx="5"/>
+              <a:endCxn id="44" idx="1"/>
+            </p:cNvCxnSpPr>
+            <p:nvPr/>
+          </p:nvCxnSpPr>
+          <p:spPr>
+            <a:xfrm>
+              <a:off x="8150316" y="5194412"/>
+              <a:ext cx="200431" cy="119265"/>
+            </a:xfrm>
+            <a:prstGeom prst="straightConnector1">
+              <a:avLst/>
+            </a:prstGeom>
+            <a:ln w="25400">
+              <a:solidFill>
+                <a:schemeClr val="tx1"/>
+              </a:solidFill>
+              <a:headEnd w="sm" len="sm"/>
+              <a:tailEnd type="triangle" w="med" len="med"/>
+            </a:ln>
+          </p:spPr>
+          <p:style>
+            <a:lnRef idx="1">
+              <a:schemeClr val="accent1"/>
+            </a:lnRef>
+            <a:fillRef idx="0">
+              <a:schemeClr val="accent1"/>
+            </a:fillRef>
+            <a:effectRef idx="0">
+              <a:schemeClr val="accent1"/>
+            </a:effectRef>
+            <a:fontRef idx="minor">
+              <a:schemeClr val="tx1"/>
+            </a:fontRef>
+          </p:style>
+        </p:cxnSp>
+        <p:cxnSp>
+          <p:nvCxnSpPr>
+            <p:cNvPr id="48" name="Straight Arrow Connector 47">
+              <a:extLst>
+                <a:ext uri="{FF2B5EF4-FFF2-40B4-BE49-F238E27FC236}">
+                  <a16:creationId xmlns:a16="http://schemas.microsoft.com/office/drawing/2014/main" id="{10905DCA-D3E6-674D-AAC6-B6F6A94144FD}"/>
+                </a:ext>
+              </a:extLst>
+            </p:cNvPr>
+            <p:cNvCxnSpPr>
+              <a:cxnSpLocks/>
+              <a:stCxn id="46" idx="3"/>
+              <a:endCxn id="43" idx="3"/>
+            </p:cNvCxnSpPr>
+            <p:nvPr/>
+          </p:nvCxnSpPr>
+          <p:spPr>
+            <a:xfrm flipH="1">
+              <a:off x="7786531" y="5194412"/>
+              <a:ext cx="192962" cy="114044"/>
+            </a:xfrm>
+            <a:prstGeom prst="straightConnector1">
+              <a:avLst/>
+            </a:prstGeom>
+            <a:ln w="25400">
+              <a:solidFill>
+                <a:schemeClr val="tx1"/>
+              </a:solidFill>
+              <a:headEnd w="sm" len="sm"/>
+              <a:tailEnd type="triangle" w="med" len="med"/>
+            </a:ln>
+          </p:spPr>
+          <p:style>
+            <a:lnRef idx="1">
+              <a:schemeClr val="accent1"/>
+            </a:lnRef>
+            <a:fillRef idx="0">
+              <a:schemeClr val="accent1"/>
+            </a:fillRef>
+            <a:effectRef idx="0">
+              <a:schemeClr val="accent1"/>
+            </a:effectRef>
+            <a:fontRef idx="minor">
+              <a:schemeClr val="tx1"/>
+            </a:fontRef>
+          </p:style>
+        </p:cxnSp>
+      </p:grpSp>
+    </p:spTree>
+    <p:extLst>
+      <p:ext uri="{BB962C8B-B14F-4D97-AF65-F5344CB8AC3E}">
+        <p14:creationId xmlns:p14="http://schemas.microsoft.com/office/powerpoint/2010/main" val="2046789778"/>
+      </p:ext>
+    </p:extLst>
+  </p:cSld>
+  <p:clrMapOvr>
+    <a:masterClrMapping/>
+  </p:clrMapOvr>
+</p:sld>
+</file>
+
 <file path=ppt/slides/slide2.xml><?xml version="1.0" encoding="utf-8"?>
 <p:sld xmlns:a="http://schemas.openxmlformats.org/drawingml/2006/main" xmlns:r="http://schemas.openxmlformats.org/officeDocument/2006/relationships" xmlns:p="http://schemas.openxmlformats.org/presentationml/2006/main">
   <p:cSld>
@@ -10235,8 +12870,8 @@
           </a:p>
         </p:txBody>
       </p:sp>
-      <mc:AlternateContent xmlns:mc="http://schemas.openxmlformats.org/markup-compatibility/2006">
-        <mc:Choice xmlns:a14="http://schemas.microsoft.com/office/drawing/2010/main" Requires="a14">
+      <mc:AlternateContent xmlns:mc="http://schemas.openxmlformats.org/markup-compatibility/2006" xmlns:a14="http://schemas.microsoft.com/office/drawing/2010/main">
+        <mc:Choice Requires="a14">
           <p:sp>
             <p:nvSpPr>
               <p:cNvPr id="7" name="Rounded Rectangle 6">
@@ -10338,7 +12973,7 @@
             </p:txBody>
           </p:sp>
         </mc:Choice>
-        <mc:Fallback>
+        <mc:Fallback xmlns="">
           <p:sp>
             <p:nvSpPr>
               <p:cNvPr id="7" name="Rounded Rectangle 6">
@@ -10656,8 +13291,8 @@
           </a:fontRef>
         </p:style>
       </p:cxnSp>
-      <mc:AlternateContent xmlns:mc="http://schemas.openxmlformats.org/markup-compatibility/2006">
-        <mc:Choice xmlns:a14="http://schemas.microsoft.com/office/drawing/2010/main" Requires="a14">
+      <mc:AlternateContent xmlns:mc="http://schemas.openxmlformats.org/markup-compatibility/2006" xmlns:a14="http://schemas.microsoft.com/office/drawing/2010/main">
+        <mc:Choice Requires="a14">
           <p:sp>
             <p:nvSpPr>
               <p:cNvPr id="30" name="Rounded Rectangle 29">
@@ -10759,7 +13394,7 @@
             </p:txBody>
           </p:sp>
         </mc:Choice>
-        <mc:Fallback>
+        <mc:Fallback xmlns="">
           <p:sp>
             <p:nvSpPr>
               <p:cNvPr id="30" name="Rounded Rectangle 29">
@@ -10944,8 +13579,8 @@
           </a:fontRef>
         </p:style>
       </p:cxnSp>
-      <mc:AlternateContent xmlns:mc="http://schemas.openxmlformats.org/markup-compatibility/2006">
-        <mc:Choice xmlns:a14="http://schemas.microsoft.com/office/drawing/2010/main" Requires="a14">
+      <mc:AlternateContent xmlns:mc="http://schemas.openxmlformats.org/markup-compatibility/2006" xmlns:a14="http://schemas.microsoft.com/office/drawing/2010/main">
+        <mc:Choice Requires="a14">
           <p:sp>
             <p:nvSpPr>
               <p:cNvPr id="39" name="Rounded Rectangle 38">
@@ -11047,7 +13682,7 @@
             </p:txBody>
           </p:sp>
         </mc:Choice>
-        <mc:Fallback>
+        <mc:Fallback xmlns="">
           <p:sp>
             <p:nvSpPr>
               <p:cNvPr id="39" name="Rounded Rectangle 38">
@@ -11097,8 +13732,8 @@
           </p:sp>
         </mc:Fallback>
       </mc:AlternateContent>
-      <mc:AlternateContent xmlns:mc="http://schemas.openxmlformats.org/markup-compatibility/2006">
-        <mc:Choice xmlns:a14="http://schemas.microsoft.com/office/drawing/2010/main" Requires="a14">
+      <mc:AlternateContent xmlns:mc="http://schemas.openxmlformats.org/markup-compatibility/2006" xmlns:a14="http://schemas.microsoft.com/office/drawing/2010/main">
+        <mc:Choice Requires="a14">
           <p:sp>
             <p:nvSpPr>
               <p:cNvPr id="48" name="Rounded Rectangle 47">
@@ -11200,7 +13835,7 @@
             </p:txBody>
           </p:sp>
         </mc:Choice>
-        <mc:Fallback>
+        <mc:Fallback xmlns="">
           <p:sp>
             <p:nvSpPr>
               <p:cNvPr id="48" name="Rounded Rectangle 47">
@@ -11429,8 +14064,8 @@
           </a:fontRef>
         </p:style>
       </p:cxnSp>
-      <mc:AlternateContent xmlns:mc="http://schemas.openxmlformats.org/markup-compatibility/2006">
-        <mc:Choice xmlns:a14="http://schemas.microsoft.com/office/drawing/2010/main" Requires="a14">
+      <mc:AlternateContent xmlns:mc="http://schemas.openxmlformats.org/markup-compatibility/2006" xmlns:a14="http://schemas.microsoft.com/office/drawing/2010/main">
+        <mc:Choice Requires="a14">
           <p:sp>
             <p:nvSpPr>
               <p:cNvPr id="57" name="Rounded Rectangle 56">
@@ -11532,7 +14167,7 @@
             </p:txBody>
           </p:sp>
         </mc:Choice>
-        <mc:Fallback>
+        <mc:Fallback xmlns="">
           <p:sp>
             <p:nvSpPr>
               <p:cNvPr id="57" name="Rounded Rectangle 56">
@@ -11776,7 +14411,7 @@
             </p:nvSpPr>
             <p:spPr>
               <a:xfrm>
-                <a:off x="2606762" y="1741451"/>
+                <a:off x="2606762" y="1728004"/>
                 <a:ext cx="489814" cy="400110"/>
               </a:xfrm>
               <a:prstGeom prst="rect">
@@ -11847,14 +14482,14 @@
             </p:nvSpPr>
             <p:spPr>
               <a:xfrm>
-                <a:off x="2606762" y="1741451"/>
+                <a:off x="2606762" y="1728004"/>
                 <a:ext cx="489814" cy="400110"/>
               </a:xfrm>
               <a:prstGeom prst="rect">
                 <a:avLst/>
               </a:prstGeom>
               <a:blipFill>
-                <a:blip r:embed="rId10"/>
+                <a:blip r:embed="rId7"/>
                 <a:stretch>
                   <a:fillRect/>
                 </a:stretch>
@@ -13089,8 +15724,8 @@
           </a:fontRef>
         </p:style>
       </p:cxnSp>
-      <mc:AlternateContent xmlns:mc="http://schemas.openxmlformats.org/markup-compatibility/2006">
-        <mc:Choice xmlns:a14="http://schemas.microsoft.com/office/drawing/2010/main" Requires="a14">
+      <mc:AlternateContent xmlns:mc="http://schemas.openxmlformats.org/markup-compatibility/2006" xmlns:a14="http://schemas.microsoft.com/office/drawing/2010/main">
+        <mc:Choice Requires="a14">
           <p:sp>
             <p:nvSpPr>
               <p:cNvPr id="104" name="Rounded Rectangle 103">
@@ -13192,7 +15827,7 @@
             </p:txBody>
           </p:sp>
         </mc:Choice>
-        <mc:Fallback>
+        <mc:Fallback xmlns="">
           <p:sp>
             <p:nvSpPr>
               <p:cNvPr id="104" name="Rounded Rectangle 103">
@@ -13517,8 +16152,8 @@
           </a:fontRef>
         </p:style>
       </p:cxnSp>
-      <mc:AlternateContent xmlns:mc="http://schemas.openxmlformats.org/markup-compatibility/2006">
-        <mc:Choice xmlns:a14="http://schemas.microsoft.com/office/drawing/2010/main" Requires="a14">
+      <mc:AlternateContent xmlns:mc="http://schemas.openxmlformats.org/markup-compatibility/2006" xmlns:a14="http://schemas.microsoft.com/office/drawing/2010/main">
+        <mc:Choice Requires="a14">
           <p:sp>
             <p:nvSpPr>
               <p:cNvPr id="4" name="Oval 3">
@@ -13627,7 +16262,7 @@
             </p:txBody>
           </p:sp>
         </mc:Choice>
-        <mc:Fallback>
+        <mc:Fallback xmlns="">
           <p:sp>
             <p:nvSpPr>
               <p:cNvPr id="4" name="Oval 3">
@@ -13677,8 +16312,8 @@
           </p:sp>
         </mc:Fallback>
       </mc:AlternateContent>
-      <mc:AlternateContent xmlns:mc="http://schemas.openxmlformats.org/markup-compatibility/2006">
-        <mc:Choice xmlns:a14="http://schemas.microsoft.com/office/drawing/2010/main" Requires="a14">
+      <mc:AlternateContent xmlns:mc="http://schemas.openxmlformats.org/markup-compatibility/2006" xmlns:a14="http://schemas.microsoft.com/office/drawing/2010/main">
+        <mc:Choice Requires="a14">
           <p:sp>
             <p:nvSpPr>
               <p:cNvPr id="60" name="Oval 59">
@@ -13787,7 +16422,7 @@
             </p:txBody>
           </p:sp>
         </mc:Choice>
-        <mc:Fallback>
+        <mc:Fallback xmlns="">
           <p:sp>
             <p:nvSpPr>
               <p:cNvPr id="60" name="Oval 59">
@@ -13837,8 +16472,8 @@
           </p:sp>
         </mc:Fallback>
       </mc:AlternateContent>
-      <mc:AlternateContent xmlns:mc="http://schemas.openxmlformats.org/markup-compatibility/2006">
-        <mc:Choice xmlns:a14="http://schemas.microsoft.com/office/drawing/2010/main" Requires="a14">
+      <mc:AlternateContent xmlns:mc="http://schemas.openxmlformats.org/markup-compatibility/2006" xmlns:a14="http://schemas.microsoft.com/office/drawing/2010/main">
+        <mc:Choice Requires="a14">
           <p:sp>
             <p:nvSpPr>
               <p:cNvPr id="38" name="Oval 37">
@@ -13947,7 +16582,7 @@
             </p:txBody>
           </p:sp>
         </mc:Choice>
-        <mc:Fallback>
+        <mc:Fallback xmlns="">
           <p:sp>
             <p:nvSpPr>
               <p:cNvPr id="38" name="Oval 37">
@@ -13997,8 +16632,8 @@
           </p:sp>
         </mc:Fallback>
       </mc:AlternateContent>
-      <mc:AlternateContent xmlns:mc="http://schemas.openxmlformats.org/markup-compatibility/2006">
-        <mc:Choice xmlns:a14="http://schemas.microsoft.com/office/drawing/2010/main" Requires="a14">
+      <mc:AlternateContent xmlns:mc="http://schemas.openxmlformats.org/markup-compatibility/2006" xmlns:a14="http://schemas.microsoft.com/office/drawing/2010/main">
+        <mc:Choice Requires="a14">
           <p:sp>
             <p:nvSpPr>
               <p:cNvPr id="90" name="Oval 89">
@@ -14107,7 +16742,7 @@
             </p:txBody>
           </p:sp>
         </mc:Choice>
-        <mc:Fallback>
+        <mc:Fallback xmlns="">
           <p:sp>
             <p:nvSpPr>
               <p:cNvPr id="90" name="Oval 89">
@@ -14350,8 +16985,8 @@
           </p:sp>
         </mc:Fallback>
       </mc:AlternateContent>
-      <mc:AlternateContent xmlns:mc="http://schemas.openxmlformats.org/markup-compatibility/2006">
-        <mc:Choice xmlns:a14="http://schemas.microsoft.com/office/drawing/2010/main" Requires="a14">
+      <mc:AlternateContent xmlns:mc="http://schemas.openxmlformats.org/markup-compatibility/2006" xmlns:a14="http://schemas.microsoft.com/office/drawing/2010/main">
+        <mc:Choice Requires="a14">
           <p:sp>
             <p:nvSpPr>
               <p:cNvPr id="5" name="Rounded Rectangle 4">
@@ -14428,7 +17063,7 @@
             </p:txBody>
           </p:sp>
         </mc:Choice>
-        <mc:Fallback>
+        <mc:Fallback xmlns="">
           <p:sp>
             <p:nvSpPr>
               <p:cNvPr id="5" name="Rounded Rectangle 4">
@@ -14613,8 +17248,8 @@
           </a:fontRef>
         </p:style>
       </p:cxnSp>
-      <mc:AlternateContent xmlns:mc="http://schemas.openxmlformats.org/markup-compatibility/2006">
-        <mc:Choice xmlns:a14="http://schemas.microsoft.com/office/drawing/2010/main" Requires="a14">
+      <mc:AlternateContent xmlns:mc="http://schemas.openxmlformats.org/markup-compatibility/2006" xmlns:a14="http://schemas.microsoft.com/office/drawing/2010/main">
+        <mc:Choice Requires="a14">
           <p:sp>
             <p:nvSpPr>
               <p:cNvPr id="9" name="Rounded Rectangle 8">
@@ -14691,7 +17326,7 @@
             </p:txBody>
           </p:sp>
         </mc:Choice>
-        <mc:Fallback>
+        <mc:Fallback xmlns="">
           <p:sp>
             <p:nvSpPr>
               <p:cNvPr id="9" name="Rounded Rectangle 8">
@@ -15482,8 +18117,8 @@
           </p:sp>
         </mc:Fallback>
       </mc:AlternateContent>
-      <mc:AlternateContent xmlns:mc="http://schemas.openxmlformats.org/markup-compatibility/2006">
-        <mc:Choice xmlns:a14="http://schemas.microsoft.com/office/drawing/2010/main" Requires="a14">
+      <mc:AlternateContent xmlns:mc="http://schemas.openxmlformats.org/markup-compatibility/2006" xmlns:a14="http://schemas.microsoft.com/office/drawing/2010/main">
+        <mc:Choice Requires="a14">
           <p:sp>
             <p:nvSpPr>
               <p:cNvPr id="5" name="Rounded Rectangle 4">
@@ -15585,7 +18220,7 @@
             </p:txBody>
           </p:sp>
         </mc:Choice>
-        <mc:Fallback>
+        <mc:Fallback xmlns="">
           <p:sp>
             <p:nvSpPr>
               <p:cNvPr id="5" name="Rounded Rectangle 4">
@@ -15770,8 +18405,8 @@
           </a:fontRef>
         </p:style>
       </p:cxnSp>
-      <mc:AlternateContent xmlns:mc="http://schemas.openxmlformats.org/markup-compatibility/2006">
-        <mc:Choice xmlns:a14="http://schemas.microsoft.com/office/drawing/2010/main" Requires="a14">
+      <mc:AlternateContent xmlns:mc="http://schemas.openxmlformats.org/markup-compatibility/2006" xmlns:a14="http://schemas.microsoft.com/office/drawing/2010/main">
+        <mc:Choice Requires="a14">
           <p:sp>
             <p:nvSpPr>
               <p:cNvPr id="9" name="Rounded Rectangle 8">
@@ -15848,7 +18483,7 @@
             </p:txBody>
           </p:sp>
         </mc:Choice>
-        <mc:Fallback>
+        <mc:Fallback xmlns="">
           <p:sp>
             <p:nvSpPr>
               <p:cNvPr id="9" name="Rounded Rectangle 8">
@@ -16033,8 +18668,8 @@
           </a:fontRef>
         </p:style>
       </p:cxnSp>
-      <mc:AlternateContent xmlns:mc="http://schemas.openxmlformats.org/markup-compatibility/2006">
-        <mc:Choice xmlns:a14="http://schemas.microsoft.com/office/drawing/2010/main" Requires="a14">
+      <mc:AlternateContent xmlns:mc="http://schemas.openxmlformats.org/markup-compatibility/2006" xmlns:a14="http://schemas.microsoft.com/office/drawing/2010/main">
+        <mc:Choice Requires="a14">
           <p:sp>
             <p:nvSpPr>
               <p:cNvPr id="13" name="TextBox 12">
@@ -16103,7 +18738,7 @@
             </p:txBody>
           </p:sp>
         </mc:Choice>
-        <mc:Fallback>
+        <mc:Fallback xmlns="">
           <p:sp>
             <p:nvSpPr>
               <p:cNvPr id="13" name="TextBox 12">
@@ -16244,8 +18879,8 @@
           </p:sp>
         </mc:Fallback>
       </mc:AlternateContent>
-      <mc:AlternateContent xmlns:mc="http://schemas.openxmlformats.org/markup-compatibility/2006">
-        <mc:Choice xmlns:a14="http://schemas.microsoft.com/office/drawing/2010/main" Requires="a14">
+      <mc:AlternateContent xmlns:mc="http://schemas.openxmlformats.org/markup-compatibility/2006" xmlns:a14="http://schemas.microsoft.com/office/drawing/2010/main">
+        <mc:Choice Requires="a14">
           <p:sp>
             <p:nvSpPr>
               <p:cNvPr id="15" name="TextBox 14">
@@ -16314,7 +18949,7 @@
             </p:txBody>
           </p:sp>
         </mc:Choice>
-        <mc:Fallback>
+        <mc:Fallback xmlns="">
           <p:sp>
             <p:nvSpPr>
               <p:cNvPr id="15" name="TextBox 14">
@@ -16660,8 +19295,8 @@
           </a:fontRef>
         </p:style>
       </p:cxnSp>
-      <mc:AlternateContent xmlns:mc="http://schemas.openxmlformats.org/markup-compatibility/2006">
-        <mc:Choice xmlns:a14="http://schemas.microsoft.com/office/drawing/2010/main" Requires="a14">
+      <mc:AlternateContent xmlns:mc="http://schemas.openxmlformats.org/markup-compatibility/2006" xmlns:a14="http://schemas.microsoft.com/office/drawing/2010/main">
+        <mc:Choice Requires="a14">
           <p:sp>
             <p:nvSpPr>
               <p:cNvPr id="19" name="Rounded Rectangle 18">
@@ -16767,7 +19402,7 @@
             </p:txBody>
           </p:sp>
         </mc:Choice>
-        <mc:Fallback>
+        <mc:Fallback xmlns="">
           <p:sp>
             <p:nvSpPr>
               <p:cNvPr id="19" name="Rounded Rectangle 18">
@@ -16952,8 +19587,8 @@
           </a:fontRef>
         </p:style>
       </p:cxnSp>
-      <mc:AlternateContent xmlns:mc="http://schemas.openxmlformats.org/markup-compatibility/2006">
-        <mc:Choice xmlns:a14="http://schemas.microsoft.com/office/drawing/2010/main" Requires="a14">
+      <mc:AlternateContent xmlns:mc="http://schemas.openxmlformats.org/markup-compatibility/2006" xmlns:a14="http://schemas.microsoft.com/office/drawing/2010/main">
+        <mc:Choice Requires="a14">
           <p:sp>
             <p:nvSpPr>
               <p:cNvPr id="23" name="TextBox 22">
@@ -17022,7 +19657,7 @@
             </p:txBody>
           </p:sp>
         </mc:Choice>
-        <mc:Fallback>
+        <mc:Fallback xmlns="">
           <p:sp>
             <p:nvSpPr>
               <p:cNvPr id="23" name="TextBox 22">
@@ -17067,8 +19702,8 @@
           </p:sp>
         </mc:Fallback>
       </mc:AlternateContent>
-      <mc:AlternateContent xmlns:mc="http://schemas.openxmlformats.org/markup-compatibility/2006">
-        <mc:Choice xmlns:a14="http://schemas.microsoft.com/office/drawing/2010/main" Requires="a14">
+      <mc:AlternateContent xmlns:mc="http://schemas.openxmlformats.org/markup-compatibility/2006" xmlns:a14="http://schemas.microsoft.com/office/drawing/2010/main">
+        <mc:Choice Requires="a14">
           <p:sp>
             <p:nvSpPr>
               <p:cNvPr id="24" name="TextBox 23">
@@ -17137,7 +19772,7 @@
             </p:txBody>
           </p:sp>
         </mc:Choice>
-        <mc:Fallback>
+        <mc:Fallback xmlns="">
           <p:sp>
             <p:nvSpPr>
               <p:cNvPr id="24" name="TextBox 23">
@@ -17451,8 +20086,8 @@
           </p:sp>
         </mc:Fallback>
       </mc:AlternateContent>
-      <mc:AlternateContent xmlns:mc="http://schemas.openxmlformats.org/markup-compatibility/2006">
-        <mc:Choice xmlns:a14="http://schemas.microsoft.com/office/drawing/2010/main" Requires="a14">
+      <mc:AlternateContent xmlns:mc="http://schemas.openxmlformats.org/markup-compatibility/2006" xmlns:a14="http://schemas.microsoft.com/office/drawing/2010/main">
+        <mc:Choice Requires="a14">
           <p:sp>
             <p:nvSpPr>
               <p:cNvPr id="5" name="Rounded Rectangle 4">
@@ -17554,7 +20189,7 @@
             </p:txBody>
           </p:sp>
         </mc:Choice>
-        <mc:Fallback>
+        <mc:Fallback xmlns="">
           <p:sp>
             <p:nvSpPr>
               <p:cNvPr id="5" name="Rounded Rectangle 4">
@@ -17739,8 +20374,8 @@
           </a:fontRef>
         </p:style>
       </p:cxnSp>
-      <mc:AlternateContent xmlns:mc="http://schemas.openxmlformats.org/markup-compatibility/2006">
-        <mc:Choice xmlns:a14="http://schemas.microsoft.com/office/drawing/2010/main" Requires="a14">
+      <mc:AlternateContent xmlns:mc="http://schemas.openxmlformats.org/markup-compatibility/2006" xmlns:a14="http://schemas.microsoft.com/office/drawing/2010/main">
+        <mc:Choice Requires="a14">
           <p:sp>
             <p:nvSpPr>
               <p:cNvPr id="9" name="Rounded Rectangle 8">
@@ -17817,7 +20452,7 @@
             </p:txBody>
           </p:sp>
         </mc:Choice>
-        <mc:Fallback>
+        <mc:Fallback xmlns="">
           <p:sp>
             <p:nvSpPr>
               <p:cNvPr id="9" name="Rounded Rectangle 8">
@@ -18424,8 +21059,8 @@
           </p:sp>
         </mc:Fallback>
       </mc:AlternateContent>
-      <mc:AlternateContent xmlns:mc="http://schemas.openxmlformats.org/markup-compatibility/2006">
-        <mc:Choice xmlns:a14="http://schemas.microsoft.com/office/drawing/2010/main" Requires="a14">
+      <mc:AlternateContent xmlns:mc="http://schemas.openxmlformats.org/markup-compatibility/2006" xmlns:a14="http://schemas.microsoft.com/office/drawing/2010/main">
+        <mc:Choice Requires="a14">
           <p:sp>
             <p:nvSpPr>
               <p:cNvPr id="41" name="Rounded Rectangle 40">
@@ -18527,7 +21162,7 @@
             </p:txBody>
           </p:sp>
         </mc:Choice>
-        <mc:Fallback>
+        <mc:Fallback xmlns="">
           <p:sp>
             <p:nvSpPr>
               <p:cNvPr id="41" name="Rounded Rectangle 40">
@@ -19349,8 +21984,8 @@
           </p:sp>
         </mc:Fallback>
       </mc:AlternateContent>
-      <mc:AlternateContent xmlns:mc="http://schemas.openxmlformats.org/markup-compatibility/2006">
-        <mc:Choice xmlns:a14="http://schemas.microsoft.com/office/drawing/2010/main" Requires="a14">
+      <mc:AlternateContent xmlns:mc="http://schemas.openxmlformats.org/markup-compatibility/2006" xmlns:a14="http://schemas.microsoft.com/office/drawing/2010/main">
+        <mc:Choice Requires="a14">
           <p:sp>
             <p:nvSpPr>
               <p:cNvPr id="60" name="Rounded Rectangle 59">
@@ -19452,7 +22087,7 @@
             </p:txBody>
           </p:sp>
         </mc:Choice>
-        <mc:Fallback>
+        <mc:Fallback xmlns="">
           <p:sp>
             <p:nvSpPr>
               <p:cNvPr id="60" name="Rounded Rectangle 59">
@@ -19960,8 +22595,8 @@
           </a:p>
         </p:txBody>
       </p:sp>
-      <mc:AlternateContent xmlns:mc="http://schemas.openxmlformats.org/markup-compatibility/2006">
-        <mc:Choice xmlns:a14="http://schemas.microsoft.com/office/drawing/2010/main" Requires="a14">
+      <mc:AlternateContent xmlns:mc="http://schemas.openxmlformats.org/markup-compatibility/2006" xmlns:a14="http://schemas.microsoft.com/office/drawing/2010/main">
+        <mc:Choice Requires="a14">
           <p:sp>
             <p:nvSpPr>
               <p:cNvPr id="4" name="Oval 3">
@@ -20070,7 +22705,7 @@
             </p:txBody>
           </p:sp>
         </mc:Choice>
-        <mc:Fallback>
+        <mc:Fallback xmlns="">
           <p:sp>
             <p:nvSpPr>
               <p:cNvPr id="4" name="Oval 3">
@@ -20120,8 +22755,8 @@
           </p:sp>
         </mc:Fallback>
       </mc:AlternateContent>
-      <mc:AlternateContent xmlns:mc="http://schemas.openxmlformats.org/markup-compatibility/2006">
-        <mc:Choice xmlns:a14="http://schemas.microsoft.com/office/drawing/2010/main" Requires="a14">
+      <mc:AlternateContent xmlns:mc="http://schemas.openxmlformats.org/markup-compatibility/2006" xmlns:a14="http://schemas.microsoft.com/office/drawing/2010/main">
+        <mc:Choice Requires="a14">
           <p:sp>
             <p:nvSpPr>
               <p:cNvPr id="5" name="Rounded Rectangle 4">
@@ -20223,7 +22858,7 @@
             </p:txBody>
           </p:sp>
         </mc:Choice>
-        <mc:Fallback>
+        <mc:Fallback xmlns="">
           <p:sp>
             <p:nvSpPr>
               <p:cNvPr id="5" name="Rounded Rectangle 4">
@@ -20408,8 +23043,8 @@
           </a:fontRef>
         </p:style>
       </p:cxnSp>
-      <mc:AlternateContent xmlns:mc="http://schemas.openxmlformats.org/markup-compatibility/2006">
-        <mc:Choice xmlns:a14="http://schemas.microsoft.com/office/drawing/2010/main" Requires="a14">
+      <mc:AlternateContent xmlns:mc="http://schemas.openxmlformats.org/markup-compatibility/2006" xmlns:a14="http://schemas.microsoft.com/office/drawing/2010/main">
+        <mc:Choice Requires="a14">
           <p:sp>
             <p:nvSpPr>
               <p:cNvPr id="9" name="Rounded Rectangle 8">
@@ -20511,7 +23146,7 @@
             </p:txBody>
           </p:sp>
         </mc:Choice>
-        <mc:Fallback>
+        <mc:Fallback xmlns="">
           <p:sp>
             <p:nvSpPr>
               <p:cNvPr id="9" name="Rounded Rectangle 8">
@@ -20696,8 +23331,8 @@
           </a:fontRef>
         </p:style>
       </p:cxnSp>
-      <mc:AlternateContent xmlns:mc="http://schemas.openxmlformats.org/markup-compatibility/2006">
-        <mc:Choice xmlns:a14="http://schemas.microsoft.com/office/drawing/2010/main" Requires="a14">
+      <mc:AlternateContent xmlns:mc="http://schemas.openxmlformats.org/markup-compatibility/2006" xmlns:a14="http://schemas.microsoft.com/office/drawing/2010/main">
+        <mc:Choice Requires="a14">
           <p:sp>
             <p:nvSpPr>
               <p:cNvPr id="13" name="TextBox 12">
@@ -20766,7 +23401,7 @@
             </p:txBody>
           </p:sp>
         </mc:Choice>
-        <mc:Fallback>
+        <mc:Fallback xmlns="">
           <p:sp>
             <p:nvSpPr>
               <p:cNvPr id="13" name="TextBox 12">
@@ -20926,8 +23561,8 @@
           </p:sp>
         </mc:Fallback>
       </mc:AlternateContent>
-      <mc:AlternateContent xmlns:mc="http://schemas.openxmlformats.org/markup-compatibility/2006">
-        <mc:Choice xmlns:a14="http://schemas.microsoft.com/office/drawing/2010/main" Requires="a14">
+      <mc:AlternateContent xmlns:mc="http://schemas.openxmlformats.org/markup-compatibility/2006" xmlns:a14="http://schemas.microsoft.com/office/drawing/2010/main">
+        <mc:Choice Requires="a14">
           <p:sp>
             <p:nvSpPr>
               <p:cNvPr id="15" name="TextBox 14">
@@ -20996,7 +23631,7 @@
             </p:txBody>
           </p:sp>
         </mc:Choice>
-        <mc:Fallback>
+        <mc:Fallback xmlns="">
           <p:sp>
             <p:nvSpPr>
               <p:cNvPr id="15" name="TextBox 14">
@@ -21156,8 +23791,8 @@
           </p:sp>
         </mc:Fallback>
       </mc:AlternateContent>
-      <mc:AlternateContent xmlns:mc="http://schemas.openxmlformats.org/markup-compatibility/2006">
-        <mc:Choice xmlns:a14="http://schemas.microsoft.com/office/drawing/2010/main" Requires="a14">
+      <mc:AlternateContent xmlns:mc="http://schemas.openxmlformats.org/markup-compatibility/2006" xmlns:a14="http://schemas.microsoft.com/office/drawing/2010/main">
+        <mc:Choice Requires="a14">
           <p:sp>
             <p:nvSpPr>
               <p:cNvPr id="17" name="Oval 16">
@@ -21263,7 +23898,7 @@
             </p:txBody>
           </p:sp>
         </mc:Choice>
-        <mc:Fallback>
+        <mc:Fallback xmlns="">
           <p:sp>
             <p:nvSpPr>
               <p:cNvPr id="17" name="Oval 16">
@@ -21359,8 +23994,8 @@
           </a:fontRef>
         </p:style>
       </p:cxnSp>
-      <mc:AlternateContent xmlns:mc="http://schemas.openxmlformats.org/markup-compatibility/2006">
-        <mc:Choice xmlns:a14="http://schemas.microsoft.com/office/drawing/2010/main" Requires="a14">
+      <mc:AlternateContent xmlns:mc="http://schemas.openxmlformats.org/markup-compatibility/2006" xmlns:a14="http://schemas.microsoft.com/office/drawing/2010/main">
+        <mc:Choice Requires="a14">
           <p:sp>
             <p:nvSpPr>
               <p:cNvPr id="19" name="Rounded Rectangle 18">
@@ -21466,7 +24101,7 @@
             </p:txBody>
           </p:sp>
         </mc:Choice>
-        <mc:Fallback>
+        <mc:Fallback xmlns="">
           <p:sp>
             <p:nvSpPr>
               <p:cNvPr id="19" name="Rounded Rectangle 18">
@@ -21651,8 +24286,8 @@
           </a:fontRef>
         </p:style>
       </p:cxnSp>
-      <mc:AlternateContent xmlns:mc="http://schemas.openxmlformats.org/markup-compatibility/2006">
-        <mc:Choice xmlns:a14="http://schemas.microsoft.com/office/drawing/2010/main" Requires="a14">
+      <mc:AlternateContent xmlns:mc="http://schemas.openxmlformats.org/markup-compatibility/2006" xmlns:a14="http://schemas.microsoft.com/office/drawing/2010/main">
+        <mc:Choice Requires="a14">
           <p:sp>
             <p:nvSpPr>
               <p:cNvPr id="23" name="TextBox 22">
@@ -21721,7 +24356,7 @@
             </p:txBody>
           </p:sp>
         </mc:Choice>
-        <mc:Fallback>
+        <mc:Fallback xmlns="">
           <p:sp>
             <p:nvSpPr>
               <p:cNvPr id="23" name="TextBox 22">
@@ -21766,8 +24401,8 @@
           </p:sp>
         </mc:Fallback>
       </mc:AlternateContent>
-      <mc:AlternateContent xmlns:mc="http://schemas.openxmlformats.org/markup-compatibility/2006">
-        <mc:Choice xmlns:a14="http://schemas.microsoft.com/office/drawing/2010/main" Requires="a14">
+      <mc:AlternateContent xmlns:mc="http://schemas.openxmlformats.org/markup-compatibility/2006" xmlns:a14="http://schemas.microsoft.com/office/drawing/2010/main">
+        <mc:Choice Requires="a14">
           <p:sp>
             <p:nvSpPr>
               <p:cNvPr id="24" name="TextBox 23">
@@ -21836,7 +24471,7 @@
             </p:txBody>
           </p:sp>
         </mc:Choice>
-        <mc:Fallback>
+        <mc:Fallback xmlns="">
           <p:sp>
             <p:nvSpPr>
               <p:cNvPr id="24" name="TextBox 23">
@@ -21881,8 +24516,8 @@
           </p:sp>
         </mc:Fallback>
       </mc:AlternateContent>
-      <mc:AlternateContent xmlns:mc="http://schemas.openxmlformats.org/markup-compatibility/2006">
-        <mc:Choice xmlns:a14="http://schemas.microsoft.com/office/drawing/2010/main" Requires="a14">
+      <mc:AlternateContent xmlns:mc="http://schemas.openxmlformats.org/markup-compatibility/2006" xmlns:a14="http://schemas.microsoft.com/office/drawing/2010/main">
+        <mc:Choice Requires="a14">
           <p:sp>
             <p:nvSpPr>
               <p:cNvPr id="26" name="Rounded Rectangle 25">
@@ -21993,7 +24628,7 @@
             </p:txBody>
           </p:sp>
         </mc:Choice>
-        <mc:Fallback>
+        <mc:Fallback xmlns="">
           <p:sp>
             <p:nvSpPr>
               <p:cNvPr id="26" name="Rounded Rectangle 25">
@@ -22420,8 +25055,8 @@
           </a:fontRef>
         </p:style>
       </p:cxnSp>
-      <mc:AlternateContent xmlns:mc="http://schemas.openxmlformats.org/markup-compatibility/2006">
-        <mc:Choice xmlns:a14="http://schemas.microsoft.com/office/drawing/2010/main" Requires="a14">
+      <mc:AlternateContent xmlns:mc="http://schemas.openxmlformats.org/markup-compatibility/2006" xmlns:a14="http://schemas.microsoft.com/office/drawing/2010/main">
+        <mc:Choice Requires="a14">
           <p:sp>
             <p:nvSpPr>
               <p:cNvPr id="35" name="Oval 34">
@@ -22530,7 +25165,7 @@
             </p:txBody>
           </p:sp>
         </mc:Choice>
-        <mc:Fallback>
+        <mc:Fallback xmlns="">
           <p:sp>
             <p:nvSpPr>
               <p:cNvPr id="35" name="Oval 34">
@@ -22858,8 +25493,8 @@
           </a:p>
         </p:txBody>
       </p:sp>
-      <mc:AlternateContent xmlns:mc="http://schemas.openxmlformats.org/markup-compatibility/2006">
-        <mc:Choice xmlns:a14="http://schemas.microsoft.com/office/drawing/2010/main" Requires="a14">
+      <mc:AlternateContent xmlns:mc="http://schemas.openxmlformats.org/markup-compatibility/2006" xmlns:a14="http://schemas.microsoft.com/office/drawing/2010/main">
+        <mc:Choice Requires="a14">
           <p:sp>
             <p:nvSpPr>
               <p:cNvPr id="4" name="Oval 3">
@@ -22943,7 +25578,7 @@
             </p:txBody>
           </p:sp>
         </mc:Choice>
-        <mc:Fallback>
+        <mc:Fallback xmlns="">
           <p:sp>
             <p:nvSpPr>
               <p:cNvPr id="4" name="Oval 3">
@@ -22993,8 +25628,8 @@
           </p:sp>
         </mc:Fallback>
       </mc:AlternateContent>
-      <mc:AlternateContent xmlns:mc="http://schemas.openxmlformats.org/markup-compatibility/2006">
-        <mc:Choice xmlns:a14="http://schemas.microsoft.com/office/drawing/2010/main" Requires="a14">
+      <mc:AlternateContent xmlns:mc="http://schemas.openxmlformats.org/markup-compatibility/2006" xmlns:a14="http://schemas.microsoft.com/office/drawing/2010/main">
+        <mc:Choice Requires="a14">
           <p:sp>
             <p:nvSpPr>
               <p:cNvPr id="5" name="Rounded Rectangle 4">
@@ -23071,7 +25706,7 @@
             </p:txBody>
           </p:sp>
         </mc:Choice>
-        <mc:Fallback>
+        <mc:Fallback xmlns="">
           <p:sp>
             <p:nvSpPr>
               <p:cNvPr id="5" name="Rounded Rectangle 4">
@@ -23210,8 +25845,8 @@
           </a:fontRef>
         </p:style>
       </p:cxnSp>
-      <mc:AlternateContent xmlns:mc="http://schemas.openxmlformats.org/markup-compatibility/2006">
-        <mc:Choice xmlns:a14="http://schemas.microsoft.com/office/drawing/2010/main" Requires="a14">
+      <mc:AlternateContent xmlns:mc="http://schemas.openxmlformats.org/markup-compatibility/2006" xmlns:a14="http://schemas.microsoft.com/office/drawing/2010/main">
+        <mc:Choice Requires="a14">
           <p:sp>
             <p:nvSpPr>
               <p:cNvPr id="9" name="Rounded Rectangle 8">
@@ -23288,7 +25923,7 @@
             </p:txBody>
           </p:sp>
         </mc:Choice>
-        <mc:Fallback>
+        <mc:Fallback xmlns="">
           <p:sp>
             <p:nvSpPr>
               <p:cNvPr id="9" name="Rounded Rectangle 8">
@@ -23426,8 +26061,8 @@
           </a:fontRef>
         </p:style>
       </p:cxnSp>
-      <mc:AlternateContent xmlns:mc="http://schemas.openxmlformats.org/markup-compatibility/2006">
-        <mc:Choice xmlns:a14="http://schemas.microsoft.com/office/drawing/2010/main" Requires="a14">
+      <mc:AlternateContent xmlns:mc="http://schemas.openxmlformats.org/markup-compatibility/2006" xmlns:a14="http://schemas.microsoft.com/office/drawing/2010/main">
+        <mc:Choice Requires="a14">
           <p:sp>
             <p:nvSpPr>
               <p:cNvPr id="13" name="TextBox 12">
@@ -23477,7 +26112,7 @@
             </p:txBody>
           </p:sp>
         </mc:Choice>
-        <mc:Fallback>
+        <mc:Fallback xmlns="">
           <p:sp>
             <p:nvSpPr>
               <p:cNvPr id="13" name="TextBox 12">
@@ -23522,8 +26157,8 @@
           </p:sp>
         </mc:Fallback>
       </mc:AlternateContent>
-      <mc:AlternateContent xmlns:mc="http://schemas.openxmlformats.org/markup-compatibility/2006">
-        <mc:Choice xmlns:a14="http://schemas.microsoft.com/office/drawing/2010/main" Requires="a14">
+      <mc:AlternateContent xmlns:mc="http://schemas.openxmlformats.org/markup-compatibility/2006" xmlns:a14="http://schemas.microsoft.com/office/drawing/2010/main">
+        <mc:Choice Requires="a14">
           <p:sp>
             <p:nvSpPr>
               <p:cNvPr id="14" name="TextBox 13">
@@ -23573,7 +26208,7 @@
             </p:txBody>
           </p:sp>
         </mc:Choice>
-        <mc:Fallback>
+        <mc:Fallback xmlns="">
           <p:sp>
             <p:nvSpPr>
               <p:cNvPr id="14" name="TextBox 13">
@@ -23618,8 +26253,8 @@
           </p:sp>
         </mc:Fallback>
       </mc:AlternateContent>
-      <mc:AlternateContent xmlns:mc="http://schemas.openxmlformats.org/markup-compatibility/2006">
-        <mc:Choice xmlns:a14="http://schemas.microsoft.com/office/drawing/2010/main" Requires="a14">
+      <mc:AlternateContent xmlns:mc="http://schemas.openxmlformats.org/markup-compatibility/2006" xmlns:a14="http://schemas.microsoft.com/office/drawing/2010/main">
+        <mc:Choice Requires="a14">
           <p:sp>
             <p:nvSpPr>
               <p:cNvPr id="15" name="TextBox 14">
@@ -23669,7 +26304,7 @@
             </p:txBody>
           </p:sp>
         </mc:Choice>
-        <mc:Fallback>
+        <mc:Fallback xmlns="">
           <p:sp>
             <p:nvSpPr>
               <p:cNvPr id="15" name="TextBox 14">
@@ -23714,8 +26349,8 @@
           </p:sp>
         </mc:Fallback>
       </mc:AlternateContent>
-      <mc:AlternateContent xmlns:mc="http://schemas.openxmlformats.org/markup-compatibility/2006">
-        <mc:Choice xmlns:a14="http://schemas.microsoft.com/office/drawing/2010/main" Requires="a14">
+      <mc:AlternateContent xmlns:mc="http://schemas.openxmlformats.org/markup-compatibility/2006" xmlns:a14="http://schemas.microsoft.com/office/drawing/2010/main">
+        <mc:Choice Requires="a14">
           <p:sp>
             <p:nvSpPr>
               <p:cNvPr id="16" name="TextBox 15">
@@ -23765,7 +26400,7 @@
             </p:txBody>
           </p:sp>
         </mc:Choice>
-        <mc:Fallback>
+        <mc:Fallback xmlns="">
           <p:sp>
             <p:nvSpPr>
               <p:cNvPr id="16" name="TextBox 15">
@@ -23810,8 +26445,8 @@
           </p:sp>
         </mc:Fallback>
       </mc:AlternateContent>
-      <mc:AlternateContent xmlns:mc="http://schemas.openxmlformats.org/markup-compatibility/2006">
-        <mc:Choice xmlns:a14="http://schemas.microsoft.com/office/drawing/2010/main" Requires="a14">
+      <mc:AlternateContent xmlns:mc="http://schemas.openxmlformats.org/markup-compatibility/2006" xmlns:a14="http://schemas.microsoft.com/office/drawing/2010/main">
+        <mc:Choice Requires="a14">
           <p:sp>
             <p:nvSpPr>
               <p:cNvPr id="19" name="Rounded Rectangle 18">
@@ -23916,7 +26551,7 @@
             </p:txBody>
           </p:sp>
         </mc:Choice>
-        <mc:Fallback>
+        <mc:Fallback xmlns="">
           <p:sp>
             <p:nvSpPr>
               <p:cNvPr id="19" name="Rounded Rectangle 18">
@@ -23966,8 +26601,8 @@
           </p:sp>
         </mc:Fallback>
       </mc:AlternateContent>
-      <mc:AlternateContent xmlns:mc="http://schemas.openxmlformats.org/markup-compatibility/2006">
-        <mc:Choice xmlns:a14="http://schemas.microsoft.com/office/drawing/2010/main" Requires="a14">
+      <mc:AlternateContent xmlns:mc="http://schemas.openxmlformats.org/markup-compatibility/2006" xmlns:a14="http://schemas.microsoft.com/office/drawing/2010/main">
+        <mc:Choice Requires="a14">
           <p:sp>
             <p:nvSpPr>
               <p:cNvPr id="20" name="Rounded Rectangle 19">
@@ -24072,7 +26707,7 @@
             </p:txBody>
           </p:sp>
         </mc:Choice>
-        <mc:Fallback>
+        <mc:Fallback xmlns="">
           <p:sp>
             <p:nvSpPr>
               <p:cNvPr id="20" name="Rounded Rectangle 19">
@@ -24212,8 +26847,8 @@
           </a:fontRef>
         </p:style>
       </p:cxnSp>
-      <mc:AlternateContent xmlns:mc="http://schemas.openxmlformats.org/markup-compatibility/2006">
-        <mc:Choice xmlns:a14="http://schemas.microsoft.com/office/drawing/2010/main" Requires="a14">
+      <mc:AlternateContent xmlns:mc="http://schemas.openxmlformats.org/markup-compatibility/2006" xmlns:a14="http://schemas.microsoft.com/office/drawing/2010/main">
+        <mc:Choice Requires="a14">
           <p:sp>
             <p:nvSpPr>
               <p:cNvPr id="32" name="Oval 31">
@@ -24297,7 +26932,7 @@
             </p:txBody>
           </p:sp>
         </mc:Choice>
-        <mc:Fallback>
+        <mc:Fallback xmlns="">
           <p:sp>
             <p:nvSpPr>
               <p:cNvPr id="32" name="Oval 31">
@@ -24347,8 +26982,8 @@
           </p:sp>
         </mc:Fallback>
       </mc:AlternateContent>
-      <mc:AlternateContent xmlns:mc="http://schemas.openxmlformats.org/markup-compatibility/2006">
-        <mc:Choice xmlns:a14="http://schemas.microsoft.com/office/drawing/2010/main" Requires="a14">
+      <mc:AlternateContent xmlns:mc="http://schemas.openxmlformats.org/markup-compatibility/2006" xmlns:a14="http://schemas.microsoft.com/office/drawing/2010/main">
+        <mc:Choice Requires="a14">
           <p:sp>
             <p:nvSpPr>
               <p:cNvPr id="33" name="Rounded Rectangle 32">
@@ -24425,7 +27060,7 @@
             </p:txBody>
           </p:sp>
         </mc:Choice>
-        <mc:Fallback>
+        <mc:Fallback xmlns="">
           <p:sp>
             <p:nvSpPr>
               <p:cNvPr id="33" name="Rounded Rectangle 32">
@@ -24564,8 +27199,8 @@
           </a:fontRef>
         </p:style>
       </p:cxnSp>
-      <mc:AlternateContent xmlns:mc="http://schemas.openxmlformats.org/markup-compatibility/2006">
-        <mc:Choice xmlns:a14="http://schemas.microsoft.com/office/drawing/2010/main" Requires="a14">
+      <mc:AlternateContent xmlns:mc="http://schemas.openxmlformats.org/markup-compatibility/2006" xmlns:a14="http://schemas.microsoft.com/office/drawing/2010/main">
+        <mc:Choice Requires="a14">
           <p:sp>
             <p:nvSpPr>
               <p:cNvPr id="36" name="Rounded Rectangle 35">
@@ -24642,7 +27277,7 @@
             </p:txBody>
           </p:sp>
         </mc:Choice>
-        <mc:Fallback>
+        <mc:Fallback xmlns="">
           <p:sp>
             <p:nvSpPr>
               <p:cNvPr id="36" name="Rounded Rectangle 35">
@@ -24780,8 +27415,8 @@
           </a:fontRef>
         </p:style>
       </p:cxnSp>
-      <mc:AlternateContent xmlns:mc="http://schemas.openxmlformats.org/markup-compatibility/2006">
-        <mc:Choice xmlns:a14="http://schemas.microsoft.com/office/drawing/2010/main" Requires="a14">
+      <mc:AlternateContent xmlns:mc="http://schemas.openxmlformats.org/markup-compatibility/2006" xmlns:a14="http://schemas.microsoft.com/office/drawing/2010/main">
+        <mc:Choice Requires="a14">
           <p:sp>
             <p:nvSpPr>
               <p:cNvPr id="39" name="TextBox 38">
@@ -24831,7 +27466,7 @@
             </p:txBody>
           </p:sp>
         </mc:Choice>
-        <mc:Fallback>
+        <mc:Fallback xmlns="">
           <p:sp>
             <p:nvSpPr>
               <p:cNvPr id="39" name="TextBox 38">
@@ -24876,8 +27511,8 @@
           </p:sp>
         </mc:Fallback>
       </mc:AlternateContent>
-      <mc:AlternateContent xmlns:mc="http://schemas.openxmlformats.org/markup-compatibility/2006">
-        <mc:Choice xmlns:a14="http://schemas.microsoft.com/office/drawing/2010/main" Requires="a14">
+      <mc:AlternateContent xmlns:mc="http://schemas.openxmlformats.org/markup-compatibility/2006" xmlns:a14="http://schemas.microsoft.com/office/drawing/2010/main">
+        <mc:Choice Requires="a14">
           <p:sp>
             <p:nvSpPr>
               <p:cNvPr id="40" name="TextBox 39">
@@ -24927,7 +27562,7 @@
             </p:txBody>
           </p:sp>
         </mc:Choice>
-        <mc:Fallback>
+        <mc:Fallback xmlns="">
           <p:sp>
             <p:nvSpPr>
               <p:cNvPr id="40" name="TextBox 39">
@@ -24972,8 +27607,8 @@
           </p:sp>
         </mc:Fallback>
       </mc:AlternateContent>
-      <mc:AlternateContent xmlns:mc="http://schemas.openxmlformats.org/markup-compatibility/2006">
-        <mc:Choice xmlns:a14="http://schemas.microsoft.com/office/drawing/2010/main" Requires="a14">
+      <mc:AlternateContent xmlns:mc="http://schemas.openxmlformats.org/markup-compatibility/2006" xmlns:a14="http://schemas.microsoft.com/office/drawing/2010/main">
+        <mc:Choice Requires="a14">
           <p:sp>
             <p:nvSpPr>
               <p:cNvPr id="41" name="TextBox 40">
@@ -25023,7 +27658,7 @@
             </p:txBody>
           </p:sp>
         </mc:Choice>
-        <mc:Fallback>
+        <mc:Fallback xmlns="">
           <p:sp>
             <p:nvSpPr>
               <p:cNvPr id="41" name="TextBox 40">
@@ -25068,8 +27703,8 @@
           </p:sp>
         </mc:Fallback>
       </mc:AlternateContent>
-      <mc:AlternateContent xmlns:mc="http://schemas.openxmlformats.org/markup-compatibility/2006">
-        <mc:Choice xmlns:a14="http://schemas.microsoft.com/office/drawing/2010/main" Requires="a14">
+      <mc:AlternateContent xmlns:mc="http://schemas.openxmlformats.org/markup-compatibility/2006" xmlns:a14="http://schemas.microsoft.com/office/drawing/2010/main">
+        <mc:Choice Requires="a14">
           <p:sp>
             <p:nvSpPr>
               <p:cNvPr id="42" name="TextBox 41">
@@ -25119,7 +27754,7 @@
             </p:txBody>
           </p:sp>
         </mc:Choice>
-        <mc:Fallback>
+        <mc:Fallback xmlns="">
           <p:sp>
             <p:nvSpPr>
               <p:cNvPr id="42" name="TextBox 41">
@@ -25164,8 +27799,8 @@
           </p:sp>
         </mc:Fallback>
       </mc:AlternateContent>
-      <mc:AlternateContent xmlns:mc="http://schemas.openxmlformats.org/markup-compatibility/2006">
-        <mc:Choice xmlns:a14="http://schemas.microsoft.com/office/drawing/2010/main" Requires="a14">
+      <mc:AlternateContent xmlns:mc="http://schemas.openxmlformats.org/markup-compatibility/2006" xmlns:a14="http://schemas.microsoft.com/office/drawing/2010/main">
+        <mc:Choice Requires="a14">
           <p:sp>
             <p:nvSpPr>
               <p:cNvPr id="43" name="Rounded Rectangle 42">
@@ -25270,7 +27905,7 @@
             </p:txBody>
           </p:sp>
         </mc:Choice>
-        <mc:Fallback>
+        <mc:Fallback xmlns="">
           <p:sp>
             <p:nvSpPr>
               <p:cNvPr id="43" name="Rounded Rectangle 42">
@@ -25410,8 +28045,8 @@
           </a:fontRef>
         </p:style>
       </p:cxnSp>
-      <mc:AlternateContent xmlns:mc="http://schemas.openxmlformats.org/markup-compatibility/2006">
-        <mc:Choice xmlns:a14="http://schemas.microsoft.com/office/drawing/2010/main" Requires="a14">
+      <mc:AlternateContent xmlns:mc="http://schemas.openxmlformats.org/markup-compatibility/2006" xmlns:a14="http://schemas.microsoft.com/office/drawing/2010/main">
+        <mc:Choice Requires="a14">
           <p:sp>
             <p:nvSpPr>
               <p:cNvPr id="47" name="Oval 46">
@@ -25495,7 +28130,7 @@
             </p:txBody>
           </p:sp>
         </mc:Choice>
-        <mc:Fallback>
+        <mc:Fallback xmlns="">
           <p:sp>
             <p:nvSpPr>
               <p:cNvPr id="47" name="Oval 46">
@@ -25545,8 +28180,8 @@
           </p:sp>
         </mc:Fallback>
       </mc:AlternateContent>
-      <mc:AlternateContent xmlns:mc="http://schemas.openxmlformats.org/markup-compatibility/2006">
-        <mc:Choice xmlns:a14="http://schemas.microsoft.com/office/drawing/2010/main" Requires="a14">
+      <mc:AlternateContent xmlns:mc="http://schemas.openxmlformats.org/markup-compatibility/2006" xmlns:a14="http://schemas.microsoft.com/office/drawing/2010/main">
+        <mc:Choice Requires="a14">
           <p:sp>
             <p:nvSpPr>
               <p:cNvPr id="48" name="Rounded Rectangle 47">
@@ -25623,7 +28258,7 @@
             </p:txBody>
           </p:sp>
         </mc:Choice>
-        <mc:Fallback>
+        <mc:Fallback xmlns="">
           <p:sp>
             <p:nvSpPr>
               <p:cNvPr id="48" name="Rounded Rectangle 47">
@@ -25763,8 +28398,8 @@
           </a:fontRef>
         </p:style>
       </p:cxnSp>
-      <mc:AlternateContent xmlns:mc="http://schemas.openxmlformats.org/markup-compatibility/2006">
-        <mc:Choice xmlns:a14="http://schemas.microsoft.com/office/drawing/2010/main" Requires="a14">
+      <mc:AlternateContent xmlns:mc="http://schemas.openxmlformats.org/markup-compatibility/2006" xmlns:a14="http://schemas.microsoft.com/office/drawing/2010/main">
+        <mc:Choice Requires="a14">
           <p:sp>
             <p:nvSpPr>
               <p:cNvPr id="51" name="Rounded Rectangle 50">
@@ -25841,7 +28476,7 @@
             </p:txBody>
           </p:sp>
         </mc:Choice>
-        <mc:Fallback>
+        <mc:Fallback xmlns="">
           <p:sp>
             <p:nvSpPr>
               <p:cNvPr id="51" name="Rounded Rectangle 50">
@@ -25981,8 +28616,8 @@
           </a:fontRef>
         </p:style>
       </p:cxnSp>
-      <mc:AlternateContent xmlns:mc="http://schemas.openxmlformats.org/markup-compatibility/2006">
-        <mc:Choice xmlns:a14="http://schemas.microsoft.com/office/drawing/2010/main" Requires="a14">
+      <mc:AlternateContent xmlns:mc="http://schemas.openxmlformats.org/markup-compatibility/2006" xmlns:a14="http://schemas.microsoft.com/office/drawing/2010/main">
+        <mc:Choice Requires="a14">
           <p:sp>
             <p:nvSpPr>
               <p:cNvPr id="54" name="TextBox 53">
@@ -26032,7 +28667,7 @@
             </p:txBody>
           </p:sp>
         </mc:Choice>
-        <mc:Fallback>
+        <mc:Fallback xmlns="">
           <p:sp>
             <p:nvSpPr>
               <p:cNvPr id="54" name="TextBox 53">
@@ -26077,8 +28712,8 @@
           </p:sp>
         </mc:Fallback>
       </mc:AlternateContent>
-      <mc:AlternateContent xmlns:mc="http://schemas.openxmlformats.org/markup-compatibility/2006">
-        <mc:Choice xmlns:a14="http://schemas.microsoft.com/office/drawing/2010/main" Requires="a14">
+      <mc:AlternateContent xmlns:mc="http://schemas.openxmlformats.org/markup-compatibility/2006" xmlns:a14="http://schemas.microsoft.com/office/drawing/2010/main">
+        <mc:Choice Requires="a14">
           <p:sp>
             <p:nvSpPr>
               <p:cNvPr id="55" name="TextBox 54">
@@ -26128,7 +28763,7 @@
             </p:txBody>
           </p:sp>
         </mc:Choice>
-        <mc:Fallback>
+        <mc:Fallback xmlns="">
           <p:sp>
             <p:nvSpPr>
               <p:cNvPr id="55" name="TextBox 54">
@@ -26173,8 +28808,8 @@
           </p:sp>
         </mc:Fallback>
       </mc:AlternateContent>
-      <mc:AlternateContent xmlns:mc="http://schemas.openxmlformats.org/markup-compatibility/2006">
-        <mc:Choice xmlns:a14="http://schemas.microsoft.com/office/drawing/2010/main" Requires="a14">
+      <mc:AlternateContent xmlns:mc="http://schemas.openxmlformats.org/markup-compatibility/2006" xmlns:a14="http://schemas.microsoft.com/office/drawing/2010/main">
+        <mc:Choice Requires="a14">
           <p:sp>
             <p:nvSpPr>
               <p:cNvPr id="56" name="TextBox 55">
@@ -26224,7 +28859,7 @@
             </p:txBody>
           </p:sp>
         </mc:Choice>
-        <mc:Fallback>
+        <mc:Fallback xmlns="">
           <p:sp>
             <p:nvSpPr>
               <p:cNvPr id="56" name="TextBox 55">
@@ -26269,8 +28904,8 @@
           </p:sp>
         </mc:Fallback>
       </mc:AlternateContent>
-      <mc:AlternateContent xmlns:mc="http://schemas.openxmlformats.org/markup-compatibility/2006">
-        <mc:Choice xmlns:a14="http://schemas.microsoft.com/office/drawing/2010/main" Requires="a14">
+      <mc:AlternateContent xmlns:mc="http://schemas.openxmlformats.org/markup-compatibility/2006" xmlns:a14="http://schemas.microsoft.com/office/drawing/2010/main">
+        <mc:Choice Requires="a14">
           <p:sp>
             <p:nvSpPr>
               <p:cNvPr id="57" name="TextBox 56">
@@ -26320,7 +28955,7 @@
             </p:txBody>
           </p:sp>
         </mc:Choice>
-        <mc:Fallback>
+        <mc:Fallback xmlns="">
           <p:sp>
             <p:nvSpPr>
               <p:cNvPr id="57" name="TextBox 56">
@@ -26365,8 +29000,8 @@
           </p:sp>
         </mc:Fallback>
       </mc:AlternateContent>
-      <mc:AlternateContent xmlns:mc="http://schemas.openxmlformats.org/markup-compatibility/2006">
-        <mc:Choice xmlns:a14="http://schemas.microsoft.com/office/drawing/2010/main" Requires="a14">
+      <mc:AlternateContent xmlns:mc="http://schemas.openxmlformats.org/markup-compatibility/2006" xmlns:a14="http://schemas.microsoft.com/office/drawing/2010/main">
+        <mc:Choice Requires="a14">
           <p:sp>
             <p:nvSpPr>
               <p:cNvPr id="61" name="Rounded Rectangle 60">
@@ -26471,7 +29106,7 @@
             </p:txBody>
           </p:sp>
         </mc:Choice>
-        <mc:Fallback>
+        <mc:Fallback xmlns="">
           <p:sp>
             <p:nvSpPr>
               <p:cNvPr id="61" name="Rounded Rectangle 60">
@@ -26521,8 +29156,8 @@
           </p:sp>
         </mc:Fallback>
       </mc:AlternateContent>
-      <mc:AlternateContent xmlns:mc="http://schemas.openxmlformats.org/markup-compatibility/2006">
-        <mc:Choice xmlns:a14="http://schemas.microsoft.com/office/drawing/2010/main" Requires="a14">
+      <mc:AlternateContent xmlns:mc="http://schemas.openxmlformats.org/markup-compatibility/2006" xmlns:a14="http://schemas.microsoft.com/office/drawing/2010/main">
+        <mc:Choice Requires="a14">
           <p:sp>
             <p:nvSpPr>
               <p:cNvPr id="62" name="Rounded Rectangle 61">
@@ -26627,7 +29262,7 @@
             </p:txBody>
           </p:sp>
         </mc:Choice>
-        <mc:Fallback>
+        <mc:Fallback xmlns="">
           <p:sp>
             <p:nvSpPr>
               <p:cNvPr id="62" name="Rounded Rectangle 61">
@@ -26827,6 +29462,94 @@
           <a:chExt cx="0" cy="0"/>
         </a:xfrm>
       </p:grpSpPr>
+      <p:cxnSp>
+        <p:nvCxnSpPr>
+          <p:cNvPr id="88" name="Straight Connector 87">
+            <a:extLst>
+              <a:ext uri="{FF2B5EF4-FFF2-40B4-BE49-F238E27FC236}">
+                <a16:creationId xmlns:a16="http://schemas.microsoft.com/office/drawing/2014/main" id="{B1A62B05-6F55-C94D-99A9-480AE8027421}"/>
+              </a:ext>
+            </a:extLst>
+          </p:cNvPr>
+          <p:cNvCxnSpPr>
+            <a:cxnSpLocks/>
+          </p:cNvCxnSpPr>
+          <p:nvPr/>
+        </p:nvCxnSpPr>
+        <p:spPr>
+          <a:xfrm flipH="1" flipV="1">
+            <a:off x="4948999" y="4775265"/>
+            <a:ext cx="1241275" cy="530572"/>
+          </a:xfrm>
+          <a:prstGeom prst="line">
+            <a:avLst/>
+          </a:prstGeom>
+          <a:ln w="38100">
+            <a:solidFill>
+              <a:srgbClr val="8A539A"/>
+            </a:solidFill>
+            <a:prstDash val="sysDash"/>
+          </a:ln>
+        </p:spPr>
+        <p:style>
+          <a:lnRef idx="1">
+            <a:schemeClr val="accent1"/>
+          </a:lnRef>
+          <a:fillRef idx="0">
+            <a:schemeClr val="accent1"/>
+          </a:fillRef>
+          <a:effectRef idx="0">
+            <a:schemeClr val="accent1"/>
+          </a:effectRef>
+          <a:fontRef idx="minor">
+            <a:schemeClr val="tx1"/>
+          </a:fontRef>
+        </p:style>
+      </p:cxnSp>
+      <p:cxnSp>
+        <p:nvCxnSpPr>
+          <p:cNvPr id="91" name="Straight Connector 90">
+            <a:extLst>
+              <a:ext uri="{FF2B5EF4-FFF2-40B4-BE49-F238E27FC236}">
+                <a16:creationId xmlns:a16="http://schemas.microsoft.com/office/drawing/2014/main" id="{86E351D7-2B6D-E146-925F-EB43CA9C466D}"/>
+              </a:ext>
+            </a:extLst>
+          </p:cNvPr>
+          <p:cNvCxnSpPr>
+            <a:cxnSpLocks/>
+          </p:cNvCxnSpPr>
+          <p:nvPr/>
+        </p:nvCxnSpPr>
+        <p:spPr>
+          <a:xfrm flipV="1">
+            <a:off x="9881793" y="4736024"/>
+            <a:ext cx="1062389" cy="548947"/>
+          </a:xfrm>
+          <a:prstGeom prst="line">
+            <a:avLst/>
+          </a:prstGeom>
+          <a:ln w="38100">
+            <a:solidFill>
+              <a:srgbClr val="8A539A"/>
+            </a:solidFill>
+            <a:prstDash val="sysDash"/>
+          </a:ln>
+        </p:spPr>
+        <p:style>
+          <a:lnRef idx="1">
+            <a:schemeClr val="accent1"/>
+          </a:lnRef>
+          <a:fillRef idx="0">
+            <a:schemeClr val="accent1"/>
+          </a:fillRef>
+          <a:effectRef idx="0">
+            <a:schemeClr val="accent1"/>
+          </a:effectRef>
+          <a:fontRef idx="minor">
+            <a:schemeClr val="tx1"/>
+          </a:fontRef>
+        </p:style>
+      </p:cxnSp>
       <p:sp>
         <p:nvSpPr>
           <p:cNvPr id="47" name="Rounded Rectangle 46">
@@ -26841,7 +29564,7 @@
         </p:nvSpPr>
         <p:spPr>
           <a:xfrm>
-            <a:off x="1228903" y="3262400"/>
+            <a:off x="4907768" y="2183591"/>
             <a:ext cx="1940277" cy="2593170"/>
           </a:xfrm>
           <a:prstGeom prst="roundRect">
@@ -26948,7 +29671,7 @@
         </p:nvSpPr>
         <p:spPr>
           <a:xfrm>
-            <a:off x="3309758" y="3262403"/>
+            <a:off x="6988623" y="2183594"/>
             <a:ext cx="1137281" cy="2593170"/>
           </a:xfrm>
           <a:prstGeom prst="roundRect">
@@ -27015,7 +29738,7 @@
         </p:nvSpPr>
         <p:spPr>
           <a:xfrm>
-            <a:off x="4602148" y="3275748"/>
+            <a:off x="8281013" y="2196939"/>
             <a:ext cx="2663169" cy="2579825"/>
           </a:xfrm>
           <a:prstGeom prst="roundRect">
@@ -27105,8 +29828,8 @@
           </a:p>
         </p:txBody>
       </p:sp>
-      <mc:AlternateContent xmlns:mc="http://schemas.openxmlformats.org/markup-compatibility/2006" xmlns:a14="http://schemas.microsoft.com/office/drawing/2010/main">
-        <mc:Choice Requires="a14">
+      <mc:AlternateContent xmlns:mc="http://schemas.openxmlformats.org/markup-compatibility/2006">
+        <mc:Choice xmlns:a14="http://schemas.microsoft.com/office/drawing/2010/main" Requires="a14">
           <p:sp>
             <p:nvSpPr>
               <p:cNvPr id="5" name="TextBox 4">
@@ -27121,7 +29844,7 @@
             </p:nvSpPr>
             <p:spPr>
               <a:xfrm>
-                <a:off x="1571246" y="2600345"/>
+                <a:off x="5250111" y="1521536"/>
                 <a:ext cx="467820" cy="369332"/>
               </a:xfrm>
               <a:prstGeom prst="rect">
@@ -27175,7 +29898,7 @@
             </p:txBody>
           </p:sp>
         </mc:Choice>
-        <mc:Fallback xmlns="">
+        <mc:Fallback>
           <p:sp>
             <p:nvSpPr>
               <p:cNvPr id="5" name="TextBox 4">
@@ -27192,7 +29915,7 @@
             </p:nvSpPr>
             <p:spPr>
               <a:xfrm>
-                <a:off x="1571246" y="2600345"/>
+                <a:off x="5250111" y="1521536"/>
                 <a:ext cx="467820" cy="369332"/>
               </a:xfrm>
               <a:prstGeom prst="rect">
@@ -27220,8 +29943,8 @@
           </p:sp>
         </mc:Fallback>
       </mc:AlternateContent>
-      <mc:AlternateContent xmlns:mc="http://schemas.openxmlformats.org/markup-compatibility/2006" xmlns:a14="http://schemas.microsoft.com/office/drawing/2010/main">
-        <mc:Choice Requires="a14">
+      <mc:AlternateContent xmlns:mc="http://schemas.openxmlformats.org/markup-compatibility/2006">
+        <mc:Choice xmlns:a14="http://schemas.microsoft.com/office/drawing/2010/main" Requires="a14">
           <p:sp>
             <p:nvSpPr>
               <p:cNvPr id="6" name="Rounded Rectangle 5">
@@ -27236,7 +29959,7 @@
             </p:nvSpPr>
             <p:spPr>
               <a:xfrm>
-                <a:off x="3999989" y="1938152"/>
+                <a:off x="7678854" y="859343"/>
                 <a:ext cx="558941" cy="437465"/>
               </a:xfrm>
               <a:prstGeom prst="roundRect">
@@ -27281,15 +30004,6 @@
                       <m:jc m:val="centerGroup"/>
                     </m:oMathParaPr>
                     <m:oMath xmlns:m="http://schemas.openxmlformats.org/officeDocument/2006/math">
-                      <m:r>
-                        <a:rPr lang="en-US" sz="1400" b="0" i="1" smtClean="0">
-                          <a:solidFill>
-                            <a:schemeClr val="tx1"/>
-                          </a:solidFill>
-                          <a:latin typeface="Cambria Math" panose="02040503050406030204" pitchFamily="18" charset="0"/>
-                        </a:rPr>
-                        <m:t>⟨</m:t>
-                      </m:r>
                       <m:sSubSup>
                         <m:sSubSupPr>
                           <m:ctrlPr>
@@ -27303,13 +30017,16 @@
                         </m:sSubSupPr>
                         <m:e>
                           <m:r>
-                            <a:rPr lang="en-US" sz="1400" b="0" i="1" smtClean="0">
+                            <m:rPr>
+                              <m:sty m:val="p"/>
+                            </m:rPr>
+                            <a:rPr lang="en-US" sz="1400" b="0" i="0" smtClean="0">
                               <a:solidFill>
                                 <a:schemeClr val="tx1"/>
                               </a:solidFill>
                               <a:latin typeface="Cambria Math" panose="02040503050406030204" pitchFamily="18" charset="0"/>
                             </a:rPr>
-                            <m:t>𝜋</m:t>
+                            <m:t>Π</m:t>
                           </m:r>
                         </m:e>
                         <m:sub>
@@ -27353,15 +30070,6 @@
                           </m:r>
                         </m:sup>
                       </m:sSubSup>
-                      <m:r>
-                        <a:rPr lang="en-US" sz="1400" b="0" i="1" smtClean="0">
-                          <a:solidFill>
-                            <a:schemeClr val="tx1"/>
-                          </a:solidFill>
-                          <a:latin typeface="Cambria Math" panose="02040503050406030204" pitchFamily="18" charset="0"/>
-                        </a:rPr>
-                        <m:t>|</m:t>
-                      </m:r>
                     </m:oMath>
                   </m:oMathPara>
                 </a14:m>
@@ -27374,7 +30082,7 @@
             </p:txBody>
           </p:sp>
         </mc:Choice>
-        <mc:Fallback xmlns="">
+        <mc:Fallback>
           <p:sp>
             <p:nvSpPr>
               <p:cNvPr id="6" name="Rounded Rectangle 5">
@@ -27391,7 +30099,7 @@
             </p:nvSpPr>
             <p:spPr>
               <a:xfrm>
-                <a:off x="3999989" y="1938152"/>
+                <a:off x="7678854" y="859343"/>
                 <a:ext cx="558941" cy="437465"/>
               </a:xfrm>
               <a:prstGeom prst="roundRect">
@@ -27400,7 +30108,7 @@
               <a:blipFill>
                 <a:blip r:embed="rId3"/>
                 <a:stretch>
-                  <a:fillRect l="-6522"/>
+                  <a:fillRect/>
                 </a:stretch>
               </a:blipFill>
               <a:ln>
@@ -27442,7 +30150,7 @@
         </p:nvCxnSpPr>
         <p:spPr>
           <a:xfrm>
-            <a:off x="3323205" y="1631115"/>
+            <a:off x="7002070" y="552306"/>
             <a:ext cx="676784" cy="525770"/>
           </a:xfrm>
           <a:prstGeom prst="straightConnector1">
@@ -27488,7 +30196,7 @@
         </p:nvCxnSpPr>
         <p:spPr>
           <a:xfrm flipH="1">
-            <a:off x="4558930" y="1642288"/>
+            <a:off x="8237795" y="563479"/>
             <a:ext cx="678777" cy="514597"/>
           </a:xfrm>
           <a:prstGeom prst="straightConnector1">
@@ -27516,8 +30224,8 @@
           </a:fontRef>
         </p:style>
       </p:cxnSp>
-      <mc:AlternateContent xmlns:mc="http://schemas.openxmlformats.org/markup-compatibility/2006" xmlns:a14="http://schemas.microsoft.com/office/drawing/2010/main">
-        <mc:Choice Requires="a14">
+      <mc:AlternateContent xmlns:mc="http://schemas.openxmlformats.org/markup-compatibility/2006">
+        <mc:Choice xmlns:a14="http://schemas.microsoft.com/office/drawing/2010/main" Requires="a14">
           <p:sp>
             <p:nvSpPr>
               <p:cNvPr id="9" name="Rounded Rectangle 8">
@@ -27532,7 +30240,7 @@
             </p:nvSpPr>
             <p:spPr>
               <a:xfrm>
-                <a:off x="6407488" y="1944357"/>
+                <a:off x="10086353" y="865548"/>
                 <a:ext cx="678777" cy="452829"/>
               </a:xfrm>
               <a:prstGeom prst="roundRect">
@@ -27577,15 +30285,6 @@
                       <m:jc m:val="centerGroup"/>
                     </m:oMathParaPr>
                     <m:oMath xmlns:m="http://schemas.openxmlformats.org/officeDocument/2006/math">
-                      <m:r>
-                        <a:rPr lang="en-US" sz="1400" b="0" i="1" smtClean="0">
-                          <a:solidFill>
-                            <a:schemeClr val="tx1"/>
-                          </a:solidFill>
-                          <a:latin typeface="Cambria Math" panose="02040503050406030204" pitchFamily="18" charset="0"/>
-                        </a:rPr>
-                        <m:t>⟨</m:t>
-                      </m:r>
                       <m:sSubSup>
                         <m:sSubSupPr>
                           <m:ctrlPr>
@@ -27599,13 +30298,16 @@
                         </m:sSubSupPr>
                         <m:e>
                           <m:r>
-                            <a:rPr lang="en-US" sz="1400" b="0" i="1" smtClean="0">
+                            <m:rPr>
+                              <m:sty m:val="p"/>
+                            </m:rPr>
+                            <a:rPr lang="en-US" sz="1400" b="0" i="0" smtClean="0">
                               <a:solidFill>
                                 <a:schemeClr val="tx1"/>
                               </a:solidFill>
                               <a:latin typeface="Cambria Math" panose="02040503050406030204" pitchFamily="18" charset="0"/>
                             </a:rPr>
-                            <m:t>𝜋</m:t>
+                            <m:t>Π</m:t>
                           </m:r>
                         </m:e>
                         <m:sub>
@@ -27724,15 +30426,6 @@
                           </m:sSub>
                         </m:sup>
                       </m:sSubSup>
-                      <m:r>
-                        <a:rPr lang="en-US" sz="1400" b="0" i="1" smtClean="0">
-                          <a:solidFill>
-                            <a:schemeClr val="tx1"/>
-                          </a:solidFill>
-                          <a:latin typeface="Cambria Math" panose="02040503050406030204" pitchFamily="18" charset="0"/>
-                        </a:rPr>
-                        <m:t>|</m:t>
-                      </m:r>
                     </m:oMath>
                   </m:oMathPara>
                 </a14:m>
@@ -27745,7 +30438,7 @@
             </p:txBody>
           </p:sp>
         </mc:Choice>
-        <mc:Fallback xmlns="">
+        <mc:Fallback>
           <p:sp>
             <p:nvSpPr>
               <p:cNvPr id="9" name="Rounded Rectangle 8">
@@ -27762,7 +30455,7 @@
             </p:nvSpPr>
             <p:spPr>
               <a:xfrm>
-                <a:off x="6407488" y="1944357"/>
+                <a:off x="10086353" y="865548"/>
                 <a:ext cx="678777" cy="452829"/>
               </a:xfrm>
               <a:prstGeom prst="roundRect">
@@ -27771,7 +30464,7 @@
               <a:blipFill>
                 <a:blip r:embed="rId4"/>
                 <a:stretch>
-                  <a:fillRect l="-7273"/>
+                  <a:fillRect/>
                 </a:stretch>
               </a:blipFill>
               <a:ln>
@@ -27795,8 +30488,8 @@
           </p:sp>
         </mc:Fallback>
       </mc:AlternateContent>
-      <mc:AlternateContent xmlns:mc="http://schemas.openxmlformats.org/markup-compatibility/2006" xmlns:a14="http://schemas.microsoft.com/office/drawing/2010/main">
-        <mc:Choice Requires="a14">
+      <mc:AlternateContent xmlns:mc="http://schemas.openxmlformats.org/markup-compatibility/2006">
+        <mc:Choice xmlns:a14="http://schemas.microsoft.com/office/drawing/2010/main" Requires="a14">
           <p:sp>
             <p:nvSpPr>
               <p:cNvPr id="10" name="Rounded Rectangle 9">
@@ -27811,7 +30504,7 @@
             </p:nvSpPr>
             <p:spPr>
               <a:xfrm>
-                <a:off x="1474647" y="1922368"/>
+                <a:off x="5153512" y="843559"/>
                 <a:ext cx="659906" cy="440532"/>
               </a:xfrm>
               <a:prstGeom prst="roundRect">
@@ -27856,15 +30549,6 @@
                       <m:jc m:val="centerGroup"/>
                     </m:oMathParaPr>
                     <m:oMath xmlns:m="http://schemas.openxmlformats.org/officeDocument/2006/math">
-                      <m:r>
-                        <a:rPr lang="en-US" sz="1400" b="0" i="1" smtClean="0">
-                          <a:solidFill>
-                            <a:schemeClr val="tx1"/>
-                          </a:solidFill>
-                          <a:latin typeface="Cambria Math" panose="02040503050406030204" pitchFamily="18" charset="0"/>
-                        </a:rPr>
-                        <m:t>⟨</m:t>
-                      </m:r>
                       <m:sSubSup>
                         <m:sSubSupPr>
                           <m:ctrlPr>
@@ -27878,13 +30562,16 @@
                         </m:sSubSupPr>
                         <m:e>
                           <m:r>
-                            <a:rPr lang="en-US" sz="1400" b="0" i="1" smtClean="0">
+                            <m:rPr>
+                              <m:sty m:val="p"/>
+                            </m:rPr>
+                            <a:rPr lang="en-US" sz="1400" b="0" i="0" smtClean="0">
                               <a:solidFill>
                                 <a:schemeClr val="tx1"/>
                               </a:solidFill>
                               <a:latin typeface="Cambria Math" panose="02040503050406030204" pitchFamily="18" charset="0"/>
                             </a:rPr>
-                            <m:t>𝜋</m:t>
+                            <m:t>Π</m:t>
                           </m:r>
                         </m:e>
                         <m:sub>
@@ -28003,15 +30690,6 @@
                           </m:sSub>
                         </m:sup>
                       </m:sSubSup>
-                      <m:r>
-                        <a:rPr lang="en-US" sz="1400" b="0" i="1" smtClean="0">
-                          <a:solidFill>
-                            <a:schemeClr val="tx1"/>
-                          </a:solidFill>
-                          <a:latin typeface="Cambria Math" panose="02040503050406030204" pitchFamily="18" charset="0"/>
-                        </a:rPr>
-                        <m:t>|</m:t>
-                      </m:r>
                     </m:oMath>
                   </m:oMathPara>
                 </a14:m>
@@ -28024,7 +30702,7 @@
             </p:txBody>
           </p:sp>
         </mc:Choice>
-        <mc:Fallback xmlns="">
+        <mc:Fallback>
           <p:sp>
             <p:nvSpPr>
               <p:cNvPr id="10" name="Rounded Rectangle 9">
@@ -28041,7 +30719,7 @@
             </p:nvSpPr>
             <p:spPr>
               <a:xfrm>
-                <a:off x="1474647" y="1922368"/>
+                <a:off x="5153512" y="843559"/>
                 <a:ext cx="659906" cy="440532"/>
               </a:xfrm>
               <a:prstGeom prst="roundRect">
@@ -28050,7 +30728,7 @@
               <a:blipFill>
                 <a:blip r:embed="rId5"/>
                 <a:stretch>
-                  <a:fillRect l="-7407" r="-1852"/>
+                  <a:fillRect/>
                 </a:stretch>
               </a:blipFill>
               <a:ln>
@@ -28092,7 +30770,7 @@
         </p:nvCxnSpPr>
         <p:spPr>
           <a:xfrm>
-            <a:off x="1804600" y="2362900"/>
+            <a:off x="5483465" y="1284091"/>
             <a:ext cx="556" cy="237445"/>
           </a:xfrm>
           <a:prstGeom prst="straightConnector1">
@@ -28138,7 +30816,7 @@
         </p:nvCxnSpPr>
         <p:spPr>
           <a:xfrm flipH="1">
-            <a:off x="4276779" y="2375617"/>
+            <a:off x="7955644" y="1296808"/>
             <a:ext cx="2681" cy="260466"/>
           </a:xfrm>
           <a:prstGeom prst="straightConnector1">
@@ -28166,8 +30844,8 @@
           </a:fontRef>
         </p:style>
       </p:cxnSp>
-      <mc:AlternateContent xmlns:mc="http://schemas.openxmlformats.org/markup-compatibility/2006" xmlns:a14="http://schemas.microsoft.com/office/drawing/2010/main">
-        <mc:Choice Requires="a14">
+      <mc:AlternateContent xmlns:mc="http://schemas.openxmlformats.org/markup-compatibility/2006">
+        <mc:Choice xmlns:a14="http://schemas.microsoft.com/office/drawing/2010/main" Requires="a14">
           <p:sp>
             <p:nvSpPr>
               <p:cNvPr id="13" name="TextBox 12">
@@ -28182,7 +30860,7 @@
             </p:nvSpPr>
             <p:spPr>
               <a:xfrm>
-                <a:off x="4002449" y="2636083"/>
+                <a:off x="7681314" y="1557274"/>
                 <a:ext cx="548660" cy="570033"/>
               </a:xfrm>
               <a:prstGeom prst="rect">
@@ -28217,7 +30895,7 @@
             </p:txBody>
           </p:sp>
         </mc:Choice>
-        <mc:Fallback xmlns="">
+        <mc:Fallback>
           <p:sp>
             <p:nvSpPr>
               <p:cNvPr id="13" name="TextBox 12">
@@ -28234,7 +30912,7 @@
             </p:nvSpPr>
             <p:spPr>
               <a:xfrm>
-                <a:off x="4002449" y="2636083"/>
+                <a:off x="7681314" y="1557274"/>
                 <a:ext cx="548660" cy="570033"/>
               </a:xfrm>
               <a:prstGeom prst="rect">
@@ -28262,8 +30940,8 @@
           </p:sp>
         </mc:Fallback>
       </mc:AlternateContent>
-      <mc:AlternateContent xmlns:mc="http://schemas.openxmlformats.org/markup-compatibility/2006" xmlns:a14="http://schemas.microsoft.com/office/drawing/2010/main">
-        <mc:Choice Requires="a14">
+      <mc:AlternateContent xmlns:mc="http://schemas.openxmlformats.org/markup-compatibility/2006">
+        <mc:Choice xmlns:a14="http://schemas.microsoft.com/office/drawing/2010/main" Requires="a14">
           <p:sp>
             <p:nvSpPr>
               <p:cNvPr id="14" name="TextBox 13">
@@ -28278,7 +30956,7 @@
             </p:nvSpPr>
             <p:spPr>
               <a:xfrm>
-                <a:off x="6512549" y="2645127"/>
+                <a:off x="10191414" y="1566318"/>
                 <a:ext cx="473142" cy="369332"/>
               </a:xfrm>
               <a:prstGeom prst="rect">
@@ -28332,7 +31010,7 @@
             </p:txBody>
           </p:sp>
         </mc:Choice>
-        <mc:Fallback xmlns="">
+        <mc:Fallback>
           <p:sp>
             <p:nvSpPr>
               <p:cNvPr id="14" name="TextBox 13">
@@ -28349,7 +31027,7 @@
             </p:nvSpPr>
             <p:spPr>
               <a:xfrm>
-                <a:off x="6512549" y="2645127"/>
+                <a:off x="10191414" y="1566318"/>
                 <a:ext cx="473142" cy="369332"/>
               </a:xfrm>
               <a:prstGeom prst="rect">
@@ -28395,7 +31073,7 @@
         </p:nvCxnSpPr>
         <p:spPr>
           <a:xfrm>
-            <a:off x="1802449" y="1658621"/>
+            <a:off x="5481314" y="579812"/>
             <a:ext cx="2151" cy="263747"/>
           </a:xfrm>
           <a:prstGeom prst="straightConnector1">
@@ -28441,7 +31119,7 @@
         </p:nvCxnSpPr>
         <p:spPr>
           <a:xfrm>
-            <a:off x="6744384" y="1660193"/>
+            <a:off x="10423249" y="581384"/>
             <a:ext cx="2493" cy="284164"/>
           </a:xfrm>
           <a:prstGeom prst="straightConnector1">
@@ -28486,7 +31164,7 @@
         </p:nvCxnSpPr>
         <p:spPr>
           <a:xfrm>
-            <a:off x="4279460" y="1662694"/>
+            <a:off x="7958325" y="583885"/>
             <a:ext cx="0" cy="275458"/>
           </a:xfrm>
           <a:prstGeom prst="straightConnector1">
@@ -28532,7 +31210,7 @@
         </p:nvCxnSpPr>
         <p:spPr>
           <a:xfrm>
-            <a:off x="6746877" y="2397186"/>
+            <a:off x="10425742" y="1318377"/>
             <a:ext cx="2243" cy="247941"/>
           </a:xfrm>
           <a:prstGeom prst="straightConnector1">
@@ -28560,8 +31238,8 @@
           </a:fontRef>
         </p:style>
       </p:cxnSp>
-      <mc:AlternateContent xmlns:mc="http://schemas.openxmlformats.org/markup-compatibility/2006" xmlns:a14="http://schemas.microsoft.com/office/drawing/2010/main">
-        <mc:Choice Requires="a14">
+      <mc:AlternateContent xmlns:mc="http://schemas.openxmlformats.org/markup-compatibility/2006">
+        <mc:Choice xmlns:a14="http://schemas.microsoft.com/office/drawing/2010/main" Requires="a14">
           <p:sp>
             <p:nvSpPr>
               <p:cNvPr id="19" name="TextBox 18">
@@ -28576,7 +31254,7 @@
             </p:nvSpPr>
             <p:spPr>
               <a:xfrm>
-                <a:off x="1405855" y="1289289"/>
+                <a:off x="5084720" y="210480"/>
                 <a:ext cx="793187" cy="369332"/>
               </a:xfrm>
               <a:prstGeom prst="rect">
@@ -28630,7 +31308,7 @@
             </p:txBody>
           </p:sp>
         </mc:Choice>
-        <mc:Fallback xmlns="">
+        <mc:Fallback>
           <p:sp>
             <p:nvSpPr>
               <p:cNvPr id="19" name="TextBox 18">
@@ -28647,7 +31325,7 @@
             </p:nvSpPr>
             <p:spPr>
               <a:xfrm>
-                <a:off x="1405855" y="1289289"/>
+                <a:off x="5084720" y="210480"/>
                 <a:ext cx="793187" cy="369332"/>
               </a:xfrm>
               <a:prstGeom prst="rect">
@@ -28693,7 +31371,7 @@
         </p:nvCxnSpPr>
         <p:spPr>
           <a:xfrm flipH="1">
-            <a:off x="2134553" y="1631115"/>
+            <a:off x="5813418" y="552306"/>
             <a:ext cx="683869" cy="511519"/>
           </a:xfrm>
           <a:prstGeom prst="straightConnector1">
@@ -28739,7 +31417,7 @@
         </p:nvCxnSpPr>
         <p:spPr>
           <a:xfrm>
-            <a:off x="5742490" y="1642288"/>
+            <a:off x="9421355" y="563479"/>
             <a:ext cx="664998" cy="528484"/>
           </a:xfrm>
           <a:prstGeom prst="straightConnector1">
@@ -28767,8 +31445,8 @@
           </a:fontRef>
         </p:style>
       </p:cxnSp>
-      <mc:AlternateContent xmlns:mc="http://schemas.openxmlformats.org/markup-compatibility/2006" xmlns:a14="http://schemas.microsoft.com/office/drawing/2010/main">
-        <mc:Choice Requires="a14">
+      <mc:AlternateContent xmlns:mc="http://schemas.openxmlformats.org/markup-compatibility/2006">
+        <mc:Choice xmlns:a14="http://schemas.microsoft.com/office/drawing/2010/main" Requires="a14">
           <p:sp>
             <p:nvSpPr>
               <p:cNvPr id="22" name="Oval 21">
@@ -28783,7 +31461,7 @@
             </p:nvSpPr>
             <p:spPr>
               <a:xfrm>
-                <a:off x="2713878" y="1256454"/>
+                <a:off x="6392743" y="177645"/>
                 <a:ext cx="713871" cy="438943"/>
               </a:xfrm>
               <a:prstGeom prst="ellipse">
@@ -28922,7 +31600,7 @@
             </p:txBody>
           </p:sp>
         </mc:Choice>
-        <mc:Fallback xmlns="">
+        <mc:Fallback>
           <p:sp>
             <p:nvSpPr>
               <p:cNvPr id="22" name="Oval 21">
@@ -28939,7 +31617,7 @@
             </p:nvSpPr>
             <p:spPr>
               <a:xfrm>
-                <a:off x="2713878" y="1256454"/>
+                <a:off x="6392743" y="177645"/>
                 <a:ext cx="713871" cy="438943"/>
               </a:xfrm>
               <a:prstGeom prst="ellipse">
@@ -28972,8 +31650,8 @@
           </p:sp>
         </mc:Fallback>
       </mc:AlternateContent>
-      <mc:AlternateContent xmlns:mc="http://schemas.openxmlformats.org/markup-compatibility/2006" xmlns:a14="http://schemas.microsoft.com/office/drawing/2010/main">
-        <mc:Choice Requires="a14">
+      <mc:AlternateContent xmlns:mc="http://schemas.openxmlformats.org/markup-compatibility/2006">
+        <mc:Choice xmlns:a14="http://schemas.microsoft.com/office/drawing/2010/main" Requires="a14">
           <p:sp>
             <p:nvSpPr>
               <p:cNvPr id="24" name="Rounded Rectangle 23">
@@ -28988,7 +31666,7 @@
             </p:nvSpPr>
             <p:spPr>
               <a:xfrm>
-                <a:off x="2361694" y="1662874"/>
+                <a:off x="6040559" y="584065"/>
                 <a:ext cx="340252" cy="349572"/>
               </a:xfrm>
               <a:prstGeom prst="roundRect">
@@ -29082,7 +31760,7 @@
             </p:txBody>
           </p:sp>
         </mc:Choice>
-        <mc:Fallback xmlns="">
+        <mc:Fallback>
           <p:sp>
             <p:nvSpPr>
               <p:cNvPr id="24" name="Rounded Rectangle 23">
@@ -29099,7 +31777,7 @@
             </p:nvSpPr>
             <p:spPr>
               <a:xfrm>
-                <a:off x="2361694" y="1662874"/>
+                <a:off x="6040559" y="584065"/>
                 <a:ext cx="340252" cy="349572"/>
               </a:xfrm>
               <a:prstGeom prst="roundRect">
@@ -29132,8 +31810,8 @@
           </p:sp>
         </mc:Fallback>
       </mc:AlternateContent>
-      <mc:AlternateContent xmlns:mc="http://schemas.openxmlformats.org/markup-compatibility/2006" xmlns:a14="http://schemas.microsoft.com/office/drawing/2010/main">
-        <mc:Choice Requires="a14">
+      <mc:AlternateContent xmlns:mc="http://schemas.openxmlformats.org/markup-compatibility/2006">
+        <mc:Choice xmlns:a14="http://schemas.microsoft.com/office/drawing/2010/main" Requires="a14">
           <p:sp>
             <p:nvSpPr>
               <p:cNvPr id="25" name="Rounded Rectangle 24">
@@ -29148,7 +31826,7 @@
             </p:nvSpPr>
             <p:spPr>
               <a:xfrm>
-                <a:off x="3447867" y="1679482"/>
+                <a:off x="7126732" y="600673"/>
                 <a:ext cx="340252" cy="349572"/>
               </a:xfrm>
               <a:prstGeom prst="roundRect">
@@ -29242,7 +31920,7 @@
             </p:txBody>
           </p:sp>
         </mc:Choice>
-        <mc:Fallback xmlns="">
+        <mc:Fallback>
           <p:sp>
             <p:nvSpPr>
               <p:cNvPr id="25" name="Rounded Rectangle 24">
@@ -29259,7 +31937,7 @@
             </p:nvSpPr>
             <p:spPr>
               <a:xfrm>
-                <a:off x="3447867" y="1679482"/>
+                <a:off x="7126732" y="600673"/>
                 <a:ext cx="340252" cy="349572"/>
               </a:xfrm>
               <a:prstGeom prst="roundRect">
@@ -29268,7 +31946,7 @@
               <a:blipFill>
                 <a:blip r:embed="rId11"/>
                 <a:stretch>
-                  <a:fillRect l="-7143"/>
+                  <a:fillRect l="-3448"/>
                 </a:stretch>
               </a:blipFill>
               <a:ln>
@@ -29292,8 +31970,8 @@
           </p:sp>
         </mc:Fallback>
       </mc:AlternateContent>
-      <mc:AlternateContent xmlns:mc="http://schemas.openxmlformats.org/markup-compatibility/2006" xmlns:a14="http://schemas.microsoft.com/office/drawing/2010/main">
-        <mc:Choice Requires="a14">
+      <mc:AlternateContent xmlns:mc="http://schemas.openxmlformats.org/markup-compatibility/2006">
+        <mc:Choice xmlns:a14="http://schemas.microsoft.com/office/drawing/2010/main" Requires="a14">
           <p:sp>
             <p:nvSpPr>
               <p:cNvPr id="26" name="Rounded Rectangle 25">
@@ -29308,7 +31986,7 @@
             </p:nvSpPr>
             <p:spPr>
               <a:xfrm>
-                <a:off x="4804974" y="1679482"/>
+                <a:off x="8483839" y="600673"/>
                 <a:ext cx="340252" cy="349572"/>
               </a:xfrm>
               <a:prstGeom prst="roundRect">
@@ -29402,7 +32080,7 @@
             </p:txBody>
           </p:sp>
         </mc:Choice>
-        <mc:Fallback xmlns="">
+        <mc:Fallback>
           <p:sp>
             <p:nvSpPr>
               <p:cNvPr id="26" name="Rounded Rectangle 25">
@@ -29419,7 +32097,7 @@
             </p:nvSpPr>
             <p:spPr>
               <a:xfrm>
-                <a:off x="4804974" y="1679482"/>
+                <a:off x="8483839" y="600673"/>
                 <a:ext cx="340252" cy="349572"/>
               </a:xfrm>
               <a:prstGeom prst="roundRect">
@@ -29452,8 +32130,8 @@
           </p:sp>
         </mc:Fallback>
       </mc:AlternateContent>
-      <mc:AlternateContent xmlns:mc="http://schemas.openxmlformats.org/markup-compatibility/2006" xmlns:a14="http://schemas.microsoft.com/office/drawing/2010/main">
-        <mc:Choice Requires="a14">
+      <mc:AlternateContent xmlns:mc="http://schemas.openxmlformats.org/markup-compatibility/2006">
+        <mc:Choice xmlns:a14="http://schemas.microsoft.com/office/drawing/2010/main" Requires="a14">
           <p:sp>
             <p:nvSpPr>
               <p:cNvPr id="27" name="Rounded Rectangle 26">
@@ -29468,7 +32146,7 @@
             </p:nvSpPr>
             <p:spPr>
               <a:xfrm>
-                <a:off x="5848548" y="1679482"/>
+                <a:off x="9527413" y="600673"/>
                 <a:ext cx="340252" cy="349572"/>
               </a:xfrm>
               <a:prstGeom prst="roundRect">
@@ -29562,7 +32240,7 @@
             </p:txBody>
           </p:sp>
         </mc:Choice>
-        <mc:Fallback xmlns="">
+        <mc:Fallback>
           <p:sp>
             <p:nvSpPr>
               <p:cNvPr id="27" name="Rounded Rectangle 26">
@@ -29579,7 +32257,7 @@
             </p:nvSpPr>
             <p:spPr>
               <a:xfrm>
-                <a:off x="5848548" y="1679482"/>
+                <a:off x="9527413" y="600673"/>
                 <a:ext cx="340252" cy="349572"/>
               </a:xfrm>
               <a:prstGeom prst="roundRect">
@@ -29612,8 +32290,8 @@
           </p:sp>
         </mc:Fallback>
       </mc:AlternateContent>
-      <mc:AlternateContent xmlns:mc="http://schemas.openxmlformats.org/markup-compatibility/2006" xmlns:a14="http://schemas.microsoft.com/office/drawing/2010/main">
-        <mc:Choice Requires="a14">
+      <mc:AlternateContent xmlns:mc="http://schemas.openxmlformats.org/markup-compatibility/2006">
+        <mc:Choice xmlns:a14="http://schemas.microsoft.com/office/drawing/2010/main" Requires="a14">
           <p:sp>
             <p:nvSpPr>
               <p:cNvPr id="28" name="TextBox 27">
@@ -29628,7 +32306,7 @@
             </p:nvSpPr>
             <p:spPr>
               <a:xfrm>
-                <a:off x="4040510" y="1267627"/>
+                <a:off x="7719375" y="188818"/>
                 <a:ext cx="488318" cy="570033"/>
               </a:xfrm>
               <a:prstGeom prst="rect">
@@ -29663,7 +32341,7 @@
             </p:txBody>
           </p:sp>
         </mc:Choice>
-        <mc:Fallback xmlns="">
+        <mc:Fallback>
           <p:sp>
             <p:nvSpPr>
               <p:cNvPr id="28" name="TextBox 27">
@@ -29680,7 +32358,7 @@
             </p:nvSpPr>
             <p:spPr>
               <a:xfrm>
-                <a:off x="4040510" y="1267627"/>
+                <a:off x="7719375" y="188818"/>
                 <a:ext cx="488318" cy="570033"/>
               </a:xfrm>
               <a:prstGeom prst="rect">
@@ -29708,8 +32386,8 @@
           </p:sp>
         </mc:Fallback>
       </mc:AlternateContent>
-      <mc:AlternateContent xmlns:mc="http://schemas.openxmlformats.org/markup-compatibility/2006" xmlns:a14="http://schemas.microsoft.com/office/drawing/2010/main">
-        <mc:Choice Requires="a14">
+      <mc:AlternateContent xmlns:mc="http://schemas.openxmlformats.org/markup-compatibility/2006">
+        <mc:Choice xmlns:a14="http://schemas.microsoft.com/office/drawing/2010/main" Requires="a14">
           <p:sp>
             <p:nvSpPr>
               <p:cNvPr id="29" name="TextBox 28">
@@ -29724,7 +32402,7 @@
             </p:nvSpPr>
             <p:spPr>
               <a:xfrm>
-                <a:off x="6511339" y="1290861"/>
+                <a:off x="10190204" y="212052"/>
                 <a:ext cx="466089" cy="369332"/>
               </a:xfrm>
               <a:prstGeom prst="rect">
@@ -29778,7 +32456,7 @@
             </p:txBody>
           </p:sp>
         </mc:Choice>
-        <mc:Fallback xmlns="">
+        <mc:Fallback>
           <p:sp>
             <p:nvSpPr>
               <p:cNvPr id="29" name="TextBox 28">
@@ -29795,7 +32473,7 @@
             </p:nvSpPr>
             <p:spPr>
               <a:xfrm>
-                <a:off x="6511339" y="1290861"/>
+                <a:off x="10190204" y="212052"/>
                 <a:ext cx="466089" cy="369332"/>
               </a:xfrm>
               <a:prstGeom prst="rect">
@@ -29823,8 +32501,8 @@
           </p:sp>
         </mc:Fallback>
       </mc:AlternateContent>
-      <mc:AlternateContent xmlns:mc="http://schemas.openxmlformats.org/markup-compatibility/2006" xmlns:a14="http://schemas.microsoft.com/office/drawing/2010/main">
-        <mc:Choice Requires="a14">
+      <mc:AlternateContent xmlns:mc="http://schemas.openxmlformats.org/markup-compatibility/2006">
+        <mc:Choice xmlns:a14="http://schemas.microsoft.com/office/drawing/2010/main" Requires="a14">
           <p:sp>
             <p:nvSpPr>
               <p:cNvPr id="36" name="Oval 35">
@@ -29839,7 +32517,7 @@
             </p:nvSpPr>
             <p:spPr>
               <a:xfrm>
-                <a:off x="5133163" y="1267627"/>
+                <a:off x="8812028" y="188818"/>
                 <a:ext cx="713871" cy="438943"/>
               </a:xfrm>
               <a:prstGeom prst="ellipse">
@@ -29978,7 +32656,7 @@
             </p:txBody>
           </p:sp>
         </mc:Choice>
-        <mc:Fallback xmlns="">
+        <mc:Fallback>
           <p:sp>
             <p:nvSpPr>
               <p:cNvPr id="36" name="Oval 35">
@@ -29995,7 +32673,7 @@
             </p:nvSpPr>
             <p:spPr>
               <a:xfrm>
-                <a:off x="5133163" y="1267627"/>
+                <a:off x="8812028" y="188818"/>
                 <a:ext cx="713871" cy="438943"/>
               </a:xfrm>
               <a:prstGeom prst="ellipse">
@@ -30046,7 +32724,7 @@
         </p:nvCxnSpPr>
         <p:spPr>
           <a:xfrm flipV="1">
-            <a:off x="1813863" y="5409996"/>
+            <a:off x="5492728" y="4331187"/>
             <a:ext cx="4017446" cy="6580"/>
           </a:xfrm>
           <a:prstGeom prst="straightConnector1">
@@ -30092,7 +32770,7 @@
         </p:nvCxnSpPr>
         <p:spPr>
           <a:xfrm flipV="1">
-            <a:off x="1810085" y="4917543"/>
+            <a:off x="5488950" y="3838734"/>
             <a:ext cx="4021750" cy="17594"/>
           </a:xfrm>
           <a:prstGeom prst="straightConnector1">
@@ -30138,7 +32816,7 @@
         </p:nvCxnSpPr>
         <p:spPr>
           <a:xfrm flipV="1">
-            <a:off x="1799920" y="4431205"/>
+            <a:off x="5478785" y="3352396"/>
             <a:ext cx="4031389" cy="17076"/>
           </a:xfrm>
           <a:prstGeom prst="straightConnector1">
@@ -30184,7 +32862,7 @@
         </p:nvCxnSpPr>
         <p:spPr>
           <a:xfrm>
-            <a:off x="1799920" y="3936952"/>
+            <a:off x="5478785" y="2858143"/>
             <a:ext cx="4036669" cy="5320"/>
           </a:xfrm>
           <a:prstGeom prst="straightConnector1">
@@ -30212,8 +32890,8 @@
           </a:fontRef>
         </p:style>
       </p:cxnSp>
-      <mc:AlternateContent xmlns:mc="http://schemas.openxmlformats.org/markup-compatibility/2006" xmlns:a14="http://schemas.microsoft.com/office/drawing/2010/main">
-        <mc:Choice Requires="a14">
+      <mc:AlternateContent xmlns:mc="http://schemas.openxmlformats.org/markup-compatibility/2006">
+        <mc:Choice xmlns:a14="http://schemas.microsoft.com/office/drawing/2010/main" Requires="a14">
           <p:sp>
             <p:nvSpPr>
               <p:cNvPr id="49" name="TextBox 48">
@@ -30228,7 +32906,7 @@
             </p:nvSpPr>
             <p:spPr>
               <a:xfrm>
-                <a:off x="1270134" y="4765860"/>
+                <a:off x="4948999" y="3687051"/>
                 <a:ext cx="539951" cy="338554"/>
               </a:xfrm>
               <a:prstGeom prst="rect">
@@ -30263,7 +32941,7 @@
             </p:txBody>
           </p:sp>
         </mc:Choice>
-        <mc:Fallback xmlns="">
+        <mc:Fallback>
           <p:sp>
             <p:nvSpPr>
               <p:cNvPr id="49" name="TextBox 48">
@@ -30280,7 +32958,7 @@
             </p:nvSpPr>
             <p:spPr>
               <a:xfrm>
-                <a:off x="1270134" y="4765860"/>
+                <a:off x="4948999" y="3687051"/>
                 <a:ext cx="539951" cy="338554"/>
               </a:xfrm>
               <a:prstGeom prst="rect">
@@ -30308,8 +32986,8 @@
           </p:sp>
         </mc:Fallback>
       </mc:AlternateContent>
-      <mc:AlternateContent xmlns:mc="http://schemas.openxmlformats.org/markup-compatibility/2006" xmlns:a14="http://schemas.microsoft.com/office/drawing/2010/main">
-        <mc:Choice Requires="a14">
+      <mc:AlternateContent xmlns:mc="http://schemas.openxmlformats.org/markup-compatibility/2006">
+        <mc:Choice xmlns:a14="http://schemas.microsoft.com/office/drawing/2010/main" Requires="a14">
           <p:sp>
             <p:nvSpPr>
               <p:cNvPr id="50" name="TextBox 49">
@@ -30324,7 +33002,7 @@
             </p:nvSpPr>
             <p:spPr>
               <a:xfrm>
-                <a:off x="6749620" y="3773837"/>
+                <a:off x="10428485" y="2695028"/>
                 <a:ext cx="249009" cy="338554"/>
               </a:xfrm>
               <a:prstGeom prst="rect">
@@ -30378,7 +33056,7 @@
             </p:txBody>
           </p:sp>
         </mc:Choice>
-        <mc:Fallback xmlns="">
+        <mc:Fallback>
           <p:sp>
             <p:nvSpPr>
               <p:cNvPr id="50" name="TextBox 49">
@@ -30395,7 +33073,7 @@
             </p:nvSpPr>
             <p:spPr>
               <a:xfrm>
-                <a:off x="6749620" y="3773837"/>
+                <a:off x="10428485" y="2695028"/>
                 <a:ext cx="249009" cy="338554"/>
               </a:xfrm>
               <a:prstGeom prst="rect">
@@ -30404,7 +33082,7 @@
               <a:blipFill>
                 <a:blip r:embed="rId18"/>
                 <a:stretch>
-                  <a:fillRect r="-33333"/>
+                  <a:fillRect r="-35000"/>
                 </a:stretch>
               </a:blipFill>
             </p:spPr>
@@ -30423,8 +33101,8 @@
           </p:sp>
         </mc:Fallback>
       </mc:AlternateContent>
-      <mc:AlternateContent xmlns:mc="http://schemas.openxmlformats.org/markup-compatibility/2006" xmlns:a14="http://schemas.microsoft.com/office/drawing/2010/main">
-        <mc:Choice Requires="a14">
+      <mc:AlternateContent xmlns:mc="http://schemas.openxmlformats.org/markup-compatibility/2006">
+        <mc:Choice xmlns:a14="http://schemas.microsoft.com/office/drawing/2010/main" Requires="a14">
           <p:sp>
             <p:nvSpPr>
               <p:cNvPr id="51" name="Rounded Rectangle 50">
@@ -30439,7 +33117,7 @@
             </p:nvSpPr>
             <p:spPr>
               <a:xfrm>
-                <a:off x="2037924" y="4721212"/>
+                <a:off x="5716789" y="3642403"/>
                 <a:ext cx="908954" cy="879830"/>
               </a:xfrm>
               <a:prstGeom prst="roundRect">
@@ -30627,7 +33305,7 @@
             </p:txBody>
           </p:sp>
         </mc:Choice>
-        <mc:Fallback xmlns="">
+        <mc:Fallback>
           <p:sp>
             <p:nvSpPr>
               <p:cNvPr id="51" name="Rounded Rectangle 50">
@@ -30644,7 +33322,7 @@
             </p:nvSpPr>
             <p:spPr>
               <a:xfrm>
-                <a:off x="2037924" y="4721212"/>
+                <a:off x="5716789" y="3642403"/>
                 <a:ext cx="908954" cy="879830"/>
               </a:xfrm>
               <a:prstGeom prst="roundRect">
@@ -30679,8 +33357,8 @@
           </p:sp>
         </mc:Fallback>
       </mc:AlternateContent>
-      <mc:AlternateContent xmlns:mc="http://schemas.openxmlformats.org/markup-compatibility/2006" xmlns:a14="http://schemas.microsoft.com/office/drawing/2010/main">
-        <mc:Choice Requires="a14">
+      <mc:AlternateContent xmlns:mc="http://schemas.openxmlformats.org/markup-compatibility/2006">
+        <mc:Choice xmlns:a14="http://schemas.microsoft.com/office/drawing/2010/main" Requires="a14">
           <p:sp>
             <p:nvSpPr>
               <p:cNvPr id="52" name="Rounded Rectangle 51">
@@ -30695,7 +33373,7 @@
             </p:nvSpPr>
             <p:spPr>
               <a:xfrm>
-                <a:off x="4800502" y="3751226"/>
+                <a:off x="8479367" y="2672417"/>
                 <a:ext cx="856264" cy="382091"/>
               </a:xfrm>
               <a:prstGeom prst="roundRect">
@@ -30905,7 +33583,7 @@
             </p:txBody>
           </p:sp>
         </mc:Choice>
-        <mc:Fallback xmlns="">
+        <mc:Fallback>
           <p:sp>
             <p:nvSpPr>
               <p:cNvPr id="52" name="Rounded Rectangle 51">
@@ -30922,7 +33600,7 @@
             </p:nvSpPr>
             <p:spPr>
               <a:xfrm>
-                <a:off x="4800502" y="3751226"/>
+                <a:off x="8479367" y="2672417"/>
                 <a:ext cx="856264" cy="382091"/>
               </a:xfrm>
               <a:prstGeom prst="roundRect">
@@ -30957,8 +33635,8 @@
           </p:sp>
         </mc:Fallback>
       </mc:AlternateContent>
-      <mc:AlternateContent xmlns:mc="http://schemas.openxmlformats.org/markup-compatibility/2006" xmlns:a14="http://schemas.microsoft.com/office/drawing/2010/main">
-        <mc:Choice Requires="a14">
+      <mc:AlternateContent xmlns:mc="http://schemas.openxmlformats.org/markup-compatibility/2006">
+        <mc:Choice xmlns:a14="http://schemas.microsoft.com/office/drawing/2010/main" Requires="a14">
           <p:sp>
             <p:nvSpPr>
               <p:cNvPr id="53" name="Rounded Rectangle 52">
@@ -30973,7 +33651,7 @@
             </p:nvSpPr>
             <p:spPr>
               <a:xfrm>
-                <a:off x="4788867" y="5213709"/>
+                <a:off x="8467732" y="4134900"/>
                 <a:ext cx="869346" cy="382092"/>
               </a:xfrm>
               <a:prstGeom prst="roundRect">
@@ -31183,7 +33861,7 @@
             </p:txBody>
           </p:sp>
         </mc:Choice>
-        <mc:Fallback xmlns="">
+        <mc:Fallback>
           <p:sp>
             <p:nvSpPr>
               <p:cNvPr id="53" name="Rounded Rectangle 52">
@@ -31200,7 +33878,7 @@
             </p:nvSpPr>
             <p:spPr>
               <a:xfrm>
-                <a:off x="4788867" y="5213709"/>
+                <a:off x="8467732" y="4134900"/>
                 <a:ext cx="869346" cy="382092"/>
               </a:xfrm>
               <a:prstGeom prst="roundRect">
@@ -31252,7 +33930,7 @@
         </p:nvCxnSpPr>
         <p:spPr>
           <a:xfrm flipV="1">
-            <a:off x="6280051" y="5409898"/>
+            <a:off x="9958916" y="4331089"/>
             <a:ext cx="506522" cy="98"/>
           </a:xfrm>
           <a:prstGeom prst="straightConnector1">
@@ -31298,7 +33976,7 @@
         </p:nvCxnSpPr>
         <p:spPr>
           <a:xfrm>
-            <a:off x="6285331" y="3942272"/>
+            <a:off x="9964196" y="2863463"/>
             <a:ext cx="464289" cy="842"/>
           </a:xfrm>
           <a:prstGeom prst="straightConnector1">
@@ -31326,8 +34004,8 @@
           </a:fontRef>
         </p:style>
       </p:cxnSp>
-      <mc:AlternateContent xmlns:mc="http://schemas.openxmlformats.org/markup-compatibility/2006" xmlns:a14="http://schemas.microsoft.com/office/drawing/2010/main">
-        <mc:Choice Requires="a14">
+      <mc:AlternateContent xmlns:mc="http://schemas.openxmlformats.org/markup-compatibility/2006">
+        <mc:Choice xmlns:a14="http://schemas.microsoft.com/office/drawing/2010/main" Requires="a14">
           <p:sp>
             <p:nvSpPr>
               <p:cNvPr id="56" name="TextBox 55">
@@ -31342,7 +34020,7 @@
             </p:nvSpPr>
             <p:spPr>
               <a:xfrm>
-                <a:off x="6776999" y="5265954"/>
+                <a:off x="10455864" y="4187145"/>
                 <a:ext cx="250948" cy="338554"/>
               </a:xfrm>
               <a:prstGeom prst="rect">
@@ -31396,7 +34074,7 @@
             </p:txBody>
           </p:sp>
         </mc:Choice>
-        <mc:Fallback xmlns="">
+        <mc:Fallback>
           <p:sp>
             <p:nvSpPr>
               <p:cNvPr id="56" name="TextBox 55">
@@ -31413,7 +34091,7 @@
             </p:nvSpPr>
             <p:spPr>
               <a:xfrm>
-                <a:off x="6776999" y="5265954"/>
+                <a:off x="10455864" y="4187145"/>
                 <a:ext cx="250948" cy="338554"/>
               </a:xfrm>
               <a:prstGeom prst="rect">
@@ -31422,7 +34100,7 @@
               <a:blipFill>
                 <a:blip r:embed="rId22"/>
                 <a:stretch>
-                  <a:fillRect r="-33333"/>
+                  <a:fillRect r="-40000"/>
                 </a:stretch>
               </a:blipFill>
             </p:spPr>
@@ -31441,8 +34119,8 @@
           </p:sp>
         </mc:Fallback>
       </mc:AlternateContent>
-      <mc:AlternateContent xmlns:mc="http://schemas.openxmlformats.org/markup-compatibility/2006" xmlns:a14="http://schemas.microsoft.com/office/drawing/2010/main">
-        <mc:Choice Requires="a14">
+      <mc:AlternateContent xmlns:mc="http://schemas.openxmlformats.org/markup-compatibility/2006">
+        <mc:Choice xmlns:a14="http://schemas.microsoft.com/office/drawing/2010/main" Requires="a14">
           <p:sp>
             <p:nvSpPr>
               <p:cNvPr id="57" name="TextBox 56">
@@ -31457,7 +34135,7 @@
             </p:nvSpPr>
             <p:spPr>
               <a:xfrm>
-                <a:off x="1273912" y="5247299"/>
+                <a:off x="4952777" y="4168490"/>
                 <a:ext cx="539951" cy="338554"/>
               </a:xfrm>
               <a:prstGeom prst="rect">
@@ -31492,7 +34170,7 @@
             </p:txBody>
           </p:sp>
         </mc:Choice>
-        <mc:Fallback xmlns="">
+        <mc:Fallback>
           <p:sp>
             <p:nvSpPr>
               <p:cNvPr id="57" name="TextBox 56">
@@ -31509,7 +34187,7 @@
             </p:nvSpPr>
             <p:spPr>
               <a:xfrm>
-                <a:off x="1273912" y="5247299"/>
+                <a:off x="4952777" y="4168490"/>
                 <a:ext cx="539951" cy="338554"/>
               </a:xfrm>
               <a:prstGeom prst="rect">
@@ -31537,8 +34215,8 @@
           </p:sp>
         </mc:Fallback>
       </mc:AlternateContent>
-      <mc:AlternateContent xmlns:mc="http://schemas.openxmlformats.org/markup-compatibility/2006" xmlns:a14="http://schemas.microsoft.com/office/drawing/2010/main">
-        <mc:Choice Requires="a14">
+      <mc:AlternateContent xmlns:mc="http://schemas.openxmlformats.org/markup-compatibility/2006">
+        <mc:Choice xmlns:a14="http://schemas.microsoft.com/office/drawing/2010/main" Requires="a14">
           <p:sp>
             <p:nvSpPr>
               <p:cNvPr id="58" name="TextBox 57">
@@ -31553,7 +34231,7 @@
             </p:nvSpPr>
             <p:spPr>
               <a:xfrm>
-                <a:off x="1259969" y="3767675"/>
+                <a:off x="4938834" y="2688866"/>
                 <a:ext cx="539951" cy="338554"/>
               </a:xfrm>
               <a:prstGeom prst="rect">
@@ -31588,7 +34266,7 @@
             </p:txBody>
           </p:sp>
         </mc:Choice>
-        <mc:Fallback xmlns="">
+        <mc:Fallback>
           <p:sp>
             <p:nvSpPr>
               <p:cNvPr id="58" name="TextBox 57">
@@ -31605,7 +34283,7 @@
             </p:nvSpPr>
             <p:spPr>
               <a:xfrm>
-                <a:off x="1259969" y="3767675"/>
+                <a:off x="4938834" y="2688866"/>
                 <a:ext cx="539951" cy="338554"/>
               </a:xfrm>
               <a:prstGeom prst="rect">
@@ -31633,8 +34311,8 @@
           </p:sp>
         </mc:Fallback>
       </mc:AlternateContent>
-      <mc:AlternateContent xmlns:mc="http://schemas.openxmlformats.org/markup-compatibility/2006" xmlns:a14="http://schemas.microsoft.com/office/drawing/2010/main">
-        <mc:Choice Requires="a14">
+      <mc:AlternateContent xmlns:mc="http://schemas.openxmlformats.org/markup-compatibility/2006">
+        <mc:Choice xmlns:a14="http://schemas.microsoft.com/office/drawing/2010/main" Requires="a14">
           <p:sp>
             <p:nvSpPr>
               <p:cNvPr id="59" name="Rounded Rectangle 58">
@@ -31649,7 +34327,7 @@
             </p:nvSpPr>
             <p:spPr>
               <a:xfrm>
-                <a:off x="2044006" y="3746413"/>
+                <a:off x="5722871" y="2667604"/>
                 <a:ext cx="908954" cy="871951"/>
               </a:xfrm>
               <a:prstGeom prst="roundRect">
@@ -31839,7 +34517,7 @@
             </p:txBody>
           </p:sp>
         </mc:Choice>
-        <mc:Fallback xmlns="">
+        <mc:Fallback>
           <p:sp>
             <p:nvSpPr>
               <p:cNvPr id="59" name="Rounded Rectangle 58">
@@ -31856,7 +34534,7 @@
             </p:nvSpPr>
             <p:spPr>
               <a:xfrm>
-                <a:off x="2044006" y="3746413"/>
+                <a:off x="5722871" y="2667604"/>
                 <a:ext cx="908954" cy="871951"/>
               </a:xfrm>
               <a:prstGeom prst="roundRect">
@@ -31893,8 +34571,8 @@
           </p:sp>
         </mc:Fallback>
       </mc:AlternateContent>
-      <mc:AlternateContent xmlns:mc="http://schemas.openxmlformats.org/markup-compatibility/2006" xmlns:a14="http://schemas.microsoft.com/office/drawing/2010/main">
-        <mc:Choice Requires="a14">
+      <mc:AlternateContent xmlns:mc="http://schemas.openxmlformats.org/markup-compatibility/2006">
+        <mc:Choice xmlns:a14="http://schemas.microsoft.com/office/drawing/2010/main" Requires="a14">
           <p:sp>
             <p:nvSpPr>
               <p:cNvPr id="60" name="TextBox 59">
@@ -31909,7 +34587,7 @@
             </p:nvSpPr>
             <p:spPr>
               <a:xfrm>
-                <a:off x="1259969" y="4279004"/>
+                <a:off x="4938834" y="3200195"/>
                 <a:ext cx="539951" cy="338554"/>
               </a:xfrm>
               <a:prstGeom prst="rect">
@@ -31944,7 +34622,7 @@
             </p:txBody>
           </p:sp>
         </mc:Choice>
-        <mc:Fallback xmlns="">
+        <mc:Fallback>
           <p:sp>
             <p:nvSpPr>
               <p:cNvPr id="60" name="TextBox 59">
@@ -31961,7 +34639,7 @@
             </p:nvSpPr>
             <p:spPr>
               <a:xfrm>
-                <a:off x="1259969" y="4279004"/>
+                <a:off x="4938834" y="3200195"/>
                 <a:ext cx="539951" cy="338554"/>
               </a:xfrm>
               <a:prstGeom prst="rect">
@@ -31970,7 +34648,7 @@
               <a:blipFill>
                 <a:blip r:embed="rId26"/>
                 <a:stretch>
-                  <a:fillRect b="-7143"/>
+                  <a:fillRect b="-7407"/>
                 </a:stretch>
               </a:blipFill>
             </p:spPr>
@@ -31989,8 +34667,8 @@
           </p:sp>
         </mc:Fallback>
       </mc:AlternateContent>
-      <mc:AlternateContent xmlns:mc="http://schemas.openxmlformats.org/markup-compatibility/2006" xmlns:a14="http://schemas.microsoft.com/office/drawing/2010/main">
-        <mc:Choice Requires="a14">
+      <mc:AlternateContent xmlns:mc="http://schemas.openxmlformats.org/markup-compatibility/2006">
+        <mc:Choice xmlns:a14="http://schemas.microsoft.com/office/drawing/2010/main" Requires="a14">
           <p:sp>
             <p:nvSpPr>
               <p:cNvPr id="61" name="Rounded Rectangle 60">
@@ -32005,7 +34683,7 @@
             </p:nvSpPr>
             <p:spPr>
               <a:xfrm>
-                <a:off x="4790479" y="4240159"/>
+                <a:off x="8469344" y="3161350"/>
                 <a:ext cx="869346" cy="868429"/>
               </a:xfrm>
               <a:prstGeom prst="roundRect">
@@ -32165,7 +34843,7 @@
             </p:txBody>
           </p:sp>
         </mc:Choice>
-        <mc:Fallback xmlns="">
+        <mc:Fallback>
           <p:sp>
             <p:nvSpPr>
               <p:cNvPr id="61" name="Rounded Rectangle 60">
@@ -32182,7 +34860,7 @@
             </p:nvSpPr>
             <p:spPr>
               <a:xfrm>
-                <a:off x="4790479" y="4240159"/>
+                <a:off x="8469344" y="3161350"/>
                 <a:ext cx="869346" cy="868429"/>
               </a:xfrm>
               <a:prstGeom prst="roundRect">
@@ -32233,7 +34911,7 @@
             </p:nvSpPr>
             <p:spPr>
               <a:xfrm>
-                <a:off x="6910645" y="4511965"/>
+                <a:off x="10589510" y="3433156"/>
                 <a:ext cx="250948" cy="338554"/>
               </a:xfrm>
               <a:prstGeom prst="rect">
@@ -32285,7 +34963,7 @@
             </p:nvSpPr>
             <p:spPr>
               <a:xfrm>
-                <a:off x="6910645" y="4511965"/>
+                <a:off x="10589510" y="3433156"/>
                 <a:ext cx="250948" cy="338554"/>
               </a:xfrm>
               <a:prstGeom prst="rect">
@@ -32294,7 +34972,7 @@
               <a:blipFill>
                 <a:blip r:embed="rId28"/>
                 <a:stretch>
-                  <a:fillRect r="-10000"/>
+                  <a:fillRect r="-9524"/>
                 </a:stretch>
               </a:blipFill>
             </p:spPr>
@@ -32313,8 +34991,8 @@
           </p:sp>
         </mc:Fallback>
       </mc:AlternateContent>
-      <mc:AlternateContent xmlns:mc="http://schemas.openxmlformats.org/markup-compatibility/2006" xmlns:a14="http://schemas.microsoft.com/office/drawing/2010/main">
-        <mc:Choice Requires="a14">
+      <mc:AlternateContent xmlns:mc="http://schemas.openxmlformats.org/markup-compatibility/2006">
+        <mc:Choice xmlns:a14="http://schemas.microsoft.com/office/drawing/2010/main" Requires="a14">
           <p:sp>
             <p:nvSpPr>
               <p:cNvPr id="65" name="Rounded Rectangle 64">
@@ -32329,7 +35007,7 @@
             </p:nvSpPr>
             <p:spPr>
               <a:xfrm>
-                <a:off x="3659445" y="3750478"/>
+                <a:off x="7338310" y="2671669"/>
                 <a:ext cx="441790" cy="387292"/>
               </a:xfrm>
               <a:prstGeom prst="roundRect">
@@ -32425,7 +35103,7 @@
             </p:txBody>
           </p:sp>
         </mc:Choice>
-        <mc:Fallback xmlns="">
+        <mc:Fallback>
           <p:sp>
             <p:nvSpPr>
               <p:cNvPr id="65" name="Rounded Rectangle 64">
@@ -32442,7 +35120,7 @@
             </p:nvSpPr>
             <p:spPr>
               <a:xfrm>
-                <a:off x="3659445" y="3750478"/>
+                <a:off x="7338310" y="2671669"/>
                 <a:ext cx="441790" cy="387292"/>
               </a:xfrm>
               <a:prstGeom prst="roundRect">
@@ -32477,8 +35155,8 @@
           </p:sp>
         </mc:Fallback>
       </mc:AlternateContent>
-      <mc:AlternateContent xmlns:mc="http://schemas.openxmlformats.org/markup-compatibility/2006" xmlns:a14="http://schemas.microsoft.com/office/drawing/2010/main">
-        <mc:Choice Requires="a14">
+      <mc:AlternateContent xmlns:mc="http://schemas.openxmlformats.org/markup-compatibility/2006">
+        <mc:Choice xmlns:a14="http://schemas.microsoft.com/office/drawing/2010/main" Requires="a14">
           <p:sp>
             <p:nvSpPr>
               <p:cNvPr id="66" name="Rounded Rectangle 65">
@@ -32493,7 +35171,7 @@
             </p:nvSpPr>
             <p:spPr>
               <a:xfrm>
-                <a:off x="3659442" y="4231072"/>
+                <a:off x="7338307" y="3152263"/>
                 <a:ext cx="441790" cy="387292"/>
               </a:xfrm>
               <a:prstGeom prst="roundRect">
@@ -32589,7 +35267,7 @@
             </p:txBody>
           </p:sp>
         </mc:Choice>
-        <mc:Fallback xmlns="">
+        <mc:Fallback>
           <p:sp>
             <p:nvSpPr>
               <p:cNvPr id="66" name="Rounded Rectangle 65">
@@ -32606,7 +35284,7 @@
             </p:nvSpPr>
             <p:spPr>
               <a:xfrm>
-                <a:off x="3659442" y="4231072"/>
+                <a:off x="7338307" y="3152263"/>
                 <a:ext cx="441790" cy="387292"/>
               </a:xfrm>
               <a:prstGeom prst="roundRect">
@@ -32641,8 +35319,8 @@
           </p:sp>
         </mc:Fallback>
       </mc:AlternateContent>
-      <mc:AlternateContent xmlns:mc="http://schemas.openxmlformats.org/markup-compatibility/2006" xmlns:a14="http://schemas.microsoft.com/office/drawing/2010/main">
-        <mc:Choice Requires="a14">
+      <mc:AlternateContent xmlns:mc="http://schemas.openxmlformats.org/markup-compatibility/2006">
+        <mc:Choice xmlns:a14="http://schemas.microsoft.com/office/drawing/2010/main" Requires="a14">
           <p:sp>
             <p:nvSpPr>
               <p:cNvPr id="67" name="Rounded Rectangle 66">
@@ -32657,7 +35335,7 @@
             </p:nvSpPr>
             <p:spPr>
               <a:xfrm>
-                <a:off x="3659442" y="4721211"/>
+                <a:off x="7338307" y="3642402"/>
                 <a:ext cx="441793" cy="387292"/>
               </a:xfrm>
               <a:prstGeom prst="roundRect">
@@ -32753,7 +35431,7 @@
             </p:txBody>
           </p:sp>
         </mc:Choice>
-        <mc:Fallback xmlns="">
+        <mc:Fallback>
           <p:sp>
             <p:nvSpPr>
               <p:cNvPr id="67" name="Rounded Rectangle 66">
@@ -32770,7 +35448,7 @@
             </p:nvSpPr>
             <p:spPr>
               <a:xfrm>
-                <a:off x="3659442" y="4721211"/>
+                <a:off x="7338307" y="3642402"/>
                 <a:ext cx="441793" cy="387292"/>
               </a:xfrm>
               <a:prstGeom prst="roundRect">
@@ -32805,8 +35483,8 @@
           </p:sp>
         </mc:Fallback>
       </mc:AlternateContent>
-      <mc:AlternateContent xmlns:mc="http://schemas.openxmlformats.org/markup-compatibility/2006" xmlns:a14="http://schemas.microsoft.com/office/drawing/2010/main">
-        <mc:Choice Requires="a14">
+      <mc:AlternateContent xmlns:mc="http://schemas.openxmlformats.org/markup-compatibility/2006">
+        <mc:Choice xmlns:a14="http://schemas.microsoft.com/office/drawing/2010/main" Requires="a14">
           <p:sp>
             <p:nvSpPr>
               <p:cNvPr id="68" name="Rounded Rectangle 67">
@@ -32821,7 +35499,7 @@
             </p:nvSpPr>
             <p:spPr>
               <a:xfrm>
-                <a:off x="3660354" y="5211350"/>
+                <a:off x="7339219" y="4132541"/>
                 <a:ext cx="441796" cy="393097"/>
               </a:xfrm>
               <a:prstGeom prst="roundRect">
@@ -32917,7 +35595,7 @@
             </p:txBody>
           </p:sp>
         </mc:Choice>
-        <mc:Fallback xmlns="">
+        <mc:Fallback>
           <p:sp>
             <p:nvSpPr>
               <p:cNvPr id="68" name="Rounded Rectangle 67">
@@ -32934,7 +35612,7 @@
             </p:nvSpPr>
             <p:spPr>
               <a:xfrm>
-                <a:off x="3660354" y="5211350"/>
+                <a:off x="7339219" y="4132541"/>
                 <a:ext cx="441796" cy="393097"/>
               </a:xfrm>
               <a:prstGeom prst="roundRect">
@@ -32983,7 +35661,7 @@
         </p:nvGrpSpPr>
         <p:grpSpPr>
           <a:xfrm>
-            <a:off x="5831309" y="5218950"/>
+            <a:off x="9510174" y="4140141"/>
             <a:ext cx="448742" cy="474597"/>
             <a:chOff x="6802682" y="3964855"/>
             <a:chExt cx="299340" cy="314132"/>
@@ -33176,7 +35854,7 @@
         </p:nvGrpSpPr>
         <p:grpSpPr>
           <a:xfrm>
-            <a:off x="5831835" y="4726497"/>
+            <a:off x="9510700" y="3647688"/>
             <a:ext cx="448742" cy="474597"/>
             <a:chOff x="6802682" y="3964855"/>
             <a:chExt cx="299340" cy="314132"/>
@@ -33369,7 +36047,7 @@
         </p:nvGrpSpPr>
         <p:grpSpPr>
           <a:xfrm>
-            <a:off x="5831309" y="4240159"/>
+            <a:off x="9510174" y="3161350"/>
             <a:ext cx="448742" cy="474597"/>
             <a:chOff x="6802682" y="3964855"/>
             <a:chExt cx="299340" cy="314132"/>
@@ -33562,7 +36240,7 @@
         </p:nvGrpSpPr>
         <p:grpSpPr>
           <a:xfrm>
-            <a:off x="5836589" y="3751226"/>
+            <a:off x="9515454" y="2672417"/>
             <a:ext cx="448742" cy="474597"/>
             <a:chOff x="6802682" y="3964855"/>
             <a:chExt cx="299340" cy="314132"/>
@@ -33757,7 +36435,7 @@
             </p:nvSpPr>
             <p:spPr>
               <a:xfrm>
-                <a:off x="6221960" y="4519271"/>
+                <a:off x="9900825" y="3440462"/>
                 <a:ext cx="275959" cy="307777"/>
               </a:xfrm>
               <a:prstGeom prst="rect">
@@ -33808,7 +36486,7 @@
             </p:nvSpPr>
             <p:spPr>
               <a:xfrm>
-                <a:off x="6221960" y="4519271"/>
+                <a:off x="9900825" y="3440462"/>
                 <a:ext cx="275959" cy="307777"/>
               </a:xfrm>
               <a:prstGeom prst="rect">
@@ -33817,7 +36495,7 @@
               <a:blipFill>
                 <a:blip r:embed="rId33"/>
                 <a:stretch>
-                  <a:fillRect r="-27273"/>
+                  <a:fillRect r="-21739"/>
                 </a:stretch>
               </a:blipFill>
             </p:spPr>
@@ -33850,7 +36528,7 @@
         </p:nvSpPr>
         <p:spPr>
           <a:xfrm>
-            <a:off x="6278128" y="4404196"/>
+            <a:off x="9956993" y="3325387"/>
             <a:ext cx="595516" cy="507141"/>
           </a:xfrm>
           <a:prstGeom prst="rightBrace">
@@ -33901,7 +36579,7 @@
         </p:nvCxnSpPr>
         <p:spPr>
           <a:xfrm>
-            <a:off x="6700751" y="4683020"/>
+            <a:off x="10379616" y="3604211"/>
             <a:ext cx="278178" cy="0"/>
           </a:xfrm>
           <a:prstGeom prst="straightConnector1">
@@ -33943,7 +36621,7 @@
         </p:nvSpPr>
         <p:spPr>
           <a:xfrm>
-            <a:off x="6278128" y="4456249"/>
+            <a:off x="9956993" y="3377440"/>
             <a:ext cx="470582" cy="507141"/>
           </a:xfrm>
           <a:prstGeom prst="rightBrace">
@@ -33978,6 +36656,1388 @@
           </a:p>
         </p:txBody>
       </p:sp>
+      <p:sp>
+        <p:nvSpPr>
+          <p:cNvPr id="73" name="Rounded Rectangle 72">
+            <a:extLst>
+              <a:ext uri="{FF2B5EF4-FFF2-40B4-BE49-F238E27FC236}">
+                <a16:creationId xmlns:a16="http://schemas.microsoft.com/office/drawing/2014/main" id="{952F2162-56F7-9F49-8CD6-084A251AB0E6}"/>
+              </a:ext>
+            </a:extLst>
+          </p:cNvPr>
+          <p:cNvSpPr/>
+          <p:nvPr/>
+        </p:nvSpPr>
+        <p:spPr>
+          <a:xfrm>
+            <a:off x="6154752" y="5256704"/>
+            <a:ext cx="3746073" cy="608975"/>
+          </a:xfrm>
+          <a:prstGeom prst="roundRect">
+            <a:avLst/>
+          </a:prstGeom>
+          <a:noFill/>
+          <a:ln w="38100">
+            <a:solidFill>
+              <a:srgbClr val="8A539A"/>
+            </a:solidFill>
+            <a:prstDash val="sysDash"/>
+          </a:ln>
+        </p:spPr>
+        <p:style>
+          <a:lnRef idx="2">
+            <a:schemeClr val="accent1">
+              <a:shade val="50000"/>
+            </a:schemeClr>
+          </a:lnRef>
+          <a:fillRef idx="1">
+            <a:schemeClr val="accent1"/>
+          </a:fillRef>
+          <a:effectRef idx="0">
+            <a:schemeClr val="accent1"/>
+          </a:effectRef>
+          <a:fontRef idx="minor">
+            <a:schemeClr val="lt1"/>
+          </a:fontRef>
+        </p:style>
+        <p:txBody>
+          <a:bodyPr rtlCol="0" anchor="ctr"/>
+          <a:lstStyle/>
+          <a:p>
+            <a:pPr algn="ctr"/>
+            <a:endParaRPr lang="en-US"/>
+          </a:p>
+        </p:txBody>
+      </p:sp>
+      <p:grpSp>
+        <p:nvGrpSpPr>
+          <p:cNvPr id="92" name="Group 91">
+            <a:extLst>
+              <a:ext uri="{FF2B5EF4-FFF2-40B4-BE49-F238E27FC236}">
+                <a16:creationId xmlns:a16="http://schemas.microsoft.com/office/drawing/2014/main" id="{680ACDDA-6CC3-414D-903C-9F784C3E9F23}"/>
+              </a:ext>
+            </a:extLst>
+          </p:cNvPr>
+          <p:cNvGrpSpPr/>
+          <p:nvPr/>
+        </p:nvGrpSpPr>
+        <p:grpSpPr>
+          <a:xfrm>
+            <a:off x="6563220" y="5381025"/>
+            <a:ext cx="3001309" cy="417543"/>
+            <a:chOff x="3135973" y="2551084"/>
+            <a:chExt cx="3294518" cy="416672"/>
+          </a:xfrm>
+        </p:grpSpPr>
+        <p:cxnSp>
+          <p:nvCxnSpPr>
+            <p:cNvPr id="93" name="Straight Arrow Connector 92">
+              <a:extLst>
+                <a:ext uri="{FF2B5EF4-FFF2-40B4-BE49-F238E27FC236}">
+                  <a16:creationId xmlns:a16="http://schemas.microsoft.com/office/drawing/2014/main" id="{50E68B0B-13F5-A34A-A1A0-DE9A9FC55635}"/>
+                </a:ext>
+              </a:extLst>
+            </p:cNvPr>
+            <p:cNvCxnSpPr>
+              <a:cxnSpLocks/>
+              <a:stCxn id="96" idx="3"/>
+              <a:endCxn id="102" idx="1"/>
+            </p:cNvCxnSpPr>
+            <p:nvPr/>
+          </p:nvCxnSpPr>
+          <p:spPr>
+            <a:xfrm>
+              <a:off x="3583255" y="2724478"/>
+              <a:ext cx="1661129" cy="8573"/>
+            </a:xfrm>
+            <a:prstGeom prst="straightConnector1">
+              <a:avLst/>
+            </a:prstGeom>
+            <a:ln w="25400">
+              <a:solidFill>
+                <a:schemeClr val="tx1"/>
+              </a:solidFill>
+              <a:tailEnd type="none"/>
+            </a:ln>
+          </p:spPr>
+          <p:style>
+            <a:lnRef idx="1">
+              <a:schemeClr val="accent1"/>
+            </a:lnRef>
+            <a:fillRef idx="0">
+              <a:schemeClr val="accent1"/>
+            </a:fillRef>
+            <a:effectRef idx="0">
+              <a:schemeClr val="accent1"/>
+            </a:effectRef>
+            <a:fontRef idx="minor">
+              <a:schemeClr val="tx1"/>
+            </a:fontRef>
+          </p:style>
+        </p:cxnSp>
+        <p:grpSp>
+          <p:nvGrpSpPr>
+            <p:cNvPr id="94" name="Group 93">
+              <a:extLst>
+                <a:ext uri="{FF2B5EF4-FFF2-40B4-BE49-F238E27FC236}">
+                  <a16:creationId xmlns:a16="http://schemas.microsoft.com/office/drawing/2014/main" id="{BEDEDEF9-D2DE-B944-B437-9F85575E0081}"/>
+                </a:ext>
+              </a:extLst>
+            </p:cNvPr>
+            <p:cNvGrpSpPr/>
+            <p:nvPr/>
+          </p:nvGrpSpPr>
+          <p:grpSpPr>
+            <a:xfrm>
+              <a:off x="3973080" y="2551084"/>
+              <a:ext cx="874870" cy="357655"/>
+              <a:chOff x="2400074" y="4521941"/>
+              <a:chExt cx="1275403" cy="1240103"/>
+            </a:xfrm>
+          </p:grpSpPr>
+          <p:sp>
+            <p:nvSpPr>
+              <p:cNvPr id="105" name="Rounded Rectangle 104">
+                <a:extLst>
+                  <a:ext uri="{FF2B5EF4-FFF2-40B4-BE49-F238E27FC236}">
+                    <a16:creationId xmlns:a16="http://schemas.microsoft.com/office/drawing/2014/main" id="{25F0CF26-1C71-4045-81F9-8DEC699C321D}"/>
+                  </a:ext>
+                </a:extLst>
+              </p:cNvPr>
+              <p:cNvSpPr/>
+              <p:nvPr/>
+            </p:nvSpPr>
+            <p:spPr>
+              <a:xfrm>
+                <a:off x="2413605" y="4521941"/>
+                <a:ext cx="1256570" cy="1163411"/>
+              </a:xfrm>
+              <a:prstGeom prst="roundRect">
+                <a:avLst>
+                  <a:gd name="adj" fmla="val 0"/>
+                </a:avLst>
+              </a:prstGeom>
+              <a:solidFill>
+                <a:schemeClr val="bg1"/>
+              </a:solidFill>
+              <a:ln>
+                <a:solidFill>
+                  <a:schemeClr val="bg1"/>
+                </a:solidFill>
+              </a:ln>
+            </p:spPr>
+            <p:style>
+              <a:lnRef idx="2">
+                <a:schemeClr val="accent1">
+                  <a:shade val="50000"/>
+                </a:schemeClr>
+              </a:lnRef>
+              <a:fillRef idx="1">
+                <a:schemeClr val="accent1"/>
+              </a:fillRef>
+              <a:effectRef idx="0">
+                <a:schemeClr val="accent1"/>
+              </a:effectRef>
+              <a:fontRef idx="minor">
+                <a:schemeClr val="lt1"/>
+              </a:fontRef>
+            </p:style>
+            <p:txBody>
+              <a:bodyPr rtlCol="0" anchor="ctr"/>
+              <a:lstStyle/>
+              <a:p>
+                <a:pPr algn="ctr"/>
+                <a:endParaRPr lang="en-US" sz="600" dirty="0">
+                  <a:solidFill>
+                    <a:schemeClr val="tx1"/>
+                  </a:solidFill>
+                </a:endParaRPr>
+              </a:p>
+            </p:txBody>
+          </p:sp>
+          <mc:AlternateContent xmlns:mc="http://schemas.openxmlformats.org/markup-compatibility/2006">
+            <mc:Choice xmlns:a14="http://schemas.microsoft.com/office/drawing/2010/main" Requires="a14">
+              <p:sp>
+                <p:nvSpPr>
+                  <p:cNvPr id="106" name="Rounded Rectangle 105">
+                    <a:extLst>
+                      <a:ext uri="{FF2B5EF4-FFF2-40B4-BE49-F238E27FC236}">
+                        <a16:creationId xmlns:a16="http://schemas.microsoft.com/office/drawing/2014/main" id="{C379E670-625A-8747-9D59-F2547E7E6B5C}"/>
+                      </a:ext>
+                    </a:extLst>
+                  </p:cNvPr>
+                  <p:cNvSpPr/>
+                  <p:nvPr/>
+                </p:nvSpPr>
+                <p:spPr>
+                  <a:xfrm>
+                    <a:off x="2400074" y="4649521"/>
+                    <a:ext cx="1275403" cy="1112523"/>
+                  </a:xfrm>
+                  <a:prstGeom prst="roundRect">
+                    <a:avLst>
+                      <a:gd name="adj" fmla="val 0"/>
+                    </a:avLst>
+                  </a:prstGeom>
+                  <a:solidFill>
+                    <a:srgbClr val="8A539A">
+                      <a:alpha val="20209"/>
+                    </a:srgbClr>
+                  </a:solidFill>
+                  <a:ln>
+                    <a:solidFill>
+                      <a:srgbClr val="8A539A">
+                        <a:alpha val="80000"/>
+                      </a:srgbClr>
+                    </a:solidFill>
+                  </a:ln>
+                </p:spPr>
+                <p:style>
+                  <a:lnRef idx="2">
+                    <a:schemeClr val="accent1">
+                      <a:shade val="50000"/>
+                    </a:schemeClr>
+                  </a:lnRef>
+                  <a:fillRef idx="1">
+                    <a:schemeClr val="accent1"/>
+                  </a:fillRef>
+                  <a:effectRef idx="0">
+                    <a:schemeClr val="accent1"/>
+                  </a:effectRef>
+                  <a:fontRef idx="minor">
+                    <a:schemeClr val="lt1"/>
+                  </a:fontRef>
+                </p:style>
+                <p:txBody>
+                  <a:bodyPr rtlCol="0" anchor="ctr"/>
+                  <a:lstStyle/>
+                  <a:p>
+                    <a:pPr algn="ctr"/>
+                    <a14:m>
+                      <m:oMathPara xmlns:m="http://schemas.openxmlformats.org/officeDocument/2006/math">
+                        <m:oMathParaPr>
+                          <m:jc m:val="center"/>
+                        </m:oMathParaPr>
+                        <m:oMath xmlns:m="http://schemas.openxmlformats.org/officeDocument/2006/math">
+                          <m:sSub>
+                            <m:sSubPr>
+                              <m:ctrlPr>
+                                <a:rPr lang="en-US" sz="1400" i="1" smtClean="0">
+                                  <a:solidFill>
+                                    <a:schemeClr val="tx1"/>
+                                  </a:solidFill>
+                                  <a:latin typeface="Cambria Math" panose="02040503050406030204" pitchFamily="18" charset="0"/>
+                                </a:rPr>
+                              </m:ctrlPr>
+                            </m:sSubPr>
+                            <m:e>
+                              <m:r>
+                                <a:rPr lang="en-US" sz="1400" i="1">
+                                  <a:solidFill>
+                                    <a:schemeClr val="tx1"/>
+                                  </a:solidFill>
+                                  <a:latin typeface="Cambria Math" panose="02040503050406030204" pitchFamily="18" charset="0"/>
+                                </a:rPr>
+                                <m:t>𝑈</m:t>
+                              </m:r>
+                            </m:e>
+                            <m:sub>
+                              <m:r>
+                                <m:rPr>
+                                  <m:sty m:val="p"/>
+                                </m:rPr>
+                                <a:rPr lang="en-US" sz="1400">
+                                  <a:solidFill>
+                                    <a:schemeClr val="tx1"/>
+                                  </a:solidFill>
+                                  <a:latin typeface="Cambria Math" panose="02040503050406030204" pitchFamily="18" charset="0"/>
+                                </a:rPr>
+                                <m:t>Net</m:t>
+                              </m:r>
+                            </m:sub>
+                          </m:sSub>
+                          <m:d>
+                            <m:dPr>
+                              <m:ctrlPr>
+                                <a:rPr lang="en-US" sz="1400" i="1">
+                                  <a:solidFill>
+                                    <a:schemeClr val="tx1"/>
+                                  </a:solidFill>
+                                  <a:latin typeface="Cambria Math" panose="02040503050406030204" pitchFamily="18" charset="0"/>
+                                </a:rPr>
+                              </m:ctrlPr>
+                            </m:dPr>
+                            <m:e>
+                              <m:sSubSup>
+                                <m:sSubSupPr>
+                                  <m:ctrlPr>
+                                    <a:rPr lang="en-US" sz="1400" b="0" i="1" smtClean="0">
+                                      <a:solidFill>
+                                        <a:schemeClr val="tx1"/>
+                                      </a:solidFill>
+                                      <a:latin typeface="Cambria Math" panose="02040503050406030204" pitchFamily="18" charset="0"/>
+                                    </a:rPr>
+                                  </m:ctrlPr>
+                                </m:sSubSupPr>
+                                <m:e>
+                                  <m:r>
+                                    <m:rPr>
+                                      <m:sty m:val="p"/>
+                                    </m:rPr>
+                                    <a:rPr lang="en-US" sz="1400" i="0" smtClean="0">
+                                      <a:solidFill>
+                                        <a:schemeClr val="tx1"/>
+                                      </a:solidFill>
+                                      <a:latin typeface="Cambria Math" panose="02040503050406030204" pitchFamily="18" charset="0"/>
+                                    </a:rPr>
+                                    <m:t>Θ</m:t>
+                                  </m:r>
+                                </m:e>
+                                <m:sub>
+                                  <m:acc>
+                                    <m:accPr>
+                                      <m:chr m:val="⃗"/>
+                                      <m:ctrlPr>
+                                        <a:rPr lang="en-US" sz="1400" b="0" i="1" smtClean="0">
+                                          <a:solidFill>
+                                            <a:schemeClr val="tx1"/>
+                                          </a:solidFill>
+                                          <a:latin typeface="Cambria Math" panose="02040503050406030204" pitchFamily="18" charset="0"/>
+                                        </a:rPr>
+                                      </m:ctrlPr>
+                                    </m:accPr>
+                                    <m:e>
+                                      <m:r>
+                                        <a:rPr lang="en-US" sz="1400" b="0" i="1" smtClean="0">
+                                          <a:solidFill>
+                                            <a:schemeClr val="tx1"/>
+                                          </a:solidFill>
+                                          <a:latin typeface="Cambria Math" panose="02040503050406030204" pitchFamily="18" charset="0"/>
+                                        </a:rPr>
+                                        <m:t>𝑥</m:t>
+                                      </m:r>
+                                    </m:e>
+                                  </m:acc>
+                                </m:sub>
+                                <m:sup>
+                                  <m:r>
+                                    <a:rPr lang="en-US" sz="1400" b="0" i="1" smtClean="0">
+                                      <a:solidFill>
+                                        <a:schemeClr val="tx1"/>
+                                      </a:solidFill>
+                                      <a:latin typeface="Cambria Math" panose="02040503050406030204" pitchFamily="18" charset="0"/>
+                                    </a:rPr>
+                                    <m:t> </m:t>
+                                  </m:r>
+                                </m:sup>
+                              </m:sSubSup>
+                            </m:e>
+                          </m:d>
+                        </m:oMath>
+                      </m:oMathPara>
+                    </a14:m>
+                    <a:endParaRPr lang="en-US" sz="1400" dirty="0">
+                      <a:solidFill>
+                        <a:schemeClr val="tx1"/>
+                      </a:solidFill>
+                    </a:endParaRPr>
+                  </a:p>
+                </p:txBody>
+              </p:sp>
+            </mc:Choice>
+            <mc:Fallback>
+              <p:sp>
+                <p:nvSpPr>
+                  <p:cNvPr id="106" name="Rounded Rectangle 105">
+                    <a:extLst>
+                      <a:ext uri="{FF2B5EF4-FFF2-40B4-BE49-F238E27FC236}">
+                        <a16:creationId xmlns:a16="http://schemas.microsoft.com/office/drawing/2014/main" id="{C379E670-625A-8747-9D59-F2547E7E6B5C}"/>
+                      </a:ext>
+                    </a:extLst>
+                  </p:cNvPr>
+                  <p:cNvSpPr>
+                    <a:spLocks noRot="1" noChangeAspect="1" noMove="1" noResize="1" noEditPoints="1" noAdjustHandles="1" noChangeArrowheads="1" noChangeShapeType="1" noTextEdit="1"/>
+                  </p:cNvSpPr>
+                  <p:nvPr/>
+                </p:nvSpPr>
+                <p:spPr>
+                  <a:xfrm>
+                    <a:off x="2400074" y="4649521"/>
+                    <a:ext cx="1275403" cy="1112523"/>
+                  </a:xfrm>
+                  <a:prstGeom prst="roundRect">
+                    <a:avLst>
+                      <a:gd name="adj" fmla="val 0"/>
+                    </a:avLst>
+                  </a:prstGeom>
+                  <a:blipFill>
+                    <a:blip r:embed="rId34"/>
+                    <a:stretch>
+                      <a:fillRect l="-3125"/>
+                    </a:stretch>
+                  </a:blipFill>
+                  <a:ln>
+                    <a:solidFill>
+                      <a:srgbClr val="8A539A">
+                        <a:alpha val="80000"/>
+                      </a:srgbClr>
+                    </a:solidFill>
+                  </a:ln>
+                </p:spPr>
+                <p:txBody>
+                  <a:bodyPr/>
+                  <a:lstStyle/>
+                  <a:p>
+                    <a:r>
+                      <a:rPr lang="en-US">
+                        <a:noFill/>
+                      </a:rPr>
+                      <a:t> </a:t>
+                    </a:r>
+                  </a:p>
+                </p:txBody>
+              </p:sp>
+            </mc:Fallback>
+          </mc:AlternateContent>
+        </p:grpSp>
+        <p:cxnSp>
+          <p:nvCxnSpPr>
+            <p:cNvPr id="95" name="Straight Arrow Connector 94">
+              <a:extLst>
+                <a:ext uri="{FF2B5EF4-FFF2-40B4-BE49-F238E27FC236}">
+                  <a16:creationId xmlns:a16="http://schemas.microsoft.com/office/drawing/2014/main" id="{0EA60E9D-B606-D54E-BE08-35396DF081A7}"/>
+                </a:ext>
+              </a:extLst>
+            </p:cNvPr>
+            <p:cNvCxnSpPr>
+              <a:cxnSpLocks/>
+              <a:stCxn id="102" idx="3"/>
+              <a:endCxn id="99" idx="1"/>
+            </p:cNvCxnSpPr>
+            <p:nvPr/>
+          </p:nvCxnSpPr>
+          <p:spPr>
+            <a:xfrm>
+              <a:off x="5594351" y="2733028"/>
+              <a:ext cx="469437" cy="9856"/>
+            </a:xfrm>
+            <a:prstGeom prst="straightConnector1">
+              <a:avLst/>
+            </a:prstGeom>
+            <a:ln w="63500" cmpd="dbl">
+              <a:solidFill>
+                <a:schemeClr val="tx1"/>
+              </a:solidFill>
+              <a:headEnd w="sm" len="sm"/>
+              <a:tailEnd type="triangle" w="sm" len="sm"/>
+            </a:ln>
+          </p:spPr>
+          <p:style>
+            <a:lnRef idx="1">
+              <a:schemeClr val="accent1"/>
+            </a:lnRef>
+            <a:fillRef idx="0">
+              <a:schemeClr val="accent1"/>
+            </a:fillRef>
+            <a:effectRef idx="0">
+              <a:schemeClr val="accent1"/>
+            </a:effectRef>
+            <a:fontRef idx="minor">
+              <a:schemeClr val="tx1"/>
+            </a:fontRef>
+          </p:style>
+        </p:cxnSp>
+        <mc:AlternateContent xmlns:mc="http://schemas.openxmlformats.org/markup-compatibility/2006" xmlns:a14="http://schemas.microsoft.com/office/drawing/2010/main">
+          <mc:Choice Requires="a14">
+            <p:sp>
+              <p:nvSpPr>
+                <p:cNvPr id="96" name="TextBox 95">
+                  <a:extLst>
+                    <a:ext uri="{FF2B5EF4-FFF2-40B4-BE49-F238E27FC236}">
+                      <a16:creationId xmlns:a16="http://schemas.microsoft.com/office/drawing/2014/main" id="{AD47416D-D549-7645-B16D-479ACCFF2B45}"/>
+                    </a:ext>
+                  </a:extLst>
+                </p:cNvPr>
+                <p:cNvSpPr txBox="1"/>
+                <p:nvPr/>
+              </p:nvSpPr>
+              <p:spPr>
+                <a:xfrm>
+                  <a:off x="3135973" y="2570601"/>
+                  <a:ext cx="447282" cy="307777"/>
+                </a:xfrm>
+                <a:prstGeom prst="rect">
+                  <a:avLst/>
+                </a:prstGeom>
+                <a:noFill/>
+              </p:spPr>
+              <p:txBody>
+                <a:bodyPr wrap="square" rtlCol="0">
+                  <a:spAutoFit/>
+                </a:bodyPr>
+                <a:lstStyle/>
+                <a:p>
+                  <a:pPr/>
+                  <a14:m>
+                    <m:oMathPara xmlns:m="http://schemas.openxmlformats.org/officeDocument/2006/math">
+                      <m:oMathParaPr>
+                        <m:jc m:val="center"/>
+                      </m:oMathParaPr>
+                      <m:oMath xmlns:m="http://schemas.openxmlformats.org/officeDocument/2006/math">
+                        <m:sSup>
+                          <m:sSupPr>
+                            <m:ctrlPr>
+                              <a:rPr lang="en-US" sz="1400" b="0" i="1" smtClean="0">
+                                <a:latin typeface="Cambria Math" panose="02040503050406030204" pitchFamily="18" charset="0"/>
+                              </a:rPr>
+                            </m:ctrlPr>
+                          </m:sSupPr>
+                          <m:e>
+                            <m:d>
+                              <m:dPr>
+                                <m:begChr m:val="|"/>
+                                <m:endChr m:val="⟩"/>
+                                <m:ctrlPr>
+                                  <a:rPr lang="en-US" sz="1400" b="0" i="1" smtClean="0">
+                                    <a:latin typeface="Cambria Math" panose="02040503050406030204" pitchFamily="18" charset="0"/>
+                                  </a:rPr>
+                                </m:ctrlPr>
+                              </m:dPr>
+                              <m:e>
+                                <m:r>
+                                  <a:rPr lang="en-US" sz="1400" b="0" i="1" smtClean="0">
+                                    <a:latin typeface="Cambria Math" panose="02040503050406030204" pitchFamily="18" charset="0"/>
+                                  </a:rPr>
+                                  <m:t>0</m:t>
+                                </m:r>
+                              </m:e>
+                            </m:d>
+                          </m:e>
+                          <m:sup>
+                            <m:r>
+                              <a:rPr lang="en-US" sz="1400" b="0" i="1" smtClean="0">
+                                <a:latin typeface="Cambria Math" panose="02040503050406030204" pitchFamily="18" charset="0"/>
+                              </a:rPr>
+                              <m:t>𝑁</m:t>
+                            </m:r>
+                          </m:sup>
+                        </m:sSup>
+                      </m:oMath>
+                    </m:oMathPara>
+                  </a14:m>
+                  <a:endParaRPr lang="en-US" sz="1400" dirty="0"/>
+                </a:p>
+              </p:txBody>
+            </p:sp>
+          </mc:Choice>
+          <mc:Fallback xmlns="">
+            <p:sp>
+              <p:nvSpPr>
+                <p:cNvPr id="29" name="TextBox 28">
+                  <a:extLst>
+                    <a:ext uri="{FF2B5EF4-FFF2-40B4-BE49-F238E27FC236}">
+                      <a16:creationId xmlns:a16="http://schemas.microsoft.com/office/drawing/2014/main" id="{92A419FC-33D4-2E42-872B-D92A5908700F}"/>
+                    </a:ext>
+                  </a:extLst>
+                </p:cNvPr>
+                <p:cNvSpPr txBox="1">
+                  <a:spLocks noRot="1" noChangeAspect="1" noMove="1" noResize="1" noEditPoints="1" noAdjustHandles="1" noChangeArrowheads="1" noChangeShapeType="1" noTextEdit="1"/>
+                </p:cNvSpPr>
+                <p:nvPr/>
+              </p:nvSpPr>
+              <p:spPr>
+                <a:xfrm>
+                  <a:off x="3135973" y="2570601"/>
+                  <a:ext cx="447282" cy="307777"/>
+                </a:xfrm>
+                <a:prstGeom prst="rect">
+                  <a:avLst/>
+                </a:prstGeom>
+                <a:blipFill>
+                  <a:blip r:embed="rId35"/>
+                  <a:stretch>
+                    <a:fillRect r="-12500"/>
+                  </a:stretch>
+                </a:blipFill>
+              </p:spPr>
+              <p:txBody>
+                <a:bodyPr/>
+                <a:lstStyle/>
+                <a:p>
+                  <a:r>
+                    <a:rPr lang="en-US">
+                      <a:noFill/>
+                    </a:rPr>
+                    <a:t> </a:t>
+                  </a:r>
+                </a:p>
+              </p:txBody>
+            </p:sp>
+          </mc:Fallback>
+        </mc:AlternateContent>
+        <p:cxnSp>
+          <p:nvCxnSpPr>
+            <p:cNvPr id="97" name="Straight Arrow Connector 96">
+              <a:extLst>
+                <a:ext uri="{FF2B5EF4-FFF2-40B4-BE49-F238E27FC236}">
+                  <a16:creationId xmlns:a16="http://schemas.microsoft.com/office/drawing/2014/main" id="{07828F54-EFB6-AC4C-82C3-92FC0A4DA162}"/>
+                </a:ext>
+              </a:extLst>
+            </p:cNvPr>
+            <p:cNvCxnSpPr>
+              <a:cxnSpLocks/>
+            </p:cNvCxnSpPr>
+            <p:nvPr/>
+          </p:nvCxnSpPr>
+          <p:spPr>
+            <a:xfrm flipV="1">
+              <a:off x="3747122" y="2642285"/>
+              <a:ext cx="109111" cy="167994"/>
+            </a:xfrm>
+            <a:prstGeom prst="straightConnector1">
+              <a:avLst/>
+            </a:prstGeom>
+            <a:ln w="19050">
+              <a:solidFill>
+                <a:schemeClr val="tx1"/>
+              </a:solidFill>
+              <a:headEnd w="sm" len="sm"/>
+              <a:tailEnd type="none" w="med" len="med"/>
+            </a:ln>
+          </p:spPr>
+          <p:style>
+            <a:lnRef idx="1">
+              <a:schemeClr val="accent1"/>
+            </a:lnRef>
+            <a:fillRef idx="0">
+              <a:schemeClr val="accent1"/>
+            </a:fillRef>
+            <a:effectRef idx="0">
+              <a:schemeClr val="accent1"/>
+            </a:effectRef>
+            <a:fontRef idx="minor">
+              <a:schemeClr val="tx1"/>
+            </a:fontRef>
+          </p:style>
+        </p:cxnSp>
+        <p:grpSp>
+          <p:nvGrpSpPr>
+            <p:cNvPr id="98" name="Group 97">
+              <a:extLst>
+                <a:ext uri="{FF2B5EF4-FFF2-40B4-BE49-F238E27FC236}">
+                  <a16:creationId xmlns:a16="http://schemas.microsoft.com/office/drawing/2014/main" id="{4E175FDC-57AC-0643-A85A-69C92A9EFF5A}"/>
+                </a:ext>
+              </a:extLst>
+            </p:cNvPr>
+            <p:cNvGrpSpPr/>
+            <p:nvPr/>
+          </p:nvGrpSpPr>
+          <p:grpSpPr>
+            <a:xfrm>
+              <a:off x="5244384" y="2575617"/>
+              <a:ext cx="349968" cy="392139"/>
+              <a:chOff x="6563059" y="4087177"/>
+              <a:chExt cx="299340" cy="315015"/>
+            </a:xfrm>
+          </p:grpSpPr>
+          <p:sp>
+            <p:nvSpPr>
+              <p:cNvPr id="102" name="Rounded Rectangle 101">
+                <a:extLst>
+                  <a:ext uri="{FF2B5EF4-FFF2-40B4-BE49-F238E27FC236}">
+                    <a16:creationId xmlns:a16="http://schemas.microsoft.com/office/drawing/2014/main" id="{82A03067-B3BD-744C-94A4-43E117C2574E}"/>
+                  </a:ext>
+                </a:extLst>
+              </p:cNvPr>
+              <p:cNvSpPr/>
+              <p:nvPr/>
+            </p:nvSpPr>
+            <p:spPr>
+              <a:xfrm>
+                <a:off x="6563059" y="4087177"/>
+                <a:ext cx="299340" cy="252903"/>
+              </a:xfrm>
+              <a:prstGeom prst="roundRect">
+                <a:avLst>
+                  <a:gd name="adj" fmla="val 0"/>
+                </a:avLst>
+              </a:prstGeom>
+              <a:solidFill>
+                <a:srgbClr val="8A539A">
+                  <a:alpha val="20000"/>
+                </a:srgbClr>
+              </a:solidFill>
+              <a:ln>
+                <a:solidFill>
+                  <a:srgbClr val="8A539A"/>
+                </a:solidFill>
+              </a:ln>
+            </p:spPr>
+            <p:style>
+              <a:lnRef idx="2">
+                <a:schemeClr val="accent1">
+                  <a:shade val="50000"/>
+                </a:schemeClr>
+              </a:lnRef>
+              <a:fillRef idx="1">
+                <a:schemeClr val="accent1"/>
+              </a:fillRef>
+              <a:effectRef idx="0">
+                <a:schemeClr val="accent1"/>
+              </a:effectRef>
+              <a:fontRef idx="minor">
+                <a:schemeClr val="lt1"/>
+              </a:fontRef>
+            </p:style>
+            <p:txBody>
+              <a:bodyPr rtlCol="0" anchor="ctr"/>
+              <a:lstStyle/>
+              <a:p>
+                <a:pPr algn="ctr"/>
+                <a:endParaRPr lang="en-US" sz="600" dirty="0">
+                  <a:solidFill>
+                    <a:schemeClr val="tx1"/>
+                  </a:solidFill>
+                </a:endParaRPr>
+              </a:p>
+            </p:txBody>
+          </p:sp>
+          <p:sp>
+            <p:nvSpPr>
+              <p:cNvPr id="103" name="Block Arc 102">
+                <a:extLst>
+                  <a:ext uri="{FF2B5EF4-FFF2-40B4-BE49-F238E27FC236}">
+                    <a16:creationId xmlns:a16="http://schemas.microsoft.com/office/drawing/2014/main" id="{2EC9FB44-0BF7-AA4D-875C-6AB8E67FF1D8}"/>
+                  </a:ext>
+                </a:extLst>
+              </p:cNvPr>
+              <p:cNvSpPr>
+                <a:spLocks/>
+              </p:cNvSpPr>
+              <p:nvPr/>
+            </p:nvSpPr>
+            <p:spPr>
+              <a:xfrm>
+                <a:off x="6592735" y="4179924"/>
+                <a:ext cx="232782" cy="222268"/>
+              </a:xfrm>
+              <a:prstGeom prst="blockArc">
+                <a:avLst>
+                  <a:gd name="adj1" fmla="val 10800000"/>
+                  <a:gd name="adj2" fmla="val 21589971"/>
+                  <a:gd name="adj3" fmla="val 1874"/>
+                </a:avLst>
+              </a:prstGeom>
+              <a:solidFill>
+                <a:schemeClr val="bg1"/>
+              </a:solidFill>
+              <a:ln>
+                <a:solidFill>
+                  <a:schemeClr val="tx1"/>
+                </a:solidFill>
+              </a:ln>
+            </p:spPr>
+            <p:style>
+              <a:lnRef idx="2">
+                <a:schemeClr val="accent1">
+                  <a:shade val="50000"/>
+                </a:schemeClr>
+              </a:lnRef>
+              <a:fillRef idx="1">
+                <a:schemeClr val="accent1"/>
+              </a:fillRef>
+              <a:effectRef idx="0">
+                <a:schemeClr val="accent1"/>
+              </a:effectRef>
+              <a:fontRef idx="minor">
+                <a:schemeClr val="lt1"/>
+              </a:fontRef>
+            </p:style>
+            <p:txBody>
+              <a:bodyPr rtlCol="0" anchor="ctr"/>
+              <a:lstStyle/>
+              <a:p>
+                <a:pPr algn="ctr"/>
+                <a:endParaRPr lang="en-US" sz="600">
+                  <a:solidFill>
+                    <a:schemeClr val="tx1"/>
+                  </a:solidFill>
+                </a:endParaRPr>
+              </a:p>
+            </p:txBody>
+          </p:sp>
+          <p:cxnSp>
+            <p:nvCxnSpPr>
+              <p:cNvPr id="104" name="Straight Arrow Connector 103">
+                <a:extLst>
+                  <a:ext uri="{FF2B5EF4-FFF2-40B4-BE49-F238E27FC236}">
+                    <a16:creationId xmlns:a16="http://schemas.microsoft.com/office/drawing/2014/main" id="{0B4A0271-A3B7-FE4A-93D6-9F49CFAA0CC8}"/>
+                  </a:ext>
+                </a:extLst>
+              </p:cNvPr>
+              <p:cNvCxnSpPr>
+                <a:cxnSpLocks/>
+              </p:cNvCxnSpPr>
+              <p:nvPr/>
+            </p:nvCxnSpPr>
+            <p:spPr>
+              <a:xfrm flipV="1">
+                <a:off x="6697003" y="4109868"/>
+                <a:ext cx="134741" cy="194835"/>
+              </a:xfrm>
+              <a:prstGeom prst="straightConnector1">
+                <a:avLst/>
+              </a:prstGeom>
+              <a:ln w="19050">
+                <a:solidFill>
+                  <a:schemeClr val="tx1"/>
+                </a:solidFill>
+                <a:headEnd w="sm" len="sm"/>
+                <a:tailEnd type="triangle" w="med" len="med"/>
+              </a:ln>
+            </p:spPr>
+            <p:style>
+              <a:lnRef idx="1">
+                <a:schemeClr val="accent1"/>
+              </a:lnRef>
+              <a:fillRef idx="0">
+                <a:schemeClr val="accent1"/>
+              </a:fillRef>
+              <a:effectRef idx="0">
+                <a:schemeClr val="accent1"/>
+              </a:effectRef>
+              <a:fontRef idx="minor">
+                <a:schemeClr val="tx1"/>
+              </a:fontRef>
+            </p:style>
+          </p:cxnSp>
+        </p:grpSp>
+        <mc:AlternateContent xmlns:mc="http://schemas.openxmlformats.org/markup-compatibility/2006" xmlns:a14="http://schemas.microsoft.com/office/drawing/2010/main">
+          <mc:Choice Requires="a14">
+            <p:sp>
+              <p:nvSpPr>
+                <p:cNvPr id="99" name="TextBox 98">
+                  <a:extLst>
+                    <a:ext uri="{FF2B5EF4-FFF2-40B4-BE49-F238E27FC236}">
+                      <a16:creationId xmlns:a16="http://schemas.microsoft.com/office/drawing/2014/main" id="{29732EA8-5760-F640-9EE6-66C953B702D0}"/>
+                    </a:ext>
+                  </a:extLst>
+                </p:cNvPr>
+                <p:cNvSpPr txBox="1"/>
+                <p:nvPr/>
+              </p:nvSpPr>
+              <p:spPr>
+                <a:xfrm>
+                  <a:off x="6063789" y="2573960"/>
+                  <a:ext cx="366702" cy="337848"/>
+                </a:xfrm>
+                <a:prstGeom prst="rect">
+                  <a:avLst/>
+                </a:prstGeom>
+                <a:noFill/>
+              </p:spPr>
+              <p:txBody>
+                <a:bodyPr wrap="none" rtlCol="0">
+                  <a:spAutoFit/>
+                </a:bodyPr>
+                <a:lstStyle/>
+                <a:p>
+                  <a:pPr/>
+                  <a14:m>
+                    <m:oMathPara xmlns:m="http://schemas.openxmlformats.org/officeDocument/2006/math">
+                      <m:oMathParaPr>
+                        <m:jc m:val="centerGroup"/>
+                      </m:oMathParaPr>
+                      <m:oMath xmlns:m="http://schemas.openxmlformats.org/officeDocument/2006/math">
+                        <m:acc>
+                          <m:accPr>
+                            <m:chr m:val="⃗"/>
+                            <m:ctrlPr>
+                              <a:rPr lang="en-US" sz="1600" b="0" i="1" smtClean="0">
+                                <a:latin typeface="Cambria Math" panose="02040503050406030204" pitchFamily="18" charset="0"/>
+                              </a:rPr>
+                            </m:ctrlPr>
+                          </m:accPr>
+                          <m:e>
+                            <m:r>
+                              <a:rPr lang="en-US" sz="1600" b="0" i="1" smtClean="0">
+                                <a:latin typeface="Cambria Math" panose="02040503050406030204" pitchFamily="18" charset="0"/>
+                              </a:rPr>
+                              <m:t>𝑧</m:t>
+                            </m:r>
+                          </m:e>
+                        </m:acc>
+                      </m:oMath>
+                    </m:oMathPara>
+                  </a14:m>
+                  <a:endParaRPr lang="en-US" sz="1600" b="0" dirty="0"/>
+                </a:p>
+              </p:txBody>
+            </p:sp>
+          </mc:Choice>
+          <mc:Fallback xmlns="">
+            <p:sp>
+              <p:nvSpPr>
+                <p:cNvPr id="32" name="TextBox 31">
+                  <a:extLst>
+                    <a:ext uri="{FF2B5EF4-FFF2-40B4-BE49-F238E27FC236}">
+                      <a16:creationId xmlns:a16="http://schemas.microsoft.com/office/drawing/2014/main" id="{B644FAA5-7FCB-4F46-B0CE-00527CB6FE3B}"/>
+                    </a:ext>
+                  </a:extLst>
+                </p:cNvPr>
+                <p:cNvSpPr txBox="1">
+                  <a:spLocks noRot="1" noChangeAspect="1" noMove="1" noResize="1" noEditPoints="1" noAdjustHandles="1" noChangeArrowheads="1" noChangeShapeType="1" noTextEdit="1"/>
+                </p:cNvSpPr>
+                <p:nvPr/>
+              </p:nvSpPr>
+              <p:spPr>
+                <a:xfrm>
+                  <a:off x="6063789" y="2573960"/>
+                  <a:ext cx="366702" cy="337848"/>
+                </a:xfrm>
+                <a:prstGeom prst="rect">
+                  <a:avLst/>
+                </a:prstGeom>
+                <a:blipFill>
+                  <a:blip r:embed="rId36"/>
+                  <a:stretch>
+                    <a:fillRect t="-17857"/>
+                  </a:stretch>
+                </a:blipFill>
+              </p:spPr>
+              <p:txBody>
+                <a:bodyPr/>
+                <a:lstStyle/>
+                <a:p>
+                  <a:r>
+                    <a:rPr lang="en-US">
+                      <a:noFill/>
+                    </a:rPr>
+                    <a:t> </a:t>
+                  </a:r>
+                </a:p>
+              </p:txBody>
+            </p:sp>
+          </mc:Fallback>
+        </mc:AlternateContent>
+        <p:cxnSp>
+          <p:nvCxnSpPr>
+            <p:cNvPr id="100" name="Straight Arrow Connector 99">
+              <a:extLst>
+                <a:ext uri="{FF2B5EF4-FFF2-40B4-BE49-F238E27FC236}">
+                  <a16:creationId xmlns:a16="http://schemas.microsoft.com/office/drawing/2014/main" id="{2A95D6B1-2EA9-324B-A706-ACE5723FA4F5}"/>
+                </a:ext>
+              </a:extLst>
+            </p:cNvPr>
+            <p:cNvCxnSpPr>
+              <a:cxnSpLocks/>
+            </p:cNvCxnSpPr>
+            <p:nvPr/>
+          </p:nvCxnSpPr>
+          <p:spPr>
+            <a:xfrm flipV="1">
+              <a:off x="4985854" y="2647565"/>
+              <a:ext cx="109111" cy="167995"/>
+            </a:xfrm>
+            <a:prstGeom prst="straightConnector1">
+              <a:avLst/>
+            </a:prstGeom>
+            <a:ln w="19050">
+              <a:solidFill>
+                <a:schemeClr val="tx1"/>
+              </a:solidFill>
+              <a:headEnd w="sm" len="sm"/>
+              <a:tailEnd type="none" w="med" len="med"/>
+            </a:ln>
+          </p:spPr>
+          <p:style>
+            <a:lnRef idx="1">
+              <a:schemeClr val="accent1"/>
+            </a:lnRef>
+            <a:fillRef idx="0">
+              <a:schemeClr val="accent1"/>
+            </a:fillRef>
+            <a:effectRef idx="0">
+              <a:schemeClr val="accent1"/>
+            </a:effectRef>
+            <a:fontRef idx="minor">
+              <a:schemeClr val="tx1"/>
+            </a:fontRef>
+          </p:style>
+        </p:cxnSp>
+        <p:cxnSp>
+          <p:nvCxnSpPr>
+            <p:cNvPr id="101" name="Straight Arrow Connector 100">
+              <a:extLst>
+                <a:ext uri="{FF2B5EF4-FFF2-40B4-BE49-F238E27FC236}">
+                  <a16:creationId xmlns:a16="http://schemas.microsoft.com/office/drawing/2014/main" id="{E6E457AE-3588-4F48-ADAB-7692C2A4999D}"/>
+                </a:ext>
+              </a:extLst>
+            </p:cNvPr>
+            <p:cNvCxnSpPr>
+              <a:cxnSpLocks/>
+            </p:cNvCxnSpPr>
+            <p:nvPr/>
+          </p:nvCxnSpPr>
+          <p:spPr>
+            <a:xfrm flipV="1">
+              <a:off x="5714878" y="2644365"/>
+              <a:ext cx="109111" cy="167992"/>
+            </a:xfrm>
+            <a:prstGeom prst="straightConnector1">
+              <a:avLst/>
+            </a:prstGeom>
+            <a:ln w="19050">
+              <a:solidFill>
+                <a:schemeClr val="tx1"/>
+              </a:solidFill>
+              <a:headEnd w="sm" len="sm"/>
+              <a:tailEnd type="none" w="med" len="med"/>
+            </a:ln>
+          </p:spPr>
+          <p:style>
+            <a:lnRef idx="1">
+              <a:schemeClr val="accent1"/>
+            </a:lnRef>
+            <a:fillRef idx="0">
+              <a:schemeClr val="accent1"/>
+            </a:fillRef>
+            <a:effectRef idx="0">
+              <a:schemeClr val="accent1"/>
+            </a:effectRef>
+            <a:fontRef idx="minor">
+              <a:schemeClr val="tx1"/>
+            </a:fontRef>
+          </p:style>
+        </p:cxnSp>
+      </p:grpSp>
+      <mc:AlternateContent xmlns:mc="http://schemas.openxmlformats.org/markup-compatibility/2006">
+        <mc:Choice xmlns:a14="http://schemas.microsoft.com/office/drawing/2010/main" Requires="a14">
+          <p:sp>
+            <p:nvSpPr>
+              <p:cNvPr id="32" name="Rectangle 31">
+                <a:extLst>
+                  <a:ext uri="{FF2B5EF4-FFF2-40B4-BE49-F238E27FC236}">
+                    <a16:creationId xmlns:a16="http://schemas.microsoft.com/office/drawing/2014/main" id="{61A9789B-AC31-B84C-BE0B-879E2E5194DD}"/>
+                  </a:ext>
+                </a:extLst>
+              </p:cNvPr>
+              <p:cNvSpPr/>
+              <p:nvPr/>
+            </p:nvSpPr>
+            <p:spPr>
+              <a:xfrm>
+                <a:off x="6485797" y="5979926"/>
+                <a:ext cx="3061416" cy="564385"/>
+              </a:xfrm>
+              <a:prstGeom prst="rect">
+                <a:avLst/>
+              </a:prstGeom>
+            </p:spPr>
+            <p:txBody>
+              <a:bodyPr wrap="none">
+                <a:spAutoFit/>
+              </a:bodyPr>
+              <a:lstStyle/>
+              <a:p>
+                <a:r>
+                  <a:rPr lang="en-US" dirty="0"/>
+                  <a:t> </a:t>
+                </a:r>
+                <a14:m>
+                  <m:oMath xmlns:m="http://schemas.openxmlformats.org/officeDocument/2006/math">
+                    <m:r>
+                      <a:rPr lang="en-US" i="1">
+                        <a:latin typeface="Cambria Math" panose="02040503050406030204" pitchFamily="18" charset="0"/>
+                      </a:rPr>
+                      <m:t>𝑃</m:t>
+                    </m:r>
+                    <m:d>
+                      <m:dPr>
+                        <m:ctrlPr>
+                          <a:rPr lang="en-US" i="1">
+                            <a:latin typeface="Cambria Math" panose="02040503050406030204" pitchFamily="18" charset="0"/>
+                          </a:rPr>
+                        </m:ctrlPr>
+                      </m:dPr>
+                      <m:e>
+                        <m:acc>
+                          <m:accPr>
+                            <m:chr m:val="⃗"/>
+                            <m:ctrlPr>
+                              <a:rPr lang="en-US" i="1" dirty="0">
+                                <a:latin typeface="Cambria Math" panose="02040503050406030204" pitchFamily="18" charset="0"/>
+                              </a:rPr>
+                            </m:ctrlPr>
+                          </m:accPr>
+                          <m:e>
+                            <m:r>
+                              <a:rPr lang="en-US" i="1" dirty="0">
+                                <a:latin typeface="Cambria Math" panose="02040503050406030204" pitchFamily="18" charset="0"/>
+                              </a:rPr>
+                              <m:t>𝑧</m:t>
+                            </m:r>
+                          </m:e>
+                        </m:acc>
+                      </m:e>
+                      <m:e>
+                        <m:acc>
+                          <m:accPr>
+                            <m:chr m:val="⃗"/>
+                            <m:ctrlPr>
+                              <a:rPr lang="en-US" i="1">
+                                <a:latin typeface="Cambria Math" panose="02040503050406030204" pitchFamily="18" charset="0"/>
+                              </a:rPr>
+                            </m:ctrlPr>
+                          </m:accPr>
+                          <m:e>
+                            <m:r>
+                              <a:rPr lang="en-US" i="1">
+                                <a:latin typeface="Cambria Math" panose="02040503050406030204" pitchFamily="18" charset="0"/>
+                              </a:rPr>
+                              <m:t>𝑥</m:t>
+                            </m:r>
+                          </m:e>
+                        </m:acc>
+                      </m:e>
+                    </m:d>
+                    <m:r>
+                      <a:rPr lang="en-US" i="1">
+                        <a:latin typeface="Cambria Math" panose="02040503050406030204" pitchFamily="18" charset="0"/>
+                      </a:rPr>
+                      <m:t>=</m:t>
+                    </m:r>
+                    <m:sSup>
+                      <m:sSupPr>
+                        <m:ctrlPr>
+                          <a:rPr lang="en-US" i="1">
+                            <a:latin typeface="Cambria Math" panose="02040503050406030204" pitchFamily="18" charset="0"/>
+                          </a:rPr>
+                        </m:ctrlPr>
+                      </m:sSupPr>
+                      <m:e>
+                        <m:d>
+                          <m:dPr>
+                            <m:begChr m:val="|"/>
+                            <m:endChr m:val="|"/>
+                            <m:ctrlPr>
+                              <a:rPr lang="en-US" i="1">
+                                <a:latin typeface="Cambria Math" panose="02040503050406030204" pitchFamily="18" charset="0"/>
+                              </a:rPr>
+                            </m:ctrlPr>
+                          </m:dPr>
+                          <m:e>
+                            <m:sSup>
+                              <m:sSupPr>
+                                <m:ctrlPr>
+                                  <a:rPr lang="en-US" i="1">
+                                    <a:latin typeface="Cambria Math" panose="02040503050406030204" pitchFamily="18" charset="0"/>
+                                  </a:rPr>
+                                </m:ctrlPr>
+                              </m:sSupPr>
+                              <m:e>
+                                <m:d>
+                                  <m:dPr>
+                                    <m:begChr m:val="⟨"/>
+                                    <m:endChr m:val="⟩"/>
+                                    <m:ctrlPr>
+                                      <a:rPr lang="en-US" i="1">
+                                        <a:latin typeface="Cambria Math" panose="02040503050406030204" pitchFamily="18" charset="0"/>
+                                      </a:rPr>
+                                    </m:ctrlPr>
+                                  </m:dPr>
+                                  <m:e>
+                                    <m:acc>
+                                      <m:accPr>
+                                        <m:chr m:val="⃗"/>
+                                        <m:ctrlPr>
+                                          <a:rPr lang="en-US" i="1">
+                                            <a:latin typeface="Cambria Math" panose="02040503050406030204" pitchFamily="18" charset="0"/>
+                                          </a:rPr>
+                                        </m:ctrlPr>
+                                      </m:accPr>
+                                      <m:e>
+                                        <m:r>
+                                          <a:rPr lang="en-US" i="1">
+                                            <a:latin typeface="Cambria Math" panose="02040503050406030204" pitchFamily="18" charset="0"/>
+                                          </a:rPr>
+                                          <m:t>𝑧</m:t>
+                                        </m:r>
+                                      </m:e>
+                                    </m:acc>
+                                  </m:e>
+                                  <m:e>
+                                    <m:sSub>
+                                      <m:sSubPr>
+                                        <m:ctrlPr>
+                                          <a:rPr lang="en-US" i="1">
+                                            <a:latin typeface="Cambria Math" panose="02040503050406030204" pitchFamily="18" charset="0"/>
+                                          </a:rPr>
+                                        </m:ctrlPr>
+                                      </m:sSubPr>
+                                      <m:e>
+                                        <m:r>
+                                          <a:rPr lang="en-US" i="1">
+                                            <a:latin typeface="Cambria Math" panose="02040503050406030204" pitchFamily="18" charset="0"/>
+                                          </a:rPr>
+                                          <m:t>𝑈</m:t>
+                                        </m:r>
+                                      </m:e>
+                                      <m:sub>
+                                        <m:r>
+                                          <m:rPr>
+                                            <m:sty m:val="p"/>
+                                          </m:rPr>
+                                          <a:rPr lang="en-US">
+                                            <a:latin typeface="Cambria Math" panose="02040503050406030204" pitchFamily="18" charset="0"/>
+                                          </a:rPr>
+                                          <m:t>Net</m:t>
+                                        </m:r>
+                                      </m:sub>
+                                    </m:sSub>
+                                    <m:d>
+                                      <m:dPr>
+                                        <m:ctrlPr>
+                                          <a:rPr lang="en-US" i="1">
+                                            <a:latin typeface="Cambria Math" panose="02040503050406030204" pitchFamily="18" charset="0"/>
+                                          </a:rPr>
+                                        </m:ctrlPr>
+                                      </m:dPr>
+                                      <m:e>
+                                        <m:sSubSup>
+                                          <m:sSubSupPr>
+                                            <m:ctrlPr>
+                                              <a:rPr lang="en-US" i="1">
+                                                <a:latin typeface="Cambria Math" panose="02040503050406030204" pitchFamily="18" charset="0"/>
+                                              </a:rPr>
+                                            </m:ctrlPr>
+                                          </m:sSubSupPr>
+                                          <m:e>
+                                            <m:r>
+                                              <m:rPr>
+                                                <m:sty m:val="p"/>
+                                              </m:rPr>
+                                              <a:rPr lang="en-US">
+                                                <a:latin typeface="Cambria Math" panose="02040503050406030204" pitchFamily="18" charset="0"/>
+                                              </a:rPr>
+                                              <m:t>Θ</m:t>
+                                            </m:r>
+                                          </m:e>
+                                          <m:sub>
+                                            <m:acc>
+                                              <m:accPr>
+                                                <m:chr m:val="⃗"/>
+                                                <m:ctrlPr>
+                                                  <a:rPr lang="en-US" i="1">
+                                                    <a:latin typeface="Cambria Math" panose="02040503050406030204" pitchFamily="18" charset="0"/>
+                                                  </a:rPr>
+                                                </m:ctrlPr>
+                                              </m:accPr>
+                                              <m:e>
+                                                <m:r>
+                                                  <a:rPr lang="en-US" i="1">
+                                                    <a:latin typeface="Cambria Math" panose="02040503050406030204" pitchFamily="18" charset="0"/>
+                                                  </a:rPr>
+                                                  <m:t>𝑥</m:t>
+                                                </m:r>
+                                              </m:e>
+                                            </m:acc>
+                                          </m:sub>
+                                          <m:sup>
+                                            <m:r>
+                                              <a:rPr lang="en-US" b="0" i="1" smtClean="0">
+                                                <a:latin typeface="Cambria Math" panose="02040503050406030204" pitchFamily="18" charset="0"/>
+                                              </a:rPr>
+                                              <m:t> </m:t>
+                                            </m:r>
+                                          </m:sup>
+                                        </m:sSubSup>
+                                      </m:e>
+                                    </m:d>
+                                  </m:e>
+                                  <m:e>
+                                    <m:r>
+                                      <a:rPr lang="en-US" i="1">
+                                        <a:latin typeface="Cambria Math" panose="02040503050406030204" pitchFamily="18" charset="0"/>
+                                      </a:rPr>
+                                      <m:t>0</m:t>
+                                    </m:r>
+                                  </m:e>
+                                </m:d>
+                              </m:e>
+                              <m:sup>
+                                <m:r>
+                                  <a:rPr lang="en-US" i="1">
+                                    <a:latin typeface="Cambria Math" panose="02040503050406030204" pitchFamily="18" charset="0"/>
+                                  </a:rPr>
+                                  <m:t>𝑁</m:t>
+                                </m:r>
+                              </m:sup>
+                            </m:sSup>
+                          </m:e>
+                        </m:d>
+                      </m:e>
+                      <m:sup>
+                        <m:r>
+                          <a:rPr lang="en-US" i="1">
+                            <a:latin typeface="Cambria Math" panose="02040503050406030204" pitchFamily="18" charset="0"/>
+                          </a:rPr>
+                          <m:t>2</m:t>
+                        </m:r>
+                      </m:sup>
+                    </m:sSup>
+                  </m:oMath>
+                </a14:m>
+                <a:endParaRPr lang="en-US" dirty="0"/>
+              </a:p>
+            </p:txBody>
+          </p:sp>
+        </mc:Choice>
+        <mc:Fallback>
+          <p:sp>
+            <p:nvSpPr>
+              <p:cNvPr id="32" name="Rectangle 31">
+                <a:extLst>
+                  <a:ext uri="{FF2B5EF4-FFF2-40B4-BE49-F238E27FC236}">
+                    <a16:creationId xmlns:a16="http://schemas.microsoft.com/office/drawing/2014/main" id="{61A9789B-AC31-B84C-BE0B-879E2E5194DD}"/>
+                  </a:ext>
+                </a:extLst>
+              </p:cNvPr>
+              <p:cNvSpPr>
+                <a:spLocks noRot="1" noChangeAspect="1" noMove="1" noResize="1" noEditPoints="1" noAdjustHandles="1" noChangeArrowheads="1" noChangeShapeType="1" noTextEdit="1"/>
+              </p:cNvSpPr>
+              <p:nvPr/>
+            </p:nvSpPr>
+            <p:spPr>
+              <a:xfrm>
+                <a:off x="6485797" y="5979926"/>
+                <a:ext cx="3061416" cy="564385"/>
+              </a:xfrm>
+              <a:prstGeom prst="rect">
+                <a:avLst/>
+              </a:prstGeom>
+              <a:blipFill>
+                <a:blip r:embed="rId37"/>
+                <a:stretch>
+                  <a:fillRect/>
+                </a:stretch>
+              </a:blipFill>
+            </p:spPr>
+            <p:txBody>
+              <a:bodyPr/>
+              <a:lstStyle/>
+              <a:p>
+                <a:r>
+                  <a:rPr lang="en-US">
+                    <a:noFill/>
+                  </a:rPr>
+                  <a:t> </a:t>
+                </a:r>
+              </a:p>
+            </p:txBody>
+          </p:sp>
+        </mc:Fallback>
+      </mc:AlternateContent>
     </p:spTree>
     <p:extLst>
       <p:ext uri="{BB962C8B-B14F-4D97-AF65-F5344CB8AC3E}">
@@ -33988,6 +38048,81 @@
   <p:clrMapOvr>
     <a:masterClrMapping/>
   </p:clrMapOvr>
+  <p:timing>
+    <p:tnLst>
+      <p:par>
+        <p:cTn id="1" dur="indefinite" restart="never" nodeType="tmRoot">
+          <p:childTnLst>
+            <p:seq concurrent="1" nextAc="seek">
+              <p:cTn id="2" dur="indefinite" nodeType="mainSeq">
+                <p:childTnLst>
+                  <p:par>
+                    <p:cTn id="3" fill="hold">
+                      <p:stCondLst>
+                        <p:cond delay="indefinite"/>
+                      </p:stCondLst>
+                      <p:childTnLst>
+                        <p:par>
+                          <p:cTn id="4" fill="hold">
+                            <p:stCondLst>
+                              <p:cond delay="0"/>
+                            </p:stCondLst>
+                            <p:childTnLst>
+                              <p:par>
+                                <p:cTn id="5" presetID="1" presetClass="entr" presetSubtype="0" fill="hold" nodeType="clickEffect">
+                                  <p:stCondLst>
+                                    <p:cond delay="0"/>
+                                  </p:stCondLst>
+                                  <p:childTnLst>
+                                    <p:set>
+                                      <p:cBhvr>
+                                        <p:cTn id="6" dur="1" fill="hold">
+                                          <p:stCondLst>
+                                            <p:cond delay="0"/>
+                                          </p:stCondLst>
+                                        </p:cTn>
+                                        <p:tgtEl>
+                                          <p:spTgt spid="92"/>
+                                        </p:tgtEl>
+                                        <p:attrNameLst>
+                                          <p:attrName>style.visibility</p:attrName>
+                                        </p:attrNameLst>
+                                      </p:cBhvr>
+                                      <p:to>
+                                        <p:strVal val="visible"/>
+                                      </p:to>
+                                    </p:set>
+                                  </p:childTnLst>
+                                </p:cTn>
+                              </p:par>
+                            </p:childTnLst>
+                          </p:cTn>
+                        </p:par>
+                      </p:childTnLst>
+                    </p:cTn>
+                  </p:par>
+                </p:childTnLst>
+              </p:cTn>
+              <p:prevCondLst>
+                <p:cond evt="onPrev" delay="0">
+                  <p:tgtEl>
+                    <p:sldTgt/>
+                  </p:tgtEl>
+                </p:cond>
+              </p:prevCondLst>
+              <p:nextCondLst>
+                <p:cond evt="onNext" delay="0">
+                  <p:tgtEl>
+                    <p:sldTgt/>
+                  </p:tgtEl>
+                </p:cond>
+              </p:nextCondLst>
+            </p:seq>
+          </p:childTnLst>
+        </p:cTn>
+      </p:par>
+    </p:tnLst>
+  </p:timing>
 </p:sld>
 </file>
 
@@ -34253,8 +38388,8 @@
           </a:extLst>
         </p:spPr>
       </p:pic>
-      <mc:AlternateContent xmlns:mc="http://schemas.openxmlformats.org/markup-compatibility/2006">
-        <mc:Choice xmlns:a14="http://schemas.microsoft.com/office/drawing/2010/main" Requires="a14">
+      <mc:AlternateContent xmlns:mc="http://schemas.openxmlformats.org/markup-compatibility/2006" xmlns:a14="http://schemas.microsoft.com/office/drawing/2010/main">
+        <mc:Choice Requires="a14">
           <p:sp>
             <p:nvSpPr>
               <p:cNvPr id="5" name="TextBox 4">
@@ -34283,6 +38418,7 @@
               </a:bodyPr>
               <a:lstStyle/>
               <a:p>
+                <a:pPr/>
                 <a14:m>
                   <m:oMathPara xmlns:m="http://schemas.openxmlformats.org/officeDocument/2006/math">
                     <m:oMathParaPr>
@@ -34340,7 +38476,7 @@
             </p:txBody>
           </p:sp>
         </mc:Choice>
-        <mc:Fallback>
+        <mc:Fallback xmlns="">
           <p:sp>
             <p:nvSpPr>
               <p:cNvPr id="5" name="TextBox 4">
@@ -34491,8 +38627,8 @@
           </a:p>
         </p:txBody>
       </p:sp>
-      <mc:AlternateContent xmlns:mc="http://schemas.openxmlformats.org/markup-compatibility/2006">
-        <mc:Choice xmlns:a14="http://schemas.microsoft.com/office/drawing/2010/main" Requires="a14">
+      <mc:AlternateContent xmlns:mc="http://schemas.openxmlformats.org/markup-compatibility/2006" xmlns:a14="http://schemas.microsoft.com/office/drawing/2010/main">
+        <mc:Choice Requires="a14">
           <p:sp>
             <p:nvSpPr>
               <p:cNvPr id="7" name="Rounded Rectangle 6">
@@ -34994,7 +39130,7 @@
                                         <m:sSubSup>
                                           <m:sSubSupPr>
                                             <m:ctrlPr>
-                                              <a:rPr lang="en-US" sz="1400" b="0" i="0" smtClean="0">
+                                              <a:rPr lang="en-US" sz="1400" b="0" i="1" smtClean="0">
                                                 <a:solidFill>
                                                   <a:schemeClr val="tx1"/>
                                                 </a:solidFill>
@@ -35108,7 +39244,7 @@
             </p:txBody>
           </p:sp>
         </mc:Choice>
-        <mc:Fallback>
+        <mc:Fallback xmlns="">
           <p:sp>
             <p:nvSpPr>
               <p:cNvPr id="7" name="Rounded Rectangle 6">
@@ -35158,8 +39294,8 @@
           </p:sp>
         </mc:Fallback>
       </mc:AlternateContent>
-      <mc:AlternateContent xmlns:mc="http://schemas.openxmlformats.org/markup-compatibility/2006">
-        <mc:Choice xmlns:a14="http://schemas.microsoft.com/office/drawing/2010/main" Requires="a14">
+      <mc:AlternateContent xmlns:mc="http://schemas.openxmlformats.org/markup-compatibility/2006" xmlns:a14="http://schemas.microsoft.com/office/drawing/2010/main">
+        <mc:Choice Requires="a14">
           <p:sp>
             <p:nvSpPr>
               <p:cNvPr id="9" name="Rounded Rectangle 8">
@@ -35274,7 +39410,7 @@
             </p:txBody>
           </p:sp>
         </mc:Choice>
-        <mc:Fallback>
+        <mc:Fallback xmlns="">
           <p:sp>
             <p:nvSpPr>
               <p:cNvPr id="9" name="Rounded Rectangle 8">
@@ -35325,8 +39461,8 @@
           </p:sp>
         </mc:Fallback>
       </mc:AlternateContent>
-      <mc:AlternateContent xmlns:mc="http://schemas.openxmlformats.org/markup-compatibility/2006">
-        <mc:Choice xmlns:a14="http://schemas.microsoft.com/office/drawing/2010/main" Requires="a14">
+      <mc:AlternateContent xmlns:mc="http://schemas.openxmlformats.org/markup-compatibility/2006" xmlns:a14="http://schemas.microsoft.com/office/drawing/2010/main">
+        <mc:Choice Requires="a14">
           <p:sp>
             <p:nvSpPr>
               <p:cNvPr id="10" name="Rounded Rectangle 9">
@@ -35439,7 +39575,7 @@
             </p:txBody>
           </p:sp>
         </mc:Choice>
-        <mc:Fallback>
+        <mc:Fallback xmlns="">
           <p:sp>
             <p:nvSpPr>
               <p:cNvPr id="10" name="Rounded Rectangle 9">
@@ -35543,8 +39679,8 @@
           </a:p>
         </p:txBody>
       </p:sp>
-      <mc:AlternateContent xmlns:mc="http://schemas.openxmlformats.org/markup-compatibility/2006">
-        <mc:Choice xmlns:a14="http://schemas.microsoft.com/office/drawing/2010/main" Requires="a14">
+      <mc:AlternateContent xmlns:mc="http://schemas.openxmlformats.org/markup-compatibility/2006" xmlns:a14="http://schemas.microsoft.com/office/drawing/2010/main">
+        <mc:Choice Requires="a14">
           <p:sp>
             <p:nvSpPr>
               <p:cNvPr id="13" name="Rectangle 12">
@@ -35624,7 +39760,7 @@
             </p:txBody>
           </p:sp>
         </mc:Choice>
-        <mc:Fallback>
+        <mc:Fallback xmlns="">
           <p:sp>
             <p:nvSpPr>
               <p:cNvPr id="13" name="Rectangle 12">
@@ -35669,8 +39805,8 @@
           </p:sp>
         </mc:Fallback>
       </mc:AlternateContent>
-      <mc:AlternateContent xmlns:mc="http://schemas.openxmlformats.org/markup-compatibility/2006">
-        <mc:Choice xmlns:a14="http://schemas.microsoft.com/office/drawing/2010/main" Requires="a14">
+      <mc:AlternateContent xmlns:mc="http://schemas.openxmlformats.org/markup-compatibility/2006" xmlns:a14="http://schemas.microsoft.com/office/drawing/2010/main">
+        <mc:Choice Requires="a14">
           <p:sp>
             <p:nvSpPr>
               <p:cNvPr id="14" name="Rectangle 13">
@@ -35728,7 +39864,7 @@
                               <m:sSub>
                                 <m:sSubPr>
                                   <m:ctrlPr>
-                                    <a:rPr lang="en-US" sz="1600" b="1" i="0" smtClean="0">
+                                    <a:rPr lang="en-US" sz="1600" b="1" i="1" smtClean="0">
                                       <a:latin typeface="Cambria Math" panose="02040503050406030204" pitchFamily="18" charset="0"/>
                                     </a:rPr>
                                   </m:ctrlPr>
@@ -35765,7 +39901,7 @@
                                   <m:sSup>
                                     <m:sSupPr>
                                       <m:ctrlPr>
-                                        <a:rPr lang="en-US" sz="1600" i="0" smtClean="0">
+                                        <a:rPr lang="en-US" sz="1600" i="1" smtClean="0">
                                           <a:latin typeface="Cambria Math" panose="02040503050406030204" pitchFamily="18" charset="0"/>
                                         </a:rPr>
                                       </m:ctrlPr>
@@ -35799,7 +39935,7 @@
                           <m:sSup>
                             <m:sSupPr>
                               <m:ctrlPr>
-                                <a:rPr lang="en-US" sz="1600" b="0" smtClean="0">
+                                <a:rPr lang="en-US" sz="1600" b="0" i="1" smtClean="0">
                                   <a:latin typeface="Cambria Math" panose="02040503050406030204" pitchFamily="18" charset="0"/>
                                 </a:rPr>
                               </m:ctrlPr>
@@ -35883,7 +40019,7 @@
             </p:txBody>
           </p:sp>
         </mc:Choice>
-        <mc:Fallback>
+        <mc:Fallback xmlns="">
           <p:sp>
             <p:nvSpPr>
               <p:cNvPr id="14" name="Rectangle 13">
@@ -36152,8 +40288,8 @@
           </p:spPr>
         </p:pic>
       </p:grpSp>
-      <mc:AlternateContent xmlns:mc="http://schemas.openxmlformats.org/markup-compatibility/2006">
-        <mc:Choice xmlns:a14="http://schemas.microsoft.com/office/drawing/2010/main" Requires="a14">
+      <mc:AlternateContent xmlns:mc="http://schemas.openxmlformats.org/markup-compatibility/2006" xmlns:a14="http://schemas.microsoft.com/office/drawing/2010/main">
+        <mc:Choice Requires="a14">
           <p:sp>
             <p:nvSpPr>
               <p:cNvPr id="23" name="Rounded Rectangle 22">
@@ -36222,7 +40358,6 @@
                   </a:rPr>
                   <a:t>Update settings using gradient descent and parameter-shift rule.</a:t>
                 </a:r>
-                <a14:m/>
               </a:p>
               <a:p>
                 <a:pPr marL="285750" indent="-285750">
@@ -36238,7 +40373,7 @@
             </p:txBody>
           </p:sp>
         </mc:Choice>
-        <mc:Fallback>
+        <mc:Fallback xmlns="">
           <p:sp>
             <p:nvSpPr>
               <p:cNvPr id="23" name="Rounded Rectangle 22">
@@ -36288,8 +40423,8 @@
           </p:sp>
         </mc:Fallback>
       </mc:AlternateContent>
-      <mc:AlternateContent xmlns:mc="http://schemas.openxmlformats.org/markup-compatibility/2006">
-        <mc:Choice xmlns:a14="http://schemas.microsoft.com/office/drawing/2010/main" Requires="a14">
+      <mc:AlternateContent xmlns:mc="http://schemas.openxmlformats.org/markup-compatibility/2006" xmlns:a14="http://schemas.microsoft.com/office/drawing/2010/main">
+        <mc:Choice Requires="a14">
           <p:sp>
             <p:nvSpPr>
               <p:cNvPr id="24" name="Rounded Rectangle 23">
@@ -36502,7 +40637,7 @@
             </p:txBody>
           </p:sp>
         </mc:Choice>
-        <mc:Fallback>
+        <mc:Fallback xmlns="">
           <p:sp>
             <p:nvSpPr>
               <p:cNvPr id="24" name="Rounded Rectangle 23">
@@ -36698,8 +40833,8 @@
               </a:p>
             </p:txBody>
           </p:sp>
-          <mc:AlternateContent xmlns:mc="http://schemas.openxmlformats.org/markup-compatibility/2006">
-            <mc:Choice xmlns:a14="http://schemas.microsoft.com/office/drawing/2010/main" Requires="a14">
+          <mc:AlternateContent xmlns:mc="http://schemas.openxmlformats.org/markup-compatibility/2006" xmlns:a14="http://schemas.microsoft.com/office/drawing/2010/main">
+            <mc:Choice Requires="a14">
               <p:sp>
                 <p:nvSpPr>
                   <p:cNvPr id="39" name="Rounded Rectangle 38">
@@ -36888,7 +41023,7 @@
                 </p:txBody>
               </p:sp>
             </mc:Choice>
-            <mc:Fallback>
+            <mc:Fallback xmlns="">
               <p:sp>
                 <p:nvSpPr>
                   <p:cNvPr id="39" name="Rounded Rectangle 38">
@@ -36990,8 +41125,8 @@
             </a:fontRef>
           </p:style>
         </p:cxnSp>
-        <mc:AlternateContent xmlns:mc="http://schemas.openxmlformats.org/markup-compatibility/2006">
-          <mc:Choice xmlns:a14="http://schemas.microsoft.com/office/drawing/2010/main" Requires="a14">
+        <mc:AlternateContent xmlns:mc="http://schemas.openxmlformats.org/markup-compatibility/2006" xmlns:a14="http://schemas.microsoft.com/office/drawing/2010/main">
+          <mc:Choice Requires="a14">
             <p:sp>
               <p:nvSpPr>
                 <p:cNvPr id="29" name="TextBox 28">
@@ -37073,7 +41208,7 @@
               </p:txBody>
             </p:sp>
           </mc:Choice>
-          <mc:Fallback>
+          <mc:Fallback xmlns="">
             <p:sp>
               <p:nvSpPr>
                 <p:cNvPr id="29" name="TextBox 28">
@@ -37355,8 +41490,8 @@
             </p:style>
           </p:cxnSp>
         </p:grpSp>
-        <mc:AlternateContent xmlns:mc="http://schemas.openxmlformats.org/markup-compatibility/2006">
-          <mc:Choice xmlns:a14="http://schemas.microsoft.com/office/drawing/2010/main" Requires="a14">
+        <mc:AlternateContent xmlns:mc="http://schemas.openxmlformats.org/markup-compatibility/2006" xmlns:a14="http://schemas.microsoft.com/office/drawing/2010/main">
+          <mc:Choice Requires="a14">
             <p:sp>
               <p:nvSpPr>
                 <p:cNvPr id="32" name="TextBox 31">
@@ -37418,7 +41553,7 @@
               </p:txBody>
             </p:sp>
           </mc:Choice>
-          <mc:Fallback>
+          <mc:Fallback xmlns="">
             <p:sp>
               <p:nvSpPr>
                 <p:cNvPr id="32" name="TextBox 31">

--- a/vqo_noisy_nonlocality_quantum_networks.pptx
+++ b/vqo_noisy_nonlocality_quantum_networks.pptx
@@ -272,7 +272,7 @@
           <a:p>
             <a:fld id="{05E911D8-8C42-E348-B619-A2C0A8C1C303}" type="datetimeFigureOut">
               <a:rPr lang="en-US" smtClean="0"/>
-              <a:t>4/18/22</a:t>
+              <a:t>4/22/22</a:t>
             </a:fld>
             <a:endParaRPr lang="en-US"/>
           </a:p>
@@ -470,7 +470,7 @@
           <a:p>
             <a:fld id="{05E911D8-8C42-E348-B619-A2C0A8C1C303}" type="datetimeFigureOut">
               <a:rPr lang="en-US" smtClean="0"/>
-              <a:t>4/18/22</a:t>
+              <a:t>4/22/22</a:t>
             </a:fld>
             <a:endParaRPr lang="en-US"/>
           </a:p>
@@ -678,7 +678,7 @@
           <a:p>
             <a:fld id="{05E911D8-8C42-E348-B619-A2C0A8C1C303}" type="datetimeFigureOut">
               <a:rPr lang="en-US" smtClean="0"/>
-              <a:t>4/18/22</a:t>
+              <a:t>4/22/22</a:t>
             </a:fld>
             <a:endParaRPr lang="en-US"/>
           </a:p>
@@ -876,7 +876,7 @@
           <a:p>
             <a:fld id="{05E911D8-8C42-E348-B619-A2C0A8C1C303}" type="datetimeFigureOut">
               <a:rPr lang="en-US" smtClean="0"/>
-              <a:t>4/18/22</a:t>
+              <a:t>4/22/22</a:t>
             </a:fld>
             <a:endParaRPr lang="en-US"/>
           </a:p>
@@ -1151,7 +1151,7 @@
           <a:p>
             <a:fld id="{05E911D8-8C42-E348-B619-A2C0A8C1C303}" type="datetimeFigureOut">
               <a:rPr lang="en-US" smtClean="0"/>
-              <a:t>4/18/22</a:t>
+              <a:t>4/22/22</a:t>
             </a:fld>
             <a:endParaRPr lang="en-US"/>
           </a:p>
@@ -1416,7 +1416,7 @@
           <a:p>
             <a:fld id="{05E911D8-8C42-E348-B619-A2C0A8C1C303}" type="datetimeFigureOut">
               <a:rPr lang="en-US" smtClean="0"/>
-              <a:t>4/18/22</a:t>
+              <a:t>4/22/22</a:t>
             </a:fld>
             <a:endParaRPr lang="en-US"/>
           </a:p>
@@ -1828,7 +1828,7 @@
           <a:p>
             <a:fld id="{05E911D8-8C42-E348-B619-A2C0A8C1C303}" type="datetimeFigureOut">
               <a:rPr lang="en-US" smtClean="0"/>
-              <a:t>4/18/22</a:t>
+              <a:t>4/22/22</a:t>
             </a:fld>
             <a:endParaRPr lang="en-US"/>
           </a:p>
@@ -1969,7 +1969,7 @@
           <a:p>
             <a:fld id="{05E911D8-8C42-E348-B619-A2C0A8C1C303}" type="datetimeFigureOut">
               <a:rPr lang="en-US" smtClean="0"/>
-              <a:t>4/18/22</a:t>
+              <a:t>4/22/22</a:t>
             </a:fld>
             <a:endParaRPr lang="en-US"/>
           </a:p>
@@ -2082,7 +2082,7 @@
           <a:p>
             <a:fld id="{05E911D8-8C42-E348-B619-A2C0A8C1C303}" type="datetimeFigureOut">
               <a:rPr lang="en-US" smtClean="0"/>
-              <a:t>4/18/22</a:t>
+              <a:t>4/22/22</a:t>
             </a:fld>
             <a:endParaRPr lang="en-US"/>
           </a:p>
@@ -2393,7 +2393,7 @@
           <a:p>
             <a:fld id="{05E911D8-8C42-E348-B619-A2C0A8C1C303}" type="datetimeFigureOut">
               <a:rPr lang="en-US" smtClean="0"/>
-              <a:t>4/18/22</a:t>
+              <a:t>4/22/22</a:t>
             </a:fld>
             <a:endParaRPr lang="en-US"/>
           </a:p>
@@ -2681,7 +2681,7 @@
           <a:p>
             <a:fld id="{05E911D8-8C42-E348-B619-A2C0A8C1C303}" type="datetimeFigureOut">
               <a:rPr lang="en-US" smtClean="0"/>
-              <a:t>4/18/22</a:t>
+              <a:t>4/22/22</a:t>
             </a:fld>
             <a:endParaRPr lang="en-US"/>
           </a:p>
@@ -2922,7 +2922,7 @@
           <a:p>
             <a:fld id="{05E911D8-8C42-E348-B619-A2C0A8C1C303}" type="datetimeFigureOut">
               <a:rPr lang="en-US" smtClean="0"/>
-              <a:t>4/18/22</a:t>
+              <a:t>4/22/22</a:t>
             </a:fld>
             <a:endParaRPr lang="en-US"/>
           </a:p>
@@ -16850,8 +16850,8 @@
           </a:p>
         </p:txBody>
       </p:sp>
-      <mc:AlternateContent xmlns:mc="http://schemas.openxmlformats.org/markup-compatibility/2006" xmlns:a14="http://schemas.microsoft.com/office/drawing/2010/main">
-        <mc:Choice Requires="a14">
+      <mc:AlternateContent xmlns:mc="http://schemas.openxmlformats.org/markup-compatibility/2006">
+        <mc:Choice xmlns:a14="http://schemas.microsoft.com/office/drawing/2010/main" Requires="a14">
           <p:sp>
             <p:nvSpPr>
               <p:cNvPr id="4" name="Oval 3">
@@ -16866,7 +16866,7 @@
             </p:nvSpPr>
             <p:spPr>
               <a:xfrm>
-                <a:off x="4053116" y="2638586"/>
+                <a:off x="2791475" y="2129300"/>
                 <a:ext cx="1010510" cy="613775"/>
               </a:xfrm>
               <a:prstGeom prst="ellipse">
@@ -16935,7 +16935,7 @@
             </p:txBody>
           </p:sp>
         </mc:Choice>
-        <mc:Fallback xmlns="">
+        <mc:Fallback>
           <p:sp>
             <p:nvSpPr>
               <p:cNvPr id="4" name="Oval 3">
@@ -16952,7 +16952,7 @@
             </p:nvSpPr>
             <p:spPr>
               <a:xfrm>
-                <a:off x="4053116" y="2638586"/>
+                <a:off x="2791475" y="2129300"/>
                 <a:ext cx="1010510" cy="613775"/>
               </a:xfrm>
               <a:prstGeom prst="ellipse">
@@ -16985,8 +16985,8 @@
           </p:sp>
         </mc:Fallback>
       </mc:AlternateContent>
-      <mc:AlternateContent xmlns:mc="http://schemas.openxmlformats.org/markup-compatibility/2006" xmlns:a14="http://schemas.microsoft.com/office/drawing/2010/main">
-        <mc:Choice Requires="a14">
+      <mc:AlternateContent xmlns:mc="http://schemas.openxmlformats.org/markup-compatibility/2006">
+        <mc:Choice xmlns:a14="http://schemas.microsoft.com/office/drawing/2010/main" Requires="a14">
           <p:sp>
             <p:nvSpPr>
               <p:cNvPr id="5" name="Rounded Rectangle 4">
@@ -17001,7 +17001,7 @@
             </p:nvSpPr>
             <p:spPr>
               <a:xfrm>
-                <a:off x="2404998" y="3230268"/>
+                <a:off x="1143357" y="2720982"/>
                 <a:ext cx="864296" cy="613775"/>
               </a:xfrm>
               <a:prstGeom prst="roundRect">
@@ -17063,7 +17063,7 @@
             </p:txBody>
           </p:sp>
         </mc:Choice>
-        <mc:Fallback xmlns="">
+        <mc:Fallback>
           <p:sp>
             <p:nvSpPr>
               <p:cNvPr id="5" name="Rounded Rectangle 4">
@@ -17080,7 +17080,7 @@
             </p:nvSpPr>
             <p:spPr>
               <a:xfrm>
-                <a:off x="2404998" y="3230268"/>
+                <a:off x="1143357" y="2720982"/>
                 <a:ext cx="864296" cy="613775"/>
               </a:xfrm>
               <a:prstGeom prst="roundRect">
@@ -17131,7 +17131,7 @@
         </p:nvCxnSpPr>
         <p:spPr>
           <a:xfrm flipH="1">
-            <a:off x="3269294" y="3162476"/>
+            <a:off x="2007653" y="2653190"/>
             <a:ext cx="931808" cy="374680"/>
           </a:xfrm>
           <a:prstGeom prst="straightConnector1">
@@ -17176,7 +17176,7 @@
         </p:nvCxnSpPr>
         <p:spPr>
           <a:xfrm>
-            <a:off x="2837146" y="2815808"/>
+            <a:off x="1575505" y="2306522"/>
             <a:ext cx="0" cy="414460"/>
           </a:xfrm>
           <a:prstGeom prst="straightConnector1">
@@ -17220,7 +17220,7 @@
         </p:nvCxnSpPr>
         <p:spPr>
           <a:xfrm>
-            <a:off x="2837146" y="3844043"/>
+            <a:off x="1575505" y="3334757"/>
             <a:ext cx="0" cy="414460"/>
           </a:xfrm>
           <a:prstGeom prst="straightConnector1">
@@ -17248,8 +17248,8 @@
           </a:fontRef>
         </p:style>
       </p:cxnSp>
-      <mc:AlternateContent xmlns:mc="http://schemas.openxmlformats.org/markup-compatibility/2006" xmlns:a14="http://schemas.microsoft.com/office/drawing/2010/main">
-        <mc:Choice Requires="a14">
+      <mc:AlternateContent xmlns:mc="http://schemas.openxmlformats.org/markup-compatibility/2006">
+        <mc:Choice xmlns:a14="http://schemas.microsoft.com/office/drawing/2010/main" Requires="a14">
           <p:sp>
             <p:nvSpPr>
               <p:cNvPr id="9" name="Rounded Rectangle 8">
@@ -17264,7 +17264,7 @@
             </p:nvSpPr>
             <p:spPr>
               <a:xfrm>
-                <a:off x="5847448" y="3252361"/>
+                <a:off x="4585807" y="2743075"/>
                 <a:ext cx="864296" cy="613775"/>
               </a:xfrm>
               <a:prstGeom prst="roundRect">
@@ -17326,7 +17326,7 @@
             </p:txBody>
           </p:sp>
         </mc:Choice>
-        <mc:Fallback xmlns="">
+        <mc:Fallback>
           <p:sp>
             <p:nvSpPr>
               <p:cNvPr id="9" name="Rounded Rectangle 8">
@@ -17343,7 +17343,7 @@
             </p:nvSpPr>
             <p:spPr>
               <a:xfrm>
-                <a:off x="5847448" y="3252361"/>
+                <a:off x="4585807" y="2743075"/>
                 <a:ext cx="864296" cy="613775"/>
               </a:xfrm>
               <a:prstGeom prst="roundRect">
@@ -17393,7 +17393,7 @@
         </p:nvCxnSpPr>
         <p:spPr>
           <a:xfrm>
-            <a:off x="6279596" y="2837901"/>
+            <a:off x="5017955" y="2328615"/>
             <a:ext cx="0" cy="414460"/>
           </a:xfrm>
           <a:prstGeom prst="straightConnector1">
@@ -17437,7 +17437,7 @@
         </p:nvCxnSpPr>
         <p:spPr>
           <a:xfrm>
-            <a:off x="6279596" y="3869440"/>
+            <a:off x="5017955" y="3360154"/>
             <a:ext cx="0" cy="414460"/>
           </a:xfrm>
           <a:prstGeom prst="straightConnector1">
@@ -17483,7 +17483,7 @@
         </p:nvCxnSpPr>
         <p:spPr>
           <a:xfrm>
-            <a:off x="4915640" y="3162476"/>
+            <a:off x="3653999" y="2653190"/>
             <a:ext cx="931808" cy="396773"/>
           </a:xfrm>
           <a:prstGeom prst="straightConnector1">
@@ -17511,8 +17511,8 @@
           </a:fontRef>
         </p:style>
       </p:cxnSp>
-      <mc:AlternateContent xmlns:mc="http://schemas.openxmlformats.org/markup-compatibility/2006" xmlns:a14="http://schemas.microsoft.com/office/drawing/2010/main">
-        <mc:Choice Requires="a14">
+      <mc:AlternateContent xmlns:mc="http://schemas.openxmlformats.org/markup-compatibility/2006">
+        <mc:Choice xmlns:a14="http://schemas.microsoft.com/office/drawing/2010/main" Requires="a14">
           <p:sp>
             <p:nvSpPr>
               <p:cNvPr id="13" name="TextBox 12">
@@ -17527,7 +17527,7 @@
             </p:nvSpPr>
             <p:spPr>
               <a:xfrm>
-                <a:off x="2644340" y="2417855"/>
+                <a:off x="1382699" y="1908569"/>
                 <a:ext cx="386388" cy="400110"/>
               </a:xfrm>
               <a:prstGeom prst="rect">
@@ -17562,7 +17562,7 @@
             </p:txBody>
           </p:sp>
         </mc:Choice>
-        <mc:Fallback xmlns="">
+        <mc:Fallback>
           <p:sp>
             <p:nvSpPr>
               <p:cNvPr id="13" name="TextBox 12">
@@ -17579,7 +17579,7 @@
             </p:nvSpPr>
             <p:spPr>
               <a:xfrm>
-                <a:off x="2644340" y="2417855"/>
+                <a:off x="1382699" y="1908569"/>
                 <a:ext cx="386388" cy="400110"/>
               </a:xfrm>
               <a:prstGeom prst="rect">
@@ -17607,8 +17607,8 @@
           </p:sp>
         </mc:Fallback>
       </mc:AlternateContent>
-      <mc:AlternateContent xmlns:mc="http://schemas.openxmlformats.org/markup-compatibility/2006" xmlns:a14="http://schemas.microsoft.com/office/drawing/2010/main">
-        <mc:Choice Requires="a14">
+      <mc:AlternateContent xmlns:mc="http://schemas.openxmlformats.org/markup-compatibility/2006">
+        <mc:Choice xmlns:a14="http://schemas.microsoft.com/office/drawing/2010/main" Requires="a14">
           <p:sp>
             <p:nvSpPr>
               <p:cNvPr id="14" name="TextBox 13">
@@ -17623,7 +17623,7 @@
             </p:nvSpPr>
             <p:spPr>
               <a:xfrm>
-                <a:off x="6086790" y="2420033"/>
+                <a:off x="4825149" y="1910747"/>
                 <a:ext cx="391004" cy="400110"/>
               </a:xfrm>
               <a:prstGeom prst="rect">
@@ -17658,7 +17658,7 @@
             </p:txBody>
           </p:sp>
         </mc:Choice>
-        <mc:Fallback xmlns="">
+        <mc:Fallback>
           <p:sp>
             <p:nvSpPr>
               <p:cNvPr id="14" name="TextBox 13">
@@ -17675,7 +17675,7 @@
             </p:nvSpPr>
             <p:spPr>
               <a:xfrm>
-                <a:off x="6086790" y="2420033"/>
+                <a:off x="4825149" y="1910747"/>
                 <a:ext cx="391004" cy="400110"/>
               </a:xfrm>
               <a:prstGeom prst="rect">
@@ -17684,7 +17684,7 @@
               <a:blipFill>
                 <a:blip r:embed="rId6"/>
                 <a:stretch>
-                  <a:fillRect b="-3030"/>
+                  <a:fillRect b="-6250"/>
                 </a:stretch>
               </a:blipFill>
             </p:spPr>
@@ -17703,8 +17703,8 @@
           </p:sp>
         </mc:Fallback>
       </mc:AlternateContent>
-      <mc:AlternateContent xmlns:mc="http://schemas.openxmlformats.org/markup-compatibility/2006" xmlns:a14="http://schemas.microsoft.com/office/drawing/2010/main">
-        <mc:Choice Requires="a14">
+      <mc:AlternateContent xmlns:mc="http://schemas.openxmlformats.org/markup-compatibility/2006">
+        <mc:Choice xmlns:a14="http://schemas.microsoft.com/office/drawing/2010/main" Requires="a14">
           <p:sp>
             <p:nvSpPr>
               <p:cNvPr id="15" name="TextBox 14">
@@ -17719,7 +17719,7 @@
             </p:nvSpPr>
             <p:spPr>
               <a:xfrm>
-                <a:off x="2644340" y="4224149"/>
+                <a:off x="1382699" y="3714863"/>
                 <a:ext cx="391325" cy="400110"/>
               </a:xfrm>
               <a:prstGeom prst="rect">
@@ -17754,7 +17754,7 @@
             </p:txBody>
           </p:sp>
         </mc:Choice>
-        <mc:Fallback xmlns="">
+        <mc:Fallback>
           <p:sp>
             <p:nvSpPr>
               <p:cNvPr id="15" name="TextBox 14">
@@ -17771,7 +17771,7 @@
             </p:nvSpPr>
             <p:spPr>
               <a:xfrm>
-                <a:off x="2644340" y="4224149"/>
+                <a:off x="1382699" y="3714863"/>
                 <a:ext cx="391325" cy="400110"/>
               </a:xfrm>
               <a:prstGeom prst="rect">
@@ -17799,8 +17799,8 @@
           </p:sp>
         </mc:Fallback>
       </mc:AlternateContent>
-      <mc:AlternateContent xmlns:mc="http://schemas.openxmlformats.org/markup-compatibility/2006" xmlns:a14="http://schemas.microsoft.com/office/drawing/2010/main">
-        <mc:Choice Requires="a14">
+      <mc:AlternateContent xmlns:mc="http://schemas.openxmlformats.org/markup-compatibility/2006">
+        <mc:Choice xmlns:a14="http://schemas.microsoft.com/office/drawing/2010/main" Requires="a14">
           <p:sp>
             <p:nvSpPr>
               <p:cNvPr id="16" name="TextBox 15">
@@ -17815,7 +17815,7 @@
             </p:nvSpPr>
             <p:spPr>
               <a:xfrm>
-                <a:off x="6086895" y="4241710"/>
+                <a:off x="4825254" y="3732424"/>
                 <a:ext cx="385875" cy="400110"/>
               </a:xfrm>
               <a:prstGeom prst="rect">
@@ -17850,7 +17850,7 @@
             </p:txBody>
           </p:sp>
         </mc:Choice>
-        <mc:Fallback xmlns="">
+        <mc:Fallback>
           <p:sp>
             <p:nvSpPr>
               <p:cNvPr id="16" name="TextBox 15">
@@ -17867,7 +17867,7 @@
             </p:nvSpPr>
             <p:spPr>
               <a:xfrm>
-                <a:off x="6086895" y="4241710"/>
+                <a:off x="4825254" y="3732424"/>
                 <a:ext cx="385875" cy="400110"/>
               </a:xfrm>
               <a:prstGeom prst="rect">
@@ -17875,6 +17875,1073 @@
               </a:prstGeom>
               <a:blipFill>
                 <a:blip r:embed="rId8"/>
+                <a:stretch>
+                  <a:fillRect/>
+                </a:stretch>
+              </a:blipFill>
+            </p:spPr>
+            <p:txBody>
+              <a:bodyPr/>
+              <a:lstStyle/>
+              <a:p>
+                <a:r>
+                  <a:rPr lang="en-US">
+                    <a:noFill/>
+                  </a:rPr>
+                  <a:t> </a:t>
+                </a:r>
+              </a:p>
+            </p:txBody>
+          </p:sp>
+        </mc:Fallback>
+      </mc:AlternateContent>
+      <mc:AlternateContent xmlns:mc="http://schemas.openxmlformats.org/markup-compatibility/2006">
+        <mc:Choice xmlns:a14="http://schemas.microsoft.com/office/drawing/2010/main" Requires="a14">
+          <p:sp>
+            <p:nvSpPr>
+              <p:cNvPr id="17" name="Oval 16">
+                <a:extLst>
+                  <a:ext uri="{FF2B5EF4-FFF2-40B4-BE49-F238E27FC236}">
+                    <a16:creationId xmlns:a16="http://schemas.microsoft.com/office/drawing/2014/main" id="{DD8D09C2-EDEC-4149-8739-F3BCA2F03A17}"/>
+                  </a:ext>
+                </a:extLst>
+              </p:cNvPr>
+              <p:cNvSpPr/>
+              <p:nvPr/>
+            </p:nvSpPr>
+            <p:spPr>
+              <a:xfrm>
+                <a:off x="8314191" y="2653190"/>
+                <a:ext cx="1010510" cy="613775"/>
+              </a:xfrm>
+              <a:prstGeom prst="ellipse">
+                <a:avLst/>
+              </a:prstGeom>
+              <a:solidFill>
+                <a:schemeClr val="accent6">
+                  <a:lumMod val="40000"/>
+                  <a:lumOff val="60000"/>
+                </a:schemeClr>
+              </a:solidFill>
+              <a:ln w="25400">
+                <a:solidFill>
+                  <a:schemeClr val="accent6"/>
+                </a:solidFill>
+              </a:ln>
+            </p:spPr>
+            <p:style>
+              <a:lnRef idx="2">
+                <a:schemeClr val="accent1">
+                  <a:shade val="50000"/>
+                </a:schemeClr>
+              </a:lnRef>
+              <a:fillRef idx="1">
+                <a:schemeClr val="accent1"/>
+              </a:fillRef>
+              <a:effectRef idx="0">
+                <a:schemeClr val="accent1"/>
+              </a:effectRef>
+              <a:fontRef idx="minor">
+                <a:schemeClr val="lt1"/>
+              </a:fontRef>
+            </p:style>
+            <p:txBody>
+              <a:bodyPr rtlCol="0" anchor="ctr"/>
+              <a:lstStyle/>
+              <a:p>
+                <a:pPr algn="ctr"/>
+                <a14:m>
+                  <m:oMathPara xmlns:m="http://schemas.openxmlformats.org/officeDocument/2006/math">
+                    <m:oMathParaPr>
+                      <m:jc m:val="center"/>
+                    </m:oMathParaPr>
+                    <m:oMath xmlns:m="http://schemas.openxmlformats.org/officeDocument/2006/math">
+                      <m:sSup>
+                        <m:sSupPr>
+                          <m:ctrlPr>
+                            <a:rPr lang="en-US" sz="2000" b="0" i="1" smtClean="0">
+                              <a:solidFill>
+                                <a:schemeClr val="tx1"/>
+                              </a:solidFill>
+                              <a:latin typeface="Cambria Math" panose="02040503050406030204" pitchFamily="18" charset="0"/>
+                            </a:rPr>
+                          </m:ctrlPr>
+                        </m:sSupPr>
+                        <m:e>
+                          <m:r>
+                            <a:rPr lang="en-US" sz="2000" b="0" i="1" smtClean="0">
+                              <a:solidFill>
+                                <a:schemeClr val="tx1"/>
+                              </a:solidFill>
+                              <a:latin typeface="Cambria Math" panose="02040503050406030204" pitchFamily="18" charset="0"/>
+                            </a:rPr>
+                            <m:t>𝜌</m:t>
+                          </m:r>
+                        </m:e>
+                        <m:sup>
+                          <m:r>
+                            <a:rPr lang="en-US" sz="2000" b="0" i="1" smtClean="0">
+                              <a:solidFill>
+                                <a:schemeClr val="tx1"/>
+                              </a:solidFill>
+                              <a:latin typeface="Cambria Math" panose="02040503050406030204" pitchFamily="18" charset="0"/>
+                            </a:rPr>
+                            <m:t>𝐴𝐵</m:t>
+                          </m:r>
+                        </m:sup>
+                      </m:sSup>
+                    </m:oMath>
+                  </m:oMathPara>
+                </a14:m>
+                <a:endParaRPr lang="en-US" sz="2000" dirty="0">
+                  <a:solidFill>
+                    <a:schemeClr val="tx1"/>
+                  </a:solidFill>
+                </a:endParaRPr>
+              </a:p>
+            </p:txBody>
+          </p:sp>
+        </mc:Choice>
+        <mc:Fallback>
+          <p:sp>
+            <p:nvSpPr>
+              <p:cNvPr id="17" name="Oval 16">
+                <a:extLst>
+                  <a:ext uri="{FF2B5EF4-FFF2-40B4-BE49-F238E27FC236}">
+                    <a16:creationId xmlns:a16="http://schemas.microsoft.com/office/drawing/2014/main" id="{DD8D09C2-EDEC-4149-8739-F3BCA2F03A17}"/>
+                  </a:ext>
+                </a:extLst>
+              </p:cNvPr>
+              <p:cNvSpPr>
+                <a:spLocks noRot="1" noChangeAspect="1" noMove="1" noResize="1" noEditPoints="1" noAdjustHandles="1" noChangeArrowheads="1" noChangeShapeType="1" noTextEdit="1"/>
+              </p:cNvSpPr>
+              <p:nvPr/>
+            </p:nvSpPr>
+            <p:spPr>
+              <a:xfrm>
+                <a:off x="8314191" y="2653190"/>
+                <a:ext cx="1010510" cy="613775"/>
+              </a:xfrm>
+              <a:prstGeom prst="ellipse">
+                <a:avLst/>
+              </a:prstGeom>
+              <a:blipFill>
+                <a:blip r:embed="rId9"/>
+                <a:stretch>
+                  <a:fillRect/>
+                </a:stretch>
+              </a:blipFill>
+              <a:ln w="25400">
+                <a:solidFill>
+                  <a:schemeClr val="accent6"/>
+                </a:solidFill>
+              </a:ln>
+            </p:spPr>
+            <p:txBody>
+              <a:bodyPr/>
+              <a:lstStyle/>
+              <a:p>
+                <a:r>
+                  <a:rPr lang="en-US">
+                    <a:noFill/>
+                  </a:rPr>
+                  <a:t> </a:t>
+                </a:r>
+              </a:p>
+            </p:txBody>
+          </p:sp>
+        </mc:Fallback>
+      </mc:AlternateContent>
+      <mc:AlternateContent xmlns:mc="http://schemas.openxmlformats.org/markup-compatibility/2006">
+        <mc:Choice xmlns:a14="http://schemas.microsoft.com/office/drawing/2010/main" Requires="a14">
+          <p:sp>
+            <p:nvSpPr>
+              <p:cNvPr id="18" name="Rounded Rectangle 17">
+                <a:extLst>
+                  <a:ext uri="{FF2B5EF4-FFF2-40B4-BE49-F238E27FC236}">
+                    <a16:creationId xmlns:a16="http://schemas.microsoft.com/office/drawing/2014/main" id="{81043328-AEF3-6C47-AE06-469C726393C1}"/>
+                  </a:ext>
+                </a:extLst>
+              </p:cNvPr>
+              <p:cNvSpPr/>
+              <p:nvPr/>
+            </p:nvSpPr>
+            <p:spPr>
+              <a:xfrm>
+                <a:off x="6666073" y="3244872"/>
+                <a:ext cx="864296" cy="613775"/>
+              </a:xfrm>
+              <a:prstGeom prst="roundRect">
+                <a:avLst/>
+              </a:prstGeom>
+              <a:solidFill>
+                <a:schemeClr val="accent1">
+                  <a:lumMod val="40000"/>
+                  <a:lumOff val="60000"/>
+                </a:schemeClr>
+              </a:solidFill>
+              <a:ln w="25400">
+                <a:solidFill>
+                  <a:schemeClr val="accent1"/>
+                </a:solidFill>
+              </a:ln>
+            </p:spPr>
+            <p:style>
+              <a:lnRef idx="2">
+                <a:schemeClr val="accent1">
+                  <a:shade val="50000"/>
+                </a:schemeClr>
+              </a:lnRef>
+              <a:fillRef idx="1">
+                <a:schemeClr val="accent1"/>
+              </a:fillRef>
+              <a:effectRef idx="0">
+                <a:schemeClr val="accent1"/>
+              </a:effectRef>
+              <a:fontRef idx="minor">
+                <a:schemeClr val="lt1"/>
+              </a:fontRef>
+            </p:style>
+            <p:txBody>
+              <a:bodyPr rtlCol="0" anchor="ctr"/>
+              <a:lstStyle/>
+              <a:p>
+                <a:pPr algn="ctr"/>
+                <a14:m>
+                  <m:oMathPara xmlns:m="http://schemas.openxmlformats.org/officeDocument/2006/math">
+                    <m:oMathParaPr>
+                      <m:jc m:val="centerGroup"/>
+                    </m:oMathParaPr>
+                    <m:oMath xmlns:m="http://schemas.openxmlformats.org/officeDocument/2006/math">
+                      <m:r>
+                        <a:rPr lang="en-US" sz="2000" b="0" i="1" smtClean="0">
+                          <a:solidFill>
+                            <a:schemeClr val="tx1"/>
+                          </a:solidFill>
+                          <a:latin typeface="Cambria Math" panose="02040503050406030204" pitchFamily="18" charset="0"/>
+                        </a:rPr>
+                        <m:t>𝐴</m:t>
+                      </m:r>
+                    </m:oMath>
+                  </m:oMathPara>
+                </a14:m>
+                <a:endParaRPr lang="en-US" sz="2000" i="1" dirty="0"/>
+              </a:p>
+            </p:txBody>
+          </p:sp>
+        </mc:Choice>
+        <mc:Fallback>
+          <p:sp>
+            <p:nvSpPr>
+              <p:cNvPr id="18" name="Rounded Rectangle 17">
+                <a:extLst>
+                  <a:ext uri="{FF2B5EF4-FFF2-40B4-BE49-F238E27FC236}">
+                    <a16:creationId xmlns:a16="http://schemas.microsoft.com/office/drawing/2014/main" id="{81043328-AEF3-6C47-AE06-469C726393C1}"/>
+                  </a:ext>
+                </a:extLst>
+              </p:cNvPr>
+              <p:cNvSpPr>
+                <a:spLocks noRot="1" noChangeAspect="1" noMove="1" noResize="1" noEditPoints="1" noAdjustHandles="1" noChangeArrowheads="1" noChangeShapeType="1" noTextEdit="1"/>
+              </p:cNvSpPr>
+              <p:nvPr/>
+            </p:nvSpPr>
+            <p:spPr>
+              <a:xfrm>
+                <a:off x="6666073" y="3244872"/>
+                <a:ext cx="864296" cy="613775"/>
+              </a:xfrm>
+              <a:prstGeom prst="roundRect">
+                <a:avLst/>
+              </a:prstGeom>
+              <a:blipFill>
+                <a:blip r:embed="rId10"/>
+                <a:stretch>
+                  <a:fillRect/>
+                </a:stretch>
+              </a:blipFill>
+              <a:ln w="25400">
+                <a:solidFill>
+                  <a:schemeClr val="accent1"/>
+                </a:solidFill>
+              </a:ln>
+            </p:spPr>
+            <p:txBody>
+              <a:bodyPr/>
+              <a:lstStyle/>
+              <a:p>
+                <a:r>
+                  <a:rPr lang="en-US">
+                    <a:noFill/>
+                  </a:rPr>
+                  <a:t> </a:t>
+                </a:r>
+              </a:p>
+            </p:txBody>
+          </p:sp>
+        </mc:Fallback>
+      </mc:AlternateContent>
+      <p:cxnSp>
+        <p:nvCxnSpPr>
+          <p:cNvPr id="19" name="Straight Arrow Connector 18">
+            <a:extLst>
+              <a:ext uri="{FF2B5EF4-FFF2-40B4-BE49-F238E27FC236}">
+                <a16:creationId xmlns:a16="http://schemas.microsoft.com/office/drawing/2014/main" id="{F157816B-034E-834C-A500-030CF39D7C95}"/>
+              </a:ext>
+            </a:extLst>
+          </p:cNvPr>
+          <p:cNvCxnSpPr>
+            <a:cxnSpLocks/>
+            <a:stCxn id="17" idx="3"/>
+            <a:endCxn id="18" idx="3"/>
+          </p:cNvCxnSpPr>
+          <p:nvPr/>
+        </p:nvCxnSpPr>
+        <p:spPr>
+          <a:xfrm flipH="1">
+            <a:off x="7530369" y="3177080"/>
+            <a:ext cx="931808" cy="374680"/>
+          </a:xfrm>
+          <a:prstGeom prst="straightConnector1">
+            <a:avLst/>
+          </a:prstGeom>
+          <a:ln w="50800">
+            <a:solidFill>
+              <a:schemeClr val="tx1"/>
+            </a:solidFill>
+            <a:tailEnd type="triangle"/>
+          </a:ln>
+        </p:spPr>
+        <p:style>
+          <a:lnRef idx="1">
+            <a:schemeClr val="accent1"/>
+          </a:lnRef>
+          <a:fillRef idx="0">
+            <a:schemeClr val="accent1"/>
+          </a:fillRef>
+          <a:effectRef idx="0">
+            <a:schemeClr val="accent1"/>
+          </a:effectRef>
+          <a:fontRef idx="minor">
+            <a:schemeClr val="tx1"/>
+          </a:fontRef>
+        </p:style>
+      </p:cxnSp>
+      <p:cxnSp>
+        <p:nvCxnSpPr>
+          <p:cNvPr id="20" name="Straight Arrow Connector 19">
+            <a:extLst>
+              <a:ext uri="{FF2B5EF4-FFF2-40B4-BE49-F238E27FC236}">
+                <a16:creationId xmlns:a16="http://schemas.microsoft.com/office/drawing/2014/main" id="{79755AD6-641C-344C-AF61-69BDA470D1AF}"/>
+              </a:ext>
+            </a:extLst>
+          </p:cNvPr>
+          <p:cNvCxnSpPr>
+            <a:cxnSpLocks/>
+            <a:endCxn id="18" idx="0"/>
+          </p:cNvCxnSpPr>
+          <p:nvPr/>
+        </p:nvCxnSpPr>
+        <p:spPr>
+          <a:xfrm>
+            <a:off x="7098221" y="2830412"/>
+            <a:ext cx="0" cy="414460"/>
+          </a:xfrm>
+          <a:prstGeom prst="straightConnector1">
+            <a:avLst/>
+          </a:prstGeom>
+          <a:ln w="76200" cmpd="dbl">
+            <a:solidFill>
+              <a:schemeClr val="tx1"/>
+            </a:solidFill>
+            <a:tailEnd type="triangle" w="sm" len="sm"/>
+          </a:ln>
+        </p:spPr>
+        <p:style>
+          <a:lnRef idx="1">
+            <a:schemeClr val="accent1"/>
+          </a:lnRef>
+          <a:fillRef idx="0">
+            <a:schemeClr val="accent1"/>
+          </a:fillRef>
+          <a:effectRef idx="0">
+            <a:schemeClr val="accent1"/>
+          </a:effectRef>
+          <a:fontRef idx="minor">
+            <a:schemeClr val="tx1"/>
+          </a:fontRef>
+        </p:style>
+      </p:cxnSp>
+      <p:cxnSp>
+        <p:nvCxnSpPr>
+          <p:cNvPr id="21" name="Straight Arrow Connector 20">
+            <a:extLst>
+              <a:ext uri="{FF2B5EF4-FFF2-40B4-BE49-F238E27FC236}">
+                <a16:creationId xmlns:a16="http://schemas.microsoft.com/office/drawing/2014/main" id="{A71991E5-4CFD-E146-BFD9-19041C907BEE}"/>
+              </a:ext>
+            </a:extLst>
+          </p:cNvPr>
+          <p:cNvCxnSpPr>
+            <a:cxnSpLocks/>
+          </p:cNvCxnSpPr>
+          <p:nvPr/>
+        </p:nvCxnSpPr>
+        <p:spPr>
+          <a:xfrm>
+            <a:off x="7098221" y="3858647"/>
+            <a:ext cx="0" cy="414460"/>
+          </a:xfrm>
+          <a:prstGeom prst="straightConnector1">
+            <a:avLst/>
+          </a:prstGeom>
+          <a:ln w="76200" cmpd="dbl">
+            <a:solidFill>
+              <a:schemeClr val="tx1"/>
+            </a:solidFill>
+            <a:tailEnd type="triangle" w="sm" len="sm"/>
+          </a:ln>
+        </p:spPr>
+        <p:style>
+          <a:lnRef idx="1">
+            <a:schemeClr val="accent1"/>
+          </a:lnRef>
+          <a:fillRef idx="0">
+            <a:schemeClr val="accent1"/>
+          </a:fillRef>
+          <a:effectRef idx="0">
+            <a:schemeClr val="accent1"/>
+          </a:effectRef>
+          <a:fontRef idx="minor">
+            <a:schemeClr val="tx1"/>
+          </a:fontRef>
+        </p:style>
+      </p:cxnSp>
+      <mc:AlternateContent xmlns:mc="http://schemas.openxmlformats.org/markup-compatibility/2006">
+        <mc:Choice xmlns:a14="http://schemas.microsoft.com/office/drawing/2010/main" Requires="a14">
+          <p:sp>
+            <p:nvSpPr>
+              <p:cNvPr id="22" name="Rounded Rectangle 21">
+                <a:extLst>
+                  <a:ext uri="{FF2B5EF4-FFF2-40B4-BE49-F238E27FC236}">
+                    <a16:creationId xmlns:a16="http://schemas.microsoft.com/office/drawing/2014/main" id="{9A70788E-09D8-FD4D-9EB6-65FF4E544AD5}"/>
+                  </a:ext>
+                </a:extLst>
+              </p:cNvPr>
+              <p:cNvSpPr/>
+              <p:nvPr/>
+            </p:nvSpPr>
+            <p:spPr>
+              <a:xfrm>
+                <a:off x="10108523" y="3266965"/>
+                <a:ext cx="864296" cy="613775"/>
+              </a:xfrm>
+              <a:prstGeom prst="roundRect">
+                <a:avLst/>
+              </a:prstGeom>
+              <a:solidFill>
+                <a:schemeClr val="accent1">
+                  <a:lumMod val="40000"/>
+                  <a:lumOff val="60000"/>
+                </a:schemeClr>
+              </a:solidFill>
+              <a:ln w="25400">
+                <a:solidFill>
+                  <a:schemeClr val="accent1"/>
+                </a:solidFill>
+              </a:ln>
+            </p:spPr>
+            <p:style>
+              <a:lnRef idx="2">
+                <a:schemeClr val="accent1">
+                  <a:shade val="50000"/>
+                </a:schemeClr>
+              </a:lnRef>
+              <a:fillRef idx="1">
+                <a:schemeClr val="accent1"/>
+              </a:fillRef>
+              <a:effectRef idx="0">
+                <a:schemeClr val="accent1"/>
+              </a:effectRef>
+              <a:fontRef idx="minor">
+                <a:schemeClr val="lt1"/>
+              </a:fontRef>
+            </p:style>
+            <p:txBody>
+              <a:bodyPr rtlCol="0" anchor="ctr"/>
+              <a:lstStyle/>
+              <a:p>
+                <a:pPr algn="ctr"/>
+                <a14:m>
+                  <m:oMathPara xmlns:m="http://schemas.openxmlformats.org/officeDocument/2006/math">
+                    <m:oMathParaPr>
+                      <m:jc m:val="centerGroup"/>
+                    </m:oMathParaPr>
+                    <m:oMath xmlns:m="http://schemas.openxmlformats.org/officeDocument/2006/math">
+                      <m:r>
+                        <a:rPr lang="en-US" sz="2000" b="0" i="1" smtClean="0">
+                          <a:solidFill>
+                            <a:schemeClr val="tx1"/>
+                          </a:solidFill>
+                          <a:latin typeface="Cambria Math" panose="02040503050406030204" pitchFamily="18" charset="0"/>
+                        </a:rPr>
+                        <m:t>𝐵</m:t>
+                      </m:r>
+                    </m:oMath>
+                  </m:oMathPara>
+                </a14:m>
+                <a:endParaRPr lang="en-US" sz="2000" i="1" dirty="0"/>
+              </a:p>
+            </p:txBody>
+          </p:sp>
+        </mc:Choice>
+        <mc:Fallback>
+          <p:sp>
+            <p:nvSpPr>
+              <p:cNvPr id="22" name="Rounded Rectangle 21">
+                <a:extLst>
+                  <a:ext uri="{FF2B5EF4-FFF2-40B4-BE49-F238E27FC236}">
+                    <a16:creationId xmlns:a16="http://schemas.microsoft.com/office/drawing/2014/main" id="{9A70788E-09D8-FD4D-9EB6-65FF4E544AD5}"/>
+                  </a:ext>
+                </a:extLst>
+              </p:cNvPr>
+              <p:cNvSpPr>
+                <a:spLocks noRot="1" noChangeAspect="1" noMove="1" noResize="1" noEditPoints="1" noAdjustHandles="1" noChangeArrowheads="1" noChangeShapeType="1" noTextEdit="1"/>
+              </p:cNvSpPr>
+              <p:nvPr/>
+            </p:nvSpPr>
+            <p:spPr>
+              <a:xfrm>
+                <a:off x="10108523" y="3266965"/>
+                <a:ext cx="864296" cy="613775"/>
+              </a:xfrm>
+              <a:prstGeom prst="roundRect">
+                <a:avLst/>
+              </a:prstGeom>
+              <a:blipFill>
+                <a:blip r:embed="rId11"/>
+                <a:stretch>
+                  <a:fillRect/>
+                </a:stretch>
+              </a:blipFill>
+              <a:ln w="25400">
+                <a:solidFill>
+                  <a:schemeClr val="accent1"/>
+                </a:solidFill>
+              </a:ln>
+            </p:spPr>
+            <p:txBody>
+              <a:bodyPr/>
+              <a:lstStyle/>
+              <a:p>
+                <a:r>
+                  <a:rPr lang="en-US">
+                    <a:noFill/>
+                  </a:rPr>
+                  <a:t> </a:t>
+                </a:r>
+              </a:p>
+            </p:txBody>
+          </p:sp>
+        </mc:Fallback>
+      </mc:AlternateContent>
+      <p:cxnSp>
+        <p:nvCxnSpPr>
+          <p:cNvPr id="23" name="Straight Arrow Connector 22">
+            <a:extLst>
+              <a:ext uri="{FF2B5EF4-FFF2-40B4-BE49-F238E27FC236}">
+                <a16:creationId xmlns:a16="http://schemas.microsoft.com/office/drawing/2014/main" id="{4423E8A3-E531-9441-868B-40E06A812A15}"/>
+              </a:ext>
+            </a:extLst>
+          </p:cNvPr>
+          <p:cNvCxnSpPr>
+            <a:cxnSpLocks/>
+            <a:endCxn id="22" idx="0"/>
+          </p:cNvCxnSpPr>
+          <p:nvPr/>
+        </p:nvCxnSpPr>
+        <p:spPr>
+          <a:xfrm>
+            <a:off x="10540671" y="2852505"/>
+            <a:ext cx="0" cy="414460"/>
+          </a:xfrm>
+          <a:prstGeom prst="straightConnector1">
+            <a:avLst/>
+          </a:prstGeom>
+          <a:ln w="76200" cmpd="dbl">
+            <a:solidFill>
+              <a:schemeClr val="tx1"/>
+            </a:solidFill>
+            <a:tailEnd type="triangle" w="sm" len="sm"/>
+          </a:ln>
+        </p:spPr>
+        <p:style>
+          <a:lnRef idx="1">
+            <a:schemeClr val="accent1"/>
+          </a:lnRef>
+          <a:fillRef idx="0">
+            <a:schemeClr val="accent1"/>
+          </a:fillRef>
+          <a:effectRef idx="0">
+            <a:schemeClr val="accent1"/>
+          </a:effectRef>
+          <a:fontRef idx="minor">
+            <a:schemeClr val="tx1"/>
+          </a:fontRef>
+        </p:style>
+      </p:cxnSp>
+      <p:cxnSp>
+        <p:nvCxnSpPr>
+          <p:cNvPr id="24" name="Straight Arrow Connector 23">
+            <a:extLst>
+              <a:ext uri="{FF2B5EF4-FFF2-40B4-BE49-F238E27FC236}">
+                <a16:creationId xmlns:a16="http://schemas.microsoft.com/office/drawing/2014/main" id="{C0091ACE-310B-5849-9E40-BC006EC3E999}"/>
+              </a:ext>
+            </a:extLst>
+          </p:cNvPr>
+          <p:cNvCxnSpPr>
+            <a:cxnSpLocks/>
+          </p:cNvCxnSpPr>
+          <p:nvPr/>
+        </p:nvCxnSpPr>
+        <p:spPr>
+          <a:xfrm>
+            <a:off x="10540671" y="3884044"/>
+            <a:ext cx="0" cy="414460"/>
+          </a:xfrm>
+          <a:prstGeom prst="straightConnector1">
+            <a:avLst/>
+          </a:prstGeom>
+          <a:ln w="76200" cmpd="dbl">
+            <a:solidFill>
+              <a:schemeClr val="tx1"/>
+            </a:solidFill>
+            <a:tailEnd type="triangle" w="sm" len="sm"/>
+          </a:ln>
+        </p:spPr>
+        <p:style>
+          <a:lnRef idx="1">
+            <a:schemeClr val="accent1"/>
+          </a:lnRef>
+          <a:fillRef idx="0">
+            <a:schemeClr val="accent1"/>
+          </a:fillRef>
+          <a:effectRef idx="0">
+            <a:schemeClr val="accent1"/>
+          </a:effectRef>
+          <a:fontRef idx="minor">
+            <a:schemeClr val="tx1"/>
+          </a:fontRef>
+        </p:style>
+      </p:cxnSp>
+      <p:cxnSp>
+        <p:nvCxnSpPr>
+          <p:cNvPr id="25" name="Straight Arrow Connector 24">
+            <a:extLst>
+              <a:ext uri="{FF2B5EF4-FFF2-40B4-BE49-F238E27FC236}">
+                <a16:creationId xmlns:a16="http://schemas.microsoft.com/office/drawing/2014/main" id="{17971E10-0D16-144D-9C3A-5462D20F066A}"/>
+              </a:ext>
+            </a:extLst>
+          </p:cNvPr>
+          <p:cNvCxnSpPr>
+            <a:cxnSpLocks/>
+            <a:stCxn id="17" idx="5"/>
+            <a:endCxn id="22" idx="1"/>
+          </p:cNvCxnSpPr>
+          <p:nvPr/>
+        </p:nvCxnSpPr>
+        <p:spPr>
+          <a:xfrm>
+            <a:off x="9176715" y="3177080"/>
+            <a:ext cx="931808" cy="396773"/>
+          </a:xfrm>
+          <a:prstGeom prst="straightConnector1">
+            <a:avLst/>
+          </a:prstGeom>
+          <a:ln w="50800">
+            <a:solidFill>
+              <a:schemeClr val="tx1"/>
+            </a:solidFill>
+            <a:tailEnd type="triangle"/>
+          </a:ln>
+        </p:spPr>
+        <p:style>
+          <a:lnRef idx="1">
+            <a:schemeClr val="accent1"/>
+          </a:lnRef>
+          <a:fillRef idx="0">
+            <a:schemeClr val="accent1"/>
+          </a:fillRef>
+          <a:effectRef idx="0">
+            <a:schemeClr val="accent1"/>
+          </a:effectRef>
+          <a:fontRef idx="minor">
+            <a:schemeClr val="tx1"/>
+          </a:fontRef>
+        </p:style>
+      </p:cxnSp>
+      <mc:AlternateContent xmlns:mc="http://schemas.openxmlformats.org/markup-compatibility/2006">
+        <mc:Choice xmlns:a14="http://schemas.microsoft.com/office/drawing/2010/main" Requires="a14">
+          <p:sp>
+            <p:nvSpPr>
+              <p:cNvPr id="26" name="TextBox 25">
+                <a:extLst>
+                  <a:ext uri="{FF2B5EF4-FFF2-40B4-BE49-F238E27FC236}">
+                    <a16:creationId xmlns:a16="http://schemas.microsoft.com/office/drawing/2014/main" id="{24861E28-1BC4-3843-99D9-AB444458DEAC}"/>
+                  </a:ext>
+                </a:extLst>
+              </p:cNvPr>
+              <p:cNvSpPr txBox="1"/>
+              <p:nvPr/>
+            </p:nvSpPr>
+            <p:spPr>
+              <a:xfrm>
+                <a:off x="6905415" y="2432459"/>
+                <a:ext cx="386388" cy="400110"/>
+              </a:xfrm>
+              <a:prstGeom prst="rect">
+                <a:avLst/>
+              </a:prstGeom>
+              <a:noFill/>
+            </p:spPr>
+            <p:txBody>
+              <a:bodyPr wrap="none" rtlCol="0">
+                <a:spAutoFit/>
+              </a:bodyPr>
+              <a:lstStyle/>
+              <a:p>
+                <a:pPr/>
+                <a14:m>
+                  <m:oMathPara xmlns:m="http://schemas.openxmlformats.org/officeDocument/2006/math">
+                    <m:oMathParaPr>
+                      <m:jc m:val="centerGroup"/>
+                    </m:oMathParaPr>
+                    <m:oMath xmlns:m="http://schemas.openxmlformats.org/officeDocument/2006/math">
+                      <m:r>
+                        <a:rPr lang="en-US" sz="2000" b="0" i="1" smtClean="0">
+                          <a:latin typeface="Cambria Math" panose="02040503050406030204" pitchFamily="18" charset="0"/>
+                        </a:rPr>
+                        <m:t>𝑥</m:t>
+                      </m:r>
+                    </m:oMath>
+                  </m:oMathPara>
+                </a14:m>
+                <a:endParaRPr lang="en-US" sz="2000" dirty="0"/>
+              </a:p>
+            </p:txBody>
+          </p:sp>
+        </mc:Choice>
+        <mc:Fallback>
+          <p:sp>
+            <p:nvSpPr>
+              <p:cNvPr id="26" name="TextBox 25">
+                <a:extLst>
+                  <a:ext uri="{FF2B5EF4-FFF2-40B4-BE49-F238E27FC236}">
+                    <a16:creationId xmlns:a16="http://schemas.microsoft.com/office/drawing/2014/main" id="{24861E28-1BC4-3843-99D9-AB444458DEAC}"/>
+                  </a:ext>
+                </a:extLst>
+              </p:cNvPr>
+              <p:cNvSpPr txBox="1">
+                <a:spLocks noRot="1" noChangeAspect="1" noMove="1" noResize="1" noEditPoints="1" noAdjustHandles="1" noChangeArrowheads="1" noChangeShapeType="1" noTextEdit="1"/>
+              </p:cNvSpPr>
+              <p:nvPr/>
+            </p:nvSpPr>
+            <p:spPr>
+              <a:xfrm>
+                <a:off x="6905415" y="2432459"/>
+                <a:ext cx="386388" cy="400110"/>
+              </a:xfrm>
+              <a:prstGeom prst="rect">
+                <a:avLst/>
+              </a:prstGeom>
+              <a:blipFill>
+                <a:blip r:embed="rId12"/>
+                <a:stretch>
+                  <a:fillRect/>
+                </a:stretch>
+              </a:blipFill>
+            </p:spPr>
+            <p:txBody>
+              <a:bodyPr/>
+              <a:lstStyle/>
+              <a:p>
+                <a:r>
+                  <a:rPr lang="en-US">
+                    <a:noFill/>
+                  </a:rPr>
+                  <a:t> </a:t>
+                </a:r>
+              </a:p>
+            </p:txBody>
+          </p:sp>
+        </mc:Fallback>
+      </mc:AlternateContent>
+      <mc:AlternateContent xmlns:mc="http://schemas.openxmlformats.org/markup-compatibility/2006">
+        <mc:Choice xmlns:a14="http://schemas.microsoft.com/office/drawing/2010/main" Requires="a14">
+          <p:sp>
+            <p:nvSpPr>
+              <p:cNvPr id="27" name="TextBox 26">
+                <a:extLst>
+                  <a:ext uri="{FF2B5EF4-FFF2-40B4-BE49-F238E27FC236}">
+                    <a16:creationId xmlns:a16="http://schemas.microsoft.com/office/drawing/2014/main" id="{9A8E2B84-65A3-1B41-B85B-226B635517C1}"/>
+                  </a:ext>
+                </a:extLst>
+              </p:cNvPr>
+              <p:cNvSpPr txBox="1"/>
+              <p:nvPr/>
+            </p:nvSpPr>
+            <p:spPr>
+              <a:xfrm>
+                <a:off x="10347865" y="2434637"/>
+                <a:ext cx="391004" cy="400110"/>
+              </a:xfrm>
+              <a:prstGeom prst="rect">
+                <a:avLst/>
+              </a:prstGeom>
+              <a:noFill/>
+            </p:spPr>
+            <p:txBody>
+              <a:bodyPr wrap="none" rtlCol="0">
+                <a:spAutoFit/>
+              </a:bodyPr>
+              <a:lstStyle/>
+              <a:p>
+                <a:pPr/>
+                <a14:m>
+                  <m:oMathPara xmlns:m="http://schemas.openxmlformats.org/officeDocument/2006/math">
+                    <m:oMathParaPr>
+                      <m:jc m:val="centerGroup"/>
+                    </m:oMathParaPr>
+                    <m:oMath xmlns:m="http://schemas.openxmlformats.org/officeDocument/2006/math">
+                      <m:r>
+                        <a:rPr lang="en-US" sz="2000" b="0" i="1" smtClean="0">
+                          <a:latin typeface="Cambria Math" panose="02040503050406030204" pitchFamily="18" charset="0"/>
+                        </a:rPr>
+                        <m:t>𝑦</m:t>
+                      </m:r>
+                    </m:oMath>
+                  </m:oMathPara>
+                </a14:m>
+                <a:endParaRPr lang="en-US" sz="2000" dirty="0"/>
+              </a:p>
+            </p:txBody>
+          </p:sp>
+        </mc:Choice>
+        <mc:Fallback>
+          <p:sp>
+            <p:nvSpPr>
+              <p:cNvPr id="27" name="TextBox 26">
+                <a:extLst>
+                  <a:ext uri="{FF2B5EF4-FFF2-40B4-BE49-F238E27FC236}">
+                    <a16:creationId xmlns:a16="http://schemas.microsoft.com/office/drawing/2014/main" id="{9A8E2B84-65A3-1B41-B85B-226B635517C1}"/>
+                  </a:ext>
+                </a:extLst>
+              </p:cNvPr>
+              <p:cNvSpPr txBox="1">
+                <a:spLocks noRot="1" noChangeAspect="1" noMove="1" noResize="1" noEditPoints="1" noAdjustHandles="1" noChangeArrowheads="1" noChangeShapeType="1" noTextEdit="1"/>
+              </p:cNvSpPr>
+              <p:nvPr/>
+            </p:nvSpPr>
+            <p:spPr>
+              <a:xfrm>
+                <a:off x="10347865" y="2434637"/>
+                <a:ext cx="391004" cy="400110"/>
+              </a:xfrm>
+              <a:prstGeom prst="rect">
+                <a:avLst/>
+              </a:prstGeom>
+              <a:blipFill>
+                <a:blip r:embed="rId13"/>
+                <a:stretch>
+                  <a:fillRect b="-6061"/>
+                </a:stretch>
+              </a:blipFill>
+            </p:spPr>
+            <p:txBody>
+              <a:bodyPr/>
+              <a:lstStyle/>
+              <a:p>
+                <a:r>
+                  <a:rPr lang="en-US">
+                    <a:noFill/>
+                  </a:rPr>
+                  <a:t> </a:t>
+                </a:r>
+              </a:p>
+            </p:txBody>
+          </p:sp>
+        </mc:Fallback>
+      </mc:AlternateContent>
+      <mc:AlternateContent xmlns:mc="http://schemas.openxmlformats.org/markup-compatibility/2006">
+        <mc:Choice xmlns:a14="http://schemas.microsoft.com/office/drawing/2010/main" Requires="a14">
+          <p:sp>
+            <p:nvSpPr>
+              <p:cNvPr id="28" name="TextBox 27">
+                <a:extLst>
+                  <a:ext uri="{FF2B5EF4-FFF2-40B4-BE49-F238E27FC236}">
+                    <a16:creationId xmlns:a16="http://schemas.microsoft.com/office/drawing/2014/main" id="{EE28A3EE-B04D-5843-8483-A1E4BDAD2654}"/>
+                  </a:ext>
+                </a:extLst>
+              </p:cNvPr>
+              <p:cNvSpPr txBox="1"/>
+              <p:nvPr/>
+            </p:nvSpPr>
+            <p:spPr>
+              <a:xfrm>
+                <a:off x="6905415" y="4238753"/>
+                <a:ext cx="391325" cy="400110"/>
+              </a:xfrm>
+              <a:prstGeom prst="rect">
+                <a:avLst/>
+              </a:prstGeom>
+              <a:noFill/>
+            </p:spPr>
+            <p:txBody>
+              <a:bodyPr wrap="none" rtlCol="0">
+                <a:spAutoFit/>
+              </a:bodyPr>
+              <a:lstStyle/>
+              <a:p>
+                <a:pPr/>
+                <a14:m>
+                  <m:oMathPara xmlns:m="http://schemas.openxmlformats.org/officeDocument/2006/math">
+                    <m:oMathParaPr>
+                      <m:jc m:val="centerGroup"/>
+                    </m:oMathParaPr>
+                    <m:oMath xmlns:m="http://schemas.openxmlformats.org/officeDocument/2006/math">
+                      <m:r>
+                        <a:rPr lang="en-US" sz="2000" b="0" i="1" smtClean="0">
+                          <a:latin typeface="Cambria Math" panose="02040503050406030204" pitchFamily="18" charset="0"/>
+                        </a:rPr>
+                        <m:t>𝑎</m:t>
+                      </m:r>
+                    </m:oMath>
+                  </m:oMathPara>
+                </a14:m>
+                <a:endParaRPr lang="en-US" sz="2000" dirty="0"/>
+              </a:p>
+            </p:txBody>
+          </p:sp>
+        </mc:Choice>
+        <mc:Fallback>
+          <p:sp>
+            <p:nvSpPr>
+              <p:cNvPr id="28" name="TextBox 27">
+                <a:extLst>
+                  <a:ext uri="{FF2B5EF4-FFF2-40B4-BE49-F238E27FC236}">
+                    <a16:creationId xmlns:a16="http://schemas.microsoft.com/office/drawing/2014/main" id="{EE28A3EE-B04D-5843-8483-A1E4BDAD2654}"/>
+                  </a:ext>
+                </a:extLst>
+              </p:cNvPr>
+              <p:cNvSpPr txBox="1">
+                <a:spLocks noRot="1" noChangeAspect="1" noMove="1" noResize="1" noEditPoints="1" noAdjustHandles="1" noChangeArrowheads="1" noChangeShapeType="1" noTextEdit="1"/>
+              </p:cNvSpPr>
+              <p:nvPr/>
+            </p:nvSpPr>
+            <p:spPr>
+              <a:xfrm>
+                <a:off x="6905415" y="4238753"/>
+                <a:ext cx="391325" cy="400110"/>
+              </a:xfrm>
+              <a:prstGeom prst="rect">
+                <a:avLst/>
+              </a:prstGeom>
+              <a:blipFill>
+                <a:blip r:embed="rId14"/>
+                <a:stretch>
+                  <a:fillRect/>
+                </a:stretch>
+              </a:blipFill>
+            </p:spPr>
+            <p:txBody>
+              <a:bodyPr/>
+              <a:lstStyle/>
+              <a:p>
+                <a:r>
+                  <a:rPr lang="en-US">
+                    <a:noFill/>
+                  </a:rPr>
+                  <a:t> </a:t>
+                </a:r>
+              </a:p>
+            </p:txBody>
+          </p:sp>
+        </mc:Fallback>
+      </mc:AlternateContent>
+      <mc:AlternateContent xmlns:mc="http://schemas.openxmlformats.org/markup-compatibility/2006">
+        <mc:Choice xmlns:a14="http://schemas.microsoft.com/office/drawing/2010/main" Requires="a14">
+          <p:sp>
+            <p:nvSpPr>
+              <p:cNvPr id="29" name="TextBox 28">
+                <a:extLst>
+                  <a:ext uri="{FF2B5EF4-FFF2-40B4-BE49-F238E27FC236}">
+                    <a16:creationId xmlns:a16="http://schemas.microsoft.com/office/drawing/2014/main" id="{9FDBAACB-6E10-A145-A76E-D14CE90195AC}"/>
+                  </a:ext>
+                </a:extLst>
+              </p:cNvPr>
+              <p:cNvSpPr txBox="1"/>
+              <p:nvPr/>
+            </p:nvSpPr>
+            <p:spPr>
+              <a:xfrm>
+                <a:off x="10347970" y="4256314"/>
+                <a:ext cx="385875" cy="400110"/>
+              </a:xfrm>
+              <a:prstGeom prst="rect">
+                <a:avLst/>
+              </a:prstGeom>
+              <a:noFill/>
+            </p:spPr>
+            <p:txBody>
+              <a:bodyPr wrap="none" rtlCol="0" anchor="b">
+                <a:spAutoFit/>
+              </a:bodyPr>
+              <a:lstStyle/>
+              <a:p>
+                <a:pPr/>
+                <a14:m>
+                  <m:oMathPara xmlns:m="http://schemas.openxmlformats.org/officeDocument/2006/math">
+                    <m:oMathParaPr>
+                      <m:jc m:val="centerGroup"/>
+                    </m:oMathParaPr>
+                    <m:oMath xmlns:m="http://schemas.openxmlformats.org/officeDocument/2006/math">
+                      <m:r>
+                        <a:rPr lang="en-US" sz="2000" b="0" i="1" smtClean="0">
+                          <a:latin typeface="Cambria Math" panose="02040503050406030204" pitchFamily="18" charset="0"/>
+                        </a:rPr>
+                        <m:t>𝑏</m:t>
+                      </m:r>
+                    </m:oMath>
+                  </m:oMathPara>
+                </a14:m>
+                <a:endParaRPr lang="en-US" sz="2000" dirty="0"/>
+              </a:p>
+            </p:txBody>
+          </p:sp>
+        </mc:Choice>
+        <mc:Fallback>
+          <p:sp>
+            <p:nvSpPr>
+              <p:cNvPr id="29" name="TextBox 28">
+                <a:extLst>
+                  <a:ext uri="{FF2B5EF4-FFF2-40B4-BE49-F238E27FC236}">
+                    <a16:creationId xmlns:a16="http://schemas.microsoft.com/office/drawing/2014/main" id="{9FDBAACB-6E10-A145-A76E-D14CE90195AC}"/>
+                  </a:ext>
+                </a:extLst>
+              </p:cNvPr>
+              <p:cNvSpPr txBox="1">
+                <a:spLocks noRot="1" noChangeAspect="1" noMove="1" noResize="1" noEditPoints="1" noAdjustHandles="1" noChangeArrowheads="1" noChangeShapeType="1" noTextEdit="1"/>
+              </p:cNvSpPr>
+              <p:nvPr/>
+            </p:nvSpPr>
+            <p:spPr>
+              <a:xfrm>
+                <a:off x="10347970" y="4256314"/>
+                <a:ext cx="385875" cy="400110"/>
+              </a:xfrm>
+              <a:prstGeom prst="rect">
+                <a:avLst/>
+              </a:prstGeom>
+              <a:blipFill>
+                <a:blip r:embed="rId15"/>
                 <a:stretch>
                   <a:fillRect/>
                 </a:stretch>
@@ -29828,8 +30895,8 @@
           </a:p>
         </p:txBody>
       </p:sp>
-      <mc:AlternateContent xmlns:mc="http://schemas.openxmlformats.org/markup-compatibility/2006">
-        <mc:Choice xmlns:a14="http://schemas.microsoft.com/office/drawing/2010/main" Requires="a14">
+      <mc:AlternateContent xmlns:mc="http://schemas.openxmlformats.org/markup-compatibility/2006" xmlns:a14="http://schemas.microsoft.com/office/drawing/2010/main">
+        <mc:Choice Requires="a14">
           <p:sp>
             <p:nvSpPr>
               <p:cNvPr id="5" name="TextBox 4">
@@ -29898,7 +30965,7 @@
             </p:txBody>
           </p:sp>
         </mc:Choice>
-        <mc:Fallback>
+        <mc:Fallback xmlns="">
           <p:sp>
             <p:nvSpPr>
               <p:cNvPr id="5" name="TextBox 4">
@@ -29943,8 +31010,8 @@
           </p:sp>
         </mc:Fallback>
       </mc:AlternateContent>
-      <mc:AlternateContent xmlns:mc="http://schemas.openxmlformats.org/markup-compatibility/2006">
-        <mc:Choice xmlns:a14="http://schemas.microsoft.com/office/drawing/2010/main" Requires="a14">
+      <mc:AlternateContent xmlns:mc="http://schemas.openxmlformats.org/markup-compatibility/2006" xmlns:a14="http://schemas.microsoft.com/office/drawing/2010/main">
+        <mc:Choice Requires="a14">
           <p:sp>
             <p:nvSpPr>
               <p:cNvPr id="6" name="Rounded Rectangle 5">
@@ -30082,7 +31149,7 @@
             </p:txBody>
           </p:sp>
         </mc:Choice>
-        <mc:Fallback>
+        <mc:Fallback xmlns="">
           <p:sp>
             <p:nvSpPr>
               <p:cNvPr id="6" name="Rounded Rectangle 5">
@@ -30224,8 +31291,8 @@
           </a:fontRef>
         </p:style>
       </p:cxnSp>
-      <mc:AlternateContent xmlns:mc="http://schemas.openxmlformats.org/markup-compatibility/2006">
-        <mc:Choice xmlns:a14="http://schemas.microsoft.com/office/drawing/2010/main" Requires="a14">
+      <mc:AlternateContent xmlns:mc="http://schemas.openxmlformats.org/markup-compatibility/2006" xmlns:a14="http://schemas.microsoft.com/office/drawing/2010/main">
+        <mc:Choice Requires="a14">
           <p:sp>
             <p:nvSpPr>
               <p:cNvPr id="9" name="Rounded Rectangle 8">
@@ -30438,7 +31505,7 @@
             </p:txBody>
           </p:sp>
         </mc:Choice>
-        <mc:Fallback>
+        <mc:Fallback xmlns="">
           <p:sp>
             <p:nvSpPr>
               <p:cNvPr id="9" name="Rounded Rectangle 8">
@@ -30488,8 +31555,8 @@
           </p:sp>
         </mc:Fallback>
       </mc:AlternateContent>
-      <mc:AlternateContent xmlns:mc="http://schemas.openxmlformats.org/markup-compatibility/2006">
-        <mc:Choice xmlns:a14="http://schemas.microsoft.com/office/drawing/2010/main" Requires="a14">
+      <mc:AlternateContent xmlns:mc="http://schemas.openxmlformats.org/markup-compatibility/2006" xmlns:a14="http://schemas.microsoft.com/office/drawing/2010/main">
+        <mc:Choice Requires="a14">
           <p:sp>
             <p:nvSpPr>
               <p:cNvPr id="10" name="Rounded Rectangle 9">
@@ -30702,7 +31769,7 @@
             </p:txBody>
           </p:sp>
         </mc:Choice>
-        <mc:Fallback>
+        <mc:Fallback xmlns="">
           <p:sp>
             <p:nvSpPr>
               <p:cNvPr id="10" name="Rounded Rectangle 9">
@@ -30844,8 +31911,8 @@
           </a:fontRef>
         </p:style>
       </p:cxnSp>
-      <mc:AlternateContent xmlns:mc="http://schemas.openxmlformats.org/markup-compatibility/2006">
-        <mc:Choice xmlns:a14="http://schemas.microsoft.com/office/drawing/2010/main" Requires="a14">
+      <mc:AlternateContent xmlns:mc="http://schemas.openxmlformats.org/markup-compatibility/2006" xmlns:a14="http://schemas.microsoft.com/office/drawing/2010/main">
+        <mc:Choice Requires="a14">
           <p:sp>
             <p:nvSpPr>
               <p:cNvPr id="13" name="TextBox 12">
@@ -30895,7 +31962,7 @@
             </p:txBody>
           </p:sp>
         </mc:Choice>
-        <mc:Fallback>
+        <mc:Fallback xmlns="">
           <p:sp>
             <p:nvSpPr>
               <p:cNvPr id="13" name="TextBox 12">
@@ -30940,8 +32007,8 @@
           </p:sp>
         </mc:Fallback>
       </mc:AlternateContent>
-      <mc:AlternateContent xmlns:mc="http://schemas.openxmlformats.org/markup-compatibility/2006">
-        <mc:Choice xmlns:a14="http://schemas.microsoft.com/office/drawing/2010/main" Requires="a14">
+      <mc:AlternateContent xmlns:mc="http://schemas.openxmlformats.org/markup-compatibility/2006" xmlns:a14="http://schemas.microsoft.com/office/drawing/2010/main">
+        <mc:Choice Requires="a14">
           <p:sp>
             <p:nvSpPr>
               <p:cNvPr id="14" name="TextBox 13">
@@ -31010,7 +32077,7 @@
             </p:txBody>
           </p:sp>
         </mc:Choice>
-        <mc:Fallback>
+        <mc:Fallback xmlns="">
           <p:sp>
             <p:nvSpPr>
               <p:cNvPr id="14" name="TextBox 13">
@@ -31238,8 +32305,8 @@
           </a:fontRef>
         </p:style>
       </p:cxnSp>
-      <mc:AlternateContent xmlns:mc="http://schemas.openxmlformats.org/markup-compatibility/2006">
-        <mc:Choice xmlns:a14="http://schemas.microsoft.com/office/drawing/2010/main" Requires="a14">
+      <mc:AlternateContent xmlns:mc="http://schemas.openxmlformats.org/markup-compatibility/2006" xmlns:a14="http://schemas.microsoft.com/office/drawing/2010/main">
+        <mc:Choice Requires="a14">
           <p:sp>
             <p:nvSpPr>
               <p:cNvPr id="19" name="TextBox 18">
@@ -31308,7 +32375,7 @@
             </p:txBody>
           </p:sp>
         </mc:Choice>
-        <mc:Fallback>
+        <mc:Fallback xmlns="">
           <p:sp>
             <p:nvSpPr>
               <p:cNvPr id="19" name="TextBox 18">
@@ -31445,8 +32512,8 @@
           </a:fontRef>
         </p:style>
       </p:cxnSp>
-      <mc:AlternateContent xmlns:mc="http://schemas.openxmlformats.org/markup-compatibility/2006">
-        <mc:Choice xmlns:a14="http://schemas.microsoft.com/office/drawing/2010/main" Requires="a14">
+      <mc:AlternateContent xmlns:mc="http://schemas.openxmlformats.org/markup-compatibility/2006" xmlns:a14="http://schemas.microsoft.com/office/drawing/2010/main">
+        <mc:Choice Requires="a14">
           <p:sp>
             <p:nvSpPr>
               <p:cNvPr id="22" name="Oval 21">
@@ -31600,7 +32667,7 @@
             </p:txBody>
           </p:sp>
         </mc:Choice>
-        <mc:Fallback>
+        <mc:Fallback xmlns="">
           <p:sp>
             <p:nvSpPr>
               <p:cNvPr id="22" name="Oval 21">
@@ -31650,8 +32717,8 @@
           </p:sp>
         </mc:Fallback>
       </mc:AlternateContent>
-      <mc:AlternateContent xmlns:mc="http://schemas.openxmlformats.org/markup-compatibility/2006">
-        <mc:Choice xmlns:a14="http://schemas.microsoft.com/office/drawing/2010/main" Requires="a14">
+      <mc:AlternateContent xmlns:mc="http://schemas.openxmlformats.org/markup-compatibility/2006" xmlns:a14="http://schemas.microsoft.com/office/drawing/2010/main">
+        <mc:Choice Requires="a14">
           <p:sp>
             <p:nvSpPr>
               <p:cNvPr id="24" name="Rounded Rectangle 23">
@@ -31760,7 +32827,7 @@
             </p:txBody>
           </p:sp>
         </mc:Choice>
-        <mc:Fallback>
+        <mc:Fallback xmlns="">
           <p:sp>
             <p:nvSpPr>
               <p:cNvPr id="24" name="Rounded Rectangle 23">
@@ -31810,8 +32877,8 @@
           </p:sp>
         </mc:Fallback>
       </mc:AlternateContent>
-      <mc:AlternateContent xmlns:mc="http://schemas.openxmlformats.org/markup-compatibility/2006">
-        <mc:Choice xmlns:a14="http://schemas.microsoft.com/office/drawing/2010/main" Requires="a14">
+      <mc:AlternateContent xmlns:mc="http://schemas.openxmlformats.org/markup-compatibility/2006" xmlns:a14="http://schemas.microsoft.com/office/drawing/2010/main">
+        <mc:Choice Requires="a14">
           <p:sp>
             <p:nvSpPr>
               <p:cNvPr id="25" name="Rounded Rectangle 24">
@@ -31920,7 +32987,7 @@
             </p:txBody>
           </p:sp>
         </mc:Choice>
-        <mc:Fallback>
+        <mc:Fallback xmlns="">
           <p:sp>
             <p:nvSpPr>
               <p:cNvPr id="25" name="Rounded Rectangle 24">
@@ -31970,8 +33037,8 @@
           </p:sp>
         </mc:Fallback>
       </mc:AlternateContent>
-      <mc:AlternateContent xmlns:mc="http://schemas.openxmlformats.org/markup-compatibility/2006">
-        <mc:Choice xmlns:a14="http://schemas.microsoft.com/office/drawing/2010/main" Requires="a14">
+      <mc:AlternateContent xmlns:mc="http://schemas.openxmlformats.org/markup-compatibility/2006" xmlns:a14="http://schemas.microsoft.com/office/drawing/2010/main">
+        <mc:Choice Requires="a14">
           <p:sp>
             <p:nvSpPr>
               <p:cNvPr id="26" name="Rounded Rectangle 25">
@@ -32080,7 +33147,7 @@
             </p:txBody>
           </p:sp>
         </mc:Choice>
-        <mc:Fallback>
+        <mc:Fallback xmlns="">
           <p:sp>
             <p:nvSpPr>
               <p:cNvPr id="26" name="Rounded Rectangle 25">
@@ -32130,8 +33197,8 @@
           </p:sp>
         </mc:Fallback>
       </mc:AlternateContent>
-      <mc:AlternateContent xmlns:mc="http://schemas.openxmlformats.org/markup-compatibility/2006">
-        <mc:Choice xmlns:a14="http://schemas.microsoft.com/office/drawing/2010/main" Requires="a14">
+      <mc:AlternateContent xmlns:mc="http://schemas.openxmlformats.org/markup-compatibility/2006" xmlns:a14="http://schemas.microsoft.com/office/drawing/2010/main">
+        <mc:Choice Requires="a14">
           <p:sp>
             <p:nvSpPr>
               <p:cNvPr id="27" name="Rounded Rectangle 26">
@@ -32240,7 +33307,7 @@
             </p:txBody>
           </p:sp>
         </mc:Choice>
-        <mc:Fallback>
+        <mc:Fallback xmlns="">
           <p:sp>
             <p:nvSpPr>
               <p:cNvPr id="27" name="Rounded Rectangle 26">
@@ -32290,8 +33357,8 @@
           </p:sp>
         </mc:Fallback>
       </mc:AlternateContent>
-      <mc:AlternateContent xmlns:mc="http://schemas.openxmlformats.org/markup-compatibility/2006">
-        <mc:Choice xmlns:a14="http://schemas.microsoft.com/office/drawing/2010/main" Requires="a14">
+      <mc:AlternateContent xmlns:mc="http://schemas.openxmlformats.org/markup-compatibility/2006" xmlns:a14="http://schemas.microsoft.com/office/drawing/2010/main">
+        <mc:Choice Requires="a14">
           <p:sp>
             <p:nvSpPr>
               <p:cNvPr id="28" name="TextBox 27">
@@ -32341,7 +33408,7 @@
             </p:txBody>
           </p:sp>
         </mc:Choice>
-        <mc:Fallback>
+        <mc:Fallback xmlns="">
           <p:sp>
             <p:nvSpPr>
               <p:cNvPr id="28" name="TextBox 27">
@@ -32386,8 +33453,8 @@
           </p:sp>
         </mc:Fallback>
       </mc:AlternateContent>
-      <mc:AlternateContent xmlns:mc="http://schemas.openxmlformats.org/markup-compatibility/2006">
-        <mc:Choice xmlns:a14="http://schemas.microsoft.com/office/drawing/2010/main" Requires="a14">
+      <mc:AlternateContent xmlns:mc="http://schemas.openxmlformats.org/markup-compatibility/2006" xmlns:a14="http://schemas.microsoft.com/office/drawing/2010/main">
+        <mc:Choice Requires="a14">
           <p:sp>
             <p:nvSpPr>
               <p:cNvPr id="29" name="TextBox 28">
@@ -32456,7 +33523,7 @@
             </p:txBody>
           </p:sp>
         </mc:Choice>
-        <mc:Fallback>
+        <mc:Fallback xmlns="">
           <p:sp>
             <p:nvSpPr>
               <p:cNvPr id="29" name="TextBox 28">
@@ -32501,8 +33568,8 @@
           </p:sp>
         </mc:Fallback>
       </mc:AlternateContent>
-      <mc:AlternateContent xmlns:mc="http://schemas.openxmlformats.org/markup-compatibility/2006">
-        <mc:Choice xmlns:a14="http://schemas.microsoft.com/office/drawing/2010/main" Requires="a14">
+      <mc:AlternateContent xmlns:mc="http://schemas.openxmlformats.org/markup-compatibility/2006" xmlns:a14="http://schemas.microsoft.com/office/drawing/2010/main">
+        <mc:Choice Requires="a14">
           <p:sp>
             <p:nvSpPr>
               <p:cNvPr id="36" name="Oval 35">
@@ -32656,7 +33723,7 @@
             </p:txBody>
           </p:sp>
         </mc:Choice>
-        <mc:Fallback>
+        <mc:Fallback xmlns="">
           <p:sp>
             <p:nvSpPr>
               <p:cNvPr id="36" name="Oval 35">
@@ -32890,8 +33957,8 @@
           </a:fontRef>
         </p:style>
       </p:cxnSp>
-      <mc:AlternateContent xmlns:mc="http://schemas.openxmlformats.org/markup-compatibility/2006">
-        <mc:Choice xmlns:a14="http://schemas.microsoft.com/office/drawing/2010/main" Requires="a14">
+      <mc:AlternateContent xmlns:mc="http://schemas.openxmlformats.org/markup-compatibility/2006" xmlns:a14="http://schemas.microsoft.com/office/drawing/2010/main">
+        <mc:Choice Requires="a14">
           <p:sp>
             <p:nvSpPr>
               <p:cNvPr id="49" name="TextBox 48">
@@ -32941,7 +34008,7 @@
             </p:txBody>
           </p:sp>
         </mc:Choice>
-        <mc:Fallback>
+        <mc:Fallback xmlns="">
           <p:sp>
             <p:nvSpPr>
               <p:cNvPr id="49" name="TextBox 48">
@@ -32986,8 +34053,8 @@
           </p:sp>
         </mc:Fallback>
       </mc:AlternateContent>
-      <mc:AlternateContent xmlns:mc="http://schemas.openxmlformats.org/markup-compatibility/2006">
-        <mc:Choice xmlns:a14="http://schemas.microsoft.com/office/drawing/2010/main" Requires="a14">
+      <mc:AlternateContent xmlns:mc="http://schemas.openxmlformats.org/markup-compatibility/2006" xmlns:a14="http://schemas.microsoft.com/office/drawing/2010/main">
+        <mc:Choice Requires="a14">
           <p:sp>
             <p:nvSpPr>
               <p:cNvPr id="50" name="TextBox 49">
@@ -33056,7 +34123,7 @@
             </p:txBody>
           </p:sp>
         </mc:Choice>
-        <mc:Fallback>
+        <mc:Fallback xmlns="">
           <p:sp>
             <p:nvSpPr>
               <p:cNvPr id="50" name="TextBox 49">
@@ -33101,8 +34168,8 @@
           </p:sp>
         </mc:Fallback>
       </mc:AlternateContent>
-      <mc:AlternateContent xmlns:mc="http://schemas.openxmlformats.org/markup-compatibility/2006">
-        <mc:Choice xmlns:a14="http://schemas.microsoft.com/office/drawing/2010/main" Requires="a14">
+      <mc:AlternateContent xmlns:mc="http://schemas.openxmlformats.org/markup-compatibility/2006" xmlns:a14="http://schemas.microsoft.com/office/drawing/2010/main">
+        <mc:Choice Requires="a14">
           <p:sp>
             <p:nvSpPr>
               <p:cNvPr id="51" name="Rounded Rectangle 50">
@@ -33305,7 +34372,7 @@
             </p:txBody>
           </p:sp>
         </mc:Choice>
-        <mc:Fallback>
+        <mc:Fallback xmlns="">
           <p:sp>
             <p:nvSpPr>
               <p:cNvPr id="51" name="Rounded Rectangle 50">
@@ -33357,8 +34424,8 @@
           </p:sp>
         </mc:Fallback>
       </mc:AlternateContent>
-      <mc:AlternateContent xmlns:mc="http://schemas.openxmlformats.org/markup-compatibility/2006">
-        <mc:Choice xmlns:a14="http://schemas.microsoft.com/office/drawing/2010/main" Requires="a14">
+      <mc:AlternateContent xmlns:mc="http://schemas.openxmlformats.org/markup-compatibility/2006" xmlns:a14="http://schemas.microsoft.com/office/drawing/2010/main">
+        <mc:Choice Requires="a14">
           <p:sp>
             <p:nvSpPr>
               <p:cNvPr id="52" name="Rounded Rectangle 51">
@@ -33583,7 +34650,7 @@
             </p:txBody>
           </p:sp>
         </mc:Choice>
-        <mc:Fallback>
+        <mc:Fallback xmlns="">
           <p:sp>
             <p:nvSpPr>
               <p:cNvPr id="52" name="Rounded Rectangle 51">
@@ -33635,8 +34702,8 @@
           </p:sp>
         </mc:Fallback>
       </mc:AlternateContent>
-      <mc:AlternateContent xmlns:mc="http://schemas.openxmlformats.org/markup-compatibility/2006">
-        <mc:Choice xmlns:a14="http://schemas.microsoft.com/office/drawing/2010/main" Requires="a14">
+      <mc:AlternateContent xmlns:mc="http://schemas.openxmlformats.org/markup-compatibility/2006" xmlns:a14="http://schemas.microsoft.com/office/drawing/2010/main">
+        <mc:Choice Requires="a14">
           <p:sp>
             <p:nvSpPr>
               <p:cNvPr id="53" name="Rounded Rectangle 52">
@@ -33861,7 +34928,7 @@
             </p:txBody>
           </p:sp>
         </mc:Choice>
-        <mc:Fallback>
+        <mc:Fallback xmlns="">
           <p:sp>
             <p:nvSpPr>
               <p:cNvPr id="53" name="Rounded Rectangle 52">
@@ -34004,8 +35071,8 @@
           </a:fontRef>
         </p:style>
       </p:cxnSp>
-      <mc:AlternateContent xmlns:mc="http://schemas.openxmlformats.org/markup-compatibility/2006">
-        <mc:Choice xmlns:a14="http://schemas.microsoft.com/office/drawing/2010/main" Requires="a14">
+      <mc:AlternateContent xmlns:mc="http://schemas.openxmlformats.org/markup-compatibility/2006" xmlns:a14="http://schemas.microsoft.com/office/drawing/2010/main">
+        <mc:Choice Requires="a14">
           <p:sp>
             <p:nvSpPr>
               <p:cNvPr id="56" name="TextBox 55">
@@ -34074,7 +35141,7 @@
             </p:txBody>
           </p:sp>
         </mc:Choice>
-        <mc:Fallback>
+        <mc:Fallback xmlns="">
           <p:sp>
             <p:nvSpPr>
               <p:cNvPr id="56" name="TextBox 55">
@@ -34119,8 +35186,8 @@
           </p:sp>
         </mc:Fallback>
       </mc:AlternateContent>
-      <mc:AlternateContent xmlns:mc="http://schemas.openxmlformats.org/markup-compatibility/2006">
-        <mc:Choice xmlns:a14="http://schemas.microsoft.com/office/drawing/2010/main" Requires="a14">
+      <mc:AlternateContent xmlns:mc="http://schemas.openxmlformats.org/markup-compatibility/2006" xmlns:a14="http://schemas.microsoft.com/office/drawing/2010/main">
+        <mc:Choice Requires="a14">
           <p:sp>
             <p:nvSpPr>
               <p:cNvPr id="57" name="TextBox 56">
@@ -34170,7 +35237,7 @@
             </p:txBody>
           </p:sp>
         </mc:Choice>
-        <mc:Fallback>
+        <mc:Fallback xmlns="">
           <p:sp>
             <p:nvSpPr>
               <p:cNvPr id="57" name="TextBox 56">
@@ -34215,8 +35282,8 @@
           </p:sp>
         </mc:Fallback>
       </mc:AlternateContent>
-      <mc:AlternateContent xmlns:mc="http://schemas.openxmlformats.org/markup-compatibility/2006">
-        <mc:Choice xmlns:a14="http://schemas.microsoft.com/office/drawing/2010/main" Requires="a14">
+      <mc:AlternateContent xmlns:mc="http://schemas.openxmlformats.org/markup-compatibility/2006" xmlns:a14="http://schemas.microsoft.com/office/drawing/2010/main">
+        <mc:Choice Requires="a14">
           <p:sp>
             <p:nvSpPr>
               <p:cNvPr id="58" name="TextBox 57">
@@ -34266,7 +35333,7 @@
             </p:txBody>
           </p:sp>
         </mc:Choice>
-        <mc:Fallback>
+        <mc:Fallback xmlns="">
           <p:sp>
             <p:nvSpPr>
               <p:cNvPr id="58" name="TextBox 57">
@@ -34311,8 +35378,8 @@
           </p:sp>
         </mc:Fallback>
       </mc:AlternateContent>
-      <mc:AlternateContent xmlns:mc="http://schemas.openxmlformats.org/markup-compatibility/2006">
-        <mc:Choice xmlns:a14="http://schemas.microsoft.com/office/drawing/2010/main" Requires="a14">
+      <mc:AlternateContent xmlns:mc="http://schemas.openxmlformats.org/markup-compatibility/2006" xmlns:a14="http://schemas.microsoft.com/office/drawing/2010/main">
+        <mc:Choice Requires="a14">
           <p:sp>
             <p:nvSpPr>
               <p:cNvPr id="59" name="Rounded Rectangle 58">
@@ -34517,7 +35584,7 @@
             </p:txBody>
           </p:sp>
         </mc:Choice>
-        <mc:Fallback>
+        <mc:Fallback xmlns="">
           <p:sp>
             <p:nvSpPr>
               <p:cNvPr id="59" name="Rounded Rectangle 58">
@@ -34571,8 +35638,8 @@
           </p:sp>
         </mc:Fallback>
       </mc:AlternateContent>
-      <mc:AlternateContent xmlns:mc="http://schemas.openxmlformats.org/markup-compatibility/2006">
-        <mc:Choice xmlns:a14="http://schemas.microsoft.com/office/drawing/2010/main" Requires="a14">
+      <mc:AlternateContent xmlns:mc="http://schemas.openxmlformats.org/markup-compatibility/2006" xmlns:a14="http://schemas.microsoft.com/office/drawing/2010/main">
+        <mc:Choice Requires="a14">
           <p:sp>
             <p:nvSpPr>
               <p:cNvPr id="60" name="TextBox 59">
@@ -34622,7 +35689,7 @@
             </p:txBody>
           </p:sp>
         </mc:Choice>
-        <mc:Fallback>
+        <mc:Fallback xmlns="">
           <p:sp>
             <p:nvSpPr>
               <p:cNvPr id="60" name="TextBox 59">
@@ -34667,8 +35734,8 @@
           </p:sp>
         </mc:Fallback>
       </mc:AlternateContent>
-      <mc:AlternateContent xmlns:mc="http://schemas.openxmlformats.org/markup-compatibility/2006">
-        <mc:Choice xmlns:a14="http://schemas.microsoft.com/office/drawing/2010/main" Requires="a14">
+      <mc:AlternateContent xmlns:mc="http://schemas.openxmlformats.org/markup-compatibility/2006" xmlns:a14="http://schemas.microsoft.com/office/drawing/2010/main">
+        <mc:Choice Requires="a14">
           <p:sp>
             <p:nvSpPr>
               <p:cNvPr id="61" name="Rounded Rectangle 60">
@@ -34843,7 +35910,7 @@
             </p:txBody>
           </p:sp>
         </mc:Choice>
-        <mc:Fallback>
+        <mc:Fallback xmlns="">
           <p:sp>
             <p:nvSpPr>
               <p:cNvPr id="61" name="Rounded Rectangle 60">
@@ -34895,8 +35962,8 @@
           </p:sp>
         </mc:Fallback>
       </mc:AlternateContent>
-      <mc:AlternateContent xmlns:mc="http://schemas.openxmlformats.org/markup-compatibility/2006">
-        <mc:Choice xmlns:a14="http://schemas.microsoft.com/office/drawing/2010/main" Requires="a14">
+      <mc:AlternateContent xmlns:mc="http://schemas.openxmlformats.org/markup-compatibility/2006" xmlns:a14="http://schemas.microsoft.com/office/drawing/2010/main">
+        <mc:Choice Requires="a14">
           <p:sp>
             <p:nvSpPr>
               <p:cNvPr id="62" name="TextBox 61">
@@ -34946,7 +36013,7 @@
             </p:txBody>
           </p:sp>
         </mc:Choice>
-        <mc:Fallback>
+        <mc:Fallback xmlns="">
           <p:sp>
             <p:nvSpPr>
               <p:cNvPr id="62" name="TextBox 61">
@@ -34991,8 +36058,8 @@
           </p:sp>
         </mc:Fallback>
       </mc:AlternateContent>
-      <mc:AlternateContent xmlns:mc="http://schemas.openxmlformats.org/markup-compatibility/2006">
-        <mc:Choice xmlns:a14="http://schemas.microsoft.com/office/drawing/2010/main" Requires="a14">
+      <mc:AlternateContent xmlns:mc="http://schemas.openxmlformats.org/markup-compatibility/2006" xmlns:a14="http://schemas.microsoft.com/office/drawing/2010/main">
+        <mc:Choice Requires="a14">
           <p:sp>
             <p:nvSpPr>
               <p:cNvPr id="65" name="Rounded Rectangle 64">
@@ -35103,7 +36170,7 @@
             </p:txBody>
           </p:sp>
         </mc:Choice>
-        <mc:Fallback>
+        <mc:Fallback xmlns="">
           <p:sp>
             <p:nvSpPr>
               <p:cNvPr id="65" name="Rounded Rectangle 64">
@@ -35155,8 +36222,8 @@
           </p:sp>
         </mc:Fallback>
       </mc:AlternateContent>
-      <mc:AlternateContent xmlns:mc="http://schemas.openxmlformats.org/markup-compatibility/2006">
-        <mc:Choice xmlns:a14="http://schemas.microsoft.com/office/drawing/2010/main" Requires="a14">
+      <mc:AlternateContent xmlns:mc="http://schemas.openxmlformats.org/markup-compatibility/2006" xmlns:a14="http://schemas.microsoft.com/office/drawing/2010/main">
+        <mc:Choice Requires="a14">
           <p:sp>
             <p:nvSpPr>
               <p:cNvPr id="66" name="Rounded Rectangle 65">
@@ -35267,7 +36334,7 @@
             </p:txBody>
           </p:sp>
         </mc:Choice>
-        <mc:Fallback>
+        <mc:Fallback xmlns="">
           <p:sp>
             <p:nvSpPr>
               <p:cNvPr id="66" name="Rounded Rectangle 65">
@@ -35319,8 +36386,8 @@
           </p:sp>
         </mc:Fallback>
       </mc:AlternateContent>
-      <mc:AlternateContent xmlns:mc="http://schemas.openxmlformats.org/markup-compatibility/2006">
-        <mc:Choice xmlns:a14="http://schemas.microsoft.com/office/drawing/2010/main" Requires="a14">
+      <mc:AlternateContent xmlns:mc="http://schemas.openxmlformats.org/markup-compatibility/2006" xmlns:a14="http://schemas.microsoft.com/office/drawing/2010/main">
+        <mc:Choice Requires="a14">
           <p:sp>
             <p:nvSpPr>
               <p:cNvPr id="67" name="Rounded Rectangle 66">
@@ -35431,7 +36498,7 @@
             </p:txBody>
           </p:sp>
         </mc:Choice>
-        <mc:Fallback>
+        <mc:Fallback xmlns="">
           <p:sp>
             <p:nvSpPr>
               <p:cNvPr id="67" name="Rounded Rectangle 66">
@@ -35483,8 +36550,8 @@
           </p:sp>
         </mc:Fallback>
       </mc:AlternateContent>
-      <mc:AlternateContent xmlns:mc="http://schemas.openxmlformats.org/markup-compatibility/2006">
-        <mc:Choice xmlns:a14="http://schemas.microsoft.com/office/drawing/2010/main" Requires="a14">
+      <mc:AlternateContent xmlns:mc="http://schemas.openxmlformats.org/markup-compatibility/2006" xmlns:a14="http://schemas.microsoft.com/office/drawing/2010/main">
+        <mc:Choice Requires="a14">
           <p:sp>
             <p:nvSpPr>
               <p:cNvPr id="68" name="Rounded Rectangle 67">
@@ -35595,7 +36662,7 @@
             </p:txBody>
           </p:sp>
         </mc:Choice>
-        <mc:Fallback>
+        <mc:Fallback xmlns="">
           <p:sp>
             <p:nvSpPr>
               <p:cNvPr id="68" name="Rounded Rectangle 67">
@@ -36419,8 +37486,8 @@
           </p:style>
         </p:cxnSp>
       </p:grpSp>
-      <mc:AlternateContent xmlns:mc="http://schemas.openxmlformats.org/markup-compatibility/2006">
-        <mc:Choice xmlns:a14="http://schemas.microsoft.com/office/drawing/2010/main" Requires="a14">
+      <mc:AlternateContent xmlns:mc="http://schemas.openxmlformats.org/markup-compatibility/2006" xmlns:a14="http://schemas.microsoft.com/office/drawing/2010/main">
+        <mc:Choice Requires="a14">
           <p:sp>
             <p:nvSpPr>
               <p:cNvPr id="74" name="Rectangle 73">
@@ -36469,7 +37536,7 @@
             </p:txBody>
           </p:sp>
         </mc:Choice>
-        <mc:Fallback>
+        <mc:Fallback xmlns="">
           <p:sp>
             <p:nvSpPr>
               <p:cNvPr id="74" name="Rectangle 73">
@@ -36855,8 +37922,8 @@
               </a:p>
             </p:txBody>
           </p:sp>
-          <mc:AlternateContent xmlns:mc="http://schemas.openxmlformats.org/markup-compatibility/2006">
-            <mc:Choice xmlns:a14="http://schemas.microsoft.com/office/drawing/2010/main" Requires="a14">
+          <mc:AlternateContent xmlns:mc="http://schemas.openxmlformats.org/markup-compatibility/2006" xmlns:a14="http://schemas.microsoft.com/office/drawing/2010/main">
+            <mc:Choice Requires="a14">
               <p:sp>
                 <p:nvSpPr>
                   <p:cNvPr id="106" name="Rounded Rectangle 105">
@@ -37045,7 +38112,7 @@
                 </p:txBody>
               </p:sp>
             </mc:Choice>
-            <mc:Fallback>
+            <mc:Fallback xmlns="">
               <p:sp>
                 <p:nvSpPr>
                   <p:cNvPr id="106" name="Rounded Rectangle 105">
@@ -37711,8 +38778,8 @@
           </p:style>
         </p:cxnSp>
       </p:grpSp>
-      <mc:AlternateContent xmlns:mc="http://schemas.openxmlformats.org/markup-compatibility/2006">
-        <mc:Choice xmlns:a14="http://schemas.microsoft.com/office/drawing/2010/main" Requires="a14">
+      <mc:AlternateContent xmlns:mc="http://schemas.openxmlformats.org/markup-compatibility/2006" xmlns:a14="http://schemas.microsoft.com/office/drawing/2010/main">
+        <mc:Choice Requires="a14">
           <p:sp>
             <p:nvSpPr>
               <p:cNvPr id="32" name="Rectangle 31">
@@ -37993,7 +39060,7 @@
             </p:txBody>
           </p:sp>
         </mc:Choice>
-        <mc:Fallback>
+        <mc:Fallback xmlns="">
           <p:sp>
             <p:nvSpPr>
               <p:cNvPr id="32" name="Rectangle 31">

--- a/vqo_noisy_nonlocality_quantum_networks.pptx
+++ b/vqo_noisy_nonlocality_quantum_networks.pptx
@@ -257,7 +257,7 @@
           <a:p>
             <a:fld id="{05E911D8-8C42-E348-B619-A2C0A8C1C303}" type="datetimeFigureOut">
               <a:rPr lang="en-US" smtClean="0"/>
-              <a:t>4/27/22</a:t>
+              <a:t>7/24/22</a:t>
             </a:fld>
             <a:endParaRPr lang="en-US"/>
           </a:p>
@@ -427,7 +427,7 @@
           <a:p>
             <a:fld id="{05E911D8-8C42-E348-B619-A2C0A8C1C303}" type="datetimeFigureOut">
               <a:rPr lang="en-US" smtClean="0"/>
-              <a:t>4/27/22</a:t>
+              <a:t>7/24/22</a:t>
             </a:fld>
             <a:endParaRPr lang="en-US"/>
           </a:p>
@@ -607,7 +607,7 @@
           <a:p>
             <a:fld id="{05E911D8-8C42-E348-B619-A2C0A8C1C303}" type="datetimeFigureOut">
               <a:rPr lang="en-US" smtClean="0"/>
-              <a:t>4/27/22</a:t>
+              <a:t>7/24/22</a:t>
             </a:fld>
             <a:endParaRPr lang="en-US"/>
           </a:p>
@@ -777,7 +777,7 @@
           <a:p>
             <a:fld id="{05E911D8-8C42-E348-B619-A2C0A8C1C303}" type="datetimeFigureOut">
               <a:rPr lang="en-US" smtClean="0"/>
-              <a:t>4/27/22</a:t>
+              <a:t>7/24/22</a:t>
             </a:fld>
             <a:endParaRPr lang="en-US"/>
           </a:p>
@@ -1023,7 +1023,7 @@
           <a:p>
             <a:fld id="{05E911D8-8C42-E348-B619-A2C0A8C1C303}" type="datetimeFigureOut">
               <a:rPr lang="en-US" smtClean="0"/>
-              <a:t>4/27/22</a:t>
+              <a:t>7/24/22</a:t>
             </a:fld>
             <a:endParaRPr lang="en-US"/>
           </a:p>
@@ -1255,7 +1255,7 @@
           <a:p>
             <a:fld id="{05E911D8-8C42-E348-B619-A2C0A8C1C303}" type="datetimeFigureOut">
               <a:rPr lang="en-US" smtClean="0"/>
-              <a:t>4/27/22</a:t>
+              <a:t>7/24/22</a:t>
             </a:fld>
             <a:endParaRPr lang="en-US"/>
           </a:p>
@@ -1622,7 +1622,7 @@
           <a:p>
             <a:fld id="{05E911D8-8C42-E348-B619-A2C0A8C1C303}" type="datetimeFigureOut">
               <a:rPr lang="en-US" smtClean="0"/>
-              <a:t>4/27/22</a:t>
+              <a:t>7/24/22</a:t>
             </a:fld>
             <a:endParaRPr lang="en-US"/>
           </a:p>
@@ -1740,7 +1740,7 @@
           <a:p>
             <a:fld id="{05E911D8-8C42-E348-B619-A2C0A8C1C303}" type="datetimeFigureOut">
               <a:rPr lang="en-US" smtClean="0"/>
-              <a:t>4/27/22</a:t>
+              <a:t>7/24/22</a:t>
             </a:fld>
             <a:endParaRPr lang="en-US"/>
           </a:p>
@@ -1835,7 +1835,7 @@
           <a:p>
             <a:fld id="{05E911D8-8C42-E348-B619-A2C0A8C1C303}" type="datetimeFigureOut">
               <a:rPr lang="en-US" smtClean="0"/>
-              <a:t>4/27/22</a:t>
+              <a:t>7/24/22</a:t>
             </a:fld>
             <a:endParaRPr lang="en-US"/>
           </a:p>
@@ -2112,7 +2112,7 @@
           <a:p>
             <a:fld id="{05E911D8-8C42-E348-B619-A2C0A8C1C303}" type="datetimeFigureOut">
               <a:rPr lang="en-US" smtClean="0"/>
-              <a:t>4/27/22</a:t>
+              <a:t>7/24/22</a:t>
             </a:fld>
             <a:endParaRPr lang="en-US"/>
           </a:p>
@@ -2369,7 +2369,7 @@
           <a:p>
             <a:fld id="{05E911D8-8C42-E348-B619-A2C0A8C1C303}" type="datetimeFigureOut">
               <a:rPr lang="en-US" smtClean="0"/>
-              <a:t>4/27/22</a:t>
+              <a:t>7/24/22</a:t>
             </a:fld>
             <a:endParaRPr lang="en-US"/>
           </a:p>
@@ -2582,7 +2582,7 @@
           <a:p>
             <a:fld id="{05E911D8-8C42-E348-B619-A2C0A8C1C303}" type="datetimeFigureOut">
               <a:rPr lang="en-US" smtClean="0"/>
-              <a:t>4/27/22</a:t>
+              <a:t>7/24/22</a:t>
             </a:fld>
             <a:endParaRPr lang="en-US"/>
           </a:p>
@@ -3294,8 +3294,8 @@
           </a:extLst>
         </p:spPr>
       </p:pic>
-      <mc:AlternateContent xmlns:mc="http://schemas.openxmlformats.org/markup-compatibility/2006">
-        <mc:Choice xmlns:a14="http://schemas.microsoft.com/office/drawing/2010/main" Requires="a14">
+      <mc:AlternateContent xmlns:mc="http://schemas.openxmlformats.org/markup-compatibility/2006" xmlns:a14="http://schemas.microsoft.com/office/drawing/2010/main">
+        <mc:Choice Requires="a14">
           <p:sp>
             <p:nvSpPr>
               <p:cNvPr id="5" name="TextBox 4">
@@ -3382,7 +3382,7 @@
             </p:txBody>
           </p:sp>
         </mc:Choice>
-        <mc:Fallback>
+        <mc:Fallback xmlns="">
           <p:sp>
             <p:nvSpPr>
               <p:cNvPr id="5" name="TextBox 4">
@@ -3533,8 +3533,8 @@
           </a:p>
         </p:txBody>
       </p:sp>
-      <mc:AlternateContent xmlns:mc="http://schemas.openxmlformats.org/markup-compatibility/2006">
-        <mc:Choice xmlns:a14="http://schemas.microsoft.com/office/drawing/2010/main" Requires="a14">
+      <mc:AlternateContent xmlns:mc="http://schemas.openxmlformats.org/markup-compatibility/2006" xmlns:a14="http://schemas.microsoft.com/office/drawing/2010/main">
+        <mc:Choice Requires="a14">
           <p:sp>
             <p:nvSpPr>
               <p:cNvPr id="7" name="Rounded Rectangle 6">
@@ -4150,7 +4150,7 @@
             </p:txBody>
           </p:sp>
         </mc:Choice>
-        <mc:Fallback>
+        <mc:Fallback xmlns="">
           <p:sp>
             <p:nvSpPr>
               <p:cNvPr id="7" name="Rounded Rectangle 6">
@@ -4200,8 +4200,8 @@
           </p:sp>
         </mc:Fallback>
       </mc:AlternateContent>
-      <mc:AlternateContent xmlns:mc="http://schemas.openxmlformats.org/markup-compatibility/2006">
-        <mc:Choice xmlns:a14="http://schemas.microsoft.com/office/drawing/2010/main" Requires="a14">
+      <mc:AlternateContent xmlns:mc="http://schemas.openxmlformats.org/markup-compatibility/2006" xmlns:a14="http://schemas.microsoft.com/office/drawing/2010/main">
+        <mc:Choice Requires="a14">
           <p:sp>
             <p:nvSpPr>
               <p:cNvPr id="9" name="Rounded Rectangle 8">
@@ -4316,7 +4316,7 @@
             </p:txBody>
           </p:sp>
         </mc:Choice>
-        <mc:Fallback>
+        <mc:Fallback xmlns="">
           <p:sp>
             <p:nvSpPr>
               <p:cNvPr id="9" name="Rounded Rectangle 8">
@@ -4367,8 +4367,8 @@
           </p:sp>
         </mc:Fallback>
       </mc:AlternateContent>
-      <mc:AlternateContent xmlns:mc="http://schemas.openxmlformats.org/markup-compatibility/2006">
-        <mc:Choice xmlns:a14="http://schemas.microsoft.com/office/drawing/2010/main" Requires="a14">
+      <mc:AlternateContent xmlns:mc="http://schemas.openxmlformats.org/markup-compatibility/2006" xmlns:a14="http://schemas.microsoft.com/office/drawing/2010/main">
+        <mc:Choice Requires="a14">
           <p:sp>
             <p:nvSpPr>
               <p:cNvPr id="10" name="Rounded Rectangle 9">
@@ -4481,7 +4481,7 @@
             </p:txBody>
           </p:sp>
         </mc:Choice>
-        <mc:Fallback>
+        <mc:Fallback xmlns="">
           <p:sp>
             <p:nvSpPr>
               <p:cNvPr id="10" name="Rounded Rectangle 9">
@@ -4585,8 +4585,8 @@
           </a:p>
         </p:txBody>
       </p:sp>
-      <mc:AlternateContent xmlns:mc="http://schemas.openxmlformats.org/markup-compatibility/2006">
-        <mc:Choice xmlns:a14="http://schemas.microsoft.com/office/drawing/2010/main" Requires="a14">
+      <mc:AlternateContent xmlns:mc="http://schemas.openxmlformats.org/markup-compatibility/2006" xmlns:a14="http://schemas.microsoft.com/office/drawing/2010/main">
+        <mc:Choice Requires="a14">
           <p:sp>
             <p:nvSpPr>
               <p:cNvPr id="13" name="Rectangle 12">
@@ -4657,7 +4657,7 @@
             </p:txBody>
           </p:sp>
         </mc:Choice>
-        <mc:Fallback>
+        <mc:Fallback xmlns="">
           <p:sp>
             <p:nvSpPr>
               <p:cNvPr id="13" name="Rectangle 12">
@@ -4702,8 +4702,8 @@
           </p:sp>
         </mc:Fallback>
       </mc:AlternateContent>
-      <mc:AlternateContent xmlns:mc="http://schemas.openxmlformats.org/markup-compatibility/2006">
-        <mc:Choice xmlns:a14="http://schemas.microsoft.com/office/drawing/2010/main" Requires="a14">
+      <mc:AlternateContent xmlns:mc="http://schemas.openxmlformats.org/markup-compatibility/2006" xmlns:a14="http://schemas.microsoft.com/office/drawing/2010/main">
+        <mc:Choice Requires="a14">
           <p:sp>
             <p:nvSpPr>
               <p:cNvPr id="14" name="Rectangle 13">
@@ -4916,7 +4916,7 @@
             </p:txBody>
           </p:sp>
         </mc:Choice>
-        <mc:Fallback>
+        <mc:Fallback xmlns="">
           <p:sp>
             <p:nvSpPr>
               <p:cNvPr id="14" name="Rectangle 13">
@@ -5267,8 +5267,8 @@
           </a:p>
         </p:txBody>
       </p:sp>
-      <mc:AlternateContent xmlns:mc="http://schemas.openxmlformats.org/markup-compatibility/2006">
-        <mc:Choice xmlns:a14="http://schemas.microsoft.com/office/drawing/2010/main" Requires="a14">
+      <mc:AlternateContent xmlns:mc="http://schemas.openxmlformats.org/markup-compatibility/2006" xmlns:a14="http://schemas.microsoft.com/office/drawing/2010/main">
+        <mc:Choice Requires="a14">
           <p:sp>
             <p:nvSpPr>
               <p:cNvPr id="24" name="Rounded Rectangle 23">
@@ -5481,7 +5481,7 @@
             </p:txBody>
           </p:sp>
         </mc:Choice>
-        <mc:Fallback>
+        <mc:Fallback xmlns="">
           <p:sp>
             <p:nvSpPr>
               <p:cNvPr id="24" name="Rounded Rectangle 23">
@@ -7564,8 +7564,8 @@
           </a:fontRef>
         </p:style>
       </p:cxnSp>
-      <mc:AlternateContent xmlns:mc="http://schemas.openxmlformats.org/markup-compatibility/2006">
-        <mc:Choice xmlns:a14="http://schemas.microsoft.com/office/drawing/2010/main" Requires="a14">
+      <mc:AlternateContent xmlns:mc="http://schemas.openxmlformats.org/markup-compatibility/2006" xmlns:a14="http://schemas.microsoft.com/office/drawing/2010/main">
+        <mc:Choice Requires="a14">
           <p:sp>
             <p:nvSpPr>
               <p:cNvPr id="7" name="TextBox 6">
@@ -7637,7 +7637,7 @@
             </p:txBody>
           </p:sp>
         </mc:Choice>
-        <mc:Fallback>
+        <mc:Fallback xmlns="">
           <p:sp>
             <p:nvSpPr>
               <p:cNvPr id="7" name="TextBox 6">
@@ -7682,8 +7682,8 @@
           </p:sp>
         </mc:Fallback>
       </mc:AlternateContent>
-      <mc:AlternateContent xmlns:mc="http://schemas.openxmlformats.org/markup-compatibility/2006">
-        <mc:Choice xmlns:a14="http://schemas.microsoft.com/office/drawing/2010/main" Requires="a14">
+      <mc:AlternateContent xmlns:mc="http://schemas.openxmlformats.org/markup-compatibility/2006" xmlns:a14="http://schemas.microsoft.com/office/drawing/2010/main">
+        <mc:Choice Requires="a14">
           <p:sp>
             <p:nvSpPr>
               <p:cNvPr id="8" name="TextBox 7">
@@ -7733,7 +7733,7 @@
             </p:txBody>
           </p:sp>
         </mc:Choice>
-        <mc:Fallback>
+        <mc:Fallback xmlns="">
           <p:sp>
             <p:nvSpPr>
               <p:cNvPr id="8" name="TextBox 7">
@@ -7778,8 +7778,8 @@
           </p:sp>
         </mc:Fallback>
       </mc:AlternateContent>
-      <mc:AlternateContent xmlns:mc="http://schemas.openxmlformats.org/markup-compatibility/2006">
-        <mc:Choice xmlns:a14="http://schemas.microsoft.com/office/drawing/2010/main" Requires="a14">
+      <mc:AlternateContent xmlns:mc="http://schemas.openxmlformats.org/markup-compatibility/2006" xmlns:a14="http://schemas.microsoft.com/office/drawing/2010/main">
+        <mc:Choice Requires="a14">
           <p:sp>
             <p:nvSpPr>
               <p:cNvPr id="9" name="Rounded Rectangle 8">
@@ -7930,7 +7930,7 @@
             </p:txBody>
           </p:sp>
         </mc:Choice>
-        <mc:Fallback>
+        <mc:Fallback xmlns="">
           <p:sp>
             <p:nvSpPr>
               <p:cNvPr id="9" name="Rounded Rectangle 8">
@@ -7982,8 +7982,8 @@
           </p:sp>
         </mc:Fallback>
       </mc:AlternateContent>
-      <mc:AlternateContent xmlns:mc="http://schemas.openxmlformats.org/markup-compatibility/2006">
-        <mc:Choice xmlns:a14="http://schemas.microsoft.com/office/drawing/2010/main" Requires="a14">
+      <mc:AlternateContent xmlns:mc="http://schemas.openxmlformats.org/markup-compatibility/2006" xmlns:a14="http://schemas.microsoft.com/office/drawing/2010/main">
+        <mc:Choice Requires="a14">
           <p:sp>
             <p:nvSpPr>
               <p:cNvPr id="11" name="TextBox 10">
@@ -8055,7 +8055,7 @@
             </p:txBody>
           </p:sp>
         </mc:Choice>
-        <mc:Fallback>
+        <mc:Fallback xmlns="">
           <p:sp>
             <p:nvSpPr>
               <p:cNvPr id="11" name="TextBox 10">
@@ -8696,8 +8696,8 @@
           </a:fontRef>
         </p:style>
       </p:cxnSp>
-      <mc:AlternateContent xmlns:mc="http://schemas.openxmlformats.org/markup-compatibility/2006">
-        <mc:Choice xmlns:a14="http://schemas.microsoft.com/office/drawing/2010/main" Requires="a14">
+      <mc:AlternateContent xmlns:mc="http://schemas.openxmlformats.org/markup-compatibility/2006" xmlns:a14="http://schemas.microsoft.com/office/drawing/2010/main">
+        <mc:Choice Requires="a14">
           <p:sp>
             <p:nvSpPr>
               <p:cNvPr id="37" name="TextBox 36">
@@ -8769,7 +8769,7 @@
             </p:txBody>
           </p:sp>
         </mc:Choice>
-        <mc:Fallback>
+        <mc:Fallback xmlns="">
           <p:sp>
             <p:nvSpPr>
               <p:cNvPr id="37" name="TextBox 36">
@@ -8814,8 +8814,8 @@
           </p:sp>
         </mc:Fallback>
       </mc:AlternateContent>
-      <mc:AlternateContent xmlns:mc="http://schemas.openxmlformats.org/markup-compatibility/2006">
-        <mc:Choice xmlns:a14="http://schemas.microsoft.com/office/drawing/2010/main" Requires="a14">
+      <mc:AlternateContent xmlns:mc="http://schemas.openxmlformats.org/markup-compatibility/2006" xmlns:a14="http://schemas.microsoft.com/office/drawing/2010/main">
+        <mc:Choice Requires="a14">
           <p:sp>
             <p:nvSpPr>
               <p:cNvPr id="38" name="TextBox 37">
@@ -8865,7 +8865,7 @@
             </p:txBody>
           </p:sp>
         </mc:Choice>
-        <mc:Fallback>
+        <mc:Fallback xmlns="">
           <p:sp>
             <p:nvSpPr>
               <p:cNvPr id="38" name="TextBox 37">
@@ -8910,8 +8910,8 @@
           </p:sp>
         </mc:Fallback>
       </mc:AlternateContent>
-      <mc:AlternateContent xmlns:mc="http://schemas.openxmlformats.org/markup-compatibility/2006">
-        <mc:Choice xmlns:a14="http://schemas.microsoft.com/office/drawing/2010/main" Requires="a14">
+      <mc:AlternateContent xmlns:mc="http://schemas.openxmlformats.org/markup-compatibility/2006" xmlns:a14="http://schemas.microsoft.com/office/drawing/2010/main">
+        <mc:Choice Requires="a14">
           <p:sp>
             <p:nvSpPr>
               <p:cNvPr id="39" name="Rounded Rectangle 38">
@@ -9062,7 +9062,7 @@
             </p:txBody>
           </p:sp>
         </mc:Choice>
-        <mc:Fallback>
+        <mc:Fallback xmlns="">
           <p:sp>
             <p:nvSpPr>
               <p:cNvPr id="39" name="Rounded Rectangle 38">
@@ -9114,8 +9114,8 @@
           </p:sp>
         </mc:Fallback>
       </mc:AlternateContent>
-      <mc:AlternateContent xmlns:mc="http://schemas.openxmlformats.org/markup-compatibility/2006">
-        <mc:Choice xmlns:a14="http://schemas.microsoft.com/office/drawing/2010/main" Requires="a14">
+      <mc:AlternateContent xmlns:mc="http://schemas.openxmlformats.org/markup-compatibility/2006" xmlns:a14="http://schemas.microsoft.com/office/drawing/2010/main">
+        <mc:Choice Requires="a14">
           <p:sp>
             <p:nvSpPr>
               <p:cNvPr id="40" name="TextBox 39">
@@ -9187,7 +9187,7 @@
             </p:txBody>
           </p:sp>
         </mc:Choice>
-        <mc:Fallback>
+        <mc:Fallback xmlns="">
           <p:sp>
             <p:nvSpPr>
               <p:cNvPr id="40" name="TextBox 39">
@@ -9788,8 +9788,8 @@
           <a:chExt cx="0" cy="0"/>
         </a:xfrm>
       </p:grpSpPr>
-      <mc:AlternateContent xmlns:mc="http://schemas.openxmlformats.org/markup-compatibility/2006">
-        <mc:Choice xmlns:a14="http://schemas.microsoft.com/office/drawing/2010/main" Requires="a14">
+      <mc:AlternateContent xmlns:mc="http://schemas.openxmlformats.org/markup-compatibility/2006" xmlns:a14="http://schemas.microsoft.com/office/drawing/2010/main">
+        <mc:Choice Requires="a14">
           <p:sp>
             <p:nvSpPr>
               <p:cNvPr id="67" name="Rounded Rectangle 66">
@@ -9896,7 +9896,7 @@
             </p:txBody>
           </p:sp>
         </mc:Choice>
-        <mc:Fallback>
+        <mc:Fallback xmlns="">
           <p:sp>
             <p:nvSpPr>
               <p:cNvPr id="67" name="Rounded Rectangle 66">
@@ -9950,8 +9950,8 @@
           </p:sp>
         </mc:Fallback>
       </mc:AlternateContent>
-      <mc:AlternateContent xmlns:mc="http://schemas.openxmlformats.org/markup-compatibility/2006">
-        <mc:Choice xmlns:a14="http://schemas.microsoft.com/office/drawing/2010/main" Requires="a14">
+      <mc:AlternateContent xmlns:mc="http://schemas.openxmlformats.org/markup-compatibility/2006" xmlns:a14="http://schemas.microsoft.com/office/drawing/2010/main">
+        <mc:Choice Requires="a14">
           <p:sp>
             <p:nvSpPr>
               <p:cNvPr id="65" name="Rounded Rectangle 64">
@@ -10058,7 +10058,7 @@
             </p:txBody>
           </p:sp>
         </mc:Choice>
-        <mc:Fallback>
+        <mc:Fallback xmlns="">
           <p:sp>
             <p:nvSpPr>
               <p:cNvPr id="65" name="Rounded Rectangle 64">
@@ -10112,8 +10112,8 @@
           </p:sp>
         </mc:Fallback>
       </mc:AlternateContent>
-      <mc:AlternateContent xmlns:mc="http://schemas.openxmlformats.org/markup-compatibility/2006">
-        <mc:Choice xmlns:a14="http://schemas.microsoft.com/office/drawing/2010/main" Requires="a14">
+      <mc:AlternateContent xmlns:mc="http://schemas.openxmlformats.org/markup-compatibility/2006" xmlns:a14="http://schemas.microsoft.com/office/drawing/2010/main">
+        <mc:Choice Requires="a14">
           <p:sp>
             <p:nvSpPr>
               <p:cNvPr id="21" name="Rounded Rectangle 20">
@@ -10223,7 +10223,7 @@
             </p:txBody>
           </p:sp>
         </mc:Choice>
-        <mc:Fallback>
+        <mc:Fallback xmlns="">
           <p:sp>
             <p:nvSpPr>
               <p:cNvPr id="21" name="Rounded Rectangle 20">
@@ -10479,8 +10479,8 @@
           </a:p>
         </p:txBody>
       </p:sp>
-      <mc:AlternateContent xmlns:mc="http://schemas.openxmlformats.org/markup-compatibility/2006">
-        <mc:Choice xmlns:a14="http://schemas.microsoft.com/office/drawing/2010/main" Requires="a14">
+      <mc:AlternateContent xmlns:mc="http://schemas.openxmlformats.org/markup-compatibility/2006" xmlns:a14="http://schemas.microsoft.com/office/drawing/2010/main">
+        <mc:Choice Requires="a14">
           <p:sp>
             <p:nvSpPr>
               <p:cNvPr id="12" name="TextBox 11">
@@ -10549,7 +10549,7 @@
             </p:txBody>
           </p:sp>
         </mc:Choice>
-        <mc:Fallback>
+        <mc:Fallback xmlns="">
           <p:sp>
             <p:nvSpPr>
               <p:cNvPr id="12" name="TextBox 11">
@@ -10640,8 +10640,8 @@
           </a:fontRef>
         </p:style>
       </p:cxnSp>
-      <mc:AlternateContent xmlns:mc="http://schemas.openxmlformats.org/markup-compatibility/2006">
-        <mc:Choice xmlns:a14="http://schemas.microsoft.com/office/drawing/2010/main" Requires="a14">
+      <mc:AlternateContent xmlns:mc="http://schemas.openxmlformats.org/markup-compatibility/2006" xmlns:a14="http://schemas.microsoft.com/office/drawing/2010/main">
+        <mc:Choice Requires="a14">
           <p:sp>
             <p:nvSpPr>
               <p:cNvPr id="18" name="TextBox 17">
@@ -10710,7 +10710,7 @@
             </p:txBody>
           </p:sp>
         </mc:Choice>
-        <mc:Fallback>
+        <mc:Fallback xmlns="">
           <p:sp>
             <p:nvSpPr>
               <p:cNvPr id="18" name="TextBox 17">
@@ -10755,8 +10755,8 @@
           </p:sp>
         </mc:Fallback>
       </mc:AlternateContent>
-      <mc:AlternateContent xmlns:mc="http://schemas.openxmlformats.org/markup-compatibility/2006">
-        <mc:Choice xmlns:a14="http://schemas.microsoft.com/office/drawing/2010/main" Requires="a14">
+      <mc:AlternateContent xmlns:mc="http://schemas.openxmlformats.org/markup-compatibility/2006" xmlns:a14="http://schemas.microsoft.com/office/drawing/2010/main">
+        <mc:Choice Requires="a14">
           <p:sp>
             <p:nvSpPr>
               <p:cNvPr id="20" name="TextBox 19">
@@ -10806,7 +10806,7 @@
             </p:txBody>
           </p:sp>
         </mc:Choice>
-        <mc:Fallback>
+        <mc:Fallback xmlns="">
           <p:sp>
             <p:nvSpPr>
               <p:cNvPr id="20" name="TextBox 19">
@@ -10897,8 +10897,8 @@
           </a:fontRef>
         </p:style>
       </p:cxnSp>
-      <mc:AlternateContent xmlns:mc="http://schemas.openxmlformats.org/markup-compatibility/2006">
-        <mc:Choice xmlns:a14="http://schemas.microsoft.com/office/drawing/2010/main" Requires="a14">
+      <mc:AlternateContent xmlns:mc="http://schemas.openxmlformats.org/markup-compatibility/2006" xmlns:a14="http://schemas.microsoft.com/office/drawing/2010/main">
+        <mc:Choice Requires="a14">
           <p:sp>
             <p:nvSpPr>
               <p:cNvPr id="22" name="TextBox 21">
@@ -10948,7 +10948,7 @@
             </p:txBody>
           </p:sp>
         </mc:Choice>
-        <mc:Fallback>
+        <mc:Fallback xmlns="">
           <p:sp>
             <p:nvSpPr>
               <p:cNvPr id="22" name="TextBox 21">
@@ -10993,8 +10993,8 @@
           </p:sp>
         </mc:Fallback>
       </mc:AlternateContent>
-      <mc:AlternateContent xmlns:mc="http://schemas.openxmlformats.org/markup-compatibility/2006">
-        <mc:Choice xmlns:a14="http://schemas.microsoft.com/office/drawing/2010/main" Requires="a14">
+      <mc:AlternateContent xmlns:mc="http://schemas.openxmlformats.org/markup-compatibility/2006" xmlns:a14="http://schemas.microsoft.com/office/drawing/2010/main">
+        <mc:Choice Requires="a14">
           <p:sp>
             <p:nvSpPr>
               <p:cNvPr id="23" name="Rounded Rectangle 22">
@@ -11179,7 +11179,7 @@
             </p:txBody>
           </p:sp>
         </mc:Choice>
-        <mc:Fallback>
+        <mc:Fallback xmlns="">
           <p:sp>
             <p:nvSpPr>
               <p:cNvPr id="23" name="Rounded Rectangle 22">
@@ -11231,8 +11231,8 @@
           </p:sp>
         </mc:Fallback>
       </mc:AlternateContent>
-      <mc:AlternateContent xmlns:mc="http://schemas.openxmlformats.org/markup-compatibility/2006">
-        <mc:Choice xmlns:a14="http://schemas.microsoft.com/office/drawing/2010/main" Requires="a14">
+      <mc:AlternateContent xmlns:mc="http://schemas.openxmlformats.org/markup-compatibility/2006" xmlns:a14="http://schemas.microsoft.com/office/drawing/2010/main">
+        <mc:Choice Requires="a14">
           <p:sp>
             <p:nvSpPr>
               <p:cNvPr id="24" name="TextBox 23">
@@ -11282,7 +11282,7 @@
             </p:txBody>
           </p:sp>
         </mc:Choice>
-        <mc:Fallback>
+        <mc:Fallback xmlns="">
           <p:sp>
             <p:nvSpPr>
               <p:cNvPr id="24" name="TextBox 23">
@@ -11762,8 +11762,8 @@
           </a:p>
         </p:txBody>
       </p:sp>
-      <mc:AlternateContent xmlns:mc="http://schemas.openxmlformats.org/markup-compatibility/2006">
-        <mc:Choice xmlns:a14="http://schemas.microsoft.com/office/drawing/2010/main" Requires="a14">
+      <mc:AlternateContent xmlns:mc="http://schemas.openxmlformats.org/markup-compatibility/2006" xmlns:a14="http://schemas.microsoft.com/office/drawing/2010/main">
+        <mc:Choice Requires="a14">
           <p:sp>
             <p:nvSpPr>
               <p:cNvPr id="48" name="Rectangle 47">
@@ -11812,7 +11812,7 @@
             </p:txBody>
           </p:sp>
         </mc:Choice>
-        <mc:Fallback>
+        <mc:Fallback xmlns="">
           <p:sp>
             <p:nvSpPr>
               <p:cNvPr id="48" name="Rectangle 47">
@@ -11857,8 +11857,8 @@
           </p:sp>
         </mc:Fallback>
       </mc:AlternateContent>
-      <mc:AlternateContent xmlns:mc="http://schemas.openxmlformats.org/markup-compatibility/2006">
-        <mc:Choice xmlns:a14="http://schemas.microsoft.com/office/drawing/2010/main" Requires="a14">
+      <mc:AlternateContent xmlns:mc="http://schemas.openxmlformats.org/markup-compatibility/2006" xmlns:a14="http://schemas.microsoft.com/office/drawing/2010/main">
+        <mc:Choice Requires="a14">
           <p:sp>
             <p:nvSpPr>
               <p:cNvPr id="49" name="Rounded Rectangle 48">
@@ -11943,7 +11943,7 @@
             </p:txBody>
           </p:sp>
         </mc:Choice>
-        <mc:Fallback>
+        <mc:Fallback xmlns="">
           <p:sp>
             <p:nvSpPr>
               <p:cNvPr id="49" name="Rounded Rectangle 48">
@@ -12196,8 +12196,8 @@
           </a:p>
         </p:txBody>
       </p:sp>
-      <mc:AlternateContent xmlns:mc="http://schemas.openxmlformats.org/markup-compatibility/2006">
-        <mc:Choice xmlns:a14="http://schemas.microsoft.com/office/drawing/2010/main" Requires="a14">
+      <mc:AlternateContent xmlns:mc="http://schemas.openxmlformats.org/markup-compatibility/2006" xmlns:a14="http://schemas.microsoft.com/office/drawing/2010/main">
+        <mc:Choice Requires="a14">
           <p:sp>
             <p:nvSpPr>
               <p:cNvPr id="68" name="Rounded Rectangle 67">
@@ -12368,7 +12368,7 @@
             </p:txBody>
           </p:sp>
         </mc:Choice>
-        <mc:Fallback>
+        <mc:Fallback xmlns="">
           <p:sp>
             <p:nvSpPr>
               <p:cNvPr id="68" name="Rounded Rectangle 67">
@@ -12420,8 +12420,8 @@
           </p:sp>
         </mc:Fallback>
       </mc:AlternateContent>
-      <mc:AlternateContent xmlns:mc="http://schemas.openxmlformats.org/markup-compatibility/2006">
-        <mc:Choice xmlns:a14="http://schemas.microsoft.com/office/drawing/2010/main" Requires="a14">
+      <mc:AlternateContent xmlns:mc="http://schemas.openxmlformats.org/markup-compatibility/2006" xmlns:a14="http://schemas.microsoft.com/office/drawing/2010/main">
+        <mc:Choice Requires="a14">
           <p:sp>
             <p:nvSpPr>
               <p:cNvPr id="73" name="Rounded Rectangle 72">
@@ -12528,7 +12528,7 @@
             </p:txBody>
           </p:sp>
         </mc:Choice>
-        <mc:Fallback>
+        <mc:Fallback xmlns="">
           <p:sp>
             <p:nvSpPr>
               <p:cNvPr id="73" name="Rounded Rectangle 72">
@@ -12582,8 +12582,8 @@
           </p:sp>
         </mc:Fallback>
       </mc:AlternateContent>
-      <mc:AlternateContent xmlns:mc="http://schemas.openxmlformats.org/markup-compatibility/2006">
-        <mc:Choice xmlns:a14="http://schemas.microsoft.com/office/drawing/2010/main" Requires="a14">
+      <mc:AlternateContent xmlns:mc="http://schemas.openxmlformats.org/markup-compatibility/2006" xmlns:a14="http://schemas.microsoft.com/office/drawing/2010/main">
+        <mc:Choice Requires="a14">
           <p:sp>
             <p:nvSpPr>
               <p:cNvPr id="74" name="Rounded Rectangle 73">
@@ -12693,7 +12693,7 @@
             </p:txBody>
           </p:sp>
         </mc:Choice>
-        <mc:Fallback>
+        <mc:Fallback xmlns="">
           <p:sp>
             <p:nvSpPr>
               <p:cNvPr id="74" name="Rounded Rectangle 73">
@@ -12747,8 +12747,8 @@
           </p:sp>
         </mc:Fallback>
       </mc:AlternateContent>
-      <mc:AlternateContent xmlns:mc="http://schemas.openxmlformats.org/markup-compatibility/2006">
-        <mc:Choice xmlns:a14="http://schemas.microsoft.com/office/drawing/2010/main" Requires="a14">
+      <mc:AlternateContent xmlns:mc="http://schemas.openxmlformats.org/markup-compatibility/2006" xmlns:a14="http://schemas.microsoft.com/office/drawing/2010/main">
+        <mc:Choice Requires="a14">
           <p:sp>
             <p:nvSpPr>
               <p:cNvPr id="78" name="TextBox 77">
@@ -12798,7 +12798,7 @@
             </p:txBody>
           </p:sp>
         </mc:Choice>
-        <mc:Fallback>
+        <mc:Fallback xmlns="">
           <p:sp>
             <p:nvSpPr>
               <p:cNvPr id="78" name="TextBox 77">
@@ -12935,8 +12935,8 @@
           </a:fontRef>
         </p:style>
       </p:cxnSp>
-      <mc:AlternateContent xmlns:mc="http://schemas.openxmlformats.org/markup-compatibility/2006">
-        <mc:Choice xmlns:a14="http://schemas.microsoft.com/office/drawing/2010/main" Requires="a14">
+      <mc:AlternateContent xmlns:mc="http://schemas.openxmlformats.org/markup-compatibility/2006" xmlns:a14="http://schemas.microsoft.com/office/drawing/2010/main">
+        <mc:Choice Requires="a14">
           <p:sp>
             <p:nvSpPr>
               <p:cNvPr id="79" name="TextBox 78">
@@ -12986,7 +12986,7 @@
             </p:txBody>
           </p:sp>
         </mc:Choice>
-        <mc:Fallback>
+        <mc:Fallback xmlns="">
           <p:sp>
             <p:nvSpPr>
               <p:cNvPr id="79" name="TextBox 78">
@@ -13031,8 +13031,8 @@
           </p:sp>
         </mc:Fallback>
       </mc:AlternateContent>
-      <mc:AlternateContent xmlns:mc="http://schemas.openxmlformats.org/markup-compatibility/2006">
-        <mc:Choice xmlns:a14="http://schemas.microsoft.com/office/drawing/2010/main" Requires="a14">
+      <mc:AlternateContent xmlns:mc="http://schemas.openxmlformats.org/markup-compatibility/2006" xmlns:a14="http://schemas.microsoft.com/office/drawing/2010/main">
+        <mc:Choice Requires="a14">
           <p:sp>
             <p:nvSpPr>
               <p:cNvPr id="80" name="Rounded Rectangle 79">
@@ -13203,7 +13203,7 @@
             </p:txBody>
           </p:sp>
         </mc:Choice>
-        <mc:Fallback>
+        <mc:Fallback xmlns="">
           <p:sp>
             <p:nvSpPr>
               <p:cNvPr id="80" name="Rounded Rectangle 79">
@@ -13687,8 +13687,8 @@
           </p:style>
         </p:cxnSp>
       </p:grpSp>
-      <mc:AlternateContent xmlns:mc="http://schemas.openxmlformats.org/markup-compatibility/2006">
-        <mc:Choice xmlns:a14="http://schemas.microsoft.com/office/drawing/2010/main" Requires="a14">
+      <mc:AlternateContent xmlns:mc="http://schemas.openxmlformats.org/markup-compatibility/2006" xmlns:a14="http://schemas.microsoft.com/office/drawing/2010/main">
+        <mc:Choice Requires="a14">
           <p:sp>
             <p:nvSpPr>
               <p:cNvPr id="90" name="Rounded Rectangle 89">
@@ -13773,7 +13773,7 @@
             </p:txBody>
           </p:sp>
         </mc:Choice>
-        <mc:Fallback>
+        <mc:Fallback xmlns="">
           <p:sp>
             <p:nvSpPr>
               <p:cNvPr id="90" name="Rounded Rectangle 89">
@@ -13980,8 +13980,8 @@
           </a:p>
         </p:txBody>
       </p:sp>
-      <mc:AlternateContent xmlns:mc="http://schemas.openxmlformats.org/markup-compatibility/2006">
-        <mc:Choice xmlns:a14="http://schemas.microsoft.com/office/drawing/2010/main" Requires="a14">
+      <mc:AlternateContent xmlns:mc="http://schemas.openxmlformats.org/markup-compatibility/2006" xmlns:a14="http://schemas.microsoft.com/office/drawing/2010/main">
+        <mc:Choice Requires="a14">
           <p:sp>
             <p:nvSpPr>
               <p:cNvPr id="94" name="Rounded Rectangle 93">
@@ -14166,7 +14166,7 @@
             </p:txBody>
           </p:sp>
         </mc:Choice>
-        <mc:Fallback>
+        <mc:Fallback xmlns="">
           <p:sp>
             <p:nvSpPr>
               <p:cNvPr id="94" name="Rounded Rectangle 93">
@@ -14343,10 +14343,10 @@
       </p:grpSpPr>
       <p:pic>
         <p:nvPicPr>
-          <p:cNvPr id="3" name="Picture 2" descr="Graphical user interface, application&#10;&#10;Description automatically generated">
+          <p:cNvPr id="4" name="Picture 3" descr="Graphical user interface, application&#10;&#10;Description automatically generated">
             <a:extLst>
               <a:ext uri="{FF2B5EF4-FFF2-40B4-BE49-F238E27FC236}">
-                <a16:creationId xmlns:a16="http://schemas.microsoft.com/office/drawing/2014/main" id="{2CBF5AB3-AEDA-044F-B06A-8232B6ABB13D}"/>
+                <a16:creationId xmlns:a16="http://schemas.microsoft.com/office/drawing/2014/main" id="{22157AE3-C4E0-5D4F-95B6-DC815FD0819B}"/>
               </a:ext>
             </a:extLst>
           </p:cNvPr>
@@ -14363,7 +14363,37 @@
         </p:blipFill>
         <p:spPr>
           <a:xfrm>
-            <a:off x="6551612" y="3394363"/>
+            <a:off x="5136171" y="1366233"/>
+            <a:ext cx="14630400" cy="7315200"/>
+          </a:xfrm>
+          <a:prstGeom prst="rect">
+            <a:avLst/>
+          </a:prstGeom>
+        </p:spPr>
+      </p:pic>
+      <p:pic>
+        <p:nvPicPr>
+          <p:cNvPr id="3" name="Picture 2" descr="Graphical user interface, application&#10;&#10;Description automatically generated">
+            <a:extLst>
+              <a:ext uri="{FF2B5EF4-FFF2-40B4-BE49-F238E27FC236}">
+                <a16:creationId xmlns:a16="http://schemas.microsoft.com/office/drawing/2014/main" id="{2CBF5AB3-AEDA-044F-B06A-8232B6ABB13D}"/>
+              </a:ext>
+            </a:extLst>
+          </p:cNvPr>
+          <p:cNvPicPr>
+            <a:picLocks noChangeAspect="1"/>
+          </p:cNvPicPr>
+          <p:nvPr/>
+        </p:nvPicPr>
+        <p:blipFill>
+          <a:blip r:embed="rId3"/>
+          <a:stretch>
+            <a:fillRect/>
+          </a:stretch>
+        </p:blipFill>
+        <p:spPr>
+          <a:xfrm>
+            <a:off x="1594257" y="12015849"/>
             <a:ext cx="10972800" cy="7315200"/>
           </a:xfrm>
           <a:prstGeom prst="rect">
@@ -14385,8 +14415,8 @@
         </p:nvGrpSpPr>
         <p:grpSpPr>
           <a:xfrm>
-            <a:off x="8605146" y="8245569"/>
-            <a:ext cx="3105440" cy="404257"/>
+            <a:off x="6560977" y="7117099"/>
+            <a:ext cx="4210182" cy="548069"/>
             <a:chOff x="6826985" y="5083482"/>
             <a:chExt cx="2421079" cy="315169"/>
           </a:xfrm>
@@ -15103,8 +15133,8 @@
         </p:nvGrpSpPr>
         <p:grpSpPr>
           <a:xfrm>
-            <a:off x="9779644" y="5361188"/>
-            <a:ext cx="1614626" cy="469923"/>
+            <a:off x="8403012" y="3789146"/>
+            <a:ext cx="1840515" cy="535666"/>
             <a:chOff x="4130429" y="1906245"/>
             <a:chExt cx="1011742" cy="294459"/>
           </a:xfrm>
@@ -15397,8 +15427,8 @@
         </p:nvGrpSpPr>
         <p:grpSpPr>
           <a:xfrm>
-            <a:off x="14323989" y="7942672"/>
-            <a:ext cx="2599119" cy="747366"/>
+            <a:off x="13116140" y="6690294"/>
+            <a:ext cx="3390325" cy="974874"/>
             <a:chOff x="2452776" y="1648330"/>
             <a:chExt cx="1932096" cy="555566"/>
           </a:xfrm>
@@ -16115,8 +16145,8 @@
         </p:nvGrpSpPr>
         <p:grpSpPr>
           <a:xfrm>
-            <a:off x="14074709" y="5352088"/>
-            <a:ext cx="2625978" cy="467707"/>
+            <a:off x="13386595" y="3826119"/>
+            <a:ext cx="2995058" cy="533443"/>
             <a:chOff x="6807182" y="5072590"/>
             <a:chExt cx="1754263" cy="312448"/>
           </a:xfrm>
@@ -16670,8 +16700,8 @@
           </a:p>
         </p:txBody>
       </p:sp>
-      <mc:AlternateContent xmlns:mc="http://schemas.openxmlformats.org/markup-compatibility/2006">
-        <mc:Choice xmlns:a14="http://schemas.microsoft.com/office/drawing/2010/main" Requires="a14">
+      <mc:AlternateContent xmlns:mc="http://schemas.openxmlformats.org/markup-compatibility/2006" xmlns:a14="http://schemas.microsoft.com/office/drawing/2010/main">
+        <mc:Choice Requires="a14">
           <p:sp>
             <p:nvSpPr>
               <p:cNvPr id="7" name="Rounded Rectangle 6">
@@ -16773,7 +16803,7 @@
             </p:txBody>
           </p:sp>
         </mc:Choice>
-        <mc:Fallback>
+        <mc:Fallback xmlns="">
           <p:sp>
             <p:nvSpPr>
               <p:cNvPr id="7" name="Rounded Rectangle 6">
@@ -17091,8 +17121,8 @@
           </a:fontRef>
         </p:style>
       </p:cxnSp>
-      <mc:AlternateContent xmlns:mc="http://schemas.openxmlformats.org/markup-compatibility/2006">
-        <mc:Choice xmlns:a14="http://schemas.microsoft.com/office/drawing/2010/main" Requires="a14">
+      <mc:AlternateContent xmlns:mc="http://schemas.openxmlformats.org/markup-compatibility/2006" xmlns:a14="http://schemas.microsoft.com/office/drawing/2010/main">
+        <mc:Choice Requires="a14">
           <p:sp>
             <p:nvSpPr>
               <p:cNvPr id="30" name="Rounded Rectangle 29">
@@ -17194,7 +17224,7 @@
             </p:txBody>
           </p:sp>
         </mc:Choice>
-        <mc:Fallback>
+        <mc:Fallback xmlns="">
           <p:sp>
             <p:nvSpPr>
               <p:cNvPr id="30" name="Rounded Rectangle 29">
@@ -17379,8 +17409,8 @@
           </a:fontRef>
         </p:style>
       </p:cxnSp>
-      <mc:AlternateContent xmlns:mc="http://schemas.openxmlformats.org/markup-compatibility/2006">
-        <mc:Choice xmlns:a14="http://schemas.microsoft.com/office/drawing/2010/main" Requires="a14">
+      <mc:AlternateContent xmlns:mc="http://schemas.openxmlformats.org/markup-compatibility/2006" xmlns:a14="http://schemas.microsoft.com/office/drawing/2010/main">
+        <mc:Choice Requires="a14">
           <p:sp>
             <p:nvSpPr>
               <p:cNvPr id="39" name="Rounded Rectangle 38">
@@ -17482,7 +17512,7 @@
             </p:txBody>
           </p:sp>
         </mc:Choice>
-        <mc:Fallback>
+        <mc:Fallback xmlns="">
           <p:sp>
             <p:nvSpPr>
               <p:cNvPr id="39" name="Rounded Rectangle 38">
@@ -17532,8 +17562,8 @@
           </p:sp>
         </mc:Fallback>
       </mc:AlternateContent>
-      <mc:AlternateContent xmlns:mc="http://schemas.openxmlformats.org/markup-compatibility/2006">
-        <mc:Choice xmlns:a14="http://schemas.microsoft.com/office/drawing/2010/main" Requires="a14">
+      <mc:AlternateContent xmlns:mc="http://schemas.openxmlformats.org/markup-compatibility/2006" xmlns:a14="http://schemas.microsoft.com/office/drawing/2010/main">
+        <mc:Choice Requires="a14">
           <p:sp>
             <p:nvSpPr>
               <p:cNvPr id="48" name="Rounded Rectangle 47">
@@ -17635,7 +17665,7 @@
             </p:txBody>
           </p:sp>
         </mc:Choice>
-        <mc:Fallback>
+        <mc:Fallback xmlns="">
           <p:sp>
             <p:nvSpPr>
               <p:cNvPr id="48" name="Rounded Rectangle 47">
@@ -17864,8 +17894,8 @@
           </a:fontRef>
         </p:style>
       </p:cxnSp>
-      <mc:AlternateContent xmlns:mc="http://schemas.openxmlformats.org/markup-compatibility/2006">
-        <mc:Choice xmlns:a14="http://schemas.microsoft.com/office/drawing/2010/main" Requires="a14">
+      <mc:AlternateContent xmlns:mc="http://schemas.openxmlformats.org/markup-compatibility/2006" xmlns:a14="http://schemas.microsoft.com/office/drawing/2010/main">
+        <mc:Choice Requires="a14">
           <p:sp>
             <p:nvSpPr>
               <p:cNvPr id="57" name="Rounded Rectangle 56">
@@ -17967,7 +17997,7 @@
             </p:txBody>
           </p:sp>
         </mc:Choice>
-        <mc:Fallback>
+        <mc:Fallback xmlns="">
           <p:sp>
             <p:nvSpPr>
               <p:cNvPr id="57" name="Rounded Rectangle 56">
@@ -18195,8 +18225,8 @@
           </a:fontRef>
         </p:style>
       </p:cxnSp>
-      <mc:AlternateContent xmlns:mc="http://schemas.openxmlformats.org/markup-compatibility/2006">
-        <mc:Choice xmlns:a14="http://schemas.microsoft.com/office/drawing/2010/main" Requires="a14">
+      <mc:AlternateContent xmlns:mc="http://schemas.openxmlformats.org/markup-compatibility/2006" xmlns:a14="http://schemas.microsoft.com/office/drawing/2010/main">
+        <mc:Choice Requires="a14">
           <p:sp>
             <p:nvSpPr>
               <p:cNvPr id="72" name="TextBox 71">
@@ -18265,7 +18295,7 @@
             </p:txBody>
           </p:sp>
         </mc:Choice>
-        <mc:Fallback>
+        <mc:Fallback xmlns="">
           <p:sp>
             <p:nvSpPr>
               <p:cNvPr id="72" name="TextBox 71">
@@ -18310,8 +18340,8 @@
           </p:sp>
         </mc:Fallback>
       </mc:AlternateContent>
-      <mc:AlternateContent xmlns:mc="http://schemas.openxmlformats.org/markup-compatibility/2006">
-        <mc:Choice xmlns:a14="http://schemas.microsoft.com/office/drawing/2010/main" Requires="a14">
+      <mc:AlternateContent xmlns:mc="http://schemas.openxmlformats.org/markup-compatibility/2006" xmlns:a14="http://schemas.microsoft.com/office/drawing/2010/main">
+        <mc:Choice Requires="a14">
           <p:sp>
             <p:nvSpPr>
               <p:cNvPr id="73" name="TextBox 72">
@@ -18380,7 +18410,7 @@
             </p:txBody>
           </p:sp>
         </mc:Choice>
-        <mc:Fallback>
+        <mc:Fallback xmlns="">
           <p:sp>
             <p:nvSpPr>
               <p:cNvPr id="73" name="TextBox 72">
@@ -18425,8 +18455,8 @@
           </p:sp>
         </mc:Fallback>
       </mc:AlternateContent>
-      <mc:AlternateContent xmlns:mc="http://schemas.openxmlformats.org/markup-compatibility/2006">
-        <mc:Choice xmlns:a14="http://schemas.microsoft.com/office/drawing/2010/main" Requires="a14">
+      <mc:AlternateContent xmlns:mc="http://schemas.openxmlformats.org/markup-compatibility/2006" xmlns:a14="http://schemas.microsoft.com/office/drawing/2010/main">
+        <mc:Choice Requires="a14">
           <p:sp>
             <p:nvSpPr>
               <p:cNvPr id="75" name="TextBox 74">
@@ -18495,7 +18525,7 @@
             </p:txBody>
           </p:sp>
         </mc:Choice>
-        <mc:Fallback>
+        <mc:Fallback xmlns="">
           <p:sp>
             <p:nvSpPr>
               <p:cNvPr id="75" name="TextBox 74">
@@ -18540,8 +18570,8 @@
           </p:sp>
         </mc:Fallback>
       </mc:AlternateContent>
-      <mc:AlternateContent xmlns:mc="http://schemas.openxmlformats.org/markup-compatibility/2006">
-        <mc:Choice xmlns:a14="http://schemas.microsoft.com/office/drawing/2010/main" Requires="a14">
+      <mc:AlternateContent xmlns:mc="http://schemas.openxmlformats.org/markup-compatibility/2006" xmlns:a14="http://schemas.microsoft.com/office/drawing/2010/main">
+        <mc:Choice Requires="a14">
           <p:sp>
             <p:nvSpPr>
               <p:cNvPr id="76" name="TextBox 75">
@@ -18610,7 +18640,7 @@
             </p:txBody>
           </p:sp>
         </mc:Choice>
-        <mc:Fallback>
+        <mc:Fallback xmlns="">
           <p:sp>
             <p:nvSpPr>
               <p:cNvPr id="76" name="TextBox 75">
@@ -18655,8 +18685,8 @@
           </p:sp>
         </mc:Fallback>
       </mc:AlternateContent>
-      <mc:AlternateContent xmlns:mc="http://schemas.openxmlformats.org/markup-compatibility/2006">
-        <mc:Choice xmlns:a14="http://schemas.microsoft.com/office/drawing/2010/main" Requires="a14">
+      <mc:AlternateContent xmlns:mc="http://schemas.openxmlformats.org/markup-compatibility/2006" xmlns:a14="http://schemas.microsoft.com/office/drawing/2010/main">
+        <mc:Choice Requires="a14">
           <p:sp>
             <p:nvSpPr>
               <p:cNvPr id="77" name="TextBox 76">
@@ -18725,7 +18755,7 @@
             </p:txBody>
           </p:sp>
         </mc:Choice>
-        <mc:Fallback>
+        <mc:Fallback xmlns="">
           <p:sp>
             <p:nvSpPr>
               <p:cNvPr id="77" name="TextBox 76">
@@ -18770,8 +18800,8 @@
           </p:sp>
         </mc:Fallback>
       </mc:AlternateContent>
-      <mc:AlternateContent xmlns:mc="http://schemas.openxmlformats.org/markup-compatibility/2006">
-        <mc:Choice xmlns:a14="http://schemas.microsoft.com/office/drawing/2010/main" Requires="a14">
+      <mc:AlternateContent xmlns:mc="http://schemas.openxmlformats.org/markup-compatibility/2006" xmlns:a14="http://schemas.microsoft.com/office/drawing/2010/main">
+        <mc:Choice Requires="a14">
           <p:sp>
             <p:nvSpPr>
               <p:cNvPr id="78" name="TextBox 77">
@@ -18840,7 +18870,7 @@
             </p:txBody>
           </p:sp>
         </mc:Choice>
-        <mc:Fallback>
+        <mc:Fallback xmlns="">
           <p:sp>
             <p:nvSpPr>
               <p:cNvPr id="78" name="TextBox 77">
@@ -18885,8 +18915,8 @@
           </p:sp>
         </mc:Fallback>
       </mc:AlternateContent>
-      <mc:AlternateContent xmlns:mc="http://schemas.openxmlformats.org/markup-compatibility/2006">
-        <mc:Choice xmlns:a14="http://schemas.microsoft.com/office/drawing/2010/main" Requires="a14">
+      <mc:AlternateContent xmlns:mc="http://schemas.openxmlformats.org/markup-compatibility/2006" xmlns:a14="http://schemas.microsoft.com/office/drawing/2010/main">
+        <mc:Choice Requires="a14">
           <p:sp>
             <p:nvSpPr>
               <p:cNvPr id="79" name="TextBox 78">
@@ -18955,7 +18985,7 @@
             </p:txBody>
           </p:sp>
         </mc:Choice>
-        <mc:Fallback>
+        <mc:Fallback xmlns="">
           <p:sp>
             <p:nvSpPr>
               <p:cNvPr id="79" name="TextBox 78">
@@ -19000,8 +19030,8 @@
           </p:sp>
         </mc:Fallback>
       </mc:AlternateContent>
-      <mc:AlternateContent xmlns:mc="http://schemas.openxmlformats.org/markup-compatibility/2006">
-        <mc:Choice xmlns:a14="http://schemas.microsoft.com/office/drawing/2010/main" Requires="a14">
+      <mc:AlternateContent xmlns:mc="http://schemas.openxmlformats.org/markup-compatibility/2006" xmlns:a14="http://schemas.microsoft.com/office/drawing/2010/main">
+        <mc:Choice Requires="a14">
           <p:sp>
             <p:nvSpPr>
               <p:cNvPr id="80" name="TextBox 79">
@@ -19070,7 +19100,7 @@
             </p:txBody>
           </p:sp>
         </mc:Choice>
-        <mc:Fallback>
+        <mc:Fallback xmlns="">
           <p:sp>
             <p:nvSpPr>
               <p:cNvPr id="80" name="TextBox 79">
@@ -19115,8 +19145,8 @@
           </p:sp>
         </mc:Fallback>
       </mc:AlternateContent>
-      <mc:AlternateContent xmlns:mc="http://schemas.openxmlformats.org/markup-compatibility/2006">
-        <mc:Choice xmlns:a14="http://schemas.microsoft.com/office/drawing/2010/main" Requires="a14">
+      <mc:AlternateContent xmlns:mc="http://schemas.openxmlformats.org/markup-compatibility/2006" xmlns:a14="http://schemas.microsoft.com/office/drawing/2010/main">
+        <mc:Choice Requires="a14">
           <p:sp>
             <p:nvSpPr>
               <p:cNvPr id="81" name="TextBox 80">
@@ -19185,7 +19215,7 @@
             </p:txBody>
           </p:sp>
         </mc:Choice>
-        <mc:Fallback>
+        <mc:Fallback xmlns="">
           <p:sp>
             <p:nvSpPr>
               <p:cNvPr id="81" name="TextBox 80">
@@ -19230,8 +19260,8 @@
           </p:sp>
         </mc:Fallback>
       </mc:AlternateContent>
-      <mc:AlternateContent xmlns:mc="http://schemas.openxmlformats.org/markup-compatibility/2006">
-        <mc:Choice xmlns:a14="http://schemas.microsoft.com/office/drawing/2010/main" Requires="a14">
+      <mc:AlternateContent xmlns:mc="http://schemas.openxmlformats.org/markup-compatibility/2006" xmlns:a14="http://schemas.microsoft.com/office/drawing/2010/main">
+        <mc:Choice Requires="a14">
           <p:sp>
             <p:nvSpPr>
               <p:cNvPr id="82" name="TextBox 81">
@@ -19300,7 +19330,7 @@
             </p:txBody>
           </p:sp>
         </mc:Choice>
-        <mc:Fallback>
+        <mc:Fallback xmlns="">
           <p:sp>
             <p:nvSpPr>
               <p:cNvPr id="82" name="TextBox 81">
@@ -19524,8 +19554,8 @@
           </a:fontRef>
         </p:style>
       </p:cxnSp>
-      <mc:AlternateContent xmlns:mc="http://schemas.openxmlformats.org/markup-compatibility/2006">
-        <mc:Choice xmlns:a14="http://schemas.microsoft.com/office/drawing/2010/main" Requires="a14">
+      <mc:AlternateContent xmlns:mc="http://schemas.openxmlformats.org/markup-compatibility/2006" xmlns:a14="http://schemas.microsoft.com/office/drawing/2010/main">
+        <mc:Choice Requires="a14">
           <p:sp>
             <p:nvSpPr>
               <p:cNvPr id="104" name="Rounded Rectangle 103">
@@ -19627,7 +19657,7 @@
             </p:txBody>
           </p:sp>
         </mc:Choice>
-        <mc:Fallback>
+        <mc:Fallback xmlns="">
           <p:sp>
             <p:nvSpPr>
               <p:cNvPr id="104" name="Rounded Rectangle 103">
@@ -19677,8 +19707,8 @@
           </p:sp>
         </mc:Fallback>
       </mc:AlternateContent>
-      <mc:AlternateContent xmlns:mc="http://schemas.openxmlformats.org/markup-compatibility/2006">
-        <mc:Choice xmlns:a14="http://schemas.microsoft.com/office/drawing/2010/main" Requires="a14">
+      <mc:AlternateContent xmlns:mc="http://schemas.openxmlformats.org/markup-compatibility/2006" xmlns:a14="http://schemas.microsoft.com/office/drawing/2010/main">
+        <mc:Choice Requires="a14">
           <p:sp>
             <p:nvSpPr>
               <p:cNvPr id="105" name="TextBox 104">
@@ -19747,7 +19777,7 @@
             </p:txBody>
           </p:sp>
         </mc:Choice>
-        <mc:Fallback>
+        <mc:Fallback xmlns="">
           <p:sp>
             <p:nvSpPr>
               <p:cNvPr id="105" name="TextBox 104">
@@ -19792,8 +19822,8 @@
           </p:sp>
         </mc:Fallback>
       </mc:AlternateContent>
-      <mc:AlternateContent xmlns:mc="http://schemas.openxmlformats.org/markup-compatibility/2006">
-        <mc:Choice xmlns:a14="http://schemas.microsoft.com/office/drawing/2010/main" Requires="a14">
+      <mc:AlternateContent xmlns:mc="http://schemas.openxmlformats.org/markup-compatibility/2006" xmlns:a14="http://schemas.microsoft.com/office/drawing/2010/main">
+        <mc:Choice Requires="a14">
           <p:sp>
             <p:nvSpPr>
               <p:cNvPr id="106" name="TextBox 105">
@@ -19862,7 +19892,7 @@
             </p:txBody>
           </p:sp>
         </mc:Choice>
-        <mc:Fallback>
+        <mc:Fallback xmlns="">
           <p:sp>
             <p:nvSpPr>
               <p:cNvPr id="106" name="TextBox 105">
@@ -19952,8 +19982,8 @@
           </a:fontRef>
         </p:style>
       </p:cxnSp>
-      <mc:AlternateContent xmlns:mc="http://schemas.openxmlformats.org/markup-compatibility/2006">
-        <mc:Choice xmlns:a14="http://schemas.microsoft.com/office/drawing/2010/main" Requires="a14">
+      <mc:AlternateContent xmlns:mc="http://schemas.openxmlformats.org/markup-compatibility/2006" xmlns:a14="http://schemas.microsoft.com/office/drawing/2010/main">
+        <mc:Choice Requires="a14">
           <p:sp>
             <p:nvSpPr>
               <p:cNvPr id="4" name="Oval 3">
@@ -20062,7 +20092,7 @@
             </p:txBody>
           </p:sp>
         </mc:Choice>
-        <mc:Fallback>
+        <mc:Fallback xmlns="">
           <p:sp>
             <p:nvSpPr>
               <p:cNvPr id="4" name="Oval 3">
@@ -20112,8 +20142,8 @@
           </p:sp>
         </mc:Fallback>
       </mc:AlternateContent>
-      <mc:AlternateContent xmlns:mc="http://schemas.openxmlformats.org/markup-compatibility/2006">
-        <mc:Choice xmlns:a14="http://schemas.microsoft.com/office/drawing/2010/main" Requires="a14">
+      <mc:AlternateContent xmlns:mc="http://schemas.openxmlformats.org/markup-compatibility/2006" xmlns:a14="http://schemas.microsoft.com/office/drawing/2010/main">
+        <mc:Choice Requires="a14">
           <p:sp>
             <p:nvSpPr>
               <p:cNvPr id="60" name="Oval 59">
@@ -20222,7 +20252,7 @@
             </p:txBody>
           </p:sp>
         </mc:Choice>
-        <mc:Fallback>
+        <mc:Fallback xmlns="">
           <p:sp>
             <p:nvSpPr>
               <p:cNvPr id="60" name="Oval 59">
@@ -20272,8 +20302,8 @@
           </p:sp>
         </mc:Fallback>
       </mc:AlternateContent>
-      <mc:AlternateContent xmlns:mc="http://schemas.openxmlformats.org/markup-compatibility/2006">
-        <mc:Choice xmlns:a14="http://schemas.microsoft.com/office/drawing/2010/main" Requires="a14">
+      <mc:AlternateContent xmlns:mc="http://schemas.openxmlformats.org/markup-compatibility/2006" xmlns:a14="http://schemas.microsoft.com/office/drawing/2010/main">
+        <mc:Choice Requires="a14">
           <p:sp>
             <p:nvSpPr>
               <p:cNvPr id="38" name="Oval 37">
@@ -20382,7 +20412,7 @@
             </p:txBody>
           </p:sp>
         </mc:Choice>
-        <mc:Fallback>
+        <mc:Fallback xmlns="">
           <p:sp>
             <p:nvSpPr>
               <p:cNvPr id="38" name="Oval 37">
@@ -20432,8 +20462,8 @@
           </p:sp>
         </mc:Fallback>
       </mc:AlternateContent>
-      <mc:AlternateContent xmlns:mc="http://schemas.openxmlformats.org/markup-compatibility/2006">
-        <mc:Choice xmlns:a14="http://schemas.microsoft.com/office/drawing/2010/main" Requires="a14">
+      <mc:AlternateContent xmlns:mc="http://schemas.openxmlformats.org/markup-compatibility/2006" xmlns:a14="http://schemas.microsoft.com/office/drawing/2010/main">
+        <mc:Choice Requires="a14">
           <p:sp>
             <p:nvSpPr>
               <p:cNvPr id="90" name="Oval 89">
@@ -20542,7 +20572,7 @@
             </p:txBody>
           </p:sp>
         </mc:Choice>
-        <mc:Fallback>
+        <mc:Fallback xmlns="">
           <p:sp>
             <p:nvSpPr>
               <p:cNvPr id="90" name="Oval 89">
@@ -20650,8 +20680,8 @@
           </a:p>
         </p:txBody>
       </p:sp>
-      <mc:AlternateContent xmlns:mc="http://schemas.openxmlformats.org/markup-compatibility/2006">
-        <mc:Choice xmlns:a14="http://schemas.microsoft.com/office/drawing/2010/main" Requires="a14">
+      <mc:AlternateContent xmlns:mc="http://schemas.openxmlformats.org/markup-compatibility/2006" xmlns:a14="http://schemas.microsoft.com/office/drawing/2010/main">
+        <mc:Choice Requires="a14">
           <p:sp>
             <p:nvSpPr>
               <p:cNvPr id="4" name="Oval 3">
@@ -20735,7 +20765,7 @@
             </p:txBody>
           </p:sp>
         </mc:Choice>
-        <mc:Fallback>
+        <mc:Fallback xmlns="">
           <p:sp>
             <p:nvSpPr>
               <p:cNvPr id="4" name="Oval 3">
@@ -20785,8 +20815,8 @@
           </p:sp>
         </mc:Fallback>
       </mc:AlternateContent>
-      <mc:AlternateContent xmlns:mc="http://schemas.openxmlformats.org/markup-compatibility/2006">
-        <mc:Choice xmlns:a14="http://schemas.microsoft.com/office/drawing/2010/main" Requires="a14">
+      <mc:AlternateContent xmlns:mc="http://schemas.openxmlformats.org/markup-compatibility/2006" xmlns:a14="http://schemas.microsoft.com/office/drawing/2010/main">
+        <mc:Choice Requires="a14">
           <p:sp>
             <p:nvSpPr>
               <p:cNvPr id="5" name="Rounded Rectangle 4">
@@ -20863,7 +20893,7 @@
             </p:txBody>
           </p:sp>
         </mc:Choice>
-        <mc:Fallback>
+        <mc:Fallback xmlns="">
           <p:sp>
             <p:nvSpPr>
               <p:cNvPr id="5" name="Rounded Rectangle 4">
@@ -21048,8 +21078,8 @@
           </a:fontRef>
         </p:style>
       </p:cxnSp>
-      <mc:AlternateContent xmlns:mc="http://schemas.openxmlformats.org/markup-compatibility/2006">
-        <mc:Choice xmlns:a14="http://schemas.microsoft.com/office/drawing/2010/main" Requires="a14">
+      <mc:AlternateContent xmlns:mc="http://schemas.openxmlformats.org/markup-compatibility/2006" xmlns:a14="http://schemas.microsoft.com/office/drawing/2010/main">
+        <mc:Choice Requires="a14">
           <p:sp>
             <p:nvSpPr>
               <p:cNvPr id="9" name="Rounded Rectangle 8">
@@ -21126,7 +21156,7 @@
             </p:txBody>
           </p:sp>
         </mc:Choice>
-        <mc:Fallback>
+        <mc:Fallback xmlns="">
           <p:sp>
             <p:nvSpPr>
               <p:cNvPr id="9" name="Rounded Rectangle 8">
@@ -21311,8 +21341,8 @@
           </a:fontRef>
         </p:style>
       </p:cxnSp>
-      <mc:AlternateContent xmlns:mc="http://schemas.openxmlformats.org/markup-compatibility/2006">
-        <mc:Choice xmlns:a14="http://schemas.microsoft.com/office/drawing/2010/main" Requires="a14">
+      <mc:AlternateContent xmlns:mc="http://schemas.openxmlformats.org/markup-compatibility/2006" xmlns:a14="http://schemas.microsoft.com/office/drawing/2010/main">
+        <mc:Choice Requires="a14">
           <p:sp>
             <p:nvSpPr>
               <p:cNvPr id="13" name="TextBox 12">
@@ -21362,7 +21392,7 @@
             </p:txBody>
           </p:sp>
         </mc:Choice>
-        <mc:Fallback>
+        <mc:Fallback xmlns="">
           <p:sp>
             <p:nvSpPr>
               <p:cNvPr id="13" name="TextBox 12">
@@ -21407,8 +21437,8 @@
           </p:sp>
         </mc:Fallback>
       </mc:AlternateContent>
-      <mc:AlternateContent xmlns:mc="http://schemas.openxmlformats.org/markup-compatibility/2006">
-        <mc:Choice xmlns:a14="http://schemas.microsoft.com/office/drawing/2010/main" Requires="a14">
+      <mc:AlternateContent xmlns:mc="http://schemas.openxmlformats.org/markup-compatibility/2006" xmlns:a14="http://schemas.microsoft.com/office/drawing/2010/main">
+        <mc:Choice Requires="a14">
           <p:sp>
             <p:nvSpPr>
               <p:cNvPr id="14" name="TextBox 13">
@@ -21458,7 +21488,7 @@
             </p:txBody>
           </p:sp>
         </mc:Choice>
-        <mc:Fallback>
+        <mc:Fallback xmlns="">
           <p:sp>
             <p:nvSpPr>
               <p:cNvPr id="14" name="TextBox 13">
@@ -21503,8 +21533,8 @@
           </p:sp>
         </mc:Fallback>
       </mc:AlternateContent>
-      <mc:AlternateContent xmlns:mc="http://schemas.openxmlformats.org/markup-compatibility/2006">
-        <mc:Choice xmlns:a14="http://schemas.microsoft.com/office/drawing/2010/main" Requires="a14">
+      <mc:AlternateContent xmlns:mc="http://schemas.openxmlformats.org/markup-compatibility/2006" xmlns:a14="http://schemas.microsoft.com/office/drawing/2010/main">
+        <mc:Choice Requires="a14">
           <p:sp>
             <p:nvSpPr>
               <p:cNvPr id="15" name="TextBox 14">
@@ -21554,7 +21584,7 @@
             </p:txBody>
           </p:sp>
         </mc:Choice>
-        <mc:Fallback>
+        <mc:Fallback xmlns="">
           <p:sp>
             <p:nvSpPr>
               <p:cNvPr id="15" name="TextBox 14">
@@ -21599,8 +21629,8 @@
           </p:sp>
         </mc:Fallback>
       </mc:AlternateContent>
-      <mc:AlternateContent xmlns:mc="http://schemas.openxmlformats.org/markup-compatibility/2006">
-        <mc:Choice xmlns:a14="http://schemas.microsoft.com/office/drawing/2010/main" Requires="a14">
+      <mc:AlternateContent xmlns:mc="http://schemas.openxmlformats.org/markup-compatibility/2006" xmlns:a14="http://schemas.microsoft.com/office/drawing/2010/main">
+        <mc:Choice Requires="a14">
           <p:sp>
             <p:nvSpPr>
               <p:cNvPr id="16" name="TextBox 15">
@@ -21650,7 +21680,7 @@
             </p:txBody>
           </p:sp>
         </mc:Choice>
-        <mc:Fallback>
+        <mc:Fallback xmlns="">
           <p:sp>
             <p:nvSpPr>
               <p:cNvPr id="16" name="TextBox 15">
@@ -21695,8 +21725,8 @@
           </p:sp>
         </mc:Fallback>
       </mc:AlternateContent>
-      <mc:AlternateContent xmlns:mc="http://schemas.openxmlformats.org/markup-compatibility/2006">
-        <mc:Choice xmlns:a14="http://schemas.microsoft.com/office/drawing/2010/main" Requires="a14">
+      <mc:AlternateContent xmlns:mc="http://schemas.openxmlformats.org/markup-compatibility/2006" xmlns:a14="http://schemas.microsoft.com/office/drawing/2010/main">
+        <mc:Choice Requires="a14">
           <p:sp>
             <p:nvSpPr>
               <p:cNvPr id="17" name="Oval 16">
@@ -21802,7 +21832,7 @@
             </p:txBody>
           </p:sp>
         </mc:Choice>
-        <mc:Fallback>
+        <mc:Fallback xmlns="">
           <p:sp>
             <p:nvSpPr>
               <p:cNvPr id="17" name="Oval 16">
@@ -21852,8 +21882,8 @@
           </p:sp>
         </mc:Fallback>
       </mc:AlternateContent>
-      <mc:AlternateContent xmlns:mc="http://schemas.openxmlformats.org/markup-compatibility/2006">
-        <mc:Choice xmlns:a14="http://schemas.microsoft.com/office/drawing/2010/main" Requires="a14">
+      <mc:AlternateContent xmlns:mc="http://schemas.openxmlformats.org/markup-compatibility/2006" xmlns:a14="http://schemas.microsoft.com/office/drawing/2010/main">
+        <mc:Choice Requires="a14">
           <p:sp>
             <p:nvSpPr>
               <p:cNvPr id="18" name="Rounded Rectangle 17">
@@ -21930,7 +21960,7 @@
             </p:txBody>
           </p:sp>
         </mc:Choice>
-        <mc:Fallback>
+        <mc:Fallback xmlns="">
           <p:sp>
             <p:nvSpPr>
               <p:cNvPr id="18" name="Rounded Rectangle 17">
@@ -22115,8 +22145,8 @@
           </a:fontRef>
         </p:style>
       </p:cxnSp>
-      <mc:AlternateContent xmlns:mc="http://schemas.openxmlformats.org/markup-compatibility/2006">
-        <mc:Choice xmlns:a14="http://schemas.microsoft.com/office/drawing/2010/main" Requires="a14">
+      <mc:AlternateContent xmlns:mc="http://schemas.openxmlformats.org/markup-compatibility/2006" xmlns:a14="http://schemas.microsoft.com/office/drawing/2010/main">
+        <mc:Choice Requires="a14">
           <p:sp>
             <p:nvSpPr>
               <p:cNvPr id="22" name="Rounded Rectangle 21">
@@ -22193,7 +22223,7 @@
             </p:txBody>
           </p:sp>
         </mc:Choice>
-        <mc:Fallback>
+        <mc:Fallback xmlns="">
           <p:sp>
             <p:nvSpPr>
               <p:cNvPr id="22" name="Rounded Rectangle 21">
@@ -22378,8 +22408,8 @@
           </a:fontRef>
         </p:style>
       </p:cxnSp>
-      <mc:AlternateContent xmlns:mc="http://schemas.openxmlformats.org/markup-compatibility/2006">
-        <mc:Choice xmlns:a14="http://schemas.microsoft.com/office/drawing/2010/main" Requires="a14">
+      <mc:AlternateContent xmlns:mc="http://schemas.openxmlformats.org/markup-compatibility/2006" xmlns:a14="http://schemas.microsoft.com/office/drawing/2010/main">
+        <mc:Choice Requires="a14">
           <p:sp>
             <p:nvSpPr>
               <p:cNvPr id="26" name="TextBox 25">
@@ -22429,7 +22459,7 @@
             </p:txBody>
           </p:sp>
         </mc:Choice>
-        <mc:Fallback>
+        <mc:Fallback xmlns="">
           <p:sp>
             <p:nvSpPr>
               <p:cNvPr id="26" name="TextBox 25">
@@ -22474,8 +22504,8 @@
           </p:sp>
         </mc:Fallback>
       </mc:AlternateContent>
-      <mc:AlternateContent xmlns:mc="http://schemas.openxmlformats.org/markup-compatibility/2006">
-        <mc:Choice xmlns:a14="http://schemas.microsoft.com/office/drawing/2010/main" Requires="a14">
+      <mc:AlternateContent xmlns:mc="http://schemas.openxmlformats.org/markup-compatibility/2006" xmlns:a14="http://schemas.microsoft.com/office/drawing/2010/main">
+        <mc:Choice Requires="a14">
           <p:sp>
             <p:nvSpPr>
               <p:cNvPr id="27" name="TextBox 26">
@@ -22525,7 +22555,7 @@
             </p:txBody>
           </p:sp>
         </mc:Choice>
-        <mc:Fallback>
+        <mc:Fallback xmlns="">
           <p:sp>
             <p:nvSpPr>
               <p:cNvPr id="27" name="TextBox 26">
@@ -22570,8 +22600,8 @@
           </p:sp>
         </mc:Fallback>
       </mc:AlternateContent>
-      <mc:AlternateContent xmlns:mc="http://schemas.openxmlformats.org/markup-compatibility/2006">
-        <mc:Choice xmlns:a14="http://schemas.microsoft.com/office/drawing/2010/main" Requires="a14">
+      <mc:AlternateContent xmlns:mc="http://schemas.openxmlformats.org/markup-compatibility/2006" xmlns:a14="http://schemas.microsoft.com/office/drawing/2010/main">
+        <mc:Choice Requires="a14">
           <p:sp>
             <p:nvSpPr>
               <p:cNvPr id="28" name="TextBox 27">
@@ -22621,7 +22651,7 @@
             </p:txBody>
           </p:sp>
         </mc:Choice>
-        <mc:Fallback>
+        <mc:Fallback xmlns="">
           <p:sp>
             <p:nvSpPr>
               <p:cNvPr id="28" name="TextBox 27">
@@ -22666,8 +22696,8 @@
           </p:sp>
         </mc:Fallback>
       </mc:AlternateContent>
-      <mc:AlternateContent xmlns:mc="http://schemas.openxmlformats.org/markup-compatibility/2006">
-        <mc:Choice xmlns:a14="http://schemas.microsoft.com/office/drawing/2010/main" Requires="a14">
+      <mc:AlternateContent xmlns:mc="http://schemas.openxmlformats.org/markup-compatibility/2006" xmlns:a14="http://schemas.microsoft.com/office/drawing/2010/main">
+        <mc:Choice Requires="a14">
           <p:sp>
             <p:nvSpPr>
               <p:cNvPr id="29" name="TextBox 28">
@@ -22717,7 +22747,7 @@
             </p:txBody>
           </p:sp>
         </mc:Choice>
-        <mc:Fallback>
+        <mc:Fallback xmlns="">
           <p:sp>
             <p:nvSpPr>
               <p:cNvPr id="29" name="TextBox 28">
@@ -22824,8 +22854,8 @@
           </a:p>
         </p:txBody>
       </p:sp>
-      <mc:AlternateContent xmlns:mc="http://schemas.openxmlformats.org/markup-compatibility/2006">
-        <mc:Choice xmlns:a14="http://schemas.microsoft.com/office/drawing/2010/main" Requires="a14">
+      <mc:AlternateContent xmlns:mc="http://schemas.openxmlformats.org/markup-compatibility/2006" xmlns:a14="http://schemas.microsoft.com/office/drawing/2010/main">
+        <mc:Choice Requires="a14">
           <p:sp>
             <p:nvSpPr>
               <p:cNvPr id="4" name="Oval 3">
@@ -22934,7 +22964,7 @@
             </p:txBody>
           </p:sp>
         </mc:Choice>
-        <mc:Fallback>
+        <mc:Fallback xmlns="">
           <p:sp>
             <p:nvSpPr>
               <p:cNvPr id="4" name="Oval 3">
@@ -22984,8 +23014,8 @@
           </p:sp>
         </mc:Fallback>
       </mc:AlternateContent>
-      <mc:AlternateContent xmlns:mc="http://schemas.openxmlformats.org/markup-compatibility/2006">
-        <mc:Choice xmlns:a14="http://schemas.microsoft.com/office/drawing/2010/main" Requires="a14">
+      <mc:AlternateContent xmlns:mc="http://schemas.openxmlformats.org/markup-compatibility/2006" xmlns:a14="http://schemas.microsoft.com/office/drawing/2010/main">
+        <mc:Choice Requires="a14">
           <p:sp>
             <p:nvSpPr>
               <p:cNvPr id="5" name="Rounded Rectangle 4">
@@ -23087,7 +23117,7 @@
             </p:txBody>
           </p:sp>
         </mc:Choice>
-        <mc:Fallback>
+        <mc:Fallback xmlns="">
           <p:sp>
             <p:nvSpPr>
               <p:cNvPr id="5" name="Rounded Rectangle 4">
@@ -23272,8 +23302,8 @@
           </a:fontRef>
         </p:style>
       </p:cxnSp>
-      <mc:AlternateContent xmlns:mc="http://schemas.openxmlformats.org/markup-compatibility/2006">
-        <mc:Choice xmlns:a14="http://schemas.microsoft.com/office/drawing/2010/main" Requires="a14">
+      <mc:AlternateContent xmlns:mc="http://schemas.openxmlformats.org/markup-compatibility/2006" xmlns:a14="http://schemas.microsoft.com/office/drawing/2010/main">
+        <mc:Choice Requires="a14">
           <p:sp>
             <p:nvSpPr>
               <p:cNvPr id="9" name="Rounded Rectangle 8">
@@ -23350,7 +23380,7 @@
             </p:txBody>
           </p:sp>
         </mc:Choice>
-        <mc:Fallback>
+        <mc:Fallback xmlns="">
           <p:sp>
             <p:nvSpPr>
               <p:cNvPr id="9" name="Rounded Rectangle 8">
@@ -23535,8 +23565,8 @@
           </a:fontRef>
         </p:style>
       </p:cxnSp>
-      <mc:AlternateContent xmlns:mc="http://schemas.openxmlformats.org/markup-compatibility/2006">
-        <mc:Choice xmlns:a14="http://schemas.microsoft.com/office/drawing/2010/main" Requires="a14">
+      <mc:AlternateContent xmlns:mc="http://schemas.openxmlformats.org/markup-compatibility/2006" xmlns:a14="http://schemas.microsoft.com/office/drawing/2010/main">
+        <mc:Choice Requires="a14">
           <p:sp>
             <p:nvSpPr>
               <p:cNvPr id="13" name="TextBox 12">
@@ -23605,7 +23635,7 @@
             </p:txBody>
           </p:sp>
         </mc:Choice>
-        <mc:Fallback>
+        <mc:Fallback xmlns="">
           <p:sp>
             <p:nvSpPr>
               <p:cNvPr id="13" name="TextBox 12">
@@ -23650,8 +23680,8 @@
           </p:sp>
         </mc:Fallback>
       </mc:AlternateContent>
-      <mc:AlternateContent xmlns:mc="http://schemas.openxmlformats.org/markup-compatibility/2006">
-        <mc:Choice xmlns:a14="http://schemas.microsoft.com/office/drawing/2010/main" Requires="a14">
+      <mc:AlternateContent xmlns:mc="http://schemas.openxmlformats.org/markup-compatibility/2006" xmlns:a14="http://schemas.microsoft.com/office/drawing/2010/main">
+        <mc:Choice Requires="a14">
           <p:sp>
             <p:nvSpPr>
               <p:cNvPr id="14" name="TextBox 13">
@@ -23701,7 +23731,7 @@
             </p:txBody>
           </p:sp>
         </mc:Choice>
-        <mc:Fallback>
+        <mc:Fallback xmlns="">
           <p:sp>
             <p:nvSpPr>
               <p:cNvPr id="14" name="TextBox 13">
@@ -23746,8 +23776,8 @@
           </p:sp>
         </mc:Fallback>
       </mc:AlternateContent>
-      <mc:AlternateContent xmlns:mc="http://schemas.openxmlformats.org/markup-compatibility/2006">
-        <mc:Choice xmlns:a14="http://schemas.microsoft.com/office/drawing/2010/main" Requires="a14">
+      <mc:AlternateContent xmlns:mc="http://schemas.openxmlformats.org/markup-compatibility/2006" xmlns:a14="http://schemas.microsoft.com/office/drawing/2010/main">
+        <mc:Choice Requires="a14">
           <p:sp>
             <p:nvSpPr>
               <p:cNvPr id="15" name="TextBox 14">
@@ -23816,7 +23846,7 @@
             </p:txBody>
           </p:sp>
         </mc:Choice>
-        <mc:Fallback>
+        <mc:Fallback xmlns="">
           <p:sp>
             <p:nvSpPr>
               <p:cNvPr id="15" name="TextBox 14">
@@ -23861,8 +23891,8 @@
           </p:sp>
         </mc:Fallback>
       </mc:AlternateContent>
-      <mc:AlternateContent xmlns:mc="http://schemas.openxmlformats.org/markup-compatibility/2006">
-        <mc:Choice xmlns:a14="http://schemas.microsoft.com/office/drawing/2010/main" Requires="a14">
+      <mc:AlternateContent xmlns:mc="http://schemas.openxmlformats.org/markup-compatibility/2006" xmlns:a14="http://schemas.microsoft.com/office/drawing/2010/main">
+        <mc:Choice Requires="a14">
           <p:sp>
             <p:nvSpPr>
               <p:cNvPr id="16" name="TextBox 15">
@@ -23912,7 +23942,7 @@
             </p:txBody>
           </p:sp>
         </mc:Choice>
-        <mc:Fallback>
+        <mc:Fallback xmlns="">
           <p:sp>
             <p:nvSpPr>
               <p:cNvPr id="16" name="TextBox 15">
@@ -23957,8 +23987,8 @@
           </p:sp>
         </mc:Fallback>
       </mc:AlternateContent>
-      <mc:AlternateContent xmlns:mc="http://schemas.openxmlformats.org/markup-compatibility/2006">
-        <mc:Choice xmlns:a14="http://schemas.microsoft.com/office/drawing/2010/main" Requires="a14">
+      <mc:AlternateContent xmlns:mc="http://schemas.openxmlformats.org/markup-compatibility/2006" xmlns:a14="http://schemas.microsoft.com/office/drawing/2010/main">
+        <mc:Choice Requires="a14">
           <p:sp>
             <p:nvSpPr>
               <p:cNvPr id="17" name="Oval 16">
@@ -24067,7 +24097,7 @@
             </p:txBody>
           </p:sp>
         </mc:Choice>
-        <mc:Fallback>
+        <mc:Fallback xmlns="">
           <p:sp>
             <p:nvSpPr>
               <p:cNvPr id="17" name="Oval 16">
@@ -24162,8 +24192,8 @@
           </a:fontRef>
         </p:style>
       </p:cxnSp>
-      <mc:AlternateContent xmlns:mc="http://schemas.openxmlformats.org/markup-compatibility/2006">
-        <mc:Choice xmlns:a14="http://schemas.microsoft.com/office/drawing/2010/main" Requires="a14">
+      <mc:AlternateContent xmlns:mc="http://schemas.openxmlformats.org/markup-compatibility/2006" xmlns:a14="http://schemas.microsoft.com/office/drawing/2010/main">
+        <mc:Choice Requires="a14">
           <p:sp>
             <p:nvSpPr>
               <p:cNvPr id="19" name="Rounded Rectangle 18">
@@ -24269,7 +24299,7 @@
             </p:txBody>
           </p:sp>
         </mc:Choice>
-        <mc:Fallback>
+        <mc:Fallback xmlns="">
           <p:sp>
             <p:nvSpPr>
               <p:cNvPr id="19" name="Rounded Rectangle 18">
@@ -24454,8 +24484,8 @@
           </a:fontRef>
         </p:style>
       </p:cxnSp>
-      <mc:AlternateContent xmlns:mc="http://schemas.openxmlformats.org/markup-compatibility/2006">
-        <mc:Choice xmlns:a14="http://schemas.microsoft.com/office/drawing/2010/main" Requires="a14">
+      <mc:AlternateContent xmlns:mc="http://schemas.openxmlformats.org/markup-compatibility/2006" xmlns:a14="http://schemas.microsoft.com/office/drawing/2010/main">
+        <mc:Choice Requires="a14">
           <p:sp>
             <p:nvSpPr>
               <p:cNvPr id="23" name="TextBox 22">
@@ -24524,7 +24554,7 @@
             </p:txBody>
           </p:sp>
         </mc:Choice>
-        <mc:Fallback>
+        <mc:Fallback xmlns="">
           <p:sp>
             <p:nvSpPr>
               <p:cNvPr id="23" name="TextBox 22">
@@ -24569,8 +24599,8 @@
           </p:sp>
         </mc:Fallback>
       </mc:AlternateContent>
-      <mc:AlternateContent xmlns:mc="http://schemas.openxmlformats.org/markup-compatibility/2006">
-        <mc:Choice xmlns:a14="http://schemas.microsoft.com/office/drawing/2010/main" Requires="a14">
+      <mc:AlternateContent xmlns:mc="http://schemas.openxmlformats.org/markup-compatibility/2006" xmlns:a14="http://schemas.microsoft.com/office/drawing/2010/main">
+        <mc:Choice Requires="a14">
           <p:sp>
             <p:nvSpPr>
               <p:cNvPr id="24" name="TextBox 23">
@@ -24639,7 +24669,7 @@
             </p:txBody>
           </p:sp>
         </mc:Choice>
-        <mc:Fallback>
+        <mc:Fallback xmlns="">
           <p:sp>
             <p:nvSpPr>
               <p:cNvPr id="24" name="TextBox 23">
@@ -24795,8 +24825,8 @@
           </a:p>
         </p:txBody>
       </p:sp>
-      <mc:AlternateContent xmlns:mc="http://schemas.openxmlformats.org/markup-compatibility/2006">
-        <mc:Choice xmlns:a14="http://schemas.microsoft.com/office/drawing/2010/main" Requires="a14">
+      <mc:AlternateContent xmlns:mc="http://schemas.openxmlformats.org/markup-compatibility/2006" xmlns:a14="http://schemas.microsoft.com/office/drawing/2010/main">
+        <mc:Choice Requires="a14">
           <p:sp>
             <p:nvSpPr>
               <p:cNvPr id="4" name="Oval 3">
@@ -24905,7 +24935,7 @@
             </p:txBody>
           </p:sp>
         </mc:Choice>
-        <mc:Fallback>
+        <mc:Fallback xmlns="">
           <p:sp>
             <p:nvSpPr>
               <p:cNvPr id="4" name="Oval 3">
@@ -24955,8 +24985,8 @@
           </p:sp>
         </mc:Fallback>
       </mc:AlternateContent>
-      <mc:AlternateContent xmlns:mc="http://schemas.openxmlformats.org/markup-compatibility/2006">
-        <mc:Choice xmlns:a14="http://schemas.microsoft.com/office/drawing/2010/main" Requires="a14">
+      <mc:AlternateContent xmlns:mc="http://schemas.openxmlformats.org/markup-compatibility/2006" xmlns:a14="http://schemas.microsoft.com/office/drawing/2010/main">
+        <mc:Choice Requires="a14">
           <p:sp>
             <p:nvSpPr>
               <p:cNvPr id="5" name="Rounded Rectangle 4">
@@ -25058,7 +25088,7 @@
             </p:txBody>
           </p:sp>
         </mc:Choice>
-        <mc:Fallback>
+        <mc:Fallback xmlns="">
           <p:sp>
             <p:nvSpPr>
               <p:cNvPr id="5" name="Rounded Rectangle 4">
@@ -25243,8 +25273,8 @@
           </a:fontRef>
         </p:style>
       </p:cxnSp>
-      <mc:AlternateContent xmlns:mc="http://schemas.openxmlformats.org/markup-compatibility/2006">
-        <mc:Choice xmlns:a14="http://schemas.microsoft.com/office/drawing/2010/main" Requires="a14">
+      <mc:AlternateContent xmlns:mc="http://schemas.openxmlformats.org/markup-compatibility/2006" xmlns:a14="http://schemas.microsoft.com/office/drawing/2010/main">
+        <mc:Choice Requires="a14">
           <p:sp>
             <p:nvSpPr>
               <p:cNvPr id="9" name="Rounded Rectangle 8">
@@ -25321,7 +25351,7 @@
             </p:txBody>
           </p:sp>
         </mc:Choice>
-        <mc:Fallback>
+        <mc:Fallback xmlns="">
           <p:sp>
             <p:nvSpPr>
               <p:cNvPr id="9" name="Rounded Rectangle 8">
@@ -25506,8 +25536,8 @@
           </a:fontRef>
         </p:style>
       </p:cxnSp>
-      <mc:AlternateContent xmlns:mc="http://schemas.openxmlformats.org/markup-compatibility/2006">
-        <mc:Choice xmlns:a14="http://schemas.microsoft.com/office/drawing/2010/main" Requires="a14">
+      <mc:AlternateContent xmlns:mc="http://schemas.openxmlformats.org/markup-compatibility/2006" xmlns:a14="http://schemas.microsoft.com/office/drawing/2010/main">
+        <mc:Choice Requires="a14">
           <p:sp>
             <p:nvSpPr>
               <p:cNvPr id="13" name="TextBox 12">
@@ -25576,7 +25606,7 @@
             </p:txBody>
           </p:sp>
         </mc:Choice>
-        <mc:Fallback>
+        <mc:Fallback xmlns="">
           <p:sp>
             <p:nvSpPr>
               <p:cNvPr id="13" name="TextBox 12">
@@ -25621,8 +25651,8 @@
           </p:sp>
         </mc:Fallback>
       </mc:AlternateContent>
-      <mc:AlternateContent xmlns:mc="http://schemas.openxmlformats.org/markup-compatibility/2006">
-        <mc:Choice xmlns:a14="http://schemas.microsoft.com/office/drawing/2010/main" Requires="a14">
+      <mc:AlternateContent xmlns:mc="http://schemas.openxmlformats.org/markup-compatibility/2006" xmlns:a14="http://schemas.microsoft.com/office/drawing/2010/main">
+        <mc:Choice Requires="a14">
           <p:sp>
             <p:nvSpPr>
               <p:cNvPr id="14" name="TextBox 13">
@@ -25672,7 +25702,7 @@
             </p:txBody>
           </p:sp>
         </mc:Choice>
-        <mc:Fallback>
+        <mc:Fallback xmlns="">
           <p:sp>
             <p:nvSpPr>
               <p:cNvPr id="14" name="TextBox 13">
@@ -25717,8 +25747,8 @@
           </p:sp>
         </mc:Fallback>
       </mc:AlternateContent>
-      <mc:AlternateContent xmlns:mc="http://schemas.openxmlformats.org/markup-compatibility/2006">
-        <mc:Choice xmlns:a14="http://schemas.microsoft.com/office/drawing/2010/main" Requires="a14">
+      <mc:AlternateContent xmlns:mc="http://schemas.openxmlformats.org/markup-compatibility/2006" xmlns:a14="http://schemas.microsoft.com/office/drawing/2010/main">
+        <mc:Choice Requires="a14">
           <p:sp>
             <p:nvSpPr>
               <p:cNvPr id="15" name="TextBox 14">
@@ -25787,7 +25817,7 @@
             </p:txBody>
           </p:sp>
         </mc:Choice>
-        <mc:Fallback>
+        <mc:Fallback xmlns="">
           <p:sp>
             <p:nvSpPr>
               <p:cNvPr id="15" name="TextBox 14">
@@ -25832,8 +25862,8 @@
           </p:sp>
         </mc:Fallback>
       </mc:AlternateContent>
-      <mc:AlternateContent xmlns:mc="http://schemas.openxmlformats.org/markup-compatibility/2006">
-        <mc:Choice xmlns:a14="http://schemas.microsoft.com/office/drawing/2010/main" Requires="a14">
+      <mc:AlternateContent xmlns:mc="http://schemas.openxmlformats.org/markup-compatibility/2006" xmlns:a14="http://schemas.microsoft.com/office/drawing/2010/main">
+        <mc:Choice Requires="a14">
           <p:sp>
             <p:nvSpPr>
               <p:cNvPr id="16" name="TextBox 15">
@@ -25883,7 +25913,7 @@
             </p:txBody>
           </p:sp>
         </mc:Choice>
-        <mc:Fallback>
+        <mc:Fallback xmlns="">
           <p:sp>
             <p:nvSpPr>
               <p:cNvPr id="16" name="TextBox 15">
@@ -25928,8 +25958,8 @@
           </p:sp>
         </mc:Fallback>
       </mc:AlternateContent>
-      <mc:AlternateContent xmlns:mc="http://schemas.openxmlformats.org/markup-compatibility/2006">
-        <mc:Choice xmlns:a14="http://schemas.microsoft.com/office/drawing/2010/main" Requires="a14">
+      <mc:AlternateContent xmlns:mc="http://schemas.openxmlformats.org/markup-compatibility/2006" xmlns:a14="http://schemas.microsoft.com/office/drawing/2010/main">
+        <mc:Choice Requires="a14">
           <p:sp>
             <p:nvSpPr>
               <p:cNvPr id="41" name="Rounded Rectangle 40">
@@ -26031,7 +26061,7 @@
             </p:txBody>
           </p:sp>
         </mc:Choice>
-        <mc:Fallback>
+        <mc:Fallback xmlns="">
           <p:sp>
             <p:nvSpPr>
               <p:cNvPr id="41" name="Rounded Rectangle 40">
@@ -26170,8 +26200,8 @@
           </a:fontRef>
         </p:style>
       </p:cxnSp>
-      <mc:AlternateContent xmlns:mc="http://schemas.openxmlformats.org/markup-compatibility/2006">
-        <mc:Choice xmlns:a14="http://schemas.microsoft.com/office/drawing/2010/main" Requires="a14">
+      <mc:AlternateContent xmlns:mc="http://schemas.openxmlformats.org/markup-compatibility/2006" xmlns:a14="http://schemas.microsoft.com/office/drawing/2010/main">
+        <mc:Choice Requires="a14">
           <p:sp>
             <p:nvSpPr>
               <p:cNvPr id="44" name="TextBox 43">
@@ -26240,7 +26270,7 @@
             </p:txBody>
           </p:sp>
         </mc:Choice>
-        <mc:Fallback>
+        <mc:Fallback xmlns="">
           <p:sp>
             <p:nvSpPr>
               <p:cNvPr id="44" name="TextBox 43">
@@ -26285,8 +26315,8 @@
           </p:sp>
         </mc:Fallback>
       </mc:AlternateContent>
-      <mc:AlternateContent xmlns:mc="http://schemas.openxmlformats.org/markup-compatibility/2006">
-        <mc:Choice xmlns:a14="http://schemas.microsoft.com/office/drawing/2010/main" Requires="a14">
+      <mc:AlternateContent xmlns:mc="http://schemas.openxmlformats.org/markup-compatibility/2006" xmlns:a14="http://schemas.microsoft.com/office/drawing/2010/main">
+        <mc:Choice Requires="a14">
           <p:sp>
             <p:nvSpPr>
               <p:cNvPr id="45" name="TextBox 44">
@@ -26355,7 +26385,7 @@
             </p:txBody>
           </p:sp>
         </mc:Choice>
-        <mc:Fallback>
+        <mc:Fallback xmlns="">
           <p:sp>
             <p:nvSpPr>
               <p:cNvPr id="45" name="TextBox 44">
@@ -26400,8 +26430,8 @@
           </p:sp>
         </mc:Fallback>
       </mc:AlternateContent>
-      <mc:AlternateContent xmlns:mc="http://schemas.openxmlformats.org/markup-compatibility/2006">
-        <mc:Choice xmlns:a14="http://schemas.microsoft.com/office/drawing/2010/main" Requires="a14">
+      <mc:AlternateContent xmlns:mc="http://schemas.openxmlformats.org/markup-compatibility/2006" xmlns:a14="http://schemas.microsoft.com/office/drawing/2010/main">
+        <mc:Choice Requires="a14">
           <p:sp>
             <p:nvSpPr>
               <p:cNvPr id="46" name="Oval 45">
@@ -26510,7 +26540,7 @@
             </p:txBody>
           </p:sp>
         </mc:Choice>
-        <mc:Fallback>
+        <mc:Fallback xmlns="">
           <p:sp>
             <p:nvSpPr>
               <p:cNvPr id="46" name="Oval 45">
@@ -26696,8 +26726,8 @@
           </a:fontRef>
         </p:style>
       </p:cxnSp>
-      <mc:AlternateContent xmlns:mc="http://schemas.openxmlformats.org/markup-compatibility/2006">
-        <mc:Choice xmlns:a14="http://schemas.microsoft.com/office/drawing/2010/main" Requires="a14">
+      <mc:AlternateContent xmlns:mc="http://schemas.openxmlformats.org/markup-compatibility/2006" xmlns:a14="http://schemas.microsoft.com/office/drawing/2010/main">
+        <mc:Choice Requires="a14">
           <p:sp>
             <p:nvSpPr>
               <p:cNvPr id="56" name="Oval 55">
@@ -26803,7 +26833,7 @@
             </p:txBody>
           </p:sp>
         </mc:Choice>
-        <mc:Fallback>
+        <mc:Fallback xmlns="">
           <p:sp>
             <p:nvSpPr>
               <p:cNvPr id="56" name="Oval 55">
@@ -26853,8 +26883,8 @@
           </p:sp>
         </mc:Fallback>
       </mc:AlternateContent>
-      <mc:AlternateContent xmlns:mc="http://schemas.openxmlformats.org/markup-compatibility/2006">
-        <mc:Choice xmlns:a14="http://schemas.microsoft.com/office/drawing/2010/main" Requires="a14">
+      <mc:AlternateContent xmlns:mc="http://schemas.openxmlformats.org/markup-compatibility/2006" xmlns:a14="http://schemas.microsoft.com/office/drawing/2010/main">
+        <mc:Choice Requires="a14">
           <p:sp>
             <p:nvSpPr>
               <p:cNvPr id="60" name="Rounded Rectangle 59">
@@ -26956,7 +26986,7 @@
             </p:txBody>
           </p:sp>
         </mc:Choice>
-        <mc:Fallback>
+        <mc:Fallback xmlns="">
           <p:sp>
             <p:nvSpPr>
               <p:cNvPr id="60" name="Rounded Rectangle 59">
@@ -27095,8 +27125,8 @@
           </a:fontRef>
         </p:style>
       </p:cxnSp>
-      <mc:AlternateContent xmlns:mc="http://schemas.openxmlformats.org/markup-compatibility/2006">
-        <mc:Choice xmlns:a14="http://schemas.microsoft.com/office/drawing/2010/main" Requires="a14">
+      <mc:AlternateContent xmlns:mc="http://schemas.openxmlformats.org/markup-compatibility/2006" xmlns:a14="http://schemas.microsoft.com/office/drawing/2010/main">
+        <mc:Choice Requires="a14">
           <p:sp>
             <p:nvSpPr>
               <p:cNvPr id="63" name="TextBox 62">
@@ -27165,7 +27195,7 @@
             </p:txBody>
           </p:sp>
         </mc:Choice>
-        <mc:Fallback>
+        <mc:Fallback xmlns="">
           <p:sp>
             <p:nvSpPr>
               <p:cNvPr id="63" name="TextBox 62">
@@ -27210,8 +27240,8 @@
           </p:sp>
         </mc:Fallback>
       </mc:AlternateContent>
-      <mc:AlternateContent xmlns:mc="http://schemas.openxmlformats.org/markup-compatibility/2006">
-        <mc:Choice xmlns:a14="http://schemas.microsoft.com/office/drawing/2010/main" Requires="a14">
+      <mc:AlternateContent xmlns:mc="http://schemas.openxmlformats.org/markup-compatibility/2006" xmlns:a14="http://schemas.microsoft.com/office/drawing/2010/main">
+        <mc:Choice Requires="a14">
           <p:sp>
             <p:nvSpPr>
               <p:cNvPr id="64" name="TextBox 63">
@@ -27280,7 +27310,7 @@
             </p:txBody>
           </p:sp>
         </mc:Choice>
-        <mc:Fallback>
+        <mc:Fallback xmlns="">
           <p:sp>
             <p:nvSpPr>
               <p:cNvPr id="64" name="TextBox 63">
@@ -27464,8 +27494,8 @@
           </a:p>
         </p:txBody>
       </p:sp>
-      <mc:AlternateContent xmlns:mc="http://schemas.openxmlformats.org/markup-compatibility/2006">
-        <mc:Choice xmlns:a14="http://schemas.microsoft.com/office/drawing/2010/main" Requires="a14">
+      <mc:AlternateContent xmlns:mc="http://schemas.openxmlformats.org/markup-compatibility/2006" xmlns:a14="http://schemas.microsoft.com/office/drawing/2010/main">
+        <mc:Choice Requires="a14">
           <p:sp>
             <p:nvSpPr>
               <p:cNvPr id="4" name="Oval 3">
@@ -27574,7 +27604,7 @@
             </p:txBody>
           </p:sp>
         </mc:Choice>
-        <mc:Fallback>
+        <mc:Fallback xmlns="">
           <p:sp>
             <p:nvSpPr>
               <p:cNvPr id="4" name="Oval 3">
@@ -27624,8 +27654,8 @@
           </p:sp>
         </mc:Fallback>
       </mc:AlternateContent>
-      <mc:AlternateContent xmlns:mc="http://schemas.openxmlformats.org/markup-compatibility/2006">
-        <mc:Choice xmlns:a14="http://schemas.microsoft.com/office/drawing/2010/main" Requires="a14">
+      <mc:AlternateContent xmlns:mc="http://schemas.openxmlformats.org/markup-compatibility/2006" xmlns:a14="http://schemas.microsoft.com/office/drawing/2010/main">
+        <mc:Choice Requires="a14">
           <p:sp>
             <p:nvSpPr>
               <p:cNvPr id="5" name="Rounded Rectangle 4">
@@ -27727,7 +27757,7 @@
             </p:txBody>
           </p:sp>
         </mc:Choice>
-        <mc:Fallback>
+        <mc:Fallback xmlns="">
           <p:sp>
             <p:nvSpPr>
               <p:cNvPr id="5" name="Rounded Rectangle 4">
@@ -27912,8 +27942,8 @@
           </a:fontRef>
         </p:style>
       </p:cxnSp>
-      <mc:AlternateContent xmlns:mc="http://schemas.openxmlformats.org/markup-compatibility/2006">
-        <mc:Choice xmlns:a14="http://schemas.microsoft.com/office/drawing/2010/main" Requires="a14">
+      <mc:AlternateContent xmlns:mc="http://schemas.openxmlformats.org/markup-compatibility/2006" xmlns:a14="http://schemas.microsoft.com/office/drawing/2010/main">
+        <mc:Choice Requires="a14">
           <p:sp>
             <p:nvSpPr>
               <p:cNvPr id="9" name="Rounded Rectangle 8">
@@ -28015,7 +28045,7 @@
             </p:txBody>
           </p:sp>
         </mc:Choice>
-        <mc:Fallback>
+        <mc:Fallback xmlns="">
           <p:sp>
             <p:nvSpPr>
               <p:cNvPr id="9" name="Rounded Rectangle 8">
@@ -28200,8 +28230,8 @@
           </a:fontRef>
         </p:style>
       </p:cxnSp>
-      <mc:AlternateContent xmlns:mc="http://schemas.openxmlformats.org/markup-compatibility/2006">
-        <mc:Choice xmlns:a14="http://schemas.microsoft.com/office/drawing/2010/main" Requires="a14">
+      <mc:AlternateContent xmlns:mc="http://schemas.openxmlformats.org/markup-compatibility/2006" xmlns:a14="http://schemas.microsoft.com/office/drawing/2010/main">
+        <mc:Choice Requires="a14">
           <p:sp>
             <p:nvSpPr>
               <p:cNvPr id="13" name="TextBox 12">
@@ -28270,7 +28300,7 @@
             </p:txBody>
           </p:sp>
         </mc:Choice>
-        <mc:Fallback>
+        <mc:Fallback xmlns="">
           <p:sp>
             <p:nvSpPr>
               <p:cNvPr id="13" name="TextBox 12">
@@ -28315,8 +28345,8 @@
           </p:sp>
         </mc:Fallback>
       </mc:AlternateContent>
-      <mc:AlternateContent xmlns:mc="http://schemas.openxmlformats.org/markup-compatibility/2006">
-        <mc:Choice xmlns:a14="http://schemas.microsoft.com/office/drawing/2010/main" Requires="a14">
+      <mc:AlternateContent xmlns:mc="http://schemas.openxmlformats.org/markup-compatibility/2006" xmlns:a14="http://schemas.microsoft.com/office/drawing/2010/main">
+        <mc:Choice Requires="a14">
           <p:sp>
             <p:nvSpPr>
               <p:cNvPr id="14" name="TextBox 13">
@@ -28385,7 +28415,7 @@
             </p:txBody>
           </p:sp>
         </mc:Choice>
-        <mc:Fallback>
+        <mc:Fallback xmlns="">
           <p:sp>
             <p:nvSpPr>
               <p:cNvPr id="14" name="TextBox 13">
@@ -28430,8 +28460,8 @@
           </p:sp>
         </mc:Fallback>
       </mc:AlternateContent>
-      <mc:AlternateContent xmlns:mc="http://schemas.openxmlformats.org/markup-compatibility/2006">
-        <mc:Choice xmlns:a14="http://schemas.microsoft.com/office/drawing/2010/main" Requires="a14">
+      <mc:AlternateContent xmlns:mc="http://schemas.openxmlformats.org/markup-compatibility/2006" xmlns:a14="http://schemas.microsoft.com/office/drawing/2010/main">
+        <mc:Choice Requires="a14">
           <p:sp>
             <p:nvSpPr>
               <p:cNvPr id="15" name="TextBox 14">
@@ -28500,7 +28530,7 @@
             </p:txBody>
           </p:sp>
         </mc:Choice>
-        <mc:Fallback>
+        <mc:Fallback xmlns="">
           <p:sp>
             <p:nvSpPr>
               <p:cNvPr id="15" name="TextBox 14">
@@ -28545,8 +28575,8 @@
           </p:sp>
         </mc:Fallback>
       </mc:AlternateContent>
-      <mc:AlternateContent xmlns:mc="http://schemas.openxmlformats.org/markup-compatibility/2006">
-        <mc:Choice xmlns:a14="http://schemas.microsoft.com/office/drawing/2010/main" Requires="a14">
+      <mc:AlternateContent xmlns:mc="http://schemas.openxmlformats.org/markup-compatibility/2006" xmlns:a14="http://schemas.microsoft.com/office/drawing/2010/main">
+        <mc:Choice Requires="a14">
           <p:sp>
             <p:nvSpPr>
               <p:cNvPr id="16" name="TextBox 15">
@@ -28615,7 +28645,7 @@
             </p:txBody>
           </p:sp>
         </mc:Choice>
-        <mc:Fallback>
+        <mc:Fallback xmlns="">
           <p:sp>
             <p:nvSpPr>
               <p:cNvPr id="16" name="TextBox 15">
@@ -28660,8 +28690,8 @@
           </p:sp>
         </mc:Fallback>
       </mc:AlternateContent>
-      <mc:AlternateContent xmlns:mc="http://schemas.openxmlformats.org/markup-compatibility/2006">
-        <mc:Choice xmlns:a14="http://schemas.microsoft.com/office/drawing/2010/main" Requires="a14">
+      <mc:AlternateContent xmlns:mc="http://schemas.openxmlformats.org/markup-compatibility/2006" xmlns:a14="http://schemas.microsoft.com/office/drawing/2010/main">
+        <mc:Choice Requires="a14">
           <p:sp>
             <p:nvSpPr>
               <p:cNvPr id="17" name="Oval 16">
@@ -28767,7 +28797,7 @@
             </p:txBody>
           </p:sp>
         </mc:Choice>
-        <mc:Fallback>
+        <mc:Fallback xmlns="">
           <p:sp>
             <p:nvSpPr>
               <p:cNvPr id="17" name="Oval 16">
@@ -28863,8 +28893,8 @@
           </a:fontRef>
         </p:style>
       </p:cxnSp>
-      <mc:AlternateContent xmlns:mc="http://schemas.openxmlformats.org/markup-compatibility/2006">
-        <mc:Choice xmlns:a14="http://schemas.microsoft.com/office/drawing/2010/main" Requires="a14">
+      <mc:AlternateContent xmlns:mc="http://schemas.openxmlformats.org/markup-compatibility/2006" xmlns:a14="http://schemas.microsoft.com/office/drawing/2010/main">
+        <mc:Choice Requires="a14">
           <p:sp>
             <p:nvSpPr>
               <p:cNvPr id="19" name="Rounded Rectangle 18">
@@ -28970,7 +29000,7 @@
             </p:txBody>
           </p:sp>
         </mc:Choice>
-        <mc:Fallback>
+        <mc:Fallback xmlns="">
           <p:sp>
             <p:nvSpPr>
               <p:cNvPr id="19" name="Rounded Rectangle 18">
@@ -29155,8 +29185,8 @@
           </a:fontRef>
         </p:style>
       </p:cxnSp>
-      <mc:AlternateContent xmlns:mc="http://schemas.openxmlformats.org/markup-compatibility/2006">
-        <mc:Choice xmlns:a14="http://schemas.microsoft.com/office/drawing/2010/main" Requires="a14">
+      <mc:AlternateContent xmlns:mc="http://schemas.openxmlformats.org/markup-compatibility/2006" xmlns:a14="http://schemas.microsoft.com/office/drawing/2010/main">
+        <mc:Choice Requires="a14">
           <p:sp>
             <p:nvSpPr>
               <p:cNvPr id="23" name="TextBox 22">
@@ -29225,7 +29255,7 @@
             </p:txBody>
           </p:sp>
         </mc:Choice>
-        <mc:Fallback>
+        <mc:Fallback xmlns="">
           <p:sp>
             <p:nvSpPr>
               <p:cNvPr id="23" name="TextBox 22">
@@ -29270,8 +29300,8 @@
           </p:sp>
         </mc:Fallback>
       </mc:AlternateContent>
-      <mc:AlternateContent xmlns:mc="http://schemas.openxmlformats.org/markup-compatibility/2006">
-        <mc:Choice xmlns:a14="http://schemas.microsoft.com/office/drawing/2010/main" Requires="a14">
+      <mc:AlternateContent xmlns:mc="http://schemas.openxmlformats.org/markup-compatibility/2006" xmlns:a14="http://schemas.microsoft.com/office/drawing/2010/main">
+        <mc:Choice Requires="a14">
           <p:sp>
             <p:nvSpPr>
               <p:cNvPr id="24" name="TextBox 23">
@@ -29340,7 +29370,7 @@
             </p:txBody>
           </p:sp>
         </mc:Choice>
-        <mc:Fallback>
+        <mc:Fallback xmlns="">
           <p:sp>
             <p:nvSpPr>
               <p:cNvPr id="24" name="TextBox 23">
@@ -29385,8 +29415,8 @@
           </p:sp>
         </mc:Fallback>
       </mc:AlternateContent>
-      <mc:AlternateContent xmlns:mc="http://schemas.openxmlformats.org/markup-compatibility/2006">
-        <mc:Choice xmlns:a14="http://schemas.microsoft.com/office/drawing/2010/main" Requires="a14">
+      <mc:AlternateContent xmlns:mc="http://schemas.openxmlformats.org/markup-compatibility/2006" xmlns:a14="http://schemas.microsoft.com/office/drawing/2010/main">
+        <mc:Choice Requires="a14">
           <p:sp>
             <p:nvSpPr>
               <p:cNvPr id="26" name="Rounded Rectangle 25">
@@ -29497,7 +29527,7 @@
             </p:txBody>
           </p:sp>
         </mc:Choice>
-        <mc:Fallback>
+        <mc:Fallback xmlns="">
           <p:sp>
             <p:nvSpPr>
               <p:cNvPr id="26" name="Rounded Rectangle 25">
@@ -29636,8 +29666,8 @@
           </a:fontRef>
         </p:style>
       </p:cxnSp>
-      <mc:AlternateContent xmlns:mc="http://schemas.openxmlformats.org/markup-compatibility/2006">
-        <mc:Choice xmlns:a14="http://schemas.microsoft.com/office/drawing/2010/main" Requires="a14">
+      <mc:AlternateContent xmlns:mc="http://schemas.openxmlformats.org/markup-compatibility/2006" xmlns:a14="http://schemas.microsoft.com/office/drawing/2010/main">
+        <mc:Choice Requires="a14">
           <p:sp>
             <p:nvSpPr>
               <p:cNvPr id="29" name="TextBox 28">
@@ -29712,7 +29742,7 @@
             </p:txBody>
           </p:sp>
         </mc:Choice>
-        <mc:Fallback>
+        <mc:Fallback xmlns="">
           <p:sp>
             <p:nvSpPr>
               <p:cNvPr id="29" name="TextBox 28">
@@ -29757,8 +29787,8 @@
           </p:sp>
         </mc:Fallback>
       </mc:AlternateContent>
-      <mc:AlternateContent xmlns:mc="http://schemas.openxmlformats.org/markup-compatibility/2006">
-        <mc:Choice xmlns:a14="http://schemas.microsoft.com/office/drawing/2010/main" Requires="a14">
+      <mc:AlternateContent xmlns:mc="http://schemas.openxmlformats.org/markup-compatibility/2006" xmlns:a14="http://schemas.microsoft.com/office/drawing/2010/main">
+        <mc:Choice Requires="a14">
           <p:sp>
             <p:nvSpPr>
               <p:cNvPr id="30" name="TextBox 29">
@@ -29833,7 +29863,7 @@
             </p:txBody>
           </p:sp>
         </mc:Choice>
-        <mc:Fallback>
+        <mc:Fallback xmlns="">
           <p:sp>
             <p:nvSpPr>
               <p:cNvPr id="30" name="TextBox 29">
@@ -29924,8 +29954,8 @@
           </a:fontRef>
         </p:style>
       </p:cxnSp>
-      <mc:AlternateContent xmlns:mc="http://schemas.openxmlformats.org/markup-compatibility/2006">
-        <mc:Choice xmlns:a14="http://schemas.microsoft.com/office/drawing/2010/main" Requires="a14">
+      <mc:AlternateContent xmlns:mc="http://schemas.openxmlformats.org/markup-compatibility/2006" xmlns:a14="http://schemas.microsoft.com/office/drawing/2010/main">
+        <mc:Choice Requires="a14">
           <p:sp>
             <p:nvSpPr>
               <p:cNvPr id="35" name="Oval 34">
@@ -30034,7 +30064,7 @@
             </p:txBody>
           </p:sp>
         </mc:Choice>
-        <mc:Fallback>
+        <mc:Fallback xmlns="">
           <p:sp>
             <p:nvSpPr>
               <p:cNvPr id="35" name="Oval 34">
@@ -30264,8 +30294,8 @@
           </a:p>
         </p:txBody>
       </p:sp>
-      <mc:AlternateContent xmlns:mc="http://schemas.openxmlformats.org/markup-compatibility/2006">
-        <mc:Choice xmlns:a14="http://schemas.microsoft.com/office/drawing/2010/main" Requires="a14">
+      <mc:AlternateContent xmlns:mc="http://schemas.openxmlformats.org/markup-compatibility/2006" xmlns:a14="http://schemas.microsoft.com/office/drawing/2010/main">
+        <mc:Choice Requires="a14">
           <p:sp>
             <p:nvSpPr>
               <p:cNvPr id="4" name="Oval 3">
@@ -30374,7 +30404,7 @@
             </p:txBody>
           </p:sp>
         </mc:Choice>
-        <mc:Fallback>
+        <mc:Fallback xmlns="">
           <p:sp>
             <p:nvSpPr>
               <p:cNvPr id="4" name="Oval 3">
@@ -30424,8 +30454,8 @@
           </p:sp>
         </mc:Fallback>
       </mc:AlternateContent>
-      <mc:AlternateContent xmlns:mc="http://schemas.openxmlformats.org/markup-compatibility/2006">
-        <mc:Choice xmlns:a14="http://schemas.microsoft.com/office/drawing/2010/main" Requires="a14">
+      <mc:AlternateContent xmlns:mc="http://schemas.openxmlformats.org/markup-compatibility/2006" xmlns:a14="http://schemas.microsoft.com/office/drawing/2010/main">
+        <mc:Choice Requires="a14">
           <p:sp>
             <p:nvSpPr>
               <p:cNvPr id="5" name="Rounded Rectangle 4">
@@ -30527,7 +30557,7 @@
             </p:txBody>
           </p:sp>
         </mc:Choice>
-        <mc:Fallback>
+        <mc:Fallback xmlns="">
           <p:sp>
             <p:nvSpPr>
               <p:cNvPr id="5" name="Rounded Rectangle 4">
@@ -30712,8 +30742,8 @@
           </a:fontRef>
         </p:style>
       </p:cxnSp>
-      <mc:AlternateContent xmlns:mc="http://schemas.openxmlformats.org/markup-compatibility/2006">
-        <mc:Choice xmlns:a14="http://schemas.microsoft.com/office/drawing/2010/main" Requires="a14">
+      <mc:AlternateContent xmlns:mc="http://schemas.openxmlformats.org/markup-compatibility/2006" xmlns:a14="http://schemas.microsoft.com/office/drawing/2010/main">
+        <mc:Choice Requires="a14">
           <p:sp>
             <p:nvSpPr>
               <p:cNvPr id="9" name="Rounded Rectangle 8">
@@ -30815,7 +30845,7 @@
             </p:txBody>
           </p:sp>
         </mc:Choice>
-        <mc:Fallback>
+        <mc:Fallback xmlns="">
           <p:sp>
             <p:nvSpPr>
               <p:cNvPr id="9" name="Rounded Rectangle 8">
@@ -31000,8 +31030,8 @@
           </a:fontRef>
         </p:style>
       </p:cxnSp>
-      <mc:AlternateContent xmlns:mc="http://schemas.openxmlformats.org/markup-compatibility/2006">
-        <mc:Choice xmlns:a14="http://schemas.microsoft.com/office/drawing/2010/main" Requires="a14">
+      <mc:AlternateContent xmlns:mc="http://schemas.openxmlformats.org/markup-compatibility/2006" xmlns:a14="http://schemas.microsoft.com/office/drawing/2010/main">
+        <mc:Choice Requires="a14">
           <p:sp>
             <p:nvSpPr>
               <p:cNvPr id="13" name="TextBox 12">
@@ -31070,7 +31100,7 @@
             </p:txBody>
           </p:sp>
         </mc:Choice>
-        <mc:Fallback>
+        <mc:Fallback xmlns="">
           <p:sp>
             <p:nvSpPr>
               <p:cNvPr id="13" name="TextBox 12">
@@ -31115,8 +31145,8 @@
           </p:sp>
         </mc:Fallback>
       </mc:AlternateContent>
-      <mc:AlternateContent xmlns:mc="http://schemas.openxmlformats.org/markup-compatibility/2006">
-        <mc:Choice xmlns:a14="http://schemas.microsoft.com/office/drawing/2010/main" Requires="a14">
+      <mc:AlternateContent xmlns:mc="http://schemas.openxmlformats.org/markup-compatibility/2006" xmlns:a14="http://schemas.microsoft.com/office/drawing/2010/main">
+        <mc:Choice Requires="a14">
           <p:sp>
             <p:nvSpPr>
               <p:cNvPr id="14" name="TextBox 13">
@@ -31185,7 +31215,7 @@
             </p:txBody>
           </p:sp>
         </mc:Choice>
-        <mc:Fallback>
+        <mc:Fallback xmlns="">
           <p:sp>
             <p:nvSpPr>
               <p:cNvPr id="14" name="TextBox 13">
@@ -31230,8 +31260,8 @@
           </p:sp>
         </mc:Fallback>
       </mc:AlternateContent>
-      <mc:AlternateContent xmlns:mc="http://schemas.openxmlformats.org/markup-compatibility/2006">
-        <mc:Choice xmlns:a14="http://schemas.microsoft.com/office/drawing/2010/main" Requires="a14">
+      <mc:AlternateContent xmlns:mc="http://schemas.openxmlformats.org/markup-compatibility/2006" xmlns:a14="http://schemas.microsoft.com/office/drawing/2010/main">
+        <mc:Choice Requires="a14">
           <p:sp>
             <p:nvSpPr>
               <p:cNvPr id="15" name="TextBox 14">
@@ -31300,7 +31330,7 @@
             </p:txBody>
           </p:sp>
         </mc:Choice>
-        <mc:Fallback>
+        <mc:Fallback xmlns="">
           <p:sp>
             <p:nvSpPr>
               <p:cNvPr id="15" name="TextBox 14">
@@ -31345,8 +31375,8 @@
           </p:sp>
         </mc:Fallback>
       </mc:AlternateContent>
-      <mc:AlternateContent xmlns:mc="http://schemas.openxmlformats.org/markup-compatibility/2006">
-        <mc:Choice xmlns:a14="http://schemas.microsoft.com/office/drawing/2010/main" Requires="a14">
+      <mc:AlternateContent xmlns:mc="http://schemas.openxmlformats.org/markup-compatibility/2006" xmlns:a14="http://schemas.microsoft.com/office/drawing/2010/main">
+        <mc:Choice Requires="a14">
           <p:sp>
             <p:nvSpPr>
               <p:cNvPr id="16" name="TextBox 15">
@@ -31415,7 +31445,7 @@
             </p:txBody>
           </p:sp>
         </mc:Choice>
-        <mc:Fallback>
+        <mc:Fallback xmlns="">
           <p:sp>
             <p:nvSpPr>
               <p:cNvPr id="16" name="TextBox 15">
@@ -31460,8 +31490,8 @@
           </p:sp>
         </mc:Fallback>
       </mc:AlternateContent>
-      <mc:AlternateContent xmlns:mc="http://schemas.openxmlformats.org/markup-compatibility/2006">
-        <mc:Choice xmlns:a14="http://schemas.microsoft.com/office/drawing/2010/main" Requires="a14">
+      <mc:AlternateContent xmlns:mc="http://schemas.openxmlformats.org/markup-compatibility/2006" xmlns:a14="http://schemas.microsoft.com/office/drawing/2010/main">
+        <mc:Choice Requires="a14">
           <p:sp>
             <p:nvSpPr>
               <p:cNvPr id="17" name="Oval 16">
@@ -31567,7 +31597,7 @@
             </p:txBody>
           </p:sp>
         </mc:Choice>
-        <mc:Fallback>
+        <mc:Fallback xmlns="">
           <p:sp>
             <p:nvSpPr>
               <p:cNvPr id="17" name="Oval 16">
@@ -31663,8 +31693,8 @@
           </a:fontRef>
         </p:style>
       </p:cxnSp>
-      <mc:AlternateContent xmlns:mc="http://schemas.openxmlformats.org/markup-compatibility/2006">
-        <mc:Choice xmlns:a14="http://schemas.microsoft.com/office/drawing/2010/main" Requires="a14">
+      <mc:AlternateContent xmlns:mc="http://schemas.openxmlformats.org/markup-compatibility/2006" xmlns:a14="http://schemas.microsoft.com/office/drawing/2010/main">
+        <mc:Choice Requires="a14">
           <p:sp>
             <p:nvSpPr>
               <p:cNvPr id="19" name="Rounded Rectangle 18">
@@ -31770,7 +31800,7 @@
             </p:txBody>
           </p:sp>
         </mc:Choice>
-        <mc:Fallback>
+        <mc:Fallback xmlns="">
           <p:sp>
             <p:nvSpPr>
               <p:cNvPr id="19" name="Rounded Rectangle 18">
@@ -31955,8 +31985,8 @@
           </a:fontRef>
         </p:style>
       </p:cxnSp>
-      <mc:AlternateContent xmlns:mc="http://schemas.openxmlformats.org/markup-compatibility/2006">
-        <mc:Choice xmlns:a14="http://schemas.microsoft.com/office/drawing/2010/main" Requires="a14">
+      <mc:AlternateContent xmlns:mc="http://schemas.openxmlformats.org/markup-compatibility/2006" xmlns:a14="http://schemas.microsoft.com/office/drawing/2010/main">
+        <mc:Choice Requires="a14">
           <p:sp>
             <p:nvSpPr>
               <p:cNvPr id="23" name="TextBox 22">
@@ -32025,7 +32055,7 @@
             </p:txBody>
           </p:sp>
         </mc:Choice>
-        <mc:Fallback>
+        <mc:Fallback xmlns="">
           <p:sp>
             <p:nvSpPr>
               <p:cNvPr id="23" name="TextBox 22">
@@ -32070,8 +32100,8 @@
           </p:sp>
         </mc:Fallback>
       </mc:AlternateContent>
-      <mc:AlternateContent xmlns:mc="http://schemas.openxmlformats.org/markup-compatibility/2006">
-        <mc:Choice xmlns:a14="http://schemas.microsoft.com/office/drawing/2010/main" Requires="a14">
+      <mc:AlternateContent xmlns:mc="http://schemas.openxmlformats.org/markup-compatibility/2006" xmlns:a14="http://schemas.microsoft.com/office/drawing/2010/main">
+        <mc:Choice Requires="a14">
           <p:sp>
             <p:nvSpPr>
               <p:cNvPr id="24" name="TextBox 23">
@@ -32140,7 +32170,7 @@
             </p:txBody>
           </p:sp>
         </mc:Choice>
-        <mc:Fallback>
+        <mc:Fallback xmlns="">
           <p:sp>
             <p:nvSpPr>
               <p:cNvPr id="24" name="TextBox 23">
@@ -32185,8 +32215,8 @@
           </p:sp>
         </mc:Fallback>
       </mc:AlternateContent>
-      <mc:AlternateContent xmlns:mc="http://schemas.openxmlformats.org/markup-compatibility/2006">
-        <mc:Choice xmlns:a14="http://schemas.microsoft.com/office/drawing/2010/main" Requires="a14">
+      <mc:AlternateContent xmlns:mc="http://schemas.openxmlformats.org/markup-compatibility/2006" xmlns:a14="http://schemas.microsoft.com/office/drawing/2010/main">
+        <mc:Choice Requires="a14">
           <p:sp>
             <p:nvSpPr>
               <p:cNvPr id="25" name="Rounded Rectangle 24">
@@ -32297,7 +32327,7 @@
             </p:txBody>
           </p:sp>
         </mc:Choice>
-        <mc:Fallback>
+        <mc:Fallback xmlns="">
           <p:sp>
             <p:nvSpPr>
               <p:cNvPr id="25" name="Rounded Rectangle 24">
@@ -32436,8 +32466,8 @@
           </a:fontRef>
         </p:style>
       </p:cxnSp>
-      <mc:AlternateContent xmlns:mc="http://schemas.openxmlformats.org/markup-compatibility/2006">
-        <mc:Choice xmlns:a14="http://schemas.microsoft.com/office/drawing/2010/main" Requires="a14">
+      <mc:AlternateContent xmlns:mc="http://schemas.openxmlformats.org/markup-compatibility/2006" xmlns:a14="http://schemas.microsoft.com/office/drawing/2010/main">
+        <mc:Choice Requires="a14">
           <p:sp>
             <p:nvSpPr>
               <p:cNvPr id="28" name="TextBox 27">
@@ -32512,7 +32542,7 @@
             </p:txBody>
           </p:sp>
         </mc:Choice>
-        <mc:Fallback>
+        <mc:Fallback xmlns="">
           <p:sp>
             <p:nvSpPr>
               <p:cNvPr id="28" name="TextBox 27">
@@ -32557,8 +32587,8 @@
           </p:sp>
         </mc:Fallback>
       </mc:AlternateContent>
-      <mc:AlternateContent xmlns:mc="http://schemas.openxmlformats.org/markup-compatibility/2006">
-        <mc:Choice xmlns:a14="http://schemas.microsoft.com/office/drawing/2010/main" Requires="a14">
+      <mc:AlternateContent xmlns:mc="http://schemas.openxmlformats.org/markup-compatibility/2006" xmlns:a14="http://schemas.microsoft.com/office/drawing/2010/main">
+        <mc:Choice Requires="a14">
           <p:sp>
             <p:nvSpPr>
               <p:cNvPr id="29" name="TextBox 28">
@@ -32633,7 +32663,7 @@
             </p:txBody>
           </p:sp>
         </mc:Choice>
-        <mc:Fallback>
+        <mc:Fallback xmlns="">
           <p:sp>
             <p:nvSpPr>
               <p:cNvPr id="29" name="TextBox 28">
@@ -32724,8 +32754,8 @@
           </a:fontRef>
         </p:style>
       </p:cxnSp>
-      <mc:AlternateContent xmlns:mc="http://schemas.openxmlformats.org/markup-compatibility/2006">
-        <mc:Choice xmlns:a14="http://schemas.microsoft.com/office/drawing/2010/main" Requires="a14">
+      <mc:AlternateContent xmlns:mc="http://schemas.openxmlformats.org/markup-compatibility/2006" xmlns:a14="http://schemas.microsoft.com/office/drawing/2010/main">
+        <mc:Choice Requires="a14">
           <p:sp>
             <p:nvSpPr>
               <p:cNvPr id="31" name="Oval 30">
@@ -32834,7 +32864,7 @@
             </p:txBody>
           </p:sp>
         </mc:Choice>
-        <mc:Fallback>
+        <mc:Fallback xmlns="">
           <p:sp>
             <p:nvSpPr>
               <p:cNvPr id="31" name="Oval 30">
@@ -33055,8 +33085,8 @@
           </a:fontRef>
         </p:style>
       </p:cxnSp>
-      <mc:AlternateContent xmlns:mc="http://schemas.openxmlformats.org/markup-compatibility/2006">
-        <mc:Choice xmlns:a14="http://schemas.microsoft.com/office/drawing/2010/main" Requires="a14">
+      <mc:AlternateContent xmlns:mc="http://schemas.openxmlformats.org/markup-compatibility/2006" xmlns:a14="http://schemas.microsoft.com/office/drawing/2010/main">
+        <mc:Choice Requires="a14">
           <p:sp>
             <p:nvSpPr>
               <p:cNvPr id="36" name="Oval 35">
@@ -33165,7 +33195,7 @@
             </p:txBody>
           </p:sp>
         </mc:Choice>
-        <mc:Fallback>
+        <mc:Fallback xmlns="">
           <p:sp>
             <p:nvSpPr>
               <p:cNvPr id="36" name="Oval 35">
@@ -33215,8 +33245,8 @@
           </p:sp>
         </mc:Fallback>
       </mc:AlternateContent>
-      <mc:AlternateContent xmlns:mc="http://schemas.openxmlformats.org/markup-compatibility/2006">
-        <mc:Choice xmlns:a14="http://schemas.microsoft.com/office/drawing/2010/main" Requires="a14">
+      <mc:AlternateContent xmlns:mc="http://schemas.openxmlformats.org/markup-compatibility/2006" xmlns:a14="http://schemas.microsoft.com/office/drawing/2010/main">
+        <mc:Choice Requires="a14">
           <p:sp>
             <p:nvSpPr>
               <p:cNvPr id="37" name="Rounded Rectangle 36">
@@ -33318,7 +33348,7 @@
             </p:txBody>
           </p:sp>
         </mc:Choice>
-        <mc:Fallback>
+        <mc:Fallback xmlns="">
           <p:sp>
             <p:nvSpPr>
               <p:cNvPr id="37" name="Rounded Rectangle 36">
@@ -33503,8 +33533,8 @@
           </a:fontRef>
         </p:style>
       </p:cxnSp>
-      <mc:AlternateContent xmlns:mc="http://schemas.openxmlformats.org/markup-compatibility/2006">
-        <mc:Choice xmlns:a14="http://schemas.microsoft.com/office/drawing/2010/main" Requires="a14">
+      <mc:AlternateContent xmlns:mc="http://schemas.openxmlformats.org/markup-compatibility/2006" xmlns:a14="http://schemas.microsoft.com/office/drawing/2010/main">
+        <mc:Choice Requires="a14">
           <p:sp>
             <p:nvSpPr>
               <p:cNvPr id="41" name="Rounded Rectangle 40">
@@ -33581,7 +33611,7 @@
             </p:txBody>
           </p:sp>
         </mc:Choice>
-        <mc:Fallback>
+        <mc:Fallback xmlns="">
           <p:sp>
             <p:nvSpPr>
               <p:cNvPr id="41" name="Rounded Rectangle 40">
@@ -33766,8 +33796,8 @@
           </a:fontRef>
         </p:style>
       </p:cxnSp>
-      <mc:AlternateContent xmlns:mc="http://schemas.openxmlformats.org/markup-compatibility/2006">
-        <mc:Choice xmlns:a14="http://schemas.microsoft.com/office/drawing/2010/main" Requires="a14">
+      <mc:AlternateContent xmlns:mc="http://schemas.openxmlformats.org/markup-compatibility/2006" xmlns:a14="http://schemas.microsoft.com/office/drawing/2010/main">
+        <mc:Choice Requires="a14">
           <p:sp>
             <p:nvSpPr>
               <p:cNvPr id="45" name="TextBox 44">
@@ -33836,7 +33866,7 @@
             </p:txBody>
           </p:sp>
         </mc:Choice>
-        <mc:Fallback>
+        <mc:Fallback xmlns="">
           <p:sp>
             <p:nvSpPr>
               <p:cNvPr id="45" name="TextBox 44">
@@ -33881,8 +33911,8 @@
           </p:sp>
         </mc:Fallback>
       </mc:AlternateContent>
-      <mc:AlternateContent xmlns:mc="http://schemas.openxmlformats.org/markup-compatibility/2006">
-        <mc:Choice xmlns:a14="http://schemas.microsoft.com/office/drawing/2010/main" Requires="a14">
+      <mc:AlternateContent xmlns:mc="http://schemas.openxmlformats.org/markup-compatibility/2006" xmlns:a14="http://schemas.microsoft.com/office/drawing/2010/main">
+        <mc:Choice Requires="a14">
           <p:sp>
             <p:nvSpPr>
               <p:cNvPr id="46" name="TextBox 45">
@@ -33932,7 +33962,7 @@
             </p:txBody>
           </p:sp>
         </mc:Choice>
-        <mc:Fallback>
+        <mc:Fallback xmlns="">
           <p:sp>
             <p:nvSpPr>
               <p:cNvPr id="46" name="TextBox 45">
@@ -33977,8 +34007,8 @@
           </p:sp>
         </mc:Fallback>
       </mc:AlternateContent>
-      <mc:AlternateContent xmlns:mc="http://schemas.openxmlformats.org/markup-compatibility/2006">
-        <mc:Choice xmlns:a14="http://schemas.microsoft.com/office/drawing/2010/main" Requires="a14">
+      <mc:AlternateContent xmlns:mc="http://schemas.openxmlformats.org/markup-compatibility/2006" xmlns:a14="http://schemas.microsoft.com/office/drawing/2010/main">
+        <mc:Choice Requires="a14">
           <p:sp>
             <p:nvSpPr>
               <p:cNvPr id="47" name="TextBox 46">
@@ -34047,7 +34077,7 @@
             </p:txBody>
           </p:sp>
         </mc:Choice>
-        <mc:Fallback>
+        <mc:Fallback xmlns="">
           <p:sp>
             <p:nvSpPr>
               <p:cNvPr id="47" name="TextBox 46">
@@ -34092,8 +34122,8 @@
           </p:sp>
         </mc:Fallback>
       </mc:AlternateContent>
-      <mc:AlternateContent xmlns:mc="http://schemas.openxmlformats.org/markup-compatibility/2006">
-        <mc:Choice xmlns:a14="http://schemas.microsoft.com/office/drawing/2010/main" Requires="a14">
+      <mc:AlternateContent xmlns:mc="http://schemas.openxmlformats.org/markup-compatibility/2006" xmlns:a14="http://schemas.microsoft.com/office/drawing/2010/main">
+        <mc:Choice Requires="a14">
           <p:sp>
             <p:nvSpPr>
               <p:cNvPr id="48" name="TextBox 47">
@@ -34143,7 +34173,7 @@
             </p:txBody>
           </p:sp>
         </mc:Choice>
-        <mc:Fallback>
+        <mc:Fallback xmlns="">
           <p:sp>
             <p:nvSpPr>
               <p:cNvPr id="48" name="TextBox 47">
@@ -34188,8 +34218,8 @@
           </p:sp>
         </mc:Fallback>
       </mc:AlternateContent>
-      <mc:AlternateContent xmlns:mc="http://schemas.openxmlformats.org/markup-compatibility/2006">
-        <mc:Choice xmlns:a14="http://schemas.microsoft.com/office/drawing/2010/main" Requires="a14">
+      <mc:AlternateContent xmlns:mc="http://schemas.openxmlformats.org/markup-compatibility/2006" xmlns:a14="http://schemas.microsoft.com/office/drawing/2010/main">
+        <mc:Choice Requires="a14">
           <p:sp>
             <p:nvSpPr>
               <p:cNvPr id="49" name="Rounded Rectangle 48">
@@ -34291,7 +34321,7 @@
             </p:txBody>
           </p:sp>
         </mc:Choice>
-        <mc:Fallback>
+        <mc:Fallback xmlns="">
           <p:sp>
             <p:nvSpPr>
               <p:cNvPr id="49" name="Rounded Rectangle 48">
@@ -34430,8 +34460,8 @@
           </a:fontRef>
         </p:style>
       </p:cxnSp>
-      <mc:AlternateContent xmlns:mc="http://schemas.openxmlformats.org/markup-compatibility/2006">
-        <mc:Choice xmlns:a14="http://schemas.microsoft.com/office/drawing/2010/main" Requires="a14">
+      <mc:AlternateContent xmlns:mc="http://schemas.openxmlformats.org/markup-compatibility/2006" xmlns:a14="http://schemas.microsoft.com/office/drawing/2010/main">
+        <mc:Choice Requires="a14">
           <p:sp>
             <p:nvSpPr>
               <p:cNvPr id="52" name="TextBox 51">
@@ -34500,7 +34530,7 @@
             </p:txBody>
           </p:sp>
         </mc:Choice>
-        <mc:Fallback>
+        <mc:Fallback xmlns="">
           <p:sp>
             <p:nvSpPr>
               <p:cNvPr id="52" name="TextBox 51">
@@ -34545,8 +34575,8 @@
           </p:sp>
         </mc:Fallback>
       </mc:AlternateContent>
-      <mc:AlternateContent xmlns:mc="http://schemas.openxmlformats.org/markup-compatibility/2006">
-        <mc:Choice xmlns:a14="http://schemas.microsoft.com/office/drawing/2010/main" Requires="a14">
+      <mc:AlternateContent xmlns:mc="http://schemas.openxmlformats.org/markup-compatibility/2006" xmlns:a14="http://schemas.microsoft.com/office/drawing/2010/main">
+        <mc:Choice Requires="a14">
           <p:sp>
             <p:nvSpPr>
               <p:cNvPr id="53" name="TextBox 52">
@@ -34615,7 +34645,7 @@
             </p:txBody>
           </p:sp>
         </mc:Choice>
-        <mc:Fallback>
+        <mc:Fallback xmlns="">
           <p:sp>
             <p:nvSpPr>
               <p:cNvPr id="53" name="TextBox 52">
@@ -34660,8 +34690,8 @@
           </p:sp>
         </mc:Fallback>
       </mc:AlternateContent>
-      <mc:AlternateContent xmlns:mc="http://schemas.openxmlformats.org/markup-compatibility/2006">
-        <mc:Choice xmlns:a14="http://schemas.microsoft.com/office/drawing/2010/main" Requires="a14">
+      <mc:AlternateContent xmlns:mc="http://schemas.openxmlformats.org/markup-compatibility/2006" xmlns:a14="http://schemas.microsoft.com/office/drawing/2010/main">
+        <mc:Choice Requires="a14">
           <p:sp>
             <p:nvSpPr>
               <p:cNvPr id="54" name="Oval 53">
@@ -34770,7 +34800,7 @@
             </p:txBody>
           </p:sp>
         </mc:Choice>
-        <mc:Fallback>
+        <mc:Fallback xmlns="">
           <p:sp>
             <p:nvSpPr>
               <p:cNvPr id="54" name="Oval 53">
@@ -34956,8 +34986,8 @@
           </a:fontRef>
         </p:style>
       </p:cxnSp>
-      <mc:AlternateContent xmlns:mc="http://schemas.openxmlformats.org/markup-compatibility/2006">
-        <mc:Choice xmlns:a14="http://schemas.microsoft.com/office/drawing/2010/main" Requires="a14">
+      <mc:AlternateContent xmlns:mc="http://schemas.openxmlformats.org/markup-compatibility/2006" xmlns:a14="http://schemas.microsoft.com/office/drawing/2010/main">
+        <mc:Choice Requires="a14">
           <p:sp>
             <p:nvSpPr>
               <p:cNvPr id="58" name="Oval 57">
@@ -35063,7 +35093,7 @@
             </p:txBody>
           </p:sp>
         </mc:Choice>
-        <mc:Fallback>
+        <mc:Fallback xmlns="">
           <p:sp>
             <p:nvSpPr>
               <p:cNvPr id="58" name="Oval 57">
@@ -35113,8 +35143,8 @@
           </p:sp>
         </mc:Fallback>
       </mc:AlternateContent>
-      <mc:AlternateContent xmlns:mc="http://schemas.openxmlformats.org/markup-compatibility/2006">
-        <mc:Choice xmlns:a14="http://schemas.microsoft.com/office/drawing/2010/main" Requires="a14">
+      <mc:AlternateContent xmlns:mc="http://schemas.openxmlformats.org/markup-compatibility/2006" xmlns:a14="http://schemas.microsoft.com/office/drawing/2010/main">
+        <mc:Choice Requires="a14">
           <p:sp>
             <p:nvSpPr>
               <p:cNvPr id="59" name="Rounded Rectangle 58">
@@ -35216,7 +35246,7 @@
             </p:txBody>
           </p:sp>
         </mc:Choice>
-        <mc:Fallback>
+        <mc:Fallback xmlns="">
           <p:sp>
             <p:nvSpPr>
               <p:cNvPr id="59" name="Rounded Rectangle 58">
@@ -35355,8 +35385,8 @@
           </a:fontRef>
         </p:style>
       </p:cxnSp>
-      <mc:AlternateContent xmlns:mc="http://schemas.openxmlformats.org/markup-compatibility/2006">
-        <mc:Choice xmlns:a14="http://schemas.microsoft.com/office/drawing/2010/main" Requires="a14">
+      <mc:AlternateContent xmlns:mc="http://schemas.openxmlformats.org/markup-compatibility/2006" xmlns:a14="http://schemas.microsoft.com/office/drawing/2010/main">
+        <mc:Choice Requires="a14">
           <p:sp>
             <p:nvSpPr>
               <p:cNvPr id="62" name="TextBox 61">
@@ -35425,7 +35455,7 @@
             </p:txBody>
           </p:sp>
         </mc:Choice>
-        <mc:Fallback>
+        <mc:Fallback xmlns="">
           <p:sp>
             <p:nvSpPr>
               <p:cNvPr id="62" name="TextBox 61">
@@ -35470,8 +35500,8 @@
           </p:sp>
         </mc:Fallback>
       </mc:AlternateContent>
-      <mc:AlternateContent xmlns:mc="http://schemas.openxmlformats.org/markup-compatibility/2006">
-        <mc:Choice xmlns:a14="http://schemas.microsoft.com/office/drawing/2010/main" Requires="a14">
+      <mc:AlternateContent xmlns:mc="http://schemas.openxmlformats.org/markup-compatibility/2006" xmlns:a14="http://schemas.microsoft.com/office/drawing/2010/main">
+        <mc:Choice Requires="a14">
           <p:sp>
             <p:nvSpPr>
               <p:cNvPr id="63" name="TextBox 62">
@@ -35540,7 +35570,7 @@
             </p:txBody>
           </p:sp>
         </mc:Choice>
-        <mc:Fallback>
+        <mc:Fallback xmlns="">
           <p:sp>
             <p:nvSpPr>
               <p:cNvPr id="63" name="TextBox 62">
@@ -35666,8 +35696,8 @@
           </a:fontRef>
         </p:style>
       </p:cxnSp>
-      <mc:AlternateContent xmlns:mc="http://schemas.openxmlformats.org/markup-compatibility/2006">
-        <mc:Choice xmlns:a14="http://schemas.microsoft.com/office/drawing/2010/main" Requires="a14">
+      <mc:AlternateContent xmlns:mc="http://schemas.openxmlformats.org/markup-compatibility/2006" xmlns:a14="http://schemas.microsoft.com/office/drawing/2010/main">
+        <mc:Choice Requires="a14">
           <p:sp>
             <p:nvSpPr>
               <p:cNvPr id="66" name="Oval 65">
@@ -35776,7 +35806,7 @@
             </p:txBody>
           </p:sp>
         </mc:Choice>
-        <mc:Fallback>
+        <mc:Fallback xmlns="">
           <p:sp>
             <p:nvSpPr>
               <p:cNvPr id="66" name="Oval 65">
@@ -35826,8 +35856,8 @@
           </p:sp>
         </mc:Fallback>
       </mc:AlternateContent>
-      <mc:AlternateContent xmlns:mc="http://schemas.openxmlformats.org/markup-compatibility/2006">
-        <mc:Choice xmlns:a14="http://schemas.microsoft.com/office/drawing/2010/main" Requires="a14">
+      <mc:AlternateContent xmlns:mc="http://schemas.openxmlformats.org/markup-compatibility/2006" xmlns:a14="http://schemas.microsoft.com/office/drawing/2010/main">
+        <mc:Choice Requires="a14">
           <p:sp>
             <p:nvSpPr>
               <p:cNvPr id="67" name="Rounded Rectangle 66">
@@ -35929,7 +35959,7 @@
             </p:txBody>
           </p:sp>
         </mc:Choice>
-        <mc:Fallback>
+        <mc:Fallback xmlns="">
           <p:sp>
             <p:nvSpPr>
               <p:cNvPr id="67" name="Rounded Rectangle 66">
@@ -36114,8 +36144,8 @@
           </a:fontRef>
         </p:style>
       </p:cxnSp>
-      <mc:AlternateContent xmlns:mc="http://schemas.openxmlformats.org/markup-compatibility/2006">
-        <mc:Choice xmlns:a14="http://schemas.microsoft.com/office/drawing/2010/main" Requires="a14">
+      <mc:AlternateContent xmlns:mc="http://schemas.openxmlformats.org/markup-compatibility/2006" xmlns:a14="http://schemas.microsoft.com/office/drawing/2010/main">
+        <mc:Choice Requires="a14">
           <p:sp>
             <p:nvSpPr>
               <p:cNvPr id="71" name="Rounded Rectangle 70">
@@ -36192,7 +36222,7 @@
             </p:txBody>
           </p:sp>
         </mc:Choice>
-        <mc:Fallback>
+        <mc:Fallback xmlns="">
           <p:sp>
             <p:nvSpPr>
               <p:cNvPr id="71" name="Rounded Rectangle 70">
@@ -36377,8 +36407,8 @@
           </a:fontRef>
         </p:style>
       </p:cxnSp>
-      <mc:AlternateContent xmlns:mc="http://schemas.openxmlformats.org/markup-compatibility/2006">
-        <mc:Choice xmlns:a14="http://schemas.microsoft.com/office/drawing/2010/main" Requires="a14">
+      <mc:AlternateContent xmlns:mc="http://schemas.openxmlformats.org/markup-compatibility/2006" xmlns:a14="http://schemas.microsoft.com/office/drawing/2010/main">
+        <mc:Choice Requires="a14">
           <p:sp>
             <p:nvSpPr>
               <p:cNvPr id="75" name="TextBox 74">
@@ -36447,7 +36477,7 @@
             </p:txBody>
           </p:sp>
         </mc:Choice>
-        <mc:Fallback>
+        <mc:Fallback xmlns="">
           <p:sp>
             <p:nvSpPr>
               <p:cNvPr id="75" name="TextBox 74">
@@ -36492,8 +36522,8 @@
           </p:sp>
         </mc:Fallback>
       </mc:AlternateContent>
-      <mc:AlternateContent xmlns:mc="http://schemas.openxmlformats.org/markup-compatibility/2006">
-        <mc:Choice xmlns:a14="http://schemas.microsoft.com/office/drawing/2010/main" Requires="a14">
+      <mc:AlternateContent xmlns:mc="http://schemas.openxmlformats.org/markup-compatibility/2006" xmlns:a14="http://schemas.microsoft.com/office/drawing/2010/main">
+        <mc:Choice Requires="a14">
           <p:sp>
             <p:nvSpPr>
               <p:cNvPr id="76" name="TextBox 75">
@@ -36543,7 +36573,7 @@
             </p:txBody>
           </p:sp>
         </mc:Choice>
-        <mc:Fallback>
+        <mc:Fallback xmlns="">
           <p:sp>
             <p:nvSpPr>
               <p:cNvPr id="76" name="TextBox 75">
@@ -36588,8 +36618,8 @@
           </p:sp>
         </mc:Fallback>
       </mc:AlternateContent>
-      <mc:AlternateContent xmlns:mc="http://schemas.openxmlformats.org/markup-compatibility/2006">
-        <mc:Choice xmlns:a14="http://schemas.microsoft.com/office/drawing/2010/main" Requires="a14">
+      <mc:AlternateContent xmlns:mc="http://schemas.openxmlformats.org/markup-compatibility/2006" xmlns:a14="http://schemas.microsoft.com/office/drawing/2010/main">
+        <mc:Choice Requires="a14">
           <p:sp>
             <p:nvSpPr>
               <p:cNvPr id="77" name="TextBox 76">
@@ -36658,7 +36688,7 @@
             </p:txBody>
           </p:sp>
         </mc:Choice>
-        <mc:Fallback>
+        <mc:Fallback xmlns="">
           <p:sp>
             <p:nvSpPr>
               <p:cNvPr id="77" name="TextBox 76">
@@ -36703,8 +36733,8 @@
           </p:sp>
         </mc:Fallback>
       </mc:AlternateContent>
-      <mc:AlternateContent xmlns:mc="http://schemas.openxmlformats.org/markup-compatibility/2006">
-        <mc:Choice xmlns:a14="http://schemas.microsoft.com/office/drawing/2010/main" Requires="a14">
+      <mc:AlternateContent xmlns:mc="http://schemas.openxmlformats.org/markup-compatibility/2006" xmlns:a14="http://schemas.microsoft.com/office/drawing/2010/main">
+        <mc:Choice Requires="a14">
           <p:sp>
             <p:nvSpPr>
               <p:cNvPr id="78" name="TextBox 77">
@@ -36754,7 +36784,7 @@
             </p:txBody>
           </p:sp>
         </mc:Choice>
-        <mc:Fallback>
+        <mc:Fallback xmlns="">
           <p:sp>
             <p:nvSpPr>
               <p:cNvPr id="78" name="TextBox 77">
@@ -36799,8 +36829,8 @@
           </p:sp>
         </mc:Fallback>
       </mc:AlternateContent>
-      <mc:AlternateContent xmlns:mc="http://schemas.openxmlformats.org/markup-compatibility/2006">
-        <mc:Choice xmlns:a14="http://schemas.microsoft.com/office/drawing/2010/main" Requires="a14">
+      <mc:AlternateContent xmlns:mc="http://schemas.openxmlformats.org/markup-compatibility/2006" xmlns:a14="http://schemas.microsoft.com/office/drawing/2010/main">
+        <mc:Choice Requires="a14">
           <p:sp>
             <p:nvSpPr>
               <p:cNvPr id="79" name="Oval 78">
@@ -36909,7 +36939,7 @@
             </p:txBody>
           </p:sp>
         </mc:Choice>
-        <mc:Fallback>
+        <mc:Fallback xmlns="">
           <p:sp>
             <p:nvSpPr>
               <p:cNvPr id="79" name="Oval 78">
@@ -37005,8 +37035,8 @@
           </a:fontRef>
         </p:style>
       </p:cxnSp>
-      <mc:AlternateContent xmlns:mc="http://schemas.openxmlformats.org/markup-compatibility/2006">
-        <mc:Choice xmlns:a14="http://schemas.microsoft.com/office/drawing/2010/main" Requires="a14">
+      <mc:AlternateContent xmlns:mc="http://schemas.openxmlformats.org/markup-compatibility/2006" xmlns:a14="http://schemas.microsoft.com/office/drawing/2010/main">
+        <mc:Choice Requires="a14">
           <p:sp>
             <p:nvSpPr>
               <p:cNvPr id="81" name="Rounded Rectangle 80">
@@ -37112,7 +37142,7 @@
             </p:txBody>
           </p:sp>
         </mc:Choice>
-        <mc:Fallback>
+        <mc:Fallback xmlns="">
           <p:sp>
             <p:nvSpPr>
               <p:cNvPr id="81" name="Rounded Rectangle 80">
@@ -37297,8 +37327,8 @@
           </a:fontRef>
         </p:style>
       </p:cxnSp>
-      <mc:AlternateContent xmlns:mc="http://schemas.openxmlformats.org/markup-compatibility/2006">
-        <mc:Choice xmlns:a14="http://schemas.microsoft.com/office/drawing/2010/main" Requires="a14">
+      <mc:AlternateContent xmlns:mc="http://schemas.openxmlformats.org/markup-compatibility/2006" xmlns:a14="http://schemas.microsoft.com/office/drawing/2010/main">
+        <mc:Choice Requires="a14">
           <p:sp>
             <p:nvSpPr>
               <p:cNvPr id="85" name="TextBox 84">
@@ -37367,7 +37397,7 @@
             </p:txBody>
           </p:sp>
         </mc:Choice>
-        <mc:Fallback>
+        <mc:Fallback xmlns="">
           <p:sp>
             <p:nvSpPr>
               <p:cNvPr id="85" name="TextBox 84">
@@ -37412,8 +37442,8 @@
           </p:sp>
         </mc:Fallback>
       </mc:AlternateContent>
-      <mc:AlternateContent xmlns:mc="http://schemas.openxmlformats.org/markup-compatibility/2006">
-        <mc:Choice xmlns:a14="http://schemas.microsoft.com/office/drawing/2010/main" Requires="a14">
+      <mc:AlternateContent xmlns:mc="http://schemas.openxmlformats.org/markup-compatibility/2006" xmlns:a14="http://schemas.microsoft.com/office/drawing/2010/main">
+        <mc:Choice Requires="a14">
           <p:sp>
             <p:nvSpPr>
               <p:cNvPr id="86" name="TextBox 85">
@@ -37482,7 +37512,7 @@
             </p:txBody>
           </p:sp>
         </mc:Choice>
-        <mc:Fallback>
+        <mc:Fallback xmlns="">
           <p:sp>
             <p:nvSpPr>
               <p:cNvPr id="86" name="TextBox 85">
@@ -37527,8 +37557,8 @@
           </p:sp>
         </mc:Fallback>
       </mc:AlternateContent>
-      <mc:AlternateContent xmlns:mc="http://schemas.openxmlformats.org/markup-compatibility/2006">
-        <mc:Choice xmlns:a14="http://schemas.microsoft.com/office/drawing/2010/main" Requires="a14">
+      <mc:AlternateContent xmlns:mc="http://schemas.openxmlformats.org/markup-compatibility/2006" xmlns:a14="http://schemas.microsoft.com/office/drawing/2010/main">
+        <mc:Choice Requires="a14">
           <p:sp>
             <p:nvSpPr>
               <p:cNvPr id="87" name="Oval 86">
@@ -37612,7 +37642,7 @@
             </p:txBody>
           </p:sp>
         </mc:Choice>
-        <mc:Fallback>
+        <mc:Fallback xmlns="">
           <p:sp>
             <p:nvSpPr>
               <p:cNvPr id="87" name="Oval 86">
@@ -37662,8 +37692,8 @@
           </p:sp>
         </mc:Fallback>
       </mc:AlternateContent>
-      <mc:AlternateContent xmlns:mc="http://schemas.openxmlformats.org/markup-compatibility/2006">
-        <mc:Choice xmlns:a14="http://schemas.microsoft.com/office/drawing/2010/main" Requires="a14">
+      <mc:AlternateContent xmlns:mc="http://schemas.openxmlformats.org/markup-compatibility/2006" xmlns:a14="http://schemas.microsoft.com/office/drawing/2010/main">
+        <mc:Choice Requires="a14">
           <p:sp>
             <p:nvSpPr>
               <p:cNvPr id="88" name="Rounded Rectangle 87">
@@ -37740,7 +37770,7 @@
             </p:txBody>
           </p:sp>
         </mc:Choice>
-        <mc:Fallback>
+        <mc:Fallback xmlns="">
           <p:sp>
             <p:nvSpPr>
               <p:cNvPr id="88" name="Rounded Rectangle 87">
@@ -37925,8 +37955,8 @@
           </a:fontRef>
         </p:style>
       </p:cxnSp>
-      <mc:AlternateContent xmlns:mc="http://schemas.openxmlformats.org/markup-compatibility/2006">
-        <mc:Choice xmlns:a14="http://schemas.microsoft.com/office/drawing/2010/main" Requires="a14">
+      <mc:AlternateContent xmlns:mc="http://schemas.openxmlformats.org/markup-compatibility/2006" xmlns:a14="http://schemas.microsoft.com/office/drawing/2010/main">
+        <mc:Choice Requires="a14">
           <p:sp>
             <p:nvSpPr>
               <p:cNvPr id="92" name="Rounded Rectangle 91">
@@ -38003,7 +38033,7 @@
             </p:txBody>
           </p:sp>
         </mc:Choice>
-        <mc:Fallback>
+        <mc:Fallback xmlns="">
           <p:sp>
             <p:nvSpPr>
               <p:cNvPr id="92" name="Rounded Rectangle 91">
@@ -38188,8 +38218,8 @@
           </a:fontRef>
         </p:style>
       </p:cxnSp>
-      <mc:AlternateContent xmlns:mc="http://schemas.openxmlformats.org/markup-compatibility/2006">
-        <mc:Choice xmlns:a14="http://schemas.microsoft.com/office/drawing/2010/main" Requires="a14">
+      <mc:AlternateContent xmlns:mc="http://schemas.openxmlformats.org/markup-compatibility/2006" xmlns:a14="http://schemas.microsoft.com/office/drawing/2010/main">
+        <mc:Choice Requires="a14">
           <p:sp>
             <p:nvSpPr>
               <p:cNvPr id="96" name="TextBox 95">
@@ -38239,7 +38269,7 @@
             </p:txBody>
           </p:sp>
         </mc:Choice>
-        <mc:Fallback>
+        <mc:Fallback xmlns="">
           <p:sp>
             <p:nvSpPr>
               <p:cNvPr id="96" name="TextBox 95">
@@ -38284,8 +38314,8 @@
           </p:sp>
         </mc:Fallback>
       </mc:AlternateContent>
-      <mc:AlternateContent xmlns:mc="http://schemas.openxmlformats.org/markup-compatibility/2006">
-        <mc:Choice xmlns:a14="http://schemas.microsoft.com/office/drawing/2010/main" Requires="a14">
+      <mc:AlternateContent xmlns:mc="http://schemas.openxmlformats.org/markup-compatibility/2006" xmlns:a14="http://schemas.microsoft.com/office/drawing/2010/main">
+        <mc:Choice Requires="a14">
           <p:sp>
             <p:nvSpPr>
               <p:cNvPr id="97" name="TextBox 96">
@@ -38335,7 +38365,7 @@
             </p:txBody>
           </p:sp>
         </mc:Choice>
-        <mc:Fallback>
+        <mc:Fallback xmlns="">
           <p:sp>
             <p:nvSpPr>
               <p:cNvPr id="97" name="TextBox 96">
@@ -38380,8 +38410,8 @@
           </p:sp>
         </mc:Fallback>
       </mc:AlternateContent>
-      <mc:AlternateContent xmlns:mc="http://schemas.openxmlformats.org/markup-compatibility/2006">
-        <mc:Choice xmlns:a14="http://schemas.microsoft.com/office/drawing/2010/main" Requires="a14">
+      <mc:AlternateContent xmlns:mc="http://schemas.openxmlformats.org/markup-compatibility/2006" xmlns:a14="http://schemas.microsoft.com/office/drawing/2010/main">
+        <mc:Choice Requires="a14">
           <p:sp>
             <p:nvSpPr>
               <p:cNvPr id="98" name="TextBox 97">
@@ -38431,7 +38461,7 @@
             </p:txBody>
           </p:sp>
         </mc:Choice>
-        <mc:Fallback>
+        <mc:Fallback xmlns="">
           <p:sp>
             <p:nvSpPr>
               <p:cNvPr id="98" name="TextBox 97">
@@ -38476,8 +38506,8 @@
           </p:sp>
         </mc:Fallback>
       </mc:AlternateContent>
-      <mc:AlternateContent xmlns:mc="http://schemas.openxmlformats.org/markup-compatibility/2006">
-        <mc:Choice xmlns:a14="http://schemas.microsoft.com/office/drawing/2010/main" Requires="a14">
+      <mc:AlternateContent xmlns:mc="http://schemas.openxmlformats.org/markup-compatibility/2006" xmlns:a14="http://schemas.microsoft.com/office/drawing/2010/main">
+        <mc:Choice Requires="a14">
           <p:sp>
             <p:nvSpPr>
               <p:cNvPr id="99" name="TextBox 98">
@@ -38527,7 +38557,7 @@
             </p:txBody>
           </p:sp>
         </mc:Choice>
-        <mc:Fallback>
+        <mc:Fallback xmlns="">
           <p:sp>
             <p:nvSpPr>
               <p:cNvPr id="99" name="TextBox 98">
@@ -38899,8 +38929,8 @@
           </a:p>
         </p:txBody>
       </p:sp>
-      <mc:AlternateContent xmlns:mc="http://schemas.openxmlformats.org/markup-compatibility/2006">
-        <mc:Choice xmlns:a14="http://schemas.microsoft.com/office/drawing/2010/main" Requires="a14">
+      <mc:AlternateContent xmlns:mc="http://schemas.openxmlformats.org/markup-compatibility/2006" xmlns:a14="http://schemas.microsoft.com/office/drawing/2010/main">
+        <mc:Choice Requires="a14">
           <p:sp>
             <p:nvSpPr>
               <p:cNvPr id="4" name="Oval 3">
@@ -38984,7 +39014,7 @@
             </p:txBody>
           </p:sp>
         </mc:Choice>
-        <mc:Fallback>
+        <mc:Fallback xmlns="">
           <p:sp>
             <p:nvSpPr>
               <p:cNvPr id="4" name="Oval 3">
@@ -39034,8 +39064,8 @@
           </p:sp>
         </mc:Fallback>
       </mc:AlternateContent>
-      <mc:AlternateContent xmlns:mc="http://schemas.openxmlformats.org/markup-compatibility/2006">
-        <mc:Choice xmlns:a14="http://schemas.microsoft.com/office/drawing/2010/main" Requires="a14">
+      <mc:AlternateContent xmlns:mc="http://schemas.openxmlformats.org/markup-compatibility/2006" xmlns:a14="http://schemas.microsoft.com/office/drawing/2010/main">
+        <mc:Choice Requires="a14">
           <p:sp>
             <p:nvSpPr>
               <p:cNvPr id="5" name="Rounded Rectangle 4">
@@ -39112,7 +39142,7 @@
             </p:txBody>
           </p:sp>
         </mc:Choice>
-        <mc:Fallback>
+        <mc:Fallback xmlns="">
           <p:sp>
             <p:nvSpPr>
               <p:cNvPr id="5" name="Rounded Rectangle 4">
@@ -39251,8 +39281,8 @@
           </a:fontRef>
         </p:style>
       </p:cxnSp>
-      <mc:AlternateContent xmlns:mc="http://schemas.openxmlformats.org/markup-compatibility/2006">
-        <mc:Choice xmlns:a14="http://schemas.microsoft.com/office/drawing/2010/main" Requires="a14">
+      <mc:AlternateContent xmlns:mc="http://schemas.openxmlformats.org/markup-compatibility/2006" xmlns:a14="http://schemas.microsoft.com/office/drawing/2010/main">
+        <mc:Choice Requires="a14">
           <p:sp>
             <p:nvSpPr>
               <p:cNvPr id="9" name="Rounded Rectangle 8">
@@ -39329,7 +39359,7 @@
             </p:txBody>
           </p:sp>
         </mc:Choice>
-        <mc:Fallback>
+        <mc:Fallback xmlns="">
           <p:sp>
             <p:nvSpPr>
               <p:cNvPr id="9" name="Rounded Rectangle 8">
@@ -39467,8 +39497,8 @@
           </a:fontRef>
         </p:style>
       </p:cxnSp>
-      <mc:AlternateContent xmlns:mc="http://schemas.openxmlformats.org/markup-compatibility/2006">
-        <mc:Choice xmlns:a14="http://schemas.microsoft.com/office/drawing/2010/main" Requires="a14">
+      <mc:AlternateContent xmlns:mc="http://schemas.openxmlformats.org/markup-compatibility/2006" xmlns:a14="http://schemas.microsoft.com/office/drawing/2010/main">
+        <mc:Choice Requires="a14">
           <p:sp>
             <p:nvSpPr>
               <p:cNvPr id="13" name="TextBox 12">
@@ -39518,7 +39548,7 @@
             </p:txBody>
           </p:sp>
         </mc:Choice>
-        <mc:Fallback>
+        <mc:Fallback xmlns="">
           <p:sp>
             <p:nvSpPr>
               <p:cNvPr id="13" name="TextBox 12">
@@ -39563,8 +39593,8 @@
           </p:sp>
         </mc:Fallback>
       </mc:AlternateContent>
-      <mc:AlternateContent xmlns:mc="http://schemas.openxmlformats.org/markup-compatibility/2006">
-        <mc:Choice xmlns:a14="http://schemas.microsoft.com/office/drawing/2010/main" Requires="a14">
+      <mc:AlternateContent xmlns:mc="http://schemas.openxmlformats.org/markup-compatibility/2006" xmlns:a14="http://schemas.microsoft.com/office/drawing/2010/main">
+        <mc:Choice Requires="a14">
           <p:sp>
             <p:nvSpPr>
               <p:cNvPr id="14" name="TextBox 13">
@@ -39614,7 +39644,7 @@
             </p:txBody>
           </p:sp>
         </mc:Choice>
-        <mc:Fallback>
+        <mc:Fallback xmlns="">
           <p:sp>
             <p:nvSpPr>
               <p:cNvPr id="14" name="TextBox 13">
@@ -39659,8 +39689,8 @@
           </p:sp>
         </mc:Fallback>
       </mc:AlternateContent>
-      <mc:AlternateContent xmlns:mc="http://schemas.openxmlformats.org/markup-compatibility/2006">
-        <mc:Choice xmlns:a14="http://schemas.microsoft.com/office/drawing/2010/main" Requires="a14">
+      <mc:AlternateContent xmlns:mc="http://schemas.openxmlformats.org/markup-compatibility/2006" xmlns:a14="http://schemas.microsoft.com/office/drawing/2010/main">
+        <mc:Choice Requires="a14">
           <p:sp>
             <p:nvSpPr>
               <p:cNvPr id="15" name="TextBox 14">
@@ -39710,7 +39740,7 @@
             </p:txBody>
           </p:sp>
         </mc:Choice>
-        <mc:Fallback>
+        <mc:Fallback xmlns="">
           <p:sp>
             <p:nvSpPr>
               <p:cNvPr id="15" name="TextBox 14">
@@ -39755,8 +39785,8 @@
           </p:sp>
         </mc:Fallback>
       </mc:AlternateContent>
-      <mc:AlternateContent xmlns:mc="http://schemas.openxmlformats.org/markup-compatibility/2006">
-        <mc:Choice xmlns:a14="http://schemas.microsoft.com/office/drawing/2010/main" Requires="a14">
+      <mc:AlternateContent xmlns:mc="http://schemas.openxmlformats.org/markup-compatibility/2006" xmlns:a14="http://schemas.microsoft.com/office/drawing/2010/main">
+        <mc:Choice Requires="a14">
           <p:sp>
             <p:nvSpPr>
               <p:cNvPr id="16" name="TextBox 15">
@@ -39806,7 +39836,7 @@
             </p:txBody>
           </p:sp>
         </mc:Choice>
-        <mc:Fallback>
+        <mc:Fallback xmlns="">
           <p:sp>
             <p:nvSpPr>
               <p:cNvPr id="16" name="TextBox 15">
@@ -39851,8 +39881,8 @@
           </p:sp>
         </mc:Fallback>
       </mc:AlternateContent>
-      <mc:AlternateContent xmlns:mc="http://schemas.openxmlformats.org/markup-compatibility/2006">
-        <mc:Choice xmlns:a14="http://schemas.microsoft.com/office/drawing/2010/main" Requires="a14">
+      <mc:AlternateContent xmlns:mc="http://schemas.openxmlformats.org/markup-compatibility/2006" xmlns:a14="http://schemas.microsoft.com/office/drawing/2010/main">
+        <mc:Choice Requires="a14">
           <p:sp>
             <p:nvSpPr>
               <p:cNvPr id="19" name="Rounded Rectangle 18">
@@ -39957,7 +39987,7 @@
             </p:txBody>
           </p:sp>
         </mc:Choice>
-        <mc:Fallback>
+        <mc:Fallback xmlns="">
           <p:sp>
             <p:nvSpPr>
               <p:cNvPr id="19" name="Rounded Rectangle 18">
@@ -40007,8 +40037,8 @@
           </p:sp>
         </mc:Fallback>
       </mc:AlternateContent>
-      <mc:AlternateContent xmlns:mc="http://schemas.openxmlformats.org/markup-compatibility/2006">
-        <mc:Choice xmlns:a14="http://schemas.microsoft.com/office/drawing/2010/main" Requires="a14">
+      <mc:AlternateContent xmlns:mc="http://schemas.openxmlformats.org/markup-compatibility/2006" xmlns:a14="http://schemas.microsoft.com/office/drawing/2010/main">
+        <mc:Choice Requires="a14">
           <p:sp>
             <p:nvSpPr>
               <p:cNvPr id="20" name="Rounded Rectangle 19">
@@ -40113,7 +40143,7 @@
             </p:txBody>
           </p:sp>
         </mc:Choice>
-        <mc:Fallback>
+        <mc:Fallback xmlns="">
           <p:sp>
             <p:nvSpPr>
               <p:cNvPr id="20" name="Rounded Rectangle 19">
@@ -40253,8 +40283,8 @@
           </a:fontRef>
         </p:style>
       </p:cxnSp>
-      <mc:AlternateContent xmlns:mc="http://schemas.openxmlformats.org/markup-compatibility/2006">
-        <mc:Choice xmlns:a14="http://schemas.microsoft.com/office/drawing/2010/main" Requires="a14">
+      <mc:AlternateContent xmlns:mc="http://schemas.openxmlformats.org/markup-compatibility/2006" xmlns:a14="http://schemas.microsoft.com/office/drawing/2010/main">
+        <mc:Choice Requires="a14">
           <p:sp>
             <p:nvSpPr>
               <p:cNvPr id="32" name="Oval 31">
@@ -40338,7 +40368,7 @@
             </p:txBody>
           </p:sp>
         </mc:Choice>
-        <mc:Fallback>
+        <mc:Fallback xmlns="">
           <p:sp>
             <p:nvSpPr>
               <p:cNvPr id="32" name="Oval 31">
@@ -40388,8 +40418,8 @@
           </p:sp>
         </mc:Fallback>
       </mc:AlternateContent>
-      <mc:AlternateContent xmlns:mc="http://schemas.openxmlformats.org/markup-compatibility/2006">
-        <mc:Choice xmlns:a14="http://schemas.microsoft.com/office/drawing/2010/main" Requires="a14">
+      <mc:AlternateContent xmlns:mc="http://schemas.openxmlformats.org/markup-compatibility/2006" xmlns:a14="http://schemas.microsoft.com/office/drawing/2010/main">
+        <mc:Choice Requires="a14">
           <p:sp>
             <p:nvSpPr>
               <p:cNvPr id="33" name="Rounded Rectangle 32">
@@ -40466,7 +40496,7 @@
             </p:txBody>
           </p:sp>
         </mc:Choice>
-        <mc:Fallback>
+        <mc:Fallback xmlns="">
           <p:sp>
             <p:nvSpPr>
               <p:cNvPr id="33" name="Rounded Rectangle 32">
@@ -40605,8 +40635,8 @@
           </a:fontRef>
         </p:style>
       </p:cxnSp>
-      <mc:AlternateContent xmlns:mc="http://schemas.openxmlformats.org/markup-compatibility/2006">
-        <mc:Choice xmlns:a14="http://schemas.microsoft.com/office/drawing/2010/main" Requires="a14">
+      <mc:AlternateContent xmlns:mc="http://schemas.openxmlformats.org/markup-compatibility/2006" xmlns:a14="http://schemas.microsoft.com/office/drawing/2010/main">
+        <mc:Choice Requires="a14">
           <p:sp>
             <p:nvSpPr>
               <p:cNvPr id="36" name="Rounded Rectangle 35">
@@ -40683,7 +40713,7 @@
             </p:txBody>
           </p:sp>
         </mc:Choice>
-        <mc:Fallback>
+        <mc:Fallback xmlns="">
           <p:sp>
             <p:nvSpPr>
               <p:cNvPr id="36" name="Rounded Rectangle 35">
@@ -40821,8 +40851,8 @@
           </a:fontRef>
         </p:style>
       </p:cxnSp>
-      <mc:AlternateContent xmlns:mc="http://schemas.openxmlformats.org/markup-compatibility/2006">
-        <mc:Choice xmlns:a14="http://schemas.microsoft.com/office/drawing/2010/main" Requires="a14">
+      <mc:AlternateContent xmlns:mc="http://schemas.openxmlformats.org/markup-compatibility/2006" xmlns:a14="http://schemas.microsoft.com/office/drawing/2010/main">
+        <mc:Choice Requires="a14">
           <p:sp>
             <p:nvSpPr>
               <p:cNvPr id="39" name="TextBox 38">
@@ -40872,7 +40902,7 @@
             </p:txBody>
           </p:sp>
         </mc:Choice>
-        <mc:Fallback>
+        <mc:Fallback xmlns="">
           <p:sp>
             <p:nvSpPr>
               <p:cNvPr id="39" name="TextBox 38">
@@ -40917,8 +40947,8 @@
           </p:sp>
         </mc:Fallback>
       </mc:AlternateContent>
-      <mc:AlternateContent xmlns:mc="http://schemas.openxmlformats.org/markup-compatibility/2006">
-        <mc:Choice xmlns:a14="http://schemas.microsoft.com/office/drawing/2010/main" Requires="a14">
+      <mc:AlternateContent xmlns:mc="http://schemas.openxmlformats.org/markup-compatibility/2006" xmlns:a14="http://schemas.microsoft.com/office/drawing/2010/main">
+        <mc:Choice Requires="a14">
           <p:sp>
             <p:nvSpPr>
               <p:cNvPr id="40" name="TextBox 39">
@@ -40968,7 +40998,7 @@
             </p:txBody>
           </p:sp>
         </mc:Choice>
-        <mc:Fallback>
+        <mc:Fallback xmlns="">
           <p:sp>
             <p:nvSpPr>
               <p:cNvPr id="40" name="TextBox 39">
@@ -41013,8 +41043,8 @@
           </p:sp>
         </mc:Fallback>
       </mc:AlternateContent>
-      <mc:AlternateContent xmlns:mc="http://schemas.openxmlformats.org/markup-compatibility/2006">
-        <mc:Choice xmlns:a14="http://schemas.microsoft.com/office/drawing/2010/main" Requires="a14">
+      <mc:AlternateContent xmlns:mc="http://schemas.openxmlformats.org/markup-compatibility/2006" xmlns:a14="http://schemas.microsoft.com/office/drawing/2010/main">
+        <mc:Choice Requires="a14">
           <p:sp>
             <p:nvSpPr>
               <p:cNvPr id="41" name="TextBox 40">
@@ -41064,7 +41094,7 @@
             </p:txBody>
           </p:sp>
         </mc:Choice>
-        <mc:Fallback>
+        <mc:Fallback xmlns="">
           <p:sp>
             <p:nvSpPr>
               <p:cNvPr id="41" name="TextBox 40">
@@ -41109,8 +41139,8 @@
           </p:sp>
         </mc:Fallback>
       </mc:AlternateContent>
-      <mc:AlternateContent xmlns:mc="http://schemas.openxmlformats.org/markup-compatibility/2006">
-        <mc:Choice xmlns:a14="http://schemas.microsoft.com/office/drawing/2010/main" Requires="a14">
+      <mc:AlternateContent xmlns:mc="http://schemas.openxmlformats.org/markup-compatibility/2006" xmlns:a14="http://schemas.microsoft.com/office/drawing/2010/main">
+        <mc:Choice Requires="a14">
           <p:sp>
             <p:nvSpPr>
               <p:cNvPr id="42" name="TextBox 41">
@@ -41160,7 +41190,7 @@
             </p:txBody>
           </p:sp>
         </mc:Choice>
-        <mc:Fallback>
+        <mc:Fallback xmlns="">
           <p:sp>
             <p:nvSpPr>
               <p:cNvPr id="42" name="TextBox 41">
@@ -41205,8 +41235,8 @@
           </p:sp>
         </mc:Fallback>
       </mc:AlternateContent>
-      <mc:AlternateContent xmlns:mc="http://schemas.openxmlformats.org/markup-compatibility/2006">
-        <mc:Choice xmlns:a14="http://schemas.microsoft.com/office/drawing/2010/main" Requires="a14">
+      <mc:AlternateContent xmlns:mc="http://schemas.openxmlformats.org/markup-compatibility/2006" xmlns:a14="http://schemas.microsoft.com/office/drawing/2010/main">
+        <mc:Choice Requires="a14">
           <p:sp>
             <p:nvSpPr>
               <p:cNvPr id="43" name="Rounded Rectangle 42">
@@ -41311,7 +41341,7 @@
             </p:txBody>
           </p:sp>
         </mc:Choice>
-        <mc:Fallback>
+        <mc:Fallback xmlns="">
           <p:sp>
             <p:nvSpPr>
               <p:cNvPr id="43" name="Rounded Rectangle 42">
@@ -41451,8 +41481,8 @@
           </a:fontRef>
         </p:style>
       </p:cxnSp>
-      <mc:AlternateContent xmlns:mc="http://schemas.openxmlformats.org/markup-compatibility/2006">
-        <mc:Choice xmlns:a14="http://schemas.microsoft.com/office/drawing/2010/main" Requires="a14">
+      <mc:AlternateContent xmlns:mc="http://schemas.openxmlformats.org/markup-compatibility/2006" xmlns:a14="http://schemas.microsoft.com/office/drawing/2010/main">
+        <mc:Choice Requires="a14">
           <p:sp>
             <p:nvSpPr>
               <p:cNvPr id="47" name="Oval 46">
@@ -41536,7 +41566,7 @@
             </p:txBody>
           </p:sp>
         </mc:Choice>
-        <mc:Fallback>
+        <mc:Fallback xmlns="">
           <p:sp>
             <p:nvSpPr>
               <p:cNvPr id="47" name="Oval 46">
@@ -41586,8 +41616,8 @@
           </p:sp>
         </mc:Fallback>
       </mc:AlternateContent>
-      <mc:AlternateContent xmlns:mc="http://schemas.openxmlformats.org/markup-compatibility/2006">
-        <mc:Choice xmlns:a14="http://schemas.microsoft.com/office/drawing/2010/main" Requires="a14">
+      <mc:AlternateContent xmlns:mc="http://schemas.openxmlformats.org/markup-compatibility/2006" xmlns:a14="http://schemas.microsoft.com/office/drawing/2010/main">
+        <mc:Choice Requires="a14">
           <p:sp>
             <p:nvSpPr>
               <p:cNvPr id="48" name="Rounded Rectangle 47">
@@ -41664,7 +41694,7 @@
             </p:txBody>
           </p:sp>
         </mc:Choice>
-        <mc:Fallback>
+        <mc:Fallback xmlns="">
           <p:sp>
             <p:nvSpPr>
               <p:cNvPr id="48" name="Rounded Rectangle 47">
@@ -41804,8 +41834,8 @@
           </a:fontRef>
         </p:style>
       </p:cxnSp>
-      <mc:AlternateContent xmlns:mc="http://schemas.openxmlformats.org/markup-compatibility/2006">
-        <mc:Choice xmlns:a14="http://schemas.microsoft.com/office/drawing/2010/main" Requires="a14">
+      <mc:AlternateContent xmlns:mc="http://schemas.openxmlformats.org/markup-compatibility/2006" xmlns:a14="http://schemas.microsoft.com/office/drawing/2010/main">
+        <mc:Choice Requires="a14">
           <p:sp>
             <p:nvSpPr>
               <p:cNvPr id="51" name="Rounded Rectangle 50">
@@ -41882,7 +41912,7 @@
             </p:txBody>
           </p:sp>
         </mc:Choice>
-        <mc:Fallback>
+        <mc:Fallback xmlns="">
           <p:sp>
             <p:nvSpPr>
               <p:cNvPr id="51" name="Rounded Rectangle 50">
@@ -42022,8 +42052,8 @@
           </a:fontRef>
         </p:style>
       </p:cxnSp>
-      <mc:AlternateContent xmlns:mc="http://schemas.openxmlformats.org/markup-compatibility/2006">
-        <mc:Choice xmlns:a14="http://schemas.microsoft.com/office/drawing/2010/main" Requires="a14">
+      <mc:AlternateContent xmlns:mc="http://schemas.openxmlformats.org/markup-compatibility/2006" xmlns:a14="http://schemas.microsoft.com/office/drawing/2010/main">
+        <mc:Choice Requires="a14">
           <p:sp>
             <p:nvSpPr>
               <p:cNvPr id="54" name="TextBox 53">
@@ -42073,7 +42103,7 @@
             </p:txBody>
           </p:sp>
         </mc:Choice>
-        <mc:Fallback>
+        <mc:Fallback xmlns="">
           <p:sp>
             <p:nvSpPr>
               <p:cNvPr id="54" name="TextBox 53">
@@ -42118,8 +42148,8 @@
           </p:sp>
         </mc:Fallback>
       </mc:AlternateContent>
-      <mc:AlternateContent xmlns:mc="http://schemas.openxmlformats.org/markup-compatibility/2006">
-        <mc:Choice xmlns:a14="http://schemas.microsoft.com/office/drawing/2010/main" Requires="a14">
+      <mc:AlternateContent xmlns:mc="http://schemas.openxmlformats.org/markup-compatibility/2006" xmlns:a14="http://schemas.microsoft.com/office/drawing/2010/main">
+        <mc:Choice Requires="a14">
           <p:sp>
             <p:nvSpPr>
               <p:cNvPr id="55" name="TextBox 54">
@@ -42169,7 +42199,7 @@
             </p:txBody>
           </p:sp>
         </mc:Choice>
-        <mc:Fallback>
+        <mc:Fallback xmlns="">
           <p:sp>
             <p:nvSpPr>
               <p:cNvPr id="55" name="TextBox 54">
@@ -42214,8 +42244,8 @@
           </p:sp>
         </mc:Fallback>
       </mc:AlternateContent>
-      <mc:AlternateContent xmlns:mc="http://schemas.openxmlformats.org/markup-compatibility/2006">
-        <mc:Choice xmlns:a14="http://schemas.microsoft.com/office/drawing/2010/main" Requires="a14">
+      <mc:AlternateContent xmlns:mc="http://schemas.openxmlformats.org/markup-compatibility/2006" xmlns:a14="http://schemas.microsoft.com/office/drawing/2010/main">
+        <mc:Choice Requires="a14">
           <p:sp>
             <p:nvSpPr>
               <p:cNvPr id="56" name="TextBox 55">
@@ -42265,7 +42295,7 @@
             </p:txBody>
           </p:sp>
         </mc:Choice>
-        <mc:Fallback>
+        <mc:Fallback xmlns="">
           <p:sp>
             <p:nvSpPr>
               <p:cNvPr id="56" name="TextBox 55">
@@ -42310,8 +42340,8 @@
           </p:sp>
         </mc:Fallback>
       </mc:AlternateContent>
-      <mc:AlternateContent xmlns:mc="http://schemas.openxmlformats.org/markup-compatibility/2006">
-        <mc:Choice xmlns:a14="http://schemas.microsoft.com/office/drawing/2010/main" Requires="a14">
+      <mc:AlternateContent xmlns:mc="http://schemas.openxmlformats.org/markup-compatibility/2006" xmlns:a14="http://schemas.microsoft.com/office/drawing/2010/main">
+        <mc:Choice Requires="a14">
           <p:sp>
             <p:nvSpPr>
               <p:cNvPr id="57" name="TextBox 56">
@@ -42361,7 +42391,7 @@
             </p:txBody>
           </p:sp>
         </mc:Choice>
-        <mc:Fallback>
+        <mc:Fallback xmlns="">
           <p:sp>
             <p:nvSpPr>
               <p:cNvPr id="57" name="TextBox 56">
@@ -42406,8 +42436,8 @@
           </p:sp>
         </mc:Fallback>
       </mc:AlternateContent>
-      <mc:AlternateContent xmlns:mc="http://schemas.openxmlformats.org/markup-compatibility/2006">
-        <mc:Choice xmlns:a14="http://schemas.microsoft.com/office/drawing/2010/main" Requires="a14">
+      <mc:AlternateContent xmlns:mc="http://schemas.openxmlformats.org/markup-compatibility/2006" xmlns:a14="http://schemas.microsoft.com/office/drawing/2010/main">
+        <mc:Choice Requires="a14">
           <p:sp>
             <p:nvSpPr>
               <p:cNvPr id="61" name="Rounded Rectangle 60">
@@ -42512,7 +42542,7 @@
             </p:txBody>
           </p:sp>
         </mc:Choice>
-        <mc:Fallback>
+        <mc:Fallback xmlns="">
           <p:sp>
             <p:nvSpPr>
               <p:cNvPr id="61" name="Rounded Rectangle 60">
@@ -42562,8 +42592,8 @@
           </p:sp>
         </mc:Fallback>
       </mc:AlternateContent>
-      <mc:AlternateContent xmlns:mc="http://schemas.openxmlformats.org/markup-compatibility/2006">
-        <mc:Choice xmlns:a14="http://schemas.microsoft.com/office/drawing/2010/main" Requires="a14">
+      <mc:AlternateContent xmlns:mc="http://schemas.openxmlformats.org/markup-compatibility/2006" xmlns:a14="http://schemas.microsoft.com/office/drawing/2010/main">
+        <mc:Choice Requires="a14">
           <p:sp>
             <p:nvSpPr>
               <p:cNvPr id="62" name="Rounded Rectangle 61">
@@ -42668,7 +42698,7 @@
             </p:txBody>
           </p:sp>
         </mc:Choice>
-        <mc:Fallback>
+        <mc:Fallback xmlns="">
           <p:sp>
             <p:nvSpPr>
               <p:cNvPr id="62" name="Rounded Rectangle 61">
@@ -43236,8 +43266,8 @@
           </a:p>
         </p:txBody>
       </p:sp>
-      <mc:AlternateContent xmlns:mc="http://schemas.openxmlformats.org/markup-compatibility/2006">
-        <mc:Choice xmlns:a14="http://schemas.microsoft.com/office/drawing/2010/main" Requires="a14">
+      <mc:AlternateContent xmlns:mc="http://schemas.openxmlformats.org/markup-compatibility/2006" xmlns:a14="http://schemas.microsoft.com/office/drawing/2010/main">
+        <mc:Choice Requires="a14">
           <p:sp>
             <p:nvSpPr>
               <p:cNvPr id="5" name="TextBox 4">
@@ -43306,7 +43336,7 @@
             </p:txBody>
           </p:sp>
         </mc:Choice>
-        <mc:Fallback>
+        <mc:Fallback xmlns="">
           <p:sp>
             <p:nvSpPr>
               <p:cNvPr id="5" name="TextBox 4">
@@ -43351,8 +43381,8 @@
           </p:sp>
         </mc:Fallback>
       </mc:AlternateContent>
-      <mc:AlternateContent xmlns:mc="http://schemas.openxmlformats.org/markup-compatibility/2006">
-        <mc:Choice xmlns:a14="http://schemas.microsoft.com/office/drawing/2010/main" Requires="a14">
+      <mc:AlternateContent xmlns:mc="http://schemas.openxmlformats.org/markup-compatibility/2006" xmlns:a14="http://schemas.microsoft.com/office/drawing/2010/main">
+        <mc:Choice Requires="a14">
           <p:sp>
             <p:nvSpPr>
               <p:cNvPr id="6" name="Rounded Rectangle 5">
@@ -43490,7 +43520,7 @@
             </p:txBody>
           </p:sp>
         </mc:Choice>
-        <mc:Fallback>
+        <mc:Fallback xmlns="">
           <p:sp>
             <p:nvSpPr>
               <p:cNvPr id="6" name="Rounded Rectangle 5">
@@ -43632,8 +43662,8 @@
           </a:fontRef>
         </p:style>
       </p:cxnSp>
-      <mc:AlternateContent xmlns:mc="http://schemas.openxmlformats.org/markup-compatibility/2006">
-        <mc:Choice xmlns:a14="http://schemas.microsoft.com/office/drawing/2010/main" Requires="a14">
+      <mc:AlternateContent xmlns:mc="http://schemas.openxmlformats.org/markup-compatibility/2006" xmlns:a14="http://schemas.microsoft.com/office/drawing/2010/main">
+        <mc:Choice Requires="a14">
           <p:sp>
             <p:nvSpPr>
               <p:cNvPr id="9" name="Rounded Rectangle 8">
@@ -43846,7 +43876,7 @@
             </p:txBody>
           </p:sp>
         </mc:Choice>
-        <mc:Fallback>
+        <mc:Fallback xmlns="">
           <p:sp>
             <p:nvSpPr>
               <p:cNvPr id="9" name="Rounded Rectangle 8">
@@ -43896,8 +43926,8 @@
           </p:sp>
         </mc:Fallback>
       </mc:AlternateContent>
-      <mc:AlternateContent xmlns:mc="http://schemas.openxmlformats.org/markup-compatibility/2006">
-        <mc:Choice xmlns:a14="http://schemas.microsoft.com/office/drawing/2010/main" Requires="a14">
+      <mc:AlternateContent xmlns:mc="http://schemas.openxmlformats.org/markup-compatibility/2006" xmlns:a14="http://schemas.microsoft.com/office/drawing/2010/main">
+        <mc:Choice Requires="a14">
           <p:sp>
             <p:nvSpPr>
               <p:cNvPr id="10" name="Rounded Rectangle 9">
@@ -44110,7 +44140,7 @@
             </p:txBody>
           </p:sp>
         </mc:Choice>
-        <mc:Fallback>
+        <mc:Fallback xmlns="">
           <p:sp>
             <p:nvSpPr>
               <p:cNvPr id="10" name="Rounded Rectangle 9">
@@ -44252,8 +44282,8 @@
           </a:fontRef>
         </p:style>
       </p:cxnSp>
-      <mc:AlternateContent xmlns:mc="http://schemas.openxmlformats.org/markup-compatibility/2006">
-        <mc:Choice xmlns:a14="http://schemas.microsoft.com/office/drawing/2010/main" Requires="a14">
+      <mc:AlternateContent xmlns:mc="http://schemas.openxmlformats.org/markup-compatibility/2006" xmlns:a14="http://schemas.microsoft.com/office/drawing/2010/main">
+        <mc:Choice Requires="a14">
           <p:sp>
             <p:nvSpPr>
               <p:cNvPr id="13" name="TextBox 12">
@@ -44303,7 +44333,7 @@
             </p:txBody>
           </p:sp>
         </mc:Choice>
-        <mc:Fallback>
+        <mc:Fallback xmlns="">
           <p:sp>
             <p:nvSpPr>
               <p:cNvPr id="13" name="TextBox 12">
@@ -44348,8 +44378,8 @@
           </p:sp>
         </mc:Fallback>
       </mc:AlternateContent>
-      <mc:AlternateContent xmlns:mc="http://schemas.openxmlformats.org/markup-compatibility/2006">
-        <mc:Choice xmlns:a14="http://schemas.microsoft.com/office/drawing/2010/main" Requires="a14">
+      <mc:AlternateContent xmlns:mc="http://schemas.openxmlformats.org/markup-compatibility/2006" xmlns:a14="http://schemas.microsoft.com/office/drawing/2010/main">
+        <mc:Choice Requires="a14">
           <p:sp>
             <p:nvSpPr>
               <p:cNvPr id="14" name="TextBox 13">
@@ -44418,7 +44448,7 @@
             </p:txBody>
           </p:sp>
         </mc:Choice>
-        <mc:Fallback>
+        <mc:Fallback xmlns="">
           <p:sp>
             <p:nvSpPr>
               <p:cNvPr id="14" name="TextBox 13">
@@ -44646,8 +44676,8 @@
           </a:fontRef>
         </p:style>
       </p:cxnSp>
-      <mc:AlternateContent xmlns:mc="http://schemas.openxmlformats.org/markup-compatibility/2006">
-        <mc:Choice xmlns:a14="http://schemas.microsoft.com/office/drawing/2010/main" Requires="a14">
+      <mc:AlternateContent xmlns:mc="http://schemas.openxmlformats.org/markup-compatibility/2006" xmlns:a14="http://schemas.microsoft.com/office/drawing/2010/main">
+        <mc:Choice Requires="a14">
           <p:sp>
             <p:nvSpPr>
               <p:cNvPr id="19" name="TextBox 18">
@@ -44716,7 +44746,7 @@
             </p:txBody>
           </p:sp>
         </mc:Choice>
-        <mc:Fallback>
+        <mc:Fallback xmlns="">
           <p:sp>
             <p:nvSpPr>
               <p:cNvPr id="19" name="TextBox 18">
@@ -44853,8 +44883,8 @@
           </a:fontRef>
         </p:style>
       </p:cxnSp>
-      <mc:AlternateContent xmlns:mc="http://schemas.openxmlformats.org/markup-compatibility/2006">
-        <mc:Choice xmlns:a14="http://schemas.microsoft.com/office/drawing/2010/main" Requires="a14">
+      <mc:AlternateContent xmlns:mc="http://schemas.openxmlformats.org/markup-compatibility/2006" xmlns:a14="http://schemas.microsoft.com/office/drawing/2010/main">
+        <mc:Choice Requires="a14">
           <p:sp>
             <p:nvSpPr>
               <p:cNvPr id="22" name="Oval 21">
@@ -45008,7 +45038,7 @@
             </p:txBody>
           </p:sp>
         </mc:Choice>
-        <mc:Fallback>
+        <mc:Fallback xmlns="">
           <p:sp>
             <p:nvSpPr>
               <p:cNvPr id="22" name="Oval 21">
@@ -45058,8 +45088,8 @@
           </p:sp>
         </mc:Fallback>
       </mc:AlternateContent>
-      <mc:AlternateContent xmlns:mc="http://schemas.openxmlformats.org/markup-compatibility/2006">
-        <mc:Choice xmlns:a14="http://schemas.microsoft.com/office/drawing/2010/main" Requires="a14">
+      <mc:AlternateContent xmlns:mc="http://schemas.openxmlformats.org/markup-compatibility/2006" xmlns:a14="http://schemas.microsoft.com/office/drawing/2010/main">
+        <mc:Choice Requires="a14">
           <p:sp>
             <p:nvSpPr>
               <p:cNvPr id="24" name="Rounded Rectangle 23">
@@ -45205,7 +45235,7 @@
             </p:txBody>
           </p:sp>
         </mc:Choice>
-        <mc:Fallback>
+        <mc:Fallback xmlns="">
           <p:sp>
             <p:nvSpPr>
               <p:cNvPr id="24" name="Rounded Rectangle 23">
@@ -45255,8 +45285,8 @@
           </p:sp>
         </mc:Fallback>
       </mc:AlternateContent>
-      <mc:AlternateContent xmlns:mc="http://schemas.openxmlformats.org/markup-compatibility/2006">
-        <mc:Choice xmlns:a14="http://schemas.microsoft.com/office/drawing/2010/main" Requires="a14">
+      <mc:AlternateContent xmlns:mc="http://schemas.openxmlformats.org/markup-compatibility/2006" xmlns:a14="http://schemas.microsoft.com/office/drawing/2010/main">
+        <mc:Choice Requires="a14">
           <p:sp>
             <p:nvSpPr>
               <p:cNvPr id="28" name="TextBox 27">
@@ -45306,7 +45336,7 @@
             </p:txBody>
           </p:sp>
         </mc:Choice>
-        <mc:Fallback>
+        <mc:Fallback xmlns="">
           <p:sp>
             <p:nvSpPr>
               <p:cNvPr id="28" name="TextBox 27">
@@ -45351,8 +45381,8 @@
           </p:sp>
         </mc:Fallback>
       </mc:AlternateContent>
-      <mc:AlternateContent xmlns:mc="http://schemas.openxmlformats.org/markup-compatibility/2006">
-        <mc:Choice xmlns:a14="http://schemas.microsoft.com/office/drawing/2010/main" Requires="a14">
+      <mc:AlternateContent xmlns:mc="http://schemas.openxmlformats.org/markup-compatibility/2006" xmlns:a14="http://schemas.microsoft.com/office/drawing/2010/main">
+        <mc:Choice Requires="a14">
           <p:sp>
             <p:nvSpPr>
               <p:cNvPr id="29" name="TextBox 28">
@@ -45421,7 +45451,7 @@
             </p:txBody>
           </p:sp>
         </mc:Choice>
-        <mc:Fallback>
+        <mc:Fallback xmlns="">
           <p:sp>
             <p:nvSpPr>
               <p:cNvPr id="29" name="TextBox 28">
@@ -45466,8 +45496,8 @@
           </p:sp>
         </mc:Fallback>
       </mc:AlternateContent>
-      <mc:AlternateContent xmlns:mc="http://schemas.openxmlformats.org/markup-compatibility/2006">
-        <mc:Choice xmlns:a14="http://schemas.microsoft.com/office/drawing/2010/main" Requires="a14">
+      <mc:AlternateContent xmlns:mc="http://schemas.openxmlformats.org/markup-compatibility/2006" xmlns:a14="http://schemas.microsoft.com/office/drawing/2010/main">
+        <mc:Choice Requires="a14">
           <p:sp>
             <p:nvSpPr>
               <p:cNvPr id="36" name="Oval 35">
@@ -45621,7 +45651,7 @@
             </p:txBody>
           </p:sp>
         </mc:Choice>
-        <mc:Fallback>
+        <mc:Fallback xmlns="">
           <p:sp>
             <p:nvSpPr>
               <p:cNvPr id="36" name="Oval 35">
@@ -45855,8 +45885,8 @@
           </a:fontRef>
         </p:style>
       </p:cxnSp>
-      <mc:AlternateContent xmlns:mc="http://schemas.openxmlformats.org/markup-compatibility/2006">
-        <mc:Choice xmlns:a14="http://schemas.microsoft.com/office/drawing/2010/main" Requires="a14">
+      <mc:AlternateContent xmlns:mc="http://schemas.openxmlformats.org/markup-compatibility/2006" xmlns:a14="http://schemas.microsoft.com/office/drawing/2010/main">
+        <mc:Choice Requires="a14">
           <p:sp>
             <p:nvSpPr>
               <p:cNvPr id="49" name="TextBox 48">
@@ -45906,7 +45936,7 @@
             </p:txBody>
           </p:sp>
         </mc:Choice>
-        <mc:Fallback>
+        <mc:Fallback xmlns="">
           <p:sp>
             <p:nvSpPr>
               <p:cNvPr id="49" name="TextBox 48">
@@ -45951,8 +45981,8 @@
           </p:sp>
         </mc:Fallback>
       </mc:AlternateContent>
-      <mc:AlternateContent xmlns:mc="http://schemas.openxmlformats.org/markup-compatibility/2006">
-        <mc:Choice xmlns:a14="http://schemas.microsoft.com/office/drawing/2010/main" Requires="a14">
+      <mc:AlternateContent xmlns:mc="http://schemas.openxmlformats.org/markup-compatibility/2006" xmlns:a14="http://schemas.microsoft.com/office/drawing/2010/main">
+        <mc:Choice Requires="a14">
           <p:sp>
             <p:nvSpPr>
               <p:cNvPr id="50" name="TextBox 49">
@@ -46021,7 +46051,7 @@
             </p:txBody>
           </p:sp>
         </mc:Choice>
-        <mc:Fallback>
+        <mc:Fallback xmlns="">
           <p:sp>
             <p:nvSpPr>
               <p:cNvPr id="50" name="TextBox 49">
@@ -46066,8 +46096,8 @@
           </p:sp>
         </mc:Fallback>
       </mc:AlternateContent>
-      <mc:AlternateContent xmlns:mc="http://schemas.openxmlformats.org/markup-compatibility/2006">
-        <mc:Choice xmlns:a14="http://schemas.microsoft.com/office/drawing/2010/main" Requires="a14">
+      <mc:AlternateContent xmlns:mc="http://schemas.openxmlformats.org/markup-compatibility/2006" xmlns:a14="http://schemas.microsoft.com/office/drawing/2010/main">
+        <mc:Choice Requires="a14">
           <p:sp>
             <p:nvSpPr>
               <p:cNvPr id="51" name="Rounded Rectangle 50">
@@ -46270,7 +46300,7 @@
             </p:txBody>
           </p:sp>
         </mc:Choice>
-        <mc:Fallback>
+        <mc:Fallback xmlns="">
           <p:sp>
             <p:nvSpPr>
               <p:cNvPr id="51" name="Rounded Rectangle 50">
@@ -46322,8 +46352,8 @@
           </p:sp>
         </mc:Fallback>
       </mc:AlternateContent>
-      <mc:AlternateContent xmlns:mc="http://schemas.openxmlformats.org/markup-compatibility/2006">
-        <mc:Choice xmlns:a14="http://schemas.microsoft.com/office/drawing/2010/main" Requires="a14">
+      <mc:AlternateContent xmlns:mc="http://schemas.openxmlformats.org/markup-compatibility/2006" xmlns:a14="http://schemas.microsoft.com/office/drawing/2010/main">
+        <mc:Choice Requires="a14">
           <p:sp>
             <p:nvSpPr>
               <p:cNvPr id="52" name="Rounded Rectangle 51">
@@ -46548,7 +46578,7 @@
             </p:txBody>
           </p:sp>
         </mc:Choice>
-        <mc:Fallback>
+        <mc:Fallback xmlns="">
           <p:sp>
             <p:nvSpPr>
               <p:cNvPr id="52" name="Rounded Rectangle 51">
@@ -46600,8 +46630,8 @@
           </p:sp>
         </mc:Fallback>
       </mc:AlternateContent>
-      <mc:AlternateContent xmlns:mc="http://schemas.openxmlformats.org/markup-compatibility/2006">
-        <mc:Choice xmlns:a14="http://schemas.microsoft.com/office/drawing/2010/main" Requires="a14">
+      <mc:AlternateContent xmlns:mc="http://schemas.openxmlformats.org/markup-compatibility/2006" xmlns:a14="http://schemas.microsoft.com/office/drawing/2010/main">
+        <mc:Choice Requires="a14">
           <p:sp>
             <p:nvSpPr>
               <p:cNvPr id="53" name="Rounded Rectangle 52">
@@ -46826,7 +46856,7 @@
             </p:txBody>
           </p:sp>
         </mc:Choice>
-        <mc:Fallback>
+        <mc:Fallback xmlns="">
           <p:sp>
             <p:nvSpPr>
               <p:cNvPr id="53" name="Rounded Rectangle 52">
@@ -46970,8 +47000,8 @@
           </a:fontRef>
         </p:style>
       </p:cxnSp>
-      <mc:AlternateContent xmlns:mc="http://schemas.openxmlformats.org/markup-compatibility/2006">
-        <mc:Choice xmlns:a14="http://schemas.microsoft.com/office/drawing/2010/main" Requires="a14">
+      <mc:AlternateContent xmlns:mc="http://schemas.openxmlformats.org/markup-compatibility/2006" xmlns:a14="http://schemas.microsoft.com/office/drawing/2010/main">
+        <mc:Choice Requires="a14">
           <p:sp>
             <p:nvSpPr>
               <p:cNvPr id="56" name="TextBox 55">
@@ -47040,7 +47070,7 @@
             </p:txBody>
           </p:sp>
         </mc:Choice>
-        <mc:Fallback>
+        <mc:Fallback xmlns="">
           <p:sp>
             <p:nvSpPr>
               <p:cNvPr id="56" name="TextBox 55">
@@ -47085,8 +47115,8 @@
           </p:sp>
         </mc:Fallback>
       </mc:AlternateContent>
-      <mc:AlternateContent xmlns:mc="http://schemas.openxmlformats.org/markup-compatibility/2006">
-        <mc:Choice xmlns:a14="http://schemas.microsoft.com/office/drawing/2010/main" Requires="a14">
+      <mc:AlternateContent xmlns:mc="http://schemas.openxmlformats.org/markup-compatibility/2006" xmlns:a14="http://schemas.microsoft.com/office/drawing/2010/main">
+        <mc:Choice Requires="a14">
           <p:sp>
             <p:nvSpPr>
               <p:cNvPr id="57" name="TextBox 56">
@@ -47136,7 +47166,7 @@
             </p:txBody>
           </p:sp>
         </mc:Choice>
-        <mc:Fallback>
+        <mc:Fallback xmlns="">
           <p:sp>
             <p:nvSpPr>
               <p:cNvPr id="57" name="TextBox 56">
@@ -47181,8 +47211,8 @@
           </p:sp>
         </mc:Fallback>
       </mc:AlternateContent>
-      <mc:AlternateContent xmlns:mc="http://schemas.openxmlformats.org/markup-compatibility/2006">
-        <mc:Choice xmlns:a14="http://schemas.microsoft.com/office/drawing/2010/main" Requires="a14">
+      <mc:AlternateContent xmlns:mc="http://schemas.openxmlformats.org/markup-compatibility/2006" xmlns:a14="http://schemas.microsoft.com/office/drawing/2010/main">
+        <mc:Choice Requires="a14">
           <p:sp>
             <p:nvSpPr>
               <p:cNvPr id="58" name="TextBox 57">
@@ -47232,7 +47262,7 @@
             </p:txBody>
           </p:sp>
         </mc:Choice>
-        <mc:Fallback>
+        <mc:Fallback xmlns="">
           <p:sp>
             <p:nvSpPr>
               <p:cNvPr id="58" name="TextBox 57">
@@ -47277,8 +47307,8 @@
           </p:sp>
         </mc:Fallback>
       </mc:AlternateContent>
-      <mc:AlternateContent xmlns:mc="http://schemas.openxmlformats.org/markup-compatibility/2006">
-        <mc:Choice xmlns:a14="http://schemas.microsoft.com/office/drawing/2010/main" Requires="a14">
+      <mc:AlternateContent xmlns:mc="http://schemas.openxmlformats.org/markup-compatibility/2006" xmlns:a14="http://schemas.microsoft.com/office/drawing/2010/main">
+        <mc:Choice Requires="a14">
           <p:sp>
             <p:nvSpPr>
               <p:cNvPr id="59" name="Rounded Rectangle 58">
@@ -47483,7 +47513,7 @@
             </p:txBody>
           </p:sp>
         </mc:Choice>
-        <mc:Fallback>
+        <mc:Fallback xmlns="">
           <p:sp>
             <p:nvSpPr>
               <p:cNvPr id="59" name="Rounded Rectangle 58">
@@ -47537,8 +47567,8 @@
           </p:sp>
         </mc:Fallback>
       </mc:AlternateContent>
-      <mc:AlternateContent xmlns:mc="http://schemas.openxmlformats.org/markup-compatibility/2006">
-        <mc:Choice xmlns:a14="http://schemas.microsoft.com/office/drawing/2010/main" Requires="a14">
+      <mc:AlternateContent xmlns:mc="http://schemas.openxmlformats.org/markup-compatibility/2006" xmlns:a14="http://schemas.microsoft.com/office/drawing/2010/main">
+        <mc:Choice Requires="a14">
           <p:sp>
             <p:nvSpPr>
               <p:cNvPr id="60" name="TextBox 59">
@@ -47588,7 +47618,7 @@
             </p:txBody>
           </p:sp>
         </mc:Choice>
-        <mc:Fallback>
+        <mc:Fallback xmlns="">
           <p:sp>
             <p:nvSpPr>
               <p:cNvPr id="60" name="TextBox 59">
@@ -47633,8 +47663,8 @@
           </p:sp>
         </mc:Fallback>
       </mc:AlternateContent>
-      <mc:AlternateContent xmlns:mc="http://schemas.openxmlformats.org/markup-compatibility/2006">
-        <mc:Choice xmlns:a14="http://schemas.microsoft.com/office/drawing/2010/main" Requires="a14">
+      <mc:AlternateContent xmlns:mc="http://schemas.openxmlformats.org/markup-compatibility/2006" xmlns:a14="http://schemas.microsoft.com/office/drawing/2010/main">
+        <mc:Choice Requires="a14">
           <p:sp>
             <p:nvSpPr>
               <p:cNvPr id="61" name="Rounded Rectangle 60">
@@ -47809,7 +47839,7 @@
             </p:txBody>
           </p:sp>
         </mc:Choice>
-        <mc:Fallback>
+        <mc:Fallback xmlns="">
           <p:sp>
             <p:nvSpPr>
               <p:cNvPr id="61" name="Rounded Rectangle 60">
@@ -47861,8 +47891,8 @@
           </p:sp>
         </mc:Fallback>
       </mc:AlternateContent>
-      <mc:AlternateContent xmlns:mc="http://schemas.openxmlformats.org/markup-compatibility/2006">
-        <mc:Choice xmlns:a14="http://schemas.microsoft.com/office/drawing/2010/main" Requires="a14">
+      <mc:AlternateContent xmlns:mc="http://schemas.openxmlformats.org/markup-compatibility/2006" xmlns:a14="http://schemas.microsoft.com/office/drawing/2010/main">
+        <mc:Choice Requires="a14">
           <p:sp>
             <p:nvSpPr>
               <p:cNvPr id="62" name="TextBox 61">
@@ -47912,7 +47942,7 @@
             </p:txBody>
           </p:sp>
         </mc:Choice>
-        <mc:Fallback>
+        <mc:Fallback xmlns="">
           <p:sp>
             <p:nvSpPr>
               <p:cNvPr id="62" name="TextBox 61">
@@ -47957,8 +47987,8 @@
           </p:sp>
         </mc:Fallback>
       </mc:AlternateContent>
-      <mc:AlternateContent xmlns:mc="http://schemas.openxmlformats.org/markup-compatibility/2006">
-        <mc:Choice xmlns:a14="http://schemas.microsoft.com/office/drawing/2010/main" Requires="a14">
+      <mc:AlternateContent xmlns:mc="http://schemas.openxmlformats.org/markup-compatibility/2006" xmlns:a14="http://schemas.microsoft.com/office/drawing/2010/main">
+        <mc:Choice Requires="a14">
           <p:sp>
             <p:nvSpPr>
               <p:cNvPr id="65" name="Rounded Rectangle 64">
@@ -48106,7 +48136,7 @@
             </p:txBody>
           </p:sp>
         </mc:Choice>
-        <mc:Fallback>
+        <mc:Fallback xmlns="">
           <p:sp>
             <p:nvSpPr>
               <p:cNvPr id="65" name="Rounded Rectangle 64">
@@ -48158,8 +48188,8 @@
           </p:sp>
         </mc:Fallback>
       </mc:AlternateContent>
-      <mc:AlternateContent xmlns:mc="http://schemas.openxmlformats.org/markup-compatibility/2006">
-        <mc:Choice xmlns:a14="http://schemas.microsoft.com/office/drawing/2010/main" Requires="a14">
+      <mc:AlternateContent xmlns:mc="http://schemas.openxmlformats.org/markup-compatibility/2006" xmlns:a14="http://schemas.microsoft.com/office/drawing/2010/main">
+        <mc:Choice Requires="a14">
           <p:sp>
             <p:nvSpPr>
               <p:cNvPr id="66" name="Rounded Rectangle 65">
@@ -48307,7 +48337,7 @@
             </p:txBody>
           </p:sp>
         </mc:Choice>
-        <mc:Fallback>
+        <mc:Fallback xmlns="">
           <p:sp>
             <p:nvSpPr>
               <p:cNvPr id="66" name="Rounded Rectangle 65">
@@ -48359,8 +48389,8 @@
           </p:sp>
         </mc:Fallback>
       </mc:AlternateContent>
-      <mc:AlternateContent xmlns:mc="http://schemas.openxmlformats.org/markup-compatibility/2006">
-        <mc:Choice xmlns:a14="http://schemas.microsoft.com/office/drawing/2010/main" Requires="a14">
+      <mc:AlternateContent xmlns:mc="http://schemas.openxmlformats.org/markup-compatibility/2006" xmlns:a14="http://schemas.microsoft.com/office/drawing/2010/main">
+        <mc:Choice Requires="a14">
           <p:sp>
             <p:nvSpPr>
               <p:cNvPr id="67" name="Rounded Rectangle 66">
@@ -48508,7 +48538,7 @@
             </p:txBody>
           </p:sp>
         </mc:Choice>
-        <mc:Fallback>
+        <mc:Fallback xmlns="">
           <p:sp>
             <p:nvSpPr>
               <p:cNvPr id="67" name="Rounded Rectangle 66">
@@ -48560,8 +48590,8 @@
           </p:sp>
         </mc:Fallback>
       </mc:AlternateContent>
-      <mc:AlternateContent xmlns:mc="http://schemas.openxmlformats.org/markup-compatibility/2006">
-        <mc:Choice xmlns:a14="http://schemas.microsoft.com/office/drawing/2010/main" Requires="a14">
+      <mc:AlternateContent xmlns:mc="http://schemas.openxmlformats.org/markup-compatibility/2006" xmlns:a14="http://schemas.microsoft.com/office/drawing/2010/main">
+        <mc:Choice Requires="a14">
           <p:sp>
             <p:nvSpPr>
               <p:cNvPr id="68" name="Rounded Rectangle 67">
@@ -48709,7 +48739,7 @@
             </p:txBody>
           </p:sp>
         </mc:Choice>
-        <mc:Fallback>
+        <mc:Fallback xmlns="">
           <p:sp>
             <p:nvSpPr>
               <p:cNvPr id="68" name="Rounded Rectangle 67">
@@ -49533,8 +49563,8 @@
           </p:style>
         </p:cxnSp>
       </p:grpSp>
-      <mc:AlternateContent xmlns:mc="http://schemas.openxmlformats.org/markup-compatibility/2006">
-        <mc:Choice xmlns:a14="http://schemas.microsoft.com/office/drawing/2010/main" Requires="a14">
+      <mc:AlternateContent xmlns:mc="http://schemas.openxmlformats.org/markup-compatibility/2006" xmlns:a14="http://schemas.microsoft.com/office/drawing/2010/main">
+        <mc:Choice Requires="a14">
           <p:sp>
             <p:nvSpPr>
               <p:cNvPr id="74" name="Rectangle 73">
@@ -49583,7 +49613,7 @@
             </p:txBody>
           </p:sp>
         </mc:Choice>
-        <mc:Fallback>
+        <mc:Fallback xmlns="">
           <p:sp>
             <p:nvSpPr>
               <p:cNvPr id="74" name="Rectangle 73">
@@ -49871,8 +49901,8 @@
               </a:p>
             </p:txBody>
           </p:sp>
-          <mc:AlternateContent xmlns:mc="http://schemas.openxmlformats.org/markup-compatibility/2006">
-            <mc:Choice xmlns:a14="http://schemas.microsoft.com/office/drawing/2010/main" Requires="a14">
+          <mc:AlternateContent xmlns:mc="http://schemas.openxmlformats.org/markup-compatibility/2006" xmlns:a14="http://schemas.microsoft.com/office/drawing/2010/main">
+            <mc:Choice Requires="a14">
               <p:sp>
                 <p:nvSpPr>
                   <p:cNvPr id="106" name="Rounded Rectangle 105">
@@ -50081,7 +50111,7 @@
                 </p:txBody>
               </p:sp>
             </mc:Choice>
-            <mc:Fallback>
+            <mc:Fallback xmlns="">
               <p:sp>
                 <p:nvSpPr>
                   <p:cNvPr id="106" name="Rounded Rectangle 105">
@@ -50548,8 +50578,8 @@
             </p:style>
           </p:cxnSp>
         </p:grpSp>
-        <mc:AlternateContent xmlns:mc="http://schemas.openxmlformats.org/markup-compatibility/2006">
-          <mc:Choice xmlns:a14="http://schemas.microsoft.com/office/drawing/2010/main" Requires="a14">
+        <mc:AlternateContent xmlns:mc="http://schemas.openxmlformats.org/markup-compatibility/2006" xmlns:a14="http://schemas.microsoft.com/office/drawing/2010/main">
+          <mc:Choice Requires="a14">
             <p:sp>
               <p:nvSpPr>
                 <p:cNvPr id="99" name="TextBox 98">
@@ -50611,7 +50641,7 @@
               </p:txBody>
             </p:sp>
           </mc:Choice>
-          <mc:Fallback>
+          <mc:Fallback xmlns="">
             <p:sp>
               <p:nvSpPr>
                 <p:cNvPr id="99" name="TextBox 98">
@@ -50941,8 +50971,8 @@
           </a:p>
         </p:txBody>
       </p:sp>
-      <mc:AlternateContent xmlns:mc="http://schemas.openxmlformats.org/markup-compatibility/2006">
-        <mc:Choice xmlns:a14="http://schemas.microsoft.com/office/drawing/2010/main" Requires="a14">
+      <mc:AlternateContent xmlns:mc="http://schemas.openxmlformats.org/markup-compatibility/2006" xmlns:a14="http://schemas.microsoft.com/office/drawing/2010/main">
+        <mc:Choice Requires="a14">
           <p:sp>
             <p:nvSpPr>
               <p:cNvPr id="117" name="TextBox 116">
@@ -51011,7 +51041,7 @@
             </p:txBody>
           </p:sp>
         </mc:Choice>
-        <mc:Fallback>
+        <mc:Fallback xmlns="">
           <p:sp>
             <p:nvSpPr>
               <p:cNvPr id="117" name="TextBox 116">
@@ -51056,8 +51086,8 @@
           </p:sp>
         </mc:Fallback>
       </mc:AlternateContent>
-      <mc:AlternateContent xmlns:mc="http://schemas.openxmlformats.org/markup-compatibility/2006">
-        <mc:Choice xmlns:a14="http://schemas.microsoft.com/office/drawing/2010/main" Requires="a14">
+      <mc:AlternateContent xmlns:mc="http://schemas.openxmlformats.org/markup-compatibility/2006" xmlns:a14="http://schemas.microsoft.com/office/drawing/2010/main">
+        <mc:Choice Requires="a14">
           <p:sp>
             <p:nvSpPr>
               <p:cNvPr id="118" name="TextBox 117">
@@ -51126,7 +51156,7 @@
             </p:txBody>
           </p:sp>
         </mc:Choice>
-        <mc:Fallback>
+        <mc:Fallback xmlns="">
           <p:sp>
             <p:nvSpPr>
               <p:cNvPr id="118" name="TextBox 117">
@@ -51171,8 +51201,8 @@
           </p:sp>
         </mc:Fallback>
       </mc:AlternateContent>
-      <mc:AlternateContent xmlns:mc="http://schemas.openxmlformats.org/markup-compatibility/2006">
-        <mc:Choice xmlns:a14="http://schemas.microsoft.com/office/drawing/2010/main" Requires="a14">
+      <mc:AlternateContent xmlns:mc="http://schemas.openxmlformats.org/markup-compatibility/2006" xmlns:a14="http://schemas.microsoft.com/office/drawing/2010/main">
+        <mc:Choice Requires="a14">
           <p:sp>
             <p:nvSpPr>
               <p:cNvPr id="119" name="TextBox 118">
@@ -51241,7 +51271,7 @@
             </p:txBody>
           </p:sp>
         </mc:Choice>
-        <mc:Fallback>
+        <mc:Fallback xmlns="">
           <p:sp>
             <p:nvSpPr>
               <p:cNvPr id="119" name="TextBox 118">
@@ -51286,8 +51316,8 @@
           </p:sp>
         </mc:Fallback>
       </mc:AlternateContent>
-      <mc:AlternateContent xmlns:mc="http://schemas.openxmlformats.org/markup-compatibility/2006">
-        <mc:Choice xmlns:a14="http://schemas.microsoft.com/office/drawing/2010/main" Requires="a14">
+      <mc:AlternateContent xmlns:mc="http://schemas.openxmlformats.org/markup-compatibility/2006" xmlns:a14="http://schemas.microsoft.com/office/drawing/2010/main">
+        <mc:Choice Requires="a14">
           <p:sp>
             <p:nvSpPr>
               <p:cNvPr id="121" name="TextBox 120">
@@ -51356,7 +51386,7 @@
             </p:txBody>
           </p:sp>
         </mc:Choice>
-        <mc:Fallback>
+        <mc:Fallback xmlns="">
           <p:sp>
             <p:nvSpPr>
               <p:cNvPr id="121" name="TextBox 120">
@@ -51401,8 +51431,8 @@
           </p:sp>
         </mc:Fallback>
       </mc:AlternateContent>
-      <mc:AlternateContent xmlns:mc="http://schemas.openxmlformats.org/markup-compatibility/2006">
-        <mc:Choice xmlns:a14="http://schemas.microsoft.com/office/drawing/2010/main" Requires="a14">
+      <mc:AlternateContent xmlns:mc="http://schemas.openxmlformats.org/markup-compatibility/2006" xmlns:a14="http://schemas.microsoft.com/office/drawing/2010/main">
+        <mc:Choice Requires="a14">
           <p:sp>
             <p:nvSpPr>
               <p:cNvPr id="125" name="Rounded Rectangle 124">
@@ -51548,7 +51578,7 @@
             </p:txBody>
           </p:sp>
         </mc:Choice>
-        <mc:Fallback>
+        <mc:Fallback xmlns="">
           <p:sp>
             <p:nvSpPr>
               <p:cNvPr id="125" name="Rounded Rectangle 124">
@@ -51598,8 +51628,8 @@
           </p:sp>
         </mc:Fallback>
       </mc:AlternateContent>
-      <mc:AlternateContent xmlns:mc="http://schemas.openxmlformats.org/markup-compatibility/2006">
-        <mc:Choice xmlns:a14="http://schemas.microsoft.com/office/drawing/2010/main" Requires="a14">
+      <mc:AlternateContent xmlns:mc="http://schemas.openxmlformats.org/markup-compatibility/2006" xmlns:a14="http://schemas.microsoft.com/office/drawing/2010/main">
+        <mc:Choice Requires="a14">
           <p:sp>
             <p:nvSpPr>
               <p:cNvPr id="126" name="Rounded Rectangle 125">
@@ -51745,7 +51775,7 @@
             </p:txBody>
           </p:sp>
         </mc:Choice>
-        <mc:Fallback>
+        <mc:Fallback xmlns="">
           <p:sp>
             <p:nvSpPr>
               <p:cNvPr id="126" name="Rounded Rectangle 125">
@@ -51795,8 +51825,8 @@
           </p:sp>
         </mc:Fallback>
       </mc:AlternateContent>
-      <mc:AlternateContent xmlns:mc="http://schemas.openxmlformats.org/markup-compatibility/2006">
-        <mc:Choice xmlns:a14="http://schemas.microsoft.com/office/drawing/2010/main" Requires="a14">
+      <mc:AlternateContent xmlns:mc="http://schemas.openxmlformats.org/markup-compatibility/2006" xmlns:a14="http://schemas.microsoft.com/office/drawing/2010/main">
+        <mc:Choice Requires="a14">
           <p:sp>
             <p:nvSpPr>
               <p:cNvPr id="128" name="Rounded Rectangle 127">
@@ -51942,7 +51972,7 @@
             </p:txBody>
           </p:sp>
         </mc:Choice>
-        <mc:Fallback>
+        <mc:Fallback xmlns="">
           <p:sp>
             <p:nvSpPr>
               <p:cNvPr id="128" name="Rounded Rectangle 127">
